--- a/assets/The Art of Agile Documentation — Presentation — by David Sabine.pptx
+++ b/assets/The Art of Agile Documentation — Presentation — by David Sabine.pptx
@@ -9,7 +9,7 @@
   </p:notesMasterIdLst>
   <p:sldIdLst>
     <p:sldId id="256" r:id="rId2"/>
-    <p:sldId id="258" r:id="rId3"/>
+    <p:sldId id="278" r:id="rId3"/>
     <p:sldId id="257" r:id="rId4"/>
     <p:sldId id="259" r:id="rId5"/>
     <p:sldId id="260" r:id="rId6"/>
@@ -133,7 +133,7 @@
         <p14:section name="Introduction-me" id="{49320B47-FC6B-4395-9195-050A3A9C7D90}">
           <p14:sldIdLst>
             <p14:sldId id="256"/>
-            <p14:sldId id="258"/>
+            <p14:sldId id="278"/>
           </p14:sldIdLst>
         </p14:section>
         <p14:section name="Introduction-topic" id="{7F34FFB7-4758-45EE-8619-8990743BD4F4}">
@@ -2253,12 +2253,12 @@
         </a:fontRef>
       </dsp:style>
       <dsp:txBody>
-        <a:bodyPr spcFirstLastPara="0" vert="horz" wrap="square" lIns="57150" tIns="57150" rIns="57150" bIns="57150" numCol="1" spcCol="1270" anchor="ctr" anchorCtr="0">
+        <a:bodyPr spcFirstLastPara="0" vert="horz" wrap="square" lIns="60960" tIns="60960" rIns="60960" bIns="60960" numCol="1" spcCol="1270" anchor="ctr" anchorCtr="0">
           <a:noAutofit/>
         </a:bodyPr>
         <a:lstStyle/>
         <a:p>
-          <a:pPr marL="0" lvl="0" indent="0" algn="ctr" defTabSz="666750">
+          <a:pPr marL="0" lvl="0" indent="0" algn="ctr" defTabSz="711200">
             <a:lnSpc>
               <a:spcPct val="90000"/>
             </a:lnSpc>
@@ -2271,7 +2271,7 @@
             <a:buNone/>
           </a:pPr>
           <a:r>
-            <a:rPr lang="en-CA" sz="1500" kern="1200" dirty="0"/>
+            <a:rPr lang="en-CA" sz="1600" kern="1200" dirty="0"/>
             <a:t>Large Batch Analysis</a:t>
           </a:r>
         </a:p>
@@ -2410,12 +2410,12 @@
         </a:fontRef>
       </dsp:style>
       <dsp:txBody>
-        <a:bodyPr spcFirstLastPara="0" vert="horz" wrap="square" lIns="57150" tIns="57150" rIns="57150" bIns="57150" numCol="1" spcCol="1270" anchor="ctr" anchorCtr="0">
+        <a:bodyPr spcFirstLastPara="0" vert="horz" wrap="square" lIns="60960" tIns="60960" rIns="60960" bIns="60960" numCol="1" spcCol="1270" anchor="ctr" anchorCtr="0">
           <a:noAutofit/>
         </a:bodyPr>
         <a:lstStyle/>
         <a:p>
-          <a:pPr marL="0" lvl="0" indent="0" algn="ctr" defTabSz="666750">
+          <a:pPr marL="0" lvl="0" indent="0" algn="ctr" defTabSz="711200">
             <a:lnSpc>
               <a:spcPct val="90000"/>
             </a:lnSpc>
@@ -2428,7 +2428,7 @@
             <a:buNone/>
           </a:pPr>
           <a:r>
-            <a:rPr lang="en-CA" sz="1500" kern="1200" dirty="0"/>
+            <a:rPr lang="en-CA" sz="1600" kern="1200" dirty="0"/>
             <a:t>Implementation “Phase”</a:t>
           </a:r>
         </a:p>
@@ -2518,12 +2518,12 @@
         </a:fontRef>
       </dsp:style>
       <dsp:txBody>
-        <a:bodyPr spcFirstLastPara="0" vert="horz" wrap="square" lIns="57150" tIns="57150" rIns="57150" bIns="57150" numCol="1" spcCol="1270" anchor="ctr" anchorCtr="0">
+        <a:bodyPr spcFirstLastPara="0" vert="horz" wrap="square" lIns="60960" tIns="60960" rIns="60960" bIns="60960" numCol="1" spcCol="1270" anchor="ctr" anchorCtr="0">
           <a:noAutofit/>
         </a:bodyPr>
         <a:lstStyle/>
         <a:p>
-          <a:pPr marL="0" lvl="0" indent="0" algn="ctr" defTabSz="666750">
+          <a:pPr marL="0" lvl="0" indent="0" algn="ctr" defTabSz="711200">
             <a:lnSpc>
               <a:spcPct val="90000"/>
             </a:lnSpc>
@@ -2536,7 +2536,7 @@
             <a:buNone/>
           </a:pPr>
           <a:r>
-            <a:rPr lang="en-CA" sz="1500" kern="1200" dirty="0"/>
+            <a:rPr lang="en-CA" sz="1600" kern="1200" dirty="0"/>
             <a:t>“Launch”</a:t>
           </a:r>
         </a:p>
@@ -5514,7 +5514,7 @@
           <a:p>
             <a:fld id="{95763BDF-D3ED-46B3-9ECF-8FA0F3E3C62A}" type="datetimeFigureOut">
               <a:rPr lang="en-CA" smtClean="0"/>
-              <a:t>2018-11-22</a:t>
+              <a:t>2018-12-06</a:t>
             </a:fld>
             <a:endParaRPr lang="en-CA"/>
           </a:p>
@@ -7365,7 +7365,7 @@
                 <a:ea typeface="+mn-ea"/>
                 <a:cs typeface="+mn-cs"/>
               </a:rPr>
-              <a:t>2:48pm</a:t>
+              <a:t>2:45pm</a:t>
             </a:r>
           </a:p>
           <a:p>
@@ -7399,7 +7399,7 @@
     </p:spTree>
     <p:extLst>
       <p:ext uri="{BB962C8B-B14F-4D97-AF65-F5344CB8AC3E}">
-        <p14:creationId xmlns:p14="http://schemas.microsoft.com/office/powerpoint/2010/main" val="3953361026"/>
+        <p14:creationId xmlns:p14="http://schemas.microsoft.com/office/powerpoint/2010/main" val="414710074"/>
       </p:ext>
     </p:extLst>
   </p:cSld>
@@ -8631,7 +8631,7 @@
           <a:p>
             <a:fld id="{083325E5-58DE-48C6-9965-21250A006E51}" type="datetime1">
               <a:rPr lang="en-CA" smtClean="0"/>
-              <a:t>2018-11-22</a:t>
+              <a:t>2018-12-06</a:t>
             </a:fld>
             <a:endParaRPr lang="en-CA"/>
           </a:p>
@@ -8834,7 +8834,7 @@
           <a:p>
             <a:fld id="{3B973A88-4A99-4D63-B057-D63B46DF4DFC}" type="datetime1">
               <a:rPr lang="en-CA" smtClean="0"/>
-              <a:t>2018-11-22</a:t>
+              <a:t>2018-12-06</a:t>
             </a:fld>
             <a:endParaRPr lang="en-CA"/>
           </a:p>
@@ -9047,7 +9047,7 @@
           <a:p>
             <a:fld id="{92CF829B-A66E-4FF5-B87A-23FBCD4BFBFD}" type="datetime1">
               <a:rPr lang="en-CA" smtClean="0"/>
-              <a:t>2018-11-22</a:t>
+              <a:t>2018-12-06</a:t>
             </a:fld>
             <a:endParaRPr lang="en-CA"/>
           </a:p>
@@ -9250,7 +9250,7 @@
           <a:p>
             <a:fld id="{5BA4A058-591E-4094-9828-1079517CB278}" type="datetime1">
               <a:rPr lang="en-CA" smtClean="0"/>
-              <a:t>2018-11-22</a:t>
+              <a:t>2018-12-06</a:t>
             </a:fld>
             <a:endParaRPr lang="en-CA"/>
           </a:p>
@@ -9529,7 +9529,7 @@
           <a:p>
             <a:fld id="{4D217126-1693-4CF8-8AD6-4E67FDEFEBD5}" type="datetime1">
               <a:rPr lang="en-CA" smtClean="0"/>
-              <a:t>2018-11-22</a:t>
+              <a:t>2018-12-06</a:t>
             </a:fld>
             <a:endParaRPr lang="en-CA"/>
           </a:p>
@@ -9800,7 +9800,7 @@
           <a:p>
             <a:fld id="{A6A4EBA7-C4B2-4D1A-832E-BB546FE63970}" type="datetime1">
               <a:rPr lang="en-CA" smtClean="0"/>
-              <a:t>2018-11-22</a:t>
+              <a:t>2018-12-06</a:t>
             </a:fld>
             <a:endParaRPr lang="en-CA"/>
           </a:p>
@@ -10213,9 +10213,9 @@
           <a:p>
             <a:fld id="{4E43E235-AD3C-46A9-B36E-7BD0B0B69656}" type="datetime1">
               <a:rPr lang="en-CA" smtClean="0"/>
-              <a:t>2018-11-22</a:t>
+              <a:t>2018-12-06</a:t>
             </a:fld>
-            <a:endParaRPr lang="en-CA"/>
+            <a:endParaRPr lang="en-CA" dirty="0"/>
           </a:p>
         </p:txBody>
       </p:sp>
@@ -10358,7 +10358,7 @@
           <a:p>
             <a:fld id="{5E27445B-9EA3-486F-857E-85BA17D82FCD}" type="datetime1">
               <a:rPr lang="en-CA" smtClean="0"/>
-              <a:t>2018-11-22</a:t>
+              <a:t>2018-12-06</a:t>
             </a:fld>
             <a:endParaRPr lang="en-CA"/>
           </a:p>
@@ -10474,7 +10474,7 @@
           <a:p>
             <a:fld id="{6BBBD15F-E905-474B-A04F-3638F0C11E43}" type="datetime1">
               <a:rPr lang="en-CA" smtClean="0"/>
-              <a:t>2018-11-22</a:t>
+              <a:t>2018-12-06</a:t>
             </a:fld>
             <a:endParaRPr lang="en-CA"/>
           </a:p>
@@ -10808,7 +10808,7 @@
           <a:p>
             <a:fld id="{2F0DC550-C99C-4D32-A69A-789A01E2D7D4}" type="datetime1">
               <a:rPr lang="en-CA" smtClean="0"/>
-              <a:t>2018-11-22</a:t>
+              <a:t>2018-12-06</a:t>
             </a:fld>
             <a:endParaRPr lang="en-CA" dirty="0"/>
           </a:p>
@@ -11113,7 +11113,7 @@
           <a:p>
             <a:fld id="{ABD80965-908C-4B11-A5FF-F6EF6B6466BF}" type="datetime1">
               <a:rPr lang="en-CA" smtClean="0"/>
-              <a:t>2018-11-22</a:t>
+              <a:t>2018-12-06</a:t>
             </a:fld>
             <a:endParaRPr lang="en-CA"/>
           </a:p>
@@ -11359,7 +11359,7 @@
           <a:p>
             <a:fld id="{2F0DC550-C99C-4D32-A69A-789A01E2D7D4}" type="datetime1">
               <a:rPr lang="en-CA" smtClean="0"/>
-              <a:t>2018-11-22</a:t>
+              <a:t>2018-12-06</a:t>
             </a:fld>
             <a:endParaRPr lang="en-CA"/>
           </a:p>
@@ -11458,45 +11458,6 @@
           </a:p>
         </p:txBody>
       </p:sp>
-      <p:pic>
-        <p:nvPicPr>
-          <p:cNvPr id="7" name="Graphic 6">
-            <a:extLst>
-              <a:ext uri="{FF2B5EF4-FFF2-40B4-BE49-F238E27FC236}">
-                <a16:creationId xmlns:a16="http://schemas.microsoft.com/office/drawing/2014/main" id="{AA8C50C6-9017-467C-B180-2BA56743BA30}"/>
-              </a:ext>
-            </a:extLst>
-          </p:cNvPr>
-          <p:cNvPicPr>
-            <a:picLocks noChangeAspect="1"/>
-          </p:cNvPicPr>
-          <p:nvPr userDrawn="1"/>
-        </p:nvPicPr>
-        <p:blipFill>
-          <a:blip r:embed="rId13">
-            <a:extLst>
-              <a:ext uri="{28A0092B-C50C-407E-A947-70E740481C1C}">
-                <a14:useLocalDpi xmlns:a14="http://schemas.microsoft.com/office/drawing/2010/main" val="0"/>
-              </a:ext>
-              <a:ext uri="{96DAC541-7B7A-43D3-8B79-37D633B846F1}">
-                <asvg:svgBlip xmlns:asvg="http://schemas.microsoft.com/office/drawing/2016/SVG/main" r:embed="rId14"/>
-              </a:ext>
-            </a:extLst>
-          </a:blip>
-          <a:stretch>
-            <a:fillRect/>
-          </a:stretch>
-        </p:blipFill>
-        <p:spPr>
-          <a:xfrm>
-            <a:off x="919491" y="6465994"/>
-            <a:ext cx="740901" cy="135119"/>
-          </a:xfrm>
-          <a:prstGeom prst="rect">
-            <a:avLst/>
-          </a:prstGeom>
-        </p:spPr>
-      </p:pic>
     </p:spTree>
     <p:extLst>
       <p:ext uri="{BB962C8B-B14F-4D97-AF65-F5344CB8AC3E}">
@@ -15472,10 +15433,10 @@
       </p:grpSpPr>
       <p:sp>
         <p:nvSpPr>
-          <p:cNvPr id="4" name="Title 3">
+          <p:cNvPr id="3" name="Title 2">
             <a:extLst>
               <a:ext uri="{FF2B5EF4-FFF2-40B4-BE49-F238E27FC236}">
-                <a16:creationId xmlns:a16="http://schemas.microsoft.com/office/drawing/2014/main" id="{EDBA5A9F-6B59-40CE-95FA-E3C4A1AD7DA6}"/>
+                <a16:creationId xmlns:a16="http://schemas.microsoft.com/office/drawing/2014/main" id="{00BD3A92-C1CB-400E-A589-60EDADDED7BE}"/>
               </a:ext>
             </a:extLst>
           </p:cNvPr>
@@ -15483,7 +15444,7 @@
             <a:spLocks noGrp="1"/>
           </p:cNvSpPr>
           <p:nvPr>
-            <p:ph type="ctrTitle"/>
+            <p:ph type="title"/>
           </p:nvPr>
         </p:nvSpPr>
         <p:spPr/>
@@ -15491,32 +15452,105 @@
           <a:bodyPr/>
           <a:lstStyle/>
           <a:p>
-            <a:r>
-              <a:rPr lang="en-CA" dirty="0"/>
-              <a:t>DAVID</a:t>
-            </a:r>
-            <a:br>
-              <a:rPr lang="en-CA" dirty="0"/>
-            </a:br>
-            <a:r>
-              <a:rPr lang="en-CA" dirty="0"/>
-              <a:t>SABINE</a:t>
-            </a:r>
+            <a:endParaRPr lang="en-CA"/>
+          </a:p>
+        </p:txBody>
+      </p:sp>
+      <p:sp>
+        <p:nvSpPr>
+          <p:cNvPr id="5" name="Subtitle 4">
+            <a:extLst>
+              <a:ext uri="{FF2B5EF4-FFF2-40B4-BE49-F238E27FC236}">
+                <a16:creationId xmlns:a16="http://schemas.microsoft.com/office/drawing/2014/main" id="{B98B6AE8-0BD4-461E-A41B-D452A41BF401}"/>
+              </a:ext>
+            </a:extLst>
+          </p:cNvPr>
+          <p:cNvSpPr>
+            <a:spLocks noGrp="1"/>
+          </p:cNvSpPr>
+          <p:nvPr>
+            <p:ph type="subTitle" idx="4294967295"/>
+          </p:nvPr>
+        </p:nvSpPr>
+        <p:spPr>
+          <a:xfrm>
+            <a:off x="731837" y="4522727"/>
+            <a:ext cx="10728325" cy="1655762"/>
+          </a:xfrm>
+        </p:spPr>
+        <p:txBody>
+          <a:bodyPr/>
+          <a:lstStyle/>
+          <a:p>
+            <a:pPr marL="0" indent="0">
+              <a:buNone/>
+            </a:pPr>
+            <a:r>
+              <a:rPr lang="en-US" altLang="en-US" dirty="0">
+                <a:solidFill>
+                  <a:srgbClr val="373737"/>
+                </a:solidFill>
+                <a:latin typeface="inherit"/>
+              </a:rPr>
+              <a:t>This work is licensed under a </a:t>
+            </a:r>
+            <a:r>
+              <a:rPr lang="en-US" altLang="en-US" dirty="0">
+                <a:solidFill>
+                  <a:srgbClr val="0F79D0"/>
+                </a:solidFill>
+                <a:latin typeface="inherit"/>
+                <a:hlinkClick r:id="rId3"/>
+              </a:rPr>
+              <a:t>Creative Commons Attribution-</a:t>
+            </a:r>
+            <a:r>
+              <a:rPr lang="en-US" altLang="en-US" dirty="0" err="1">
+                <a:solidFill>
+                  <a:srgbClr val="0F79D0"/>
+                </a:solidFill>
+                <a:latin typeface="inherit"/>
+                <a:hlinkClick r:id="rId3"/>
+              </a:rPr>
+              <a:t>ShareAlike</a:t>
+            </a:r>
+            <a:r>
+              <a:rPr lang="en-US" altLang="en-US" dirty="0">
+                <a:solidFill>
+                  <a:srgbClr val="0F79D0"/>
+                </a:solidFill>
+                <a:latin typeface="inherit"/>
+                <a:hlinkClick r:id="rId3"/>
+              </a:rPr>
+              <a:t> 4.0 International License</a:t>
+            </a:r>
+            <a:r>
+              <a:rPr lang="en-US" altLang="en-US" dirty="0">
+                <a:solidFill>
+                  <a:srgbClr val="373737"/>
+                </a:solidFill>
+                <a:latin typeface="inherit"/>
+              </a:rPr>
+              <a:t>.</a:t>
+            </a:r>
+            <a:endParaRPr lang="en-US" altLang="en-US" dirty="0">
+              <a:latin typeface="Arial" panose="020B0604020202020204" pitchFamily="34" charset="0"/>
+            </a:endParaRPr>
           </a:p>
         </p:txBody>
       </p:sp>
       <p:pic>
         <p:nvPicPr>
-          <p:cNvPr id="9" name="Graphic 8">
+          <p:cNvPr id="8" name="Picture 2" descr="Creative Commons License">
             <a:hlinkClick r:id="rId3"/>
             <a:extLst>
               <a:ext uri="{FF2B5EF4-FFF2-40B4-BE49-F238E27FC236}">
-                <a16:creationId xmlns:a16="http://schemas.microsoft.com/office/drawing/2014/main" id="{D9B1CBC4-7DAF-4E3D-A8F4-A0DBD46E323A}"/>
+                <a16:creationId xmlns:a16="http://schemas.microsoft.com/office/drawing/2014/main" id="{21E563D7-3C53-4E85-B977-9B50256106EE}"/>
               </a:ext>
             </a:extLst>
           </p:cNvPr>
           <p:cNvPicPr>
-            <a:picLocks noChangeAspect="1"/>
+            <a:picLocks noChangeAspect="1" noChangeArrowheads="1"/>
           </p:cNvPicPr>
           <p:nvPr/>
         </p:nvPicPr>
@@ -15526,151 +15560,37 @@
               <a:ext uri="{28A0092B-C50C-407E-A947-70E740481C1C}">
                 <a14:useLocalDpi xmlns:a14="http://schemas.microsoft.com/office/drawing/2010/main" val="0"/>
               </a:ext>
-              <a:ext uri="{96DAC541-7B7A-43D3-8B79-37D633B846F1}">
-                <asvg:svgBlip xmlns:asvg="http://schemas.microsoft.com/office/drawing/2016/SVG/main" r:embed="rId5"/>
-              </a:ext>
             </a:extLst>
           </a:blip>
+          <a:srcRect/>
           <a:stretch>
             <a:fillRect/>
           </a:stretch>
         </p:blipFill>
-        <p:spPr>
+        <p:spPr bwMode="auto">
           <a:xfrm>
-            <a:off x="4334649" y="4016400"/>
-            <a:ext cx="286650" cy="327600"/>
+            <a:off x="838200" y="4227451"/>
+            <a:ext cx="838200" cy="295276"/>
           </a:xfrm>
           <a:prstGeom prst="rect">
             <a:avLst/>
           </a:prstGeom>
-        </p:spPr>
-      </p:pic>
-      <p:pic>
-        <p:nvPicPr>
-          <p:cNvPr id="11" name="Graphic 10">
-            <a:hlinkClick r:id="rId6"/>
-            <a:extLst>
-              <a:ext uri="{FF2B5EF4-FFF2-40B4-BE49-F238E27FC236}">
-                <a16:creationId xmlns:a16="http://schemas.microsoft.com/office/drawing/2014/main" id="{49F5214D-9920-4C38-8BE4-B27A24414750}"/>
-              </a:ext>
-            </a:extLst>
-          </p:cNvPr>
-          <p:cNvPicPr>
-            <a:picLocks noChangeAspect="1"/>
-          </p:cNvPicPr>
-          <p:nvPr/>
-        </p:nvPicPr>
-        <p:blipFill>
-          <a:blip r:embed="rId7">
-            <a:extLst>
-              <a:ext uri="{28A0092B-C50C-407E-A947-70E740481C1C}">
-                <a14:useLocalDpi xmlns:a14="http://schemas.microsoft.com/office/drawing/2010/main" val="0"/>
-              </a:ext>
-              <a:ext uri="{96DAC541-7B7A-43D3-8B79-37D633B846F1}">
-                <asvg:svgBlip xmlns:asvg="http://schemas.microsoft.com/office/drawing/2016/SVG/main" r:embed="rId8"/>
-              </a:ext>
-            </a:extLst>
-          </a:blip>
-          <a:stretch>
-            <a:fillRect/>
-          </a:stretch>
-        </p:blipFill>
-        <p:spPr>
-          <a:xfrm>
-            <a:off x="3931920" y="4016400"/>
-            <a:ext cx="286650" cy="327600"/>
-          </a:xfrm>
-          <a:prstGeom prst="rect">
-            <a:avLst/>
-          </a:prstGeom>
-        </p:spPr>
-      </p:pic>
-      <p:cxnSp>
-        <p:nvCxnSpPr>
-          <p:cNvPr id="3" name="Straight Connector 2">
-            <a:extLst>
-              <a:ext uri="{FF2B5EF4-FFF2-40B4-BE49-F238E27FC236}">
-                <a16:creationId xmlns:a16="http://schemas.microsoft.com/office/drawing/2014/main" id="{ED3EA41D-1680-4132-80BD-17B044871494}"/>
-              </a:ext>
-            </a:extLst>
-          </p:cNvPr>
-          <p:cNvCxnSpPr>
-            <a:cxnSpLocks/>
-          </p:cNvCxnSpPr>
-          <p:nvPr/>
-        </p:nvCxnSpPr>
-        <p:spPr>
-          <a:xfrm flipH="1">
-            <a:off x="1" y="1695238"/>
-            <a:ext cx="3931919" cy="0"/>
-          </a:xfrm>
-          <a:prstGeom prst="line">
-            <a:avLst/>
-          </a:prstGeom>
-          <a:ln w="22225" cmpd="sng">
-            <a:solidFill>
-              <a:schemeClr val="accent2"/>
-            </a:solidFill>
-          </a:ln>
-        </p:spPr>
-        <p:style>
-          <a:lnRef idx="1">
-            <a:schemeClr val="accent1"/>
-          </a:lnRef>
-          <a:fillRef idx="0">
-            <a:schemeClr val="accent1"/>
-          </a:fillRef>
-          <a:effectRef idx="0">
-            <a:schemeClr val="accent1"/>
-          </a:effectRef>
-          <a:fontRef idx="minor">
-            <a:schemeClr val="tx1"/>
-          </a:fontRef>
-        </p:style>
-      </p:cxnSp>
-      <p:pic>
-        <p:nvPicPr>
-          <p:cNvPr id="8" name="Graphic 7">
-            <a:extLst>
-              <a:ext uri="{FF2B5EF4-FFF2-40B4-BE49-F238E27FC236}">
-                <a16:creationId xmlns:a16="http://schemas.microsoft.com/office/drawing/2014/main" id="{BBF782DD-8490-43FD-BC53-6A3AF3E71096}"/>
-              </a:ext>
-            </a:extLst>
-          </p:cNvPr>
-          <p:cNvPicPr>
-            <a:picLocks noChangeAspect="1"/>
-          </p:cNvPicPr>
-          <p:nvPr/>
-        </p:nvPicPr>
-        <p:blipFill>
-          <a:blip r:embed="rId9">
-            <a:extLst>
-              <a:ext uri="{28A0092B-C50C-407E-A947-70E740481C1C}">
-                <a14:useLocalDpi xmlns:a14="http://schemas.microsoft.com/office/drawing/2010/main" val="0"/>
-              </a:ext>
-              <a:ext uri="{96DAC541-7B7A-43D3-8B79-37D633B846F1}">
-                <asvg:svgBlip xmlns:asvg="http://schemas.microsoft.com/office/drawing/2016/SVG/main" r:embed="rId10"/>
-              </a:ext>
-            </a:extLst>
-          </a:blip>
-          <a:stretch>
-            <a:fillRect/>
-          </a:stretch>
-        </p:blipFill>
-        <p:spPr>
-          <a:xfrm>
-            <a:off x="732342" y="869617"/>
-            <a:ext cx="3199578" cy="583509"/>
-          </a:xfrm>
-          <a:prstGeom prst="rect">
-            <a:avLst/>
-          </a:prstGeom>
+          <a:noFill/>
+          <a:extLst>
+            <a:ext uri="{909E8E84-426E-40DD-AFC4-6F175D3DCCD1}">
+              <a14:hiddenFill xmlns:a14="http://schemas.microsoft.com/office/drawing/2010/main">
+                <a:solidFill>
+                  <a:srgbClr val="FFFFFF"/>
+                </a:solidFill>
+              </a14:hiddenFill>
+            </a:ext>
+          </a:extLst>
         </p:spPr>
       </p:pic>
     </p:spTree>
     <p:extLst>
       <p:ext uri="{BB962C8B-B14F-4D97-AF65-F5344CB8AC3E}">
-        <p14:creationId xmlns:p14="http://schemas.microsoft.com/office/powerpoint/2010/main" val="3633020266"/>
+        <p14:creationId xmlns:p14="http://schemas.microsoft.com/office/powerpoint/2010/main" val="28944842"/>
       </p:ext>
     </p:extLst>
   </p:cSld>
@@ -16150,88 +16070,6 @@
           </a:prstGeom>
         </p:spPr>
       </p:pic>
-      <p:cxnSp>
-        <p:nvCxnSpPr>
-          <p:cNvPr id="3" name="Straight Connector 2">
-            <a:extLst>
-              <a:ext uri="{FF2B5EF4-FFF2-40B4-BE49-F238E27FC236}">
-                <a16:creationId xmlns:a16="http://schemas.microsoft.com/office/drawing/2014/main" id="{ED3EA41D-1680-4132-80BD-17B044871494}"/>
-              </a:ext>
-            </a:extLst>
-          </p:cNvPr>
-          <p:cNvCxnSpPr>
-            <a:cxnSpLocks/>
-          </p:cNvCxnSpPr>
-          <p:nvPr/>
-        </p:nvCxnSpPr>
-        <p:spPr>
-          <a:xfrm flipH="1">
-            <a:off x="1" y="1695238"/>
-            <a:ext cx="3931919" cy="0"/>
-          </a:xfrm>
-          <a:prstGeom prst="line">
-            <a:avLst/>
-          </a:prstGeom>
-          <a:ln w="22225" cmpd="sng">
-            <a:solidFill>
-              <a:schemeClr val="accent2"/>
-            </a:solidFill>
-          </a:ln>
-        </p:spPr>
-        <p:style>
-          <a:lnRef idx="1">
-            <a:schemeClr val="accent1"/>
-          </a:lnRef>
-          <a:fillRef idx="0">
-            <a:schemeClr val="accent1"/>
-          </a:fillRef>
-          <a:effectRef idx="0">
-            <a:schemeClr val="accent1"/>
-          </a:effectRef>
-          <a:fontRef idx="minor">
-            <a:schemeClr val="tx1"/>
-          </a:fontRef>
-        </p:style>
-      </p:cxnSp>
-      <p:pic>
-        <p:nvPicPr>
-          <p:cNvPr id="8" name="Graphic 7">
-            <a:extLst>
-              <a:ext uri="{FF2B5EF4-FFF2-40B4-BE49-F238E27FC236}">
-                <a16:creationId xmlns:a16="http://schemas.microsoft.com/office/drawing/2014/main" id="{BBF782DD-8490-43FD-BC53-6A3AF3E71096}"/>
-              </a:ext>
-            </a:extLst>
-          </p:cNvPr>
-          <p:cNvPicPr>
-            <a:picLocks noChangeAspect="1"/>
-          </p:cNvPicPr>
-          <p:nvPr/>
-        </p:nvPicPr>
-        <p:blipFill>
-          <a:blip r:embed="rId9">
-            <a:extLst>
-              <a:ext uri="{28A0092B-C50C-407E-A947-70E740481C1C}">
-                <a14:useLocalDpi xmlns:a14="http://schemas.microsoft.com/office/drawing/2010/main" val="0"/>
-              </a:ext>
-              <a:ext uri="{96DAC541-7B7A-43D3-8B79-37D633B846F1}">
-                <asvg:svgBlip xmlns:asvg="http://schemas.microsoft.com/office/drawing/2016/SVG/main" r:embed="rId10"/>
-              </a:ext>
-            </a:extLst>
-          </a:blip>
-          <a:stretch>
-            <a:fillRect/>
-          </a:stretch>
-        </p:blipFill>
-        <p:spPr>
-          <a:xfrm>
-            <a:off x="732342" y="869617"/>
-            <a:ext cx="3199578" cy="583509"/>
-          </a:xfrm>
-          <a:prstGeom prst="rect">
-            <a:avLst/>
-          </a:prstGeom>
-        </p:spPr>
-      </p:pic>
       <p:sp>
         <p:nvSpPr>
           <p:cNvPr id="7" name="Subtitle 4">
@@ -16264,7 +16102,7 @@
             </a:r>
             <a:r>
               <a:rPr lang="en-CA" sz="6600" dirty="0">
-                <a:hlinkClick r:id="rId11"/>
+                <a:hlinkClick r:id="rId9"/>
               </a:rPr>
               <a:t>http://bit.ly/2qUPPAO</a:t>
             </a:r>
@@ -16432,49 +16270,6 @@
           </a:p>
         </p:txBody>
       </p:sp>
-      <p:cxnSp>
-        <p:nvCxnSpPr>
-          <p:cNvPr id="8" name="Straight Connector 7">
-            <a:extLst>
-              <a:ext uri="{FF2B5EF4-FFF2-40B4-BE49-F238E27FC236}">
-                <a16:creationId xmlns:a16="http://schemas.microsoft.com/office/drawing/2014/main" id="{289947AB-33FC-42CE-BF9C-76A6BFC8C87C}"/>
-              </a:ext>
-            </a:extLst>
-          </p:cNvPr>
-          <p:cNvCxnSpPr>
-            <a:cxnSpLocks/>
-          </p:cNvCxnSpPr>
-          <p:nvPr/>
-        </p:nvCxnSpPr>
-        <p:spPr>
-          <a:xfrm flipH="1">
-            <a:off x="7034" y="2785405"/>
-            <a:ext cx="3165231" cy="0"/>
-          </a:xfrm>
-          <a:prstGeom prst="line">
-            <a:avLst/>
-          </a:prstGeom>
-          <a:ln w="28575">
-            <a:solidFill>
-              <a:schemeClr val="accent2"/>
-            </a:solidFill>
-          </a:ln>
-        </p:spPr>
-        <p:style>
-          <a:lnRef idx="1">
-            <a:schemeClr val="accent1"/>
-          </a:lnRef>
-          <a:fillRef idx="0">
-            <a:schemeClr val="accent1"/>
-          </a:fillRef>
-          <a:effectRef idx="0">
-            <a:schemeClr val="accent1"/>
-          </a:effectRef>
-          <a:fontRef idx="minor">
-            <a:schemeClr val="tx1"/>
-          </a:fontRef>
-        </p:style>
-      </p:cxnSp>
     </p:spTree>
     <p:extLst>
       <p:ext uri="{BB962C8B-B14F-4D97-AF65-F5344CB8AC3E}">
@@ -16635,49 +16430,6 @@
           </a:p>
         </p:txBody>
       </p:sp>
-      <p:cxnSp>
-        <p:nvCxnSpPr>
-          <p:cNvPr id="8" name="Straight Connector 7">
-            <a:extLst>
-              <a:ext uri="{FF2B5EF4-FFF2-40B4-BE49-F238E27FC236}">
-                <a16:creationId xmlns:a16="http://schemas.microsoft.com/office/drawing/2014/main" id="{289947AB-33FC-42CE-BF9C-76A6BFC8C87C}"/>
-              </a:ext>
-            </a:extLst>
-          </p:cNvPr>
-          <p:cNvCxnSpPr>
-            <a:cxnSpLocks/>
-          </p:cNvCxnSpPr>
-          <p:nvPr/>
-        </p:nvCxnSpPr>
-        <p:spPr>
-          <a:xfrm flipH="1">
-            <a:off x="7035" y="2785405"/>
-            <a:ext cx="3116411" cy="0"/>
-          </a:xfrm>
-          <a:prstGeom prst="line">
-            <a:avLst/>
-          </a:prstGeom>
-          <a:ln w="28575">
-            <a:solidFill>
-              <a:schemeClr val="accent2"/>
-            </a:solidFill>
-          </a:ln>
-        </p:spPr>
-        <p:style>
-          <a:lnRef idx="1">
-            <a:schemeClr val="accent1"/>
-          </a:lnRef>
-          <a:fillRef idx="0">
-            <a:schemeClr val="accent1"/>
-          </a:fillRef>
-          <a:effectRef idx="0">
-            <a:schemeClr val="accent1"/>
-          </a:effectRef>
-          <a:fontRef idx="minor">
-            <a:schemeClr val="tx1"/>
-          </a:fontRef>
-        </p:style>
-      </p:cxnSp>
     </p:spTree>
     <p:extLst>
       <p:ext uri="{BB962C8B-B14F-4D97-AF65-F5344CB8AC3E}">
@@ -17907,7 +17659,7 @@
             </a:br>
             <a:r>
               <a:rPr lang="en-CA" dirty="0"/>
-              <a:t>‘POINT OF IMPLEMENTATION’</a:t>
+              <a:t>POINT OF IMPLEMENTATION</a:t>
             </a:r>
           </a:p>
         </p:txBody>

--- a/assets/The Art of Agile Documentation — Presentation — by David Sabine.pptx
+++ b/assets/The Art of Agile Documentation — Presentation — by David Sabine.pptx
@@ -2,7 +2,7 @@
 <file path=ppt/presentation.xml><?xml version="1.0" encoding="utf-8"?>
 <p:presentation xmlns:a="http://schemas.openxmlformats.org/drawingml/2006/main" xmlns:r="http://schemas.openxmlformats.org/officeDocument/2006/relationships" xmlns:p="http://schemas.openxmlformats.org/presentationml/2006/main" showSpecialPlsOnTitleSld="0" saveSubsetFonts="1">
   <p:sldMasterIdLst>
-    <p:sldMasterId id="2147483660" r:id="rId1"/>
+    <p:sldMasterId id="2147483672" r:id="rId1"/>
   </p:sldMasterIdLst>
   <p:notesMasterIdLst>
     <p:notesMasterId r:id="rId23"/>
@@ -959,249 +959,37 @@
 </file>
 
 <file path=ppt/diagrams/colors2.xml><?xml version="1.0" encoding="utf-8"?>
-<dgm:colorsDef xmlns:dgm="http://schemas.openxmlformats.org/drawingml/2006/diagram" xmlns:a="http://schemas.openxmlformats.org/drawingml/2006/main" uniqueId="urn:microsoft.com/office/officeart/2005/8/colors/accent2_1">
+<dgm:colorsDef xmlns:dgm="http://schemas.openxmlformats.org/drawingml/2006/diagram" xmlns:a="http://schemas.openxmlformats.org/drawingml/2006/main" uniqueId="urn:microsoft.com/office/officeart/2005/8/colors/accent2_2">
   <dgm:title val=""/>
   <dgm:desc val=""/>
   <dgm:catLst>
-    <dgm:cat type="accent2" pri="11100"/>
+    <dgm:cat type="accent2" pri="11200"/>
   </dgm:catLst>
   <dgm:styleLbl name="node0">
     <dgm:fillClrLst meth="repeat">
-      <a:schemeClr val="lt1"/>
+      <a:schemeClr val="accent2"/>
     </dgm:fillClrLst>
     <dgm:linClrLst meth="repeat">
-      <a:schemeClr val="accent2">
-        <a:shade val="80000"/>
-      </a:schemeClr>
-    </dgm:linClrLst>
-    <dgm:effectClrLst/>
-    <dgm:txLinClrLst/>
-    <dgm:txFillClrLst meth="repeat">
-      <a:schemeClr val="dk1"/>
-    </dgm:txFillClrLst>
-    <dgm:txEffectClrLst/>
-  </dgm:styleLbl>
-  <dgm:styleLbl name="node1">
-    <dgm:fillClrLst meth="repeat">
       <a:schemeClr val="lt1"/>
-    </dgm:fillClrLst>
-    <dgm:linClrLst meth="repeat">
-      <a:schemeClr val="accent2">
-        <a:shade val="80000"/>
-      </a:schemeClr>
-    </dgm:linClrLst>
-    <dgm:effectClrLst/>
-    <dgm:txLinClrLst/>
-    <dgm:txFillClrLst meth="repeat">
-      <a:schemeClr val="dk1"/>
-    </dgm:txFillClrLst>
-    <dgm:txEffectClrLst/>
-  </dgm:styleLbl>
-  <dgm:styleLbl name="alignNode1">
-    <dgm:fillClrLst meth="repeat">
-      <a:schemeClr val="lt1"/>
-    </dgm:fillClrLst>
-    <dgm:linClrLst meth="repeat">
-      <a:schemeClr val="accent2">
-        <a:shade val="80000"/>
-      </a:schemeClr>
-    </dgm:linClrLst>
-    <dgm:effectClrLst/>
-    <dgm:txLinClrLst/>
-    <dgm:txFillClrLst meth="repeat">
-      <a:schemeClr val="dk1"/>
-    </dgm:txFillClrLst>
-    <dgm:txEffectClrLst/>
-  </dgm:styleLbl>
-  <dgm:styleLbl name="lnNode1">
-    <dgm:fillClrLst meth="repeat">
-      <a:schemeClr val="lt1"/>
-    </dgm:fillClrLst>
-    <dgm:linClrLst meth="repeat">
-      <a:schemeClr val="accent2">
-        <a:shade val="80000"/>
-      </a:schemeClr>
-    </dgm:linClrLst>
-    <dgm:effectClrLst/>
-    <dgm:txLinClrLst/>
-    <dgm:txFillClrLst meth="repeat">
-      <a:schemeClr val="dk1"/>
-    </dgm:txFillClrLst>
-    <dgm:txEffectClrLst/>
-  </dgm:styleLbl>
-  <dgm:styleLbl name="vennNode1">
-    <dgm:fillClrLst meth="repeat">
-      <a:schemeClr val="lt1">
-        <a:alpha val="50000"/>
-      </a:schemeClr>
-    </dgm:fillClrLst>
-    <dgm:linClrLst meth="repeat">
-      <a:schemeClr val="accent2">
-        <a:shade val="80000"/>
-      </a:schemeClr>
     </dgm:linClrLst>
     <dgm:effectClrLst/>
     <dgm:txLinClrLst/>
     <dgm:txFillClrLst/>
     <dgm:txEffectClrLst/>
   </dgm:styleLbl>
-  <dgm:styleLbl name="node2">
+  <dgm:styleLbl name="node1">
     <dgm:fillClrLst meth="repeat">
-      <a:schemeClr val="lt1"/>
+      <a:schemeClr val="accent2"/>
     </dgm:fillClrLst>
     <dgm:linClrLst meth="repeat">
-      <a:schemeClr val="accent2">
-        <a:shade val="80000"/>
-      </a:schemeClr>
+      <a:schemeClr val="lt1"/>
     </dgm:linClrLst>
     <dgm:effectClrLst/>
     <dgm:txLinClrLst/>
-    <dgm:txFillClrLst meth="repeat">
-      <a:schemeClr val="dk1"/>
-    </dgm:txFillClrLst>
+    <dgm:txFillClrLst/>
     <dgm:txEffectClrLst/>
   </dgm:styleLbl>
-  <dgm:styleLbl name="node3">
-    <dgm:fillClrLst meth="repeat">
-      <a:schemeClr val="lt1"/>
-    </dgm:fillClrLst>
-    <dgm:linClrLst meth="repeat">
-      <a:schemeClr val="accent2">
-        <a:shade val="80000"/>
-      </a:schemeClr>
-    </dgm:linClrLst>
-    <dgm:effectClrLst/>
-    <dgm:txLinClrLst/>
-    <dgm:txFillClrLst meth="repeat">
-      <a:schemeClr val="dk1"/>
-    </dgm:txFillClrLst>
-    <dgm:txEffectClrLst/>
-  </dgm:styleLbl>
-  <dgm:styleLbl name="node4">
-    <dgm:fillClrLst meth="repeat">
-      <a:schemeClr val="lt1"/>
-    </dgm:fillClrLst>
-    <dgm:linClrLst meth="repeat">
-      <a:schemeClr val="accent2">
-        <a:shade val="80000"/>
-      </a:schemeClr>
-    </dgm:linClrLst>
-    <dgm:effectClrLst/>
-    <dgm:txLinClrLst/>
-    <dgm:txFillClrLst meth="repeat">
-      <a:schemeClr val="dk1"/>
-    </dgm:txFillClrLst>
-    <dgm:txEffectClrLst/>
-  </dgm:styleLbl>
-  <dgm:styleLbl name="fgImgPlace1">
-    <dgm:fillClrLst meth="repeat">
-      <a:schemeClr val="accent2">
-        <a:tint val="40000"/>
-      </a:schemeClr>
-    </dgm:fillClrLst>
-    <dgm:linClrLst meth="repeat">
-      <a:schemeClr val="accent2">
-        <a:shade val="80000"/>
-      </a:schemeClr>
-    </dgm:linClrLst>
-    <dgm:effectClrLst/>
-    <dgm:txLinClrLst/>
-    <dgm:txFillClrLst meth="repeat">
-      <a:schemeClr val="lt1"/>
-    </dgm:txFillClrLst>
-    <dgm:txEffectClrLst/>
-  </dgm:styleLbl>
-  <dgm:styleLbl name="alignImgPlace1">
-    <dgm:fillClrLst meth="repeat">
-      <a:schemeClr val="accent2">
-        <a:tint val="40000"/>
-      </a:schemeClr>
-    </dgm:fillClrLst>
-    <dgm:linClrLst meth="repeat">
-      <a:schemeClr val="accent2">
-        <a:shade val="80000"/>
-      </a:schemeClr>
-    </dgm:linClrLst>
-    <dgm:effectClrLst/>
-    <dgm:txLinClrLst/>
-    <dgm:txFillClrLst meth="repeat">
-      <a:schemeClr val="lt1"/>
-    </dgm:txFillClrLst>
-    <dgm:txEffectClrLst/>
-  </dgm:styleLbl>
-  <dgm:styleLbl name="bgImgPlace1">
-    <dgm:fillClrLst meth="repeat">
-      <a:schemeClr val="accent2">
-        <a:tint val="40000"/>
-      </a:schemeClr>
-    </dgm:fillClrLst>
-    <dgm:linClrLst meth="repeat">
-      <a:schemeClr val="accent2">
-        <a:shade val="80000"/>
-      </a:schemeClr>
-    </dgm:linClrLst>
-    <dgm:effectClrLst/>
-    <dgm:txLinClrLst/>
-    <dgm:txFillClrLst meth="repeat">
-      <a:schemeClr val="lt1"/>
-    </dgm:txFillClrLst>
-    <dgm:txEffectClrLst/>
-  </dgm:styleLbl>
-  <dgm:styleLbl name="sibTrans2D1">
-    <dgm:fillClrLst meth="repeat">
-      <a:schemeClr val="accent2">
-        <a:tint val="60000"/>
-      </a:schemeClr>
-    </dgm:fillClrLst>
-    <dgm:linClrLst meth="repeat">
-      <a:schemeClr val="accent2">
-        <a:tint val="60000"/>
-      </a:schemeClr>
-    </dgm:linClrLst>
-    <dgm:effectClrLst/>
-    <dgm:txLinClrLst/>
-    <dgm:txFillClrLst meth="repeat">
-      <a:schemeClr val="dk1"/>
-    </dgm:txFillClrLst>
-    <dgm:txEffectClrLst/>
-  </dgm:styleLbl>
-  <dgm:styleLbl name="fgSibTrans2D1">
-    <dgm:fillClrLst meth="repeat">
-      <a:schemeClr val="accent2">
-        <a:tint val="60000"/>
-      </a:schemeClr>
-    </dgm:fillClrLst>
-    <dgm:linClrLst meth="repeat">
-      <a:schemeClr val="accent2">
-        <a:tint val="60000"/>
-      </a:schemeClr>
-    </dgm:linClrLst>
-    <dgm:effectClrLst/>
-    <dgm:txLinClrLst/>
-    <dgm:txFillClrLst meth="repeat">
-      <a:schemeClr val="dk1"/>
-    </dgm:txFillClrLst>
-    <dgm:txEffectClrLst/>
-  </dgm:styleLbl>
-  <dgm:styleLbl name="bgSibTrans2D1">
-    <dgm:fillClrLst meth="repeat">
-      <a:schemeClr val="accent2">
-        <a:tint val="60000"/>
-      </a:schemeClr>
-    </dgm:fillClrLst>
-    <dgm:linClrLst meth="repeat">
-      <a:schemeClr val="accent2">
-        <a:tint val="60000"/>
-      </a:schemeClr>
-    </dgm:linClrLst>
-    <dgm:effectClrLst/>
-    <dgm:txLinClrLst/>
-    <dgm:txFillClrLst meth="repeat">
-      <a:schemeClr val="dk1"/>
-    </dgm:txFillClrLst>
-    <dgm:txEffectClrLst/>
-  </dgm:styleLbl>
-  <dgm:styleLbl name="sibTrans1D1">
+  <dgm:styleLbl name="alignNode1">
     <dgm:fillClrLst meth="repeat">
       <a:schemeClr val="accent2"/>
     </dgm:fillClrLst>
@@ -1210,106 +998,120 @@
     </dgm:linClrLst>
     <dgm:effectClrLst/>
     <dgm:txLinClrLst/>
-    <dgm:txFillClrLst meth="repeat">
-      <a:schemeClr val="tx1"/>
-    </dgm:txFillClrLst>
+    <dgm:txFillClrLst/>
     <dgm:txEffectClrLst/>
   </dgm:styleLbl>
-  <dgm:styleLbl name="callout">
+  <dgm:styleLbl name="lnNode1">
     <dgm:fillClrLst meth="repeat">
       <a:schemeClr val="accent2"/>
     </dgm:fillClrLst>
     <dgm:linClrLst meth="repeat">
+      <a:schemeClr val="lt1"/>
+    </dgm:linClrLst>
+    <dgm:effectClrLst/>
+    <dgm:txLinClrLst/>
+    <dgm:txFillClrLst/>
+    <dgm:txEffectClrLst/>
+  </dgm:styleLbl>
+  <dgm:styleLbl name="vennNode1">
+    <dgm:fillClrLst meth="repeat">
+      <a:schemeClr val="accent2">
+        <a:alpha val="50000"/>
+      </a:schemeClr>
+    </dgm:fillClrLst>
+    <dgm:linClrLst meth="repeat">
+      <a:schemeClr val="lt1"/>
+    </dgm:linClrLst>
+    <dgm:effectClrLst/>
+    <dgm:txLinClrLst/>
+    <dgm:txFillClrLst/>
+    <dgm:txEffectClrLst/>
+  </dgm:styleLbl>
+  <dgm:styleLbl name="node2">
+    <dgm:fillClrLst meth="repeat">
       <a:schemeClr val="accent2"/>
+    </dgm:fillClrLst>
+    <dgm:linClrLst meth="repeat">
+      <a:schemeClr val="lt1"/>
+    </dgm:linClrLst>
+    <dgm:effectClrLst/>
+    <dgm:txLinClrLst/>
+    <dgm:txFillClrLst/>
+    <dgm:txEffectClrLst/>
+  </dgm:styleLbl>
+  <dgm:styleLbl name="node3">
+    <dgm:fillClrLst meth="repeat">
+      <a:schemeClr val="accent2"/>
+    </dgm:fillClrLst>
+    <dgm:linClrLst meth="repeat">
+      <a:schemeClr val="lt1"/>
+    </dgm:linClrLst>
+    <dgm:effectClrLst/>
+    <dgm:txLinClrLst/>
+    <dgm:txFillClrLst/>
+    <dgm:txEffectClrLst/>
+  </dgm:styleLbl>
+  <dgm:styleLbl name="node4">
+    <dgm:fillClrLst meth="repeat">
+      <a:schemeClr val="accent2"/>
+    </dgm:fillClrLst>
+    <dgm:linClrLst meth="repeat">
+      <a:schemeClr val="lt1"/>
+    </dgm:linClrLst>
+    <dgm:effectClrLst/>
+    <dgm:txLinClrLst/>
+    <dgm:txFillClrLst/>
+    <dgm:txEffectClrLst/>
+  </dgm:styleLbl>
+  <dgm:styleLbl name="fgImgPlace1">
+    <dgm:fillClrLst meth="repeat">
+      <a:schemeClr val="accent2">
+        <a:tint val="50000"/>
+      </a:schemeClr>
+    </dgm:fillClrLst>
+    <dgm:linClrLst meth="repeat">
+      <a:schemeClr val="lt1"/>
     </dgm:linClrLst>
     <dgm:effectClrLst/>
     <dgm:txLinClrLst/>
     <dgm:txFillClrLst meth="repeat">
-      <a:schemeClr val="tx1"/>
+      <a:schemeClr val="lt1"/>
     </dgm:txFillClrLst>
     <dgm:txEffectClrLst/>
   </dgm:styleLbl>
-  <dgm:styleLbl name="asst0">
+  <dgm:styleLbl name="alignImgPlace1">
     <dgm:fillClrLst meth="repeat">
-      <a:schemeClr val="lt1"/>
+      <a:schemeClr val="accent2">
+        <a:tint val="50000"/>
+      </a:schemeClr>
     </dgm:fillClrLst>
     <dgm:linClrLst meth="repeat">
-      <a:schemeClr val="accent2">
-        <a:shade val="80000"/>
-      </a:schemeClr>
+      <a:schemeClr val="lt1"/>
     </dgm:linClrLst>
     <dgm:effectClrLst/>
     <dgm:txLinClrLst/>
     <dgm:txFillClrLst meth="repeat">
-      <a:schemeClr val="dk1"/>
+      <a:schemeClr val="lt1"/>
     </dgm:txFillClrLst>
     <dgm:txEffectClrLst/>
   </dgm:styleLbl>
-  <dgm:styleLbl name="asst1">
+  <dgm:styleLbl name="bgImgPlace1">
     <dgm:fillClrLst meth="repeat">
-      <a:schemeClr val="lt1"/>
+      <a:schemeClr val="accent2">
+        <a:tint val="50000"/>
+      </a:schemeClr>
     </dgm:fillClrLst>
     <dgm:linClrLst meth="repeat">
-      <a:schemeClr val="accent2">
-        <a:shade val="80000"/>
-      </a:schemeClr>
+      <a:schemeClr val="lt1"/>
     </dgm:linClrLst>
     <dgm:effectClrLst/>
     <dgm:txLinClrLst/>
     <dgm:txFillClrLst meth="repeat">
-      <a:schemeClr val="dk1"/>
+      <a:schemeClr val="lt1"/>
     </dgm:txFillClrLst>
     <dgm:txEffectClrLst/>
   </dgm:styleLbl>
-  <dgm:styleLbl name="asst2">
-    <dgm:fillClrLst meth="repeat">
-      <a:schemeClr val="lt1"/>
-    </dgm:fillClrLst>
-    <dgm:linClrLst meth="repeat">
-      <a:schemeClr val="accent2">
-        <a:shade val="80000"/>
-      </a:schemeClr>
-    </dgm:linClrLst>
-    <dgm:effectClrLst/>
-    <dgm:txLinClrLst/>
-    <dgm:txFillClrLst meth="repeat">
-      <a:schemeClr val="dk1"/>
-    </dgm:txFillClrLst>
-    <dgm:txEffectClrLst/>
-  </dgm:styleLbl>
-  <dgm:styleLbl name="asst3">
-    <dgm:fillClrLst meth="repeat">
-      <a:schemeClr val="lt1"/>
-    </dgm:fillClrLst>
-    <dgm:linClrLst meth="repeat">
-      <a:schemeClr val="accent2">
-        <a:shade val="80000"/>
-      </a:schemeClr>
-    </dgm:linClrLst>
-    <dgm:effectClrLst/>
-    <dgm:txLinClrLst/>
-    <dgm:txFillClrLst meth="repeat">
-      <a:schemeClr val="dk1"/>
-    </dgm:txFillClrLst>
-    <dgm:txEffectClrLst/>
-  </dgm:styleLbl>
-  <dgm:styleLbl name="asst4">
-    <dgm:fillClrLst meth="repeat">
-      <a:schemeClr val="lt1"/>
-    </dgm:fillClrLst>
-    <dgm:linClrLst meth="repeat">
-      <a:schemeClr val="accent2">
-        <a:shade val="80000"/>
-      </a:schemeClr>
-    </dgm:linClrLst>
-    <dgm:effectClrLst/>
-    <dgm:txLinClrLst/>
-    <dgm:txFillClrLst meth="repeat">
-      <a:schemeClr val="dk1"/>
-    </dgm:txFillClrLst>
-    <dgm:txEffectClrLst/>
-  </dgm:styleLbl>
-  <dgm:styleLbl name="parChTrans2D1">
+  <dgm:styleLbl name="sibTrans2D1">
     <dgm:fillClrLst meth="repeat">
       <a:schemeClr val="accent2">
         <a:tint val="60000"/>
@@ -1325,6 +1127,146 @@
     <dgm:txFillClrLst/>
     <dgm:txEffectClrLst/>
   </dgm:styleLbl>
+  <dgm:styleLbl name="fgSibTrans2D1">
+    <dgm:fillClrLst meth="repeat">
+      <a:schemeClr val="accent2">
+        <a:tint val="60000"/>
+      </a:schemeClr>
+    </dgm:fillClrLst>
+    <dgm:linClrLst meth="repeat">
+      <a:schemeClr val="accent2">
+        <a:tint val="60000"/>
+      </a:schemeClr>
+    </dgm:linClrLst>
+    <dgm:effectClrLst/>
+    <dgm:txLinClrLst/>
+    <dgm:txFillClrLst/>
+    <dgm:txEffectClrLst/>
+  </dgm:styleLbl>
+  <dgm:styleLbl name="bgSibTrans2D1">
+    <dgm:fillClrLst meth="repeat">
+      <a:schemeClr val="accent2">
+        <a:tint val="60000"/>
+      </a:schemeClr>
+    </dgm:fillClrLst>
+    <dgm:linClrLst meth="repeat">
+      <a:schemeClr val="accent2">
+        <a:tint val="60000"/>
+      </a:schemeClr>
+    </dgm:linClrLst>
+    <dgm:effectClrLst/>
+    <dgm:txLinClrLst/>
+    <dgm:txFillClrLst/>
+    <dgm:txEffectClrLst/>
+  </dgm:styleLbl>
+  <dgm:styleLbl name="sibTrans1D1">
+    <dgm:fillClrLst meth="repeat">
+      <a:schemeClr val="accent2"/>
+    </dgm:fillClrLst>
+    <dgm:linClrLst meth="repeat">
+      <a:schemeClr val="accent2"/>
+    </dgm:linClrLst>
+    <dgm:effectClrLst/>
+    <dgm:txLinClrLst/>
+    <dgm:txFillClrLst meth="repeat">
+      <a:schemeClr val="tx1"/>
+    </dgm:txFillClrLst>
+    <dgm:txEffectClrLst/>
+  </dgm:styleLbl>
+  <dgm:styleLbl name="callout">
+    <dgm:fillClrLst meth="repeat">
+      <a:schemeClr val="accent2"/>
+    </dgm:fillClrLst>
+    <dgm:linClrLst meth="repeat">
+      <a:schemeClr val="accent2">
+        <a:tint val="50000"/>
+      </a:schemeClr>
+    </dgm:linClrLst>
+    <dgm:effectClrLst/>
+    <dgm:txLinClrLst/>
+    <dgm:txFillClrLst meth="repeat">
+      <a:schemeClr val="tx1"/>
+    </dgm:txFillClrLst>
+    <dgm:txEffectClrLst/>
+  </dgm:styleLbl>
+  <dgm:styleLbl name="asst0">
+    <dgm:fillClrLst meth="repeat">
+      <a:schemeClr val="accent2"/>
+    </dgm:fillClrLst>
+    <dgm:linClrLst meth="repeat">
+      <a:schemeClr val="lt1"/>
+    </dgm:linClrLst>
+    <dgm:effectClrLst/>
+    <dgm:txLinClrLst/>
+    <dgm:txFillClrLst/>
+    <dgm:txEffectClrLst/>
+  </dgm:styleLbl>
+  <dgm:styleLbl name="asst1">
+    <dgm:fillClrLst meth="repeat">
+      <a:schemeClr val="accent2"/>
+    </dgm:fillClrLst>
+    <dgm:linClrLst meth="repeat">
+      <a:schemeClr val="lt1"/>
+    </dgm:linClrLst>
+    <dgm:effectClrLst/>
+    <dgm:txLinClrLst/>
+    <dgm:txFillClrLst/>
+    <dgm:txEffectClrLst/>
+  </dgm:styleLbl>
+  <dgm:styleLbl name="asst2">
+    <dgm:fillClrLst meth="repeat">
+      <a:schemeClr val="accent2"/>
+    </dgm:fillClrLst>
+    <dgm:linClrLst meth="repeat">
+      <a:schemeClr val="lt1"/>
+    </dgm:linClrLst>
+    <dgm:effectClrLst/>
+    <dgm:txLinClrLst/>
+    <dgm:txFillClrLst/>
+    <dgm:txEffectClrLst/>
+  </dgm:styleLbl>
+  <dgm:styleLbl name="asst3">
+    <dgm:fillClrLst meth="repeat">
+      <a:schemeClr val="accent2"/>
+    </dgm:fillClrLst>
+    <dgm:linClrLst meth="repeat">
+      <a:schemeClr val="lt1"/>
+    </dgm:linClrLst>
+    <dgm:effectClrLst/>
+    <dgm:txLinClrLst/>
+    <dgm:txFillClrLst/>
+    <dgm:txEffectClrLst/>
+  </dgm:styleLbl>
+  <dgm:styleLbl name="asst4">
+    <dgm:fillClrLst meth="repeat">
+      <a:schemeClr val="accent2"/>
+    </dgm:fillClrLst>
+    <dgm:linClrLst meth="repeat">
+      <a:schemeClr val="lt1"/>
+    </dgm:linClrLst>
+    <dgm:effectClrLst/>
+    <dgm:txLinClrLst/>
+    <dgm:txFillClrLst/>
+    <dgm:txEffectClrLst/>
+  </dgm:styleLbl>
+  <dgm:styleLbl name="parChTrans2D1">
+    <dgm:fillClrLst meth="repeat">
+      <a:schemeClr val="accent2">
+        <a:tint val="60000"/>
+      </a:schemeClr>
+    </dgm:fillClrLst>
+    <dgm:linClrLst meth="repeat">
+      <a:schemeClr val="accent2">
+        <a:tint val="60000"/>
+      </a:schemeClr>
+    </dgm:linClrLst>
+    <dgm:effectClrLst/>
+    <dgm:txLinClrLst/>
+    <dgm:txFillClrLst meth="repeat">
+      <a:schemeClr val="lt1"/>
+    </dgm:txFillClrLst>
+    <dgm:txEffectClrLst/>
+  </dgm:styleLbl>
   <dgm:styleLbl name="parChTrans2D2">
     <dgm:fillClrLst meth="repeat">
       <a:schemeClr val="accent2"/>
@@ -1334,7 +1276,9 @@
     </dgm:linClrLst>
     <dgm:effectClrLst/>
     <dgm:txLinClrLst/>
-    <dgm:txFillClrLst/>
+    <dgm:txFillClrLst meth="repeat">
+      <a:schemeClr val="lt1"/>
+    </dgm:txFillClrLst>
     <dgm:txEffectClrLst/>
   </dgm:styleLbl>
   <dgm:styleLbl name="parChTrans2D3">
@@ -1346,7 +1290,9 @@
     </dgm:linClrLst>
     <dgm:effectClrLst/>
     <dgm:txLinClrLst/>
-    <dgm:txFillClrLst/>
+    <dgm:txFillClrLst meth="repeat">
+      <a:schemeClr val="lt1"/>
+    </dgm:txFillClrLst>
     <dgm:txEffectClrLst/>
   </dgm:styleLbl>
   <dgm:styleLbl name="parChTrans2D4">
@@ -1429,9 +1375,8 @@
   </dgm:styleLbl>
   <dgm:styleLbl name="fgAcc1">
     <dgm:fillClrLst meth="repeat">
-      <a:schemeClr val="accent2">
+      <a:schemeClr val="lt1">
         <a:alpha val="90000"/>
-        <a:tint val="40000"/>
       </a:schemeClr>
     </dgm:fillClrLst>
     <dgm:linClrLst meth="repeat">
@@ -1446,9 +1391,8 @@
   </dgm:styleLbl>
   <dgm:styleLbl name="conFgAcc1">
     <dgm:fillClrLst meth="repeat">
-      <a:schemeClr val="accent2">
+      <a:schemeClr val="lt1">
         <a:alpha val="90000"/>
-        <a:tint val="40000"/>
       </a:schemeClr>
     </dgm:fillClrLst>
     <dgm:linClrLst meth="repeat">
@@ -1463,9 +1407,8 @@
   </dgm:styleLbl>
   <dgm:styleLbl name="alignAcc1">
     <dgm:fillClrLst meth="repeat">
-      <a:schemeClr val="accent2">
+      <a:schemeClr val="lt1">
         <a:alpha val="90000"/>
-        <a:tint val="40000"/>
       </a:schemeClr>
     </dgm:fillClrLst>
     <dgm:linClrLst meth="repeat">
@@ -1480,9 +1423,8 @@
   </dgm:styleLbl>
   <dgm:styleLbl name="trAlignAcc1">
     <dgm:fillClrLst meth="repeat">
-      <a:schemeClr val="accent2">
+      <a:schemeClr val="lt1">
         <a:alpha val="40000"/>
-        <a:tint val="40000"/>
       </a:schemeClr>
     </dgm:fillClrLst>
     <dgm:linClrLst meth="repeat">
@@ -1497,9 +1439,8 @@
   </dgm:styleLbl>
   <dgm:styleLbl name="bgAcc1">
     <dgm:fillClrLst meth="repeat">
-      <a:schemeClr val="accent2">
+      <a:schemeClr val="lt1">
         <a:alpha val="90000"/>
-        <a:tint val="40000"/>
       </a:schemeClr>
     </dgm:fillClrLst>
     <dgm:linClrLst meth="repeat">
@@ -1556,7 +1497,7 @@
   </dgm:styleLbl>
   <dgm:styleLbl name="fgAccFollowNode1">
     <dgm:fillClrLst meth="repeat">
-      <a:schemeClr val="lt1">
+      <a:schemeClr val="accent2">
         <a:alpha val="90000"/>
         <a:tint val="40000"/>
       </a:schemeClr>
@@ -1564,6 +1505,7 @@
     <dgm:linClrLst meth="repeat">
       <a:schemeClr val="accent2">
         <a:alpha val="90000"/>
+        <a:tint val="40000"/>
       </a:schemeClr>
     </dgm:linClrLst>
     <dgm:effectClrLst/>
@@ -1575,7 +1517,7 @@
   </dgm:styleLbl>
   <dgm:styleLbl name="alignAccFollowNode1">
     <dgm:fillClrLst meth="repeat">
-      <a:schemeClr val="lt1">
+      <a:schemeClr val="accent2">
         <a:alpha val="90000"/>
         <a:tint val="40000"/>
       </a:schemeClr>
@@ -1583,6 +1525,7 @@
     <dgm:linClrLst meth="repeat">
       <a:schemeClr val="accent2">
         <a:alpha val="90000"/>
+        <a:tint val="40000"/>
       </a:schemeClr>
     </dgm:linClrLst>
     <dgm:effectClrLst/>
@@ -1594,7 +1537,7 @@
   </dgm:styleLbl>
   <dgm:styleLbl name="bgAccFollowNode1">
     <dgm:fillClrLst meth="repeat">
-      <a:schemeClr val="lt1">
+      <a:schemeClr val="accent2">
         <a:alpha val="90000"/>
         <a:tint val="40000"/>
       </a:schemeClr>
@@ -1602,6 +1545,7 @@
     <dgm:linClrLst meth="repeat">
       <a:schemeClr val="accent2">
         <a:alpha val="90000"/>
+        <a:tint val="40000"/>
       </a:schemeClr>
     </dgm:linClrLst>
     <dgm:effectClrLst/>
@@ -1613,9 +1557,8 @@
   </dgm:styleLbl>
   <dgm:styleLbl name="fgAcc0">
     <dgm:fillClrLst meth="repeat">
-      <a:schemeClr val="accent2">
+      <a:schemeClr val="lt1">
         <a:alpha val="90000"/>
-        <a:tint val="40000"/>
       </a:schemeClr>
     </dgm:fillClrLst>
     <dgm:linClrLst meth="repeat">
@@ -1630,9 +1573,8 @@
   </dgm:styleLbl>
   <dgm:styleLbl name="fgAcc2">
     <dgm:fillClrLst meth="repeat">
-      <a:schemeClr val="accent2">
+      <a:schemeClr val="lt1">
         <a:alpha val="90000"/>
-        <a:tint val="40000"/>
       </a:schemeClr>
     </dgm:fillClrLst>
     <dgm:linClrLst meth="repeat">
@@ -1647,9 +1589,8 @@
   </dgm:styleLbl>
   <dgm:styleLbl name="fgAcc3">
     <dgm:fillClrLst meth="repeat">
-      <a:schemeClr val="accent2">
+      <a:schemeClr val="lt1">
         <a:alpha val="90000"/>
-        <a:tint val="40000"/>
       </a:schemeClr>
     </dgm:fillClrLst>
     <dgm:linClrLst meth="repeat">
@@ -1664,9 +1605,8 @@
   </dgm:styleLbl>
   <dgm:styleLbl name="fgAcc4">
     <dgm:fillClrLst meth="repeat">
-      <a:schemeClr val="accent2">
+      <a:schemeClr val="lt1">
         <a:alpha val="90000"/>
-        <a:tint val="40000"/>
       </a:schemeClr>
     </dgm:fillClrLst>
     <dgm:linClrLst meth="repeat">
@@ -2012,18 +1952,18 @@
 <dgm:dataModel xmlns:dgm="http://schemas.openxmlformats.org/drawingml/2006/diagram" xmlns:a="http://schemas.openxmlformats.org/drawingml/2006/main">
   <dgm:ptLst>
     <dgm:pt modelId="{510C3EA6-B37A-4F12-9FDC-24D39DA7F47E}" type="doc">
-      <dgm:prSet loTypeId="urn:microsoft.com/office/officeart/2005/8/layout/equation1" loCatId="process" qsTypeId="urn:microsoft.com/office/officeart/2005/8/quickstyle/simple1" qsCatId="simple" csTypeId="urn:microsoft.com/office/officeart/2005/8/colors/accent2_1" csCatId="accent2" phldr="1"/>
+      <dgm:prSet loTypeId="urn:microsoft.com/office/officeart/2005/8/layout/equation1" loCatId="process" qsTypeId="urn:microsoft.com/office/officeart/2005/8/quickstyle/simple1" qsCatId="simple" csTypeId="urn:microsoft.com/office/officeart/2005/8/colors/accent2_2" csCatId="accent2" phldr="1"/>
       <dgm:spPr/>
     </dgm:pt>
     <dgm:pt modelId="{0182B0DD-83C0-4999-B007-C25AB4F86776}">
-      <dgm:prSet phldrT="[Text]"/>
+      <dgm:prSet phldrT="[Text]" custT="1"/>
       <dgm:spPr/>
       <dgm:t>
         <a:bodyPr/>
         <a:lstStyle/>
         <a:p>
           <a:r>
-            <a:rPr lang="en-CA" dirty="0"/>
+            <a:rPr lang="en-CA" sz="2200" dirty="0"/>
             <a:t>‘spec’ document</a:t>
           </a:r>
         </a:p>
@@ -2052,14 +1992,14 @@
       </dgm:t>
     </dgm:pt>
     <dgm:pt modelId="{4BDFDA0B-EE8E-4C3C-B6CB-270B34F5BC59}">
-      <dgm:prSet phldrT="[Text]"/>
+      <dgm:prSet phldrT="[Text]" custT="1"/>
       <dgm:spPr/>
       <dgm:t>
         <a:bodyPr/>
         <a:lstStyle/>
         <a:p>
           <a:r>
-            <a:rPr lang="en-CA" dirty="0"/>
+            <a:rPr lang="en-CA" sz="2200" dirty="0"/>
             <a:t>‘speculation’ document</a:t>
           </a:r>
         </a:p>
@@ -2163,8 +2103,8 @@
       </dsp:nvSpPr>
       <dsp:spPr>
         <a:xfrm rot="5400000">
-          <a:off x="1143375" y="1113628"/>
-          <a:ext cx="984908" cy="1121283"/>
+          <a:off x="602066" y="1423922"/>
+          <a:ext cx="1259337" cy="1433710"/>
         </a:xfrm>
         <a:prstGeom prst="bentUpArrow">
           <a:avLst>
@@ -2212,8 +2152,8 @@
       </dsp:nvSpPr>
       <dsp:spPr>
         <a:xfrm>
-          <a:off x="882434" y="21837"/>
-          <a:ext cx="1658005" cy="1160550"/>
+          <a:off x="268418" y="27922"/>
+          <a:ext cx="2119982" cy="1483918"/>
         </a:xfrm>
         <a:prstGeom prst="roundRect">
           <a:avLst>
@@ -2253,12 +2193,12 @@
         </a:fontRef>
       </dsp:style>
       <dsp:txBody>
-        <a:bodyPr spcFirstLastPara="0" vert="horz" wrap="square" lIns="60960" tIns="60960" rIns="60960" bIns="60960" numCol="1" spcCol="1270" anchor="ctr" anchorCtr="0">
+        <a:bodyPr spcFirstLastPara="0" vert="horz" wrap="square" lIns="80010" tIns="80010" rIns="80010" bIns="80010" numCol="1" spcCol="1270" anchor="ctr" anchorCtr="0">
           <a:noAutofit/>
         </a:bodyPr>
         <a:lstStyle/>
         <a:p>
-          <a:pPr marL="0" lvl="0" indent="0" algn="ctr" defTabSz="711200">
+          <a:pPr marL="0" lvl="0" indent="0" algn="ctr" defTabSz="933450">
             <a:lnSpc>
               <a:spcPct val="90000"/>
             </a:lnSpc>
@@ -2271,14 +2211,14 @@
             <a:buNone/>
           </a:pPr>
           <a:r>
-            <a:rPr lang="en-CA" sz="1600" kern="1200" dirty="0"/>
+            <a:rPr lang="en-CA" sz="2100" kern="1200" dirty="0"/>
             <a:t>Large Batch Analysis</a:t>
           </a:r>
         </a:p>
       </dsp:txBody>
       <dsp:txXfrm>
-        <a:off x="939098" y="78501"/>
-        <a:ext cx="1544677" cy="1047222"/>
+        <a:off x="340870" y="100374"/>
+        <a:ext cx="1975078" cy="1339014"/>
       </dsp:txXfrm>
     </dsp:sp>
     <dsp:sp modelId="{26FD7B19-C601-4A30-B629-B5BB31D1E6FA}">
@@ -2288,8 +2228,8 @@
       </dsp:nvSpPr>
       <dsp:spPr>
         <a:xfrm>
-          <a:off x="2540440" y="132522"/>
-          <a:ext cx="1205875" cy="938007"/>
+          <a:off x="2388400" y="169448"/>
+          <a:ext cx="1541873" cy="1199368"/>
         </a:xfrm>
         <a:prstGeom prst="rect">
           <a:avLst/>
@@ -2320,8 +2260,8 @@
       </dsp:nvSpPr>
       <dsp:spPr>
         <a:xfrm rot="5400000">
-          <a:off x="2518038" y="2417308"/>
-          <a:ext cx="984908" cy="1121283"/>
+          <a:off x="2359756" y="3090853"/>
+          <a:ext cx="1259337" cy="1433710"/>
         </a:xfrm>
         <a:prstGeom prst="bentUpArrow">
           <a:avLst>
@@ -2333,9 +2273,9 @@
         <a:solidFill>
           <a:schemeClr val="accent5">
             <a:tint val="50000"/>
-            <a:hueOff val="9362089"/>
-            <a:satOff val="-68797"/>
-            <a:lumOff val="6306"/>
+            <a:hueOff val="8717260"/>
+            <a:satOff val="-27547"/>
+            <a:lumOff val="10173"/>
             <a:alphaOff val="0"/>
           </a:schemeClr>
         </a:solidFill>
@@ -2369,8 +2309,8 @@
       </dsp:nvSpPr>
       <dsp:spPr>
         <a:xfrm>
-          <a:off x="2257097" y="1325518"/>
-          <a:ext cx="1658005" cy="1160550"/>
+          <a:off x="2026108" y="1694853"/>
+          <a:ext cx="2119982" cy="1483918"/>
         </a:xfrm>
         <a:prstGeom prst="roundRect">
           <a:avLst>
@@ -2379,9 +2319,9 @@
         </a:prstGeom>
         <a:solidFill>
           <a:schemeClr val="accent5">
-            <a:hueOff val="4202262"/>
-            <a:satOff val="0"/>
-            <a:lumOff val="-14706"/>
+            <a:hueOff val="4105661"/>
+            <a:satOff val="14471"/>
+            <a:lumOff val="-12354"/>
             <a:alphaOff val="0"/>
           </a:schemeClr>
         </a:solidFill>
@@ -2410,12 +2350,12 @@
         </a:fontRef>
       </dsp:style>
       <dsp:txBody>
-        <a:bodyPr spcFirstLastPara="0" vert="horz" wrap="square" lIns="60960" tIns="60960" rIns="60960" bIns="60960" numCol="1" spcCol="1270" anchor="ctr" anchorCtr="0">
+        <a:bodyPr spcFirstLastPara="0" vert="horz" wrap="square" lIns="80010" tIns="80010" rIns="80010" bIns="80010" numCol="1" spcCol="1270" anchor="ctr" anchorCtr="0">
           <a:noAutofit/>
         </a:bodyPr>
         <a:lstStyle/>
         <a:p>
-          <a:pPr marL="0" lvl="0" indent="0" algn="ctr" defTabSz="711200">
+          <a:pPr marL="0" lvl="0" indent="0" algn="ctr" defTabSz="933450">
             <a:lnSpc>
               <a:spcPct val="90000"/>
             </a:lnSpc>
@@ -2428,14 +2368,14 @@
             <a:buNone/>
           </a:pPr>
           <a:r>
-            <a:rPr lang="en-CA" sz="1600" kern="1200" dirty="0"/>
+            <a:rPr lang="en-CA" sz="2100" kern="1200" dirty="0"/>
             <a:t>Implementation “Phase”</a:t>
           </a:r>
         </a:p>
       </dsp:txBody>
       <dsp:txXfrm>
-        <a:off x="2313761" y="1382182"/>
-        <a:ext cx="1544677" cy="1047222"/>
+        <a:off x="2098560" y="1767305"/>
+        <a:ext cx="1975078" cy="1339014"/>
       </dsp:txXfrm>
     </dsp:sp>
     <dsp:sp modelId="{72F1445A-5BFD-4388-B337-7CFD00E41191}">
@@ -2445,8 +2385,8 @@
       </dsp:nvSpPr>
       <dsp:spPr>
         <a:xfrm>
-          <a:off x="3915102" y="1436203"/>
-          <a:ext cx="1205875" cy="938007"/>
+          <a:off x="4146091" y="1836378"/>
+          <a:ext cx="1541873" cy="1199368"/>
         </a:xfrm>
         <a:prstGeom prst="rect">
           <a:avLst/>
@@ -2477,8 +2417,8 @@
       </dsp:nvSpPr>
       <dsp:spPr>
         <a:xfrm>
-          <a:off x="3631759" y="2629199"/>
-          <a:ext cx="1658005" cy="1160550"/>
+          <a:off x="3783799" y="3361783"/>
+          <a:ext cx="2119982" cy="1483918"/>
         </a:xfrm>
         <a:prstGeom prst="roundRect">
           <a:avLst>
@@ -2487,9 +2427,9 @@
         </a:prstGeom>
         <a:solidFill>
           <a:schemeClr val="accent5">
-            <a:hueOff val="8404525"/>
-            <a:satOff val="0"/>
-            <a:lumOff val="-29411"/>
+            <a:hueOff val="8211322"/>
+            <a:satOff val="28942"/>
+            <a:lumOff val="-24708"/>
             <a:alphaOff val="0"/>
           </a:schemeClr>
         </a:solidFill>
@@ -2518,12 +2458,12 @@
         </a:fontRef>
       </dsp:style>
       <dsp:txBody>
-        <a:bodyPr spcFirstLastPara="0" vert="horz" wrap="square" lIns="60960" tIns="60960" rIns="60960" bIns="60960" numCol="1" spcCol="1270" anchor="ctr" anchorCtr="0">
+        <a:bodyPr spcFirstLastPara="0" vert="horz" wrap="square" lIns="80010" tIns="80010" rIns="80010" bIns="80010" numCol="1" spcCol="1270" anchor="ctr" anchorCtr="0">
           <a:noAutofit/>
         </a:bodyPr>
         <a:lstStyle/>
         <a:p>
-          <a:pPr marL="0" lvl="0" indent="0" algn="ctr" defTabSz="711200">
+          <a:pPr marL="0" lvl="0" indent="0" algn="ctr" defTabSz="933450">
             <a:lnSpc>
               <a:spcPct val="90000"/>
             </a:lnSpc>
@@ -2536,14 +2476,14 @@
             <a:buNone/>
           </a:pPr>
           <a:r>
-            <a:rPr lang="en-CA" sz="1600" kern="1200" dirty="0"/>
+            <a:rPr lang="en-CA" sz="2100" kern="1200" dirty="0"/>
             <a:t>“Launch”</a:t>
           </a:r>
         </a:p>
       </dsp:txBody>
       <dsp:txXfrm>
-        <a:off x="3688423" y="2685863"/>
-        <a:ext cx="1544677" cy="1047222"/>
+        <a:off x="3856251" y="3434235"/>
+        <a:ext cx="1975078" cy="1339014"/>
       </dsp:txXfrm>
     </dsp:sp>
   </dsp:spTree>
@@ -2565,24 +2505,23 @@
       </dsp:nvSpPr>
       <dsp:spPr>
         <a:xfrm>
-          <a:off x="589777" y="134"/>
-          <a:ext cx="1819380" cy="1819380"/>
+          <a:off x="3305" y="119383"/>
+          <a:ext cx="2273028" cy="2273028"/>
         </a:xfrm>
         <a:prstGeom prst="ellipse">
           <a:avLst/>
         </a:prstGeom>
         <a:solidFill>
-          <a:schemeClr val="lt1">
+          <a:schemeClr val="accent2">
             <a:hueOff val="0"/>
             <a:satOff val="0"/>
             <a:lumOff val="0"/>
             <a:alphaOff val="0"/>
           </a:schemeClr>
         </a:solidFill>
-        <a:ln w="12700" cap="flat" cmpd="sng" algn="ctr">
+        <a:ln w="10795" cap="flat" cmpd="sng" algn="ctr">
           <a:solidFill>
-            <a:schemeClr val="accent2">
-              <a:shade val="80000"/>
+            <a:schemeClr val="lt1">
               <a:hueOff val="0"/>
               <a:satOff val="0"/>
               <a:lumOff val="0"/>
@@ -2590,7 +2529,6 @@
             </a:schemeClr>
           </a:solidFill>
           <a:prstDash val="solid"/>
-          <a:miter lim="800000"/>
         </a:ln>
         <a:effectLst/>
       </dsp:spPr>
@@ -2609,12 +2547,12 @@
         </a:fontRef>
       </dsp:style>
       <dsp:txBody>
-        <a:bodyPr spcFirstLastPara="0" vert="horz" wrap="square" lIns="21590" tIns="21590" rIns="21590" bIns="21590" numCol="1" spcCol="1270" anchor="ctr" anchorCtr="0">
+        <a:bodyPr spcFirstLastPara="0" vert="horz" wrap="square" lIns="27940" tIns="27940" rIns="27940" bIns="27940" numCol="1" spcCol="1270" anchor="ctr" anchorCtr="0">
           <a:noAutofit/>
         </a:bodyPr>
         <a:lstStyle/>
         <a:p>
-          <a:pPr marL="0" lvl="0" indent="0" algn="ctr" defTabSz="755650">
+          <a:pPr marL="0" lvl="0" indent="0" algn="ctr" defTabSz="977900">
             <a:lnSpc>
               <a:spcPct val="90000"/>
             </a:lnSpc>
@@ -2627,14 +2565,14 @@
             <a:buNone/>
           </a:pPr>
           <a:r>
-            <a:rPr lang="en-CA" sz="1700" kern="1200" dirty="0"/>
+            <a:rPr lang="en-CA" sz="2200" kern="1200" dirty="0"/>
             <a:t>‘spec’ document</a:t>
           </a:r>
         </a:p>
       </dsp:txBody>
       <dsp:txXfrm>
-        <a:off x="856219" y="266576"/>
-        <a:ext cx="1286496" cy="1286496"/>
+        <a:off x="336182" y="452260"/>
+        <a:ext cx="1607274" cy="1607274"/>
       </dsp:txXfrm>
     </dsp:sp>
     <dsp:sp modelId="{F88A2544-FE12-4727-8D14-8360ECCF3F70}">
@@ -2644,8 +2582,8 @@
       </dsp:nvSpPr>
       <dsp:spPr>
         <a:xfrm>
-          <a:off x="2556891" y="382204"/>
-          <a:ext cx="1055240" cy="1055240"/>
+          <a:off x="2460903" y="596719"/>
+          <a:ext cx="1318356" cy="1318356"/>
         </a:xfrm>
         <a:prstGeom prst="mathEqual">
           <a:avLst/>
@@ -2684,7 +2622,7 @@
         </a:bodyPr>
         <a:lstStyle/>
         <a:p>
-          <a:pPr marL="0" lvl="0" indent="0" algn="ctr" defTabSz="622300">
+          <a:pPr marL="0" lvl="0" indent="0" algn="ctr" defTabSz="2444750">
             <a:lnSpc>
               <a:spcPct val="90000"/>
             </a:lnSpc>
@@ -2696,12 +2634,12 @@
             </a:spcAft>
             <a:buNone/>
           </a:pPr>
-          <a:endParaRPr lang="en-CA" sz="1400" kern="1200"/>
+          <a:endParaRPr lang="en-CA" sz="5500" kern="1200"/>
         </a:p>
       </dsp:txBody>
       <dsp:txXfrm>
-        <a:off x="2696763" y="599583"/>
-        <a:ext cx="775496" cy="620482"/>
+        <a:off x="2635651" y="868300"/>
+        <a:ext cx="968860" cy="775194"/>
       </dsp:txXfrm>
     </dsp:sp>
     <dsp:sp modelId="{FBB3EFA7-E799-43CC-A55C-D4D267AD9A4E}">
@@ -2711,24 +2649,23 @@
       </dsp:nvSpPr>
       <dsp:spPr>
         <a:xfrm>
-          <a:off x="3759865" y="134"/>
-          <a:ext cx="1819380" cy="1819380"/>
+          <a:off x="3963830" y="119383"/>
+          <a:ext cx="2273028" cy="2273028"/>
         </a:xfrm>
         <a:prstGeom prst="ellipse">
           <a:avLst/>
         </a:prstGeom>
         <a:solidFill>
-          <a:schemeClr val="lt1">
+          <a:schemeClr val="accent2">
             <a:hueOff val="0"/>
             <a:satOff val="0"/>
             <a:lumOff val="0"/>
             <a:alphaOff val="0"/>
           </a:schemeClr>
         </a:solidFill>
-        <a:ln w="12700" cap="flat" cmpd="sng" algn="ctr">
+        <a:ln w="10795" cap="flat" cmpd="sng" algn="ctr">
           <a:solidFill>
-            <a:schemeClr val="accent2">
-              <a:shade val="80000"/>
+            <a:schemeClr val="lt1">
               <a:hueOff val="0"/>
               <a:satOff val="0"/>
               <a:lumOff val="0"/>
@@ -2736,7 +2673,6 @@
             </a:schemeClr>
           </a:solidFill>
           <a:prstDash val="solid"/>
-          <a:miter lim="800000"/>
         </a:ln>
         <a:effectLst/>
       </dsp:spPr>
@@ -2755,12 +2691,12 @@
         </a:fontRef>
       </dsp:style>
       <dsp:txBody>
-        <a:bodyPr spcFirstLastPara="0" vert="horz" wrap="square" lIns="21590" tIns="21590" rIns="21590" bIns="21590" numCol="1" spcCol="1270" anchor="ctr" anchorCtr="0">
+        <a:bodyPr spcFirstLastPara="0" vert="horz" wrap="square" lIns="27940" tIns="27940" rIns="27940" bIns="27940" numCol="1" spcCol="1270" anchor="ctr" anchorCtr="0">
           <a:noAutofit/>
         </a:bodyPr>
         <a:lstStyle/>
         <a:p>
-          <a:pPr marL="0" lvl="0" indent="0" algn="ctr" defTabSz="755650">
+          <a:pPr marL="0" lvl="0" indent="0" algn="ctr" defTabSz="977900">
             <a:lnSpc>
               <a:spcPct val="90000"/>
             </a:lnSpc>
@@ -2773,14 +2709,14 @@
             <a:buNone/>
           </a:pPr>
           <a:r>
-            <a:rPr lang="en-CA" sz="1700" kern="1200" dirty="0"/>
+            <a:rPr lang="en-CA" sz="2200" kern="1200" dirty="0"/>
             <a:t>‘speculation’ document</a:t>
           </a:r>
         </a:p>
       </dsp:txBody>
       <dsp:txXfrm>
-        <a:off x="4026307" y="266576"/>
-        <a:ext cx="1286496" cy="1286496"/>
+        <a:off x="4296707" y="452260"/>
+        <a:ext cx="1607274" cy="1607274"/>
       </dsp:txXfrm>
     </dsp:sp>
   </dsp:spTree>
@@ -5514,7 +5450,7 @@
           <a:p>
             <a:fld id="{95763BDF-D3ED-46B3-9ECF-8FA0F3E3C62A}" type="datetimeFigureOut">
               <a:rPr lang="en-CA" smtClean="0"/>
-              <a:t>2018-12-06</a:t>
+              <a:t>2019-04-25</a:t>
             </a:fld>
             <a:endParaRPr lang="en-CA"/>
           </a:p>
@@ -8480,11 +8416,6 @@
 <file path=ppt/slideLayouts/slideLayout1.xml><?xml version="1.0" encoding="utf-8"?>
 <p:sldLayout xmlns:a="http://schemas.openxmlformats.org/drawingml/2006/main" xmlns:r="http://schemas.openxmlformats.org/officeDocument/2006/relationships" xmlns:p="http://schemas.openxmlformats.org/presentationml/2006/main" type="title" preserve="1">
   <p:cSld name="Title Slide">
-    <p:bg>
-      <p:bgRef idx="1001">
-        <a:schemeClr val="bg2"/>
-      </p:bgRef>
-    </p:bg>
     <p:spTree>
       <p:nvGrpSpPr>
         <p:cNvPr id="1" name=""/>
@@ -8504,7 +8435,7 @@
           <p:cNvPr id="2" name="Title 1">
             <a:extLst>
               <a:ext uri="{FF2B5EF4-FFF2-40B4-BE49-F238E27FC236}">
-                <a16:creationId xmlns:a16="http://schemas.microsoft.com/office/drawing/2014/main" id="{E673BCC6-D4F9-4F8E-A9A1-4FE10EEC1994}"/>
+                <a16:creationId xmlns:a16="http://schemas.microsoft.com/office/drawing/2014/main" id="{10D54A81-67E1-4345-B92B-4922D31304DB}"/>
               </a:ext>
             </a:extLst>
           </p:cNvPr>
@@ -8517,8 +8448,8 @@
         </p:nvSpPr>
         <p:spPr>
           <a:xfrm>
-            <a:off x="732342" y="2142271"/>
-            <a:ext cx="10727788" cy="2387600"/>
+            <a:off x="1524000" y="1122363"/>
+            <a:ext cx="9144000" cy="2387600"/>
           </a:xfrm>
         </p:spPr>
         <p:txBody>
@@ -8542,7 +8473,7 @@
           <p:cNvPr id="3" name="Subtitle 2">
             <a:extLst>
               <a:ext uri="{FF2B5EF4-FFF2-40B4-BE49-F238E27FC236}">
-                <a16:creationId xmlns:a16="http://schemas.microsoft.com/office/drawing/2014/main" id="{43C4DFB6-D9DA-4BA1-8F55-6FE5A7CB1234}"/>
+                <a16:creationId xmlns:a16="http://schemas.microsoft.com/office/drawing/2014/main" id="{BC78225D-EF56-423A-B319-C4803377BE92}"/>
               </a:ext>
             </a:extLst>
           </p:cNvPr>
@@ -8555,8 +8486,8 @@
         </p:nvSpPr>
         <p:spPr>
           <a:xfrm>
-            <a:off x="732342" y="4529871"/>
-            <a:ext cx="10727788" cy="1655762"/>
+            <a:off x="1524000" y="3602038"/>
+            <a:ext cx="9144000" cy="1655762"/>
           </a:xfrm>
         </p:spPr>
         <p:txBody>
@@ -8610,10 +8541,10 @@
       </p:sp>
       <p:sp>
         <p:nvSpPr>
-          <p:cNvPr id="10" name="Date Placeholder 9">
+          <p:cNvPr id="4" name="Date Placeholder 3">
             <a:extLst>
               <a:ext uri="{FF2B5EF4-FFF2-40B4-BE49-F238E27FC236}">
-                <a16:creationId xmlns:a16="http://schemas.microsoft.com/office/drawing/2014/main" id="{F131E005-2D10-4651-AB15-7D1C70745CDF}"/>
+                <a16:creationId xmlns:a16="http://schemas.microsoft.com/office/drawing/2014/main" id="{2E11DBA6-CFA2-4EC1-B6BE-5BEF5654EEE3}"/>
               </a:ext>
             </a:extLst>
           </p:cNvPr>
@@ -8631,7 +8562,7 @@
           <a:p>
             <a:fld id="{083325E5-58DE-48C6-9965-21250A006E51}" type="datetime1">
               <a:rPr lang="en-CA" smtClean="0"/>
-              <a:t>2018-12-06</a:t>
+              <a:t>2019-04-25</a:t>
             </a:fld>
             <a:endParaRPr lang="en-CA"/>
           </a:p>
@@ -8639,10 +8570,10 @@
       </p:sp>
       <p:sp>
         <p:nvSpPr>
-          <p:cNvPr id="11" name="Footer Placeholder 10">
+          <p:cNvPr id="5" name="Footer Placeholder 4">
             <a:extLst>
               <a:ext uri="{FF2B5EF4-FFF2-40B4-BE49-F238E27FC236}">
-                <a16:creationId xmlns:a16="http://schemas.microsoft.com/office/drawing/2014/main" id="{5FCE6FFE-3B59-47FD-B958-57CBCEC9A17F}"/>
+                <a16:creationId xmlns:a16="http://schemas.microsoft.com/office/drawing/2014/main" id="{593978F5-88F6-4209-9B4B-D630A9111496}"/>
               </a:ext>
             </a:extLst>
           </p:cNvPr>
@@ -8658,19 +8589,16 @@
           <a:bodyPr/>
           <a:lstStyle/>
           <a:p>
-            <a:r>
-              <a:rPr lang="en-CA"/>
-              <a:t>@davesabine</a:t>
-            </a:r>
-          </a:p>
-        </p:txBody>
-      </p:sp>
-      <p:sp>
-        <p:nvSpPr>
-          <p:cNvPr id="12" name="Slide Number Placeholder 11">
+            <a:endParaRPr lang="en-CA" dirty="0"/>
+          </a:p>
+        </p:txBody>
+      </p:sp>
+      <p:sp>
+        <p:nvSpPr>
+          <p:cNvPr id="6" name="Slide Number Placeholder 5">
             <a:extLst>
               <a:ext uri="{FF2B5EF4-FFF2-40B4-BE49-F238E27FC236}">
-                <a16:creationId xmlns:a16="http://schemas.microsoft.com/office/drawing/2014/main" id="{13761907-5A48-4C30-9807-5CB4E7EBEDA5}"/>
+                <a16:creationId xmlns:a16="http://schemas.microsoft.com/office/drawing/2014/main" id="{836F9387-034A-4BD3-AD1E-A354090DCE8E}"/>
               </a:ext>
             </a:extLst>
           </p:cNvPr>
@@ -8681,7 +8609,15 @@
             <p:ph type="sldNum" sz="quarter" idx="12"/>
           </p:nvPr>
         </p:nvSpPr>
-        <p:spPr/>
+        <p:spPr>
+          <a:xfrm>
+            <a:off x="8610600" y="6356350"/>
+            <a:ext cx="2743200" cy="365125"/>
+          </a:xfrm>
+          <a:prstGeom prst="rect">
+            <a:avLst/>
+          </a:prstGeom>
+        </p:spPr>
         <p:txBody>
           <a:bodyPr/>
           <a:lstStyle/>
@@ -8697,12 +8633,12 @@
     </p:spTree>
     <p:extLst>
       <p:ext uri="{BB962C8B-B14F-4D97-AF65-F5344CB8AC3E}">
-        <p14:creationId xmlns:p14="http://schemas.microsoft.com/office/powerpoint/2010/main" val="1929929835"/>
+        <p14:creationId xmlns:p14="http://schemas.microsoft.com/office/powerpoint/2010/main" val="3933595114"/>
       </p:ext>
     </p:extLst>
   </p:cSld>
   <p:clrMapOvr>
-    <a:overrideClrMapping bg1="dk1" tx1="lt1" bg2="dk2" tx2="lt2" accent1="accent1" accent2="accent2" accent3="accent3" accent4="accent4" accent5="accent5" accent6="accent6" hlink="hlink" folHlink="folHlink"/>
+    <a:masterClrMapping/>
   </p:clrMapOvr>
 </p:sldLayout>
 </file>
@@ -8729,7 +8665,7 @@
           <p:cNvPr id="2" name="Title 1">
             <a:extLst>
               <a:ext uri="{FF2B5EF4-FFF2-40B4-BE49-F238E27FC236}">
-                <a16:creationId xmlns:a16="http://schemas.microsoft.com/office/drawing/2014/main" id="{BBE4B1E9-4EC2-40C6-BC65-6A8A30B18F94}"/>
+                <a16:creationId xmlns:a16="http://schemas.microsoft.com/office/drawing/2014/main" id="{ABB25B4F-EB3F-430A-8F1D-9BBEFE201F5D}"/>
               </a:ext>
             </a:extLst>
           </p:cNvPr>
@@ -8758,7 +8694,7 @@
           <p:cNvPr id="3" name="Vertical Text Placeholder 2">
             <a:extLst>
               <a:ext uri="{FF2B5EF4-FFF2-40B4-BE49-F238E27FC236}">
-                <a16:creationId xmlns:a16="http://schemas.microsoft.com/office/drawing/2014/main" id="{25B3A766-AE8B-40FA-A0E3-E6A0A76B4C6A}"/>
+                <a16:creationId xmlns:a16="http://schemas.microsoft.com/office/drawing/2014/main" id="{46660653-1B20-48F3-AF6F-9156A13EB41C}"/>
               </a:ext>
             </a:extLst>
           </p:cNvPr>
@@ -8777,7 +8713,7 @@
             <a:pPr lvl="0"/>
             <a:r>
               <a:rPr lang="en-US"/>
-              <a:t>Edit Master text styles</a:t>
+              <a:t>Click to edit Master text styles</a:t>
             </a:r>
           </a:p>
           <a:p>
@@ -8816,7 +8752,7 @@
           <p:cNvPr id="4" name="Date Placeholder 3">
             <a:extLst>
               <a:ext uri="{FF2B5EF4-FFF2-40B4-BE49-F238E27FC236}">
-                <a16:creationId xmlns:a16="http://schemas.microsoft.com/office/drawing/2014/main" id="{64434AE2-EEFB-4E3E-AE6B-83D25805D3D9}"/>
+                <a16:creationId xmlns:a16="http://schemas.microsoft.com/office/drawing/2014/main" id="{78F1E396-2D58-4400-B843-D622BD562B81}"/>
               </a:ext>
             </a:extLst>
           </p:cNvPr>
@@ -8834,7 +8770,7 @@
           <a:p>
             <a:fld id="{3B973A88-4A99-4D63-B057-D63B46DF4DFC}" type="datetime1">
               <a:rPr lang="en-CA" smtClean="0"/>
-              <a:t>2018-12-06</a:t>
+              <a:t>2019-04-25</a:t>
             </a:fld>
             <a:endParaRPr lang="en-CA"/>
           </a:p>
@@ -8845,7 +8781,7 @@
           <p:cNvPr id="5" name="Footer Placeholder 4">
             <a:extLst>
               <a:ext uri="{FF2B5EF4-FFF2-40B4-BE49-F238E27FC236}">
-                <a16:creationId xmlns:a16="http://schemas.microsoft.com/office/drawing/2014/main" id="{8E5560BC-A27B-4DB6-A2C9-E18000424F8C}"/>
+                <a16:creationId xmlns:a16="http://schemas.microsoft.com/office/drawing/2014/main" id="{ECF01ED7-84D9-45B5-8616-BC747D804798}"/>
               </a:ext>
             </a:extLst>
           </p:cNvPr>
@@ -8861,10 +8797,7 @@
           <a:bodyPr/>
           <a:lstStyle/>
           <a:p>
-            <a:r>
-              <a:rPr lang="en-CA"/>
-              <a:t>@davesabine</a:t>
-            </a:r>
+            <a:endParaRPr lang="en-CA" dirty="0"/>
           </a:p>
         </p:txBody>
       </p:sp>
@@ -8873,7 +8806,7 @@
           <p:cNvPr id="6" name="Slide Number Placeholder 5">
             <a:extLst>
               <a:ext uri="{FF2B5EF4-FFF2-40B4-BE49-F238E27FC236}">
-                <a16:creationId xmlns:a16="http://schemas.microsoft.com/office/drawing/2014/main" id="{229CB35A-378B-4F65-8B74-FD010BBDBC9C}"/>
+                <a16:creationId xmlns:a16="http://schemas.microsoft.com/office/drawing/2014/main" id="{83275CAA-6878-4259-A96E-383EE66D4FAE}"/>
               </a:ext>
             </a:extLst>
           </p:cNvPr>
@@ -8884,7 +8817,15 @@
             <p:ph type="sldNum" sz="quarter" idx="12"/>
           </p:nvPr>
         </p:nvSpPr>
-        <p:spPr/>
+        <p:spPr>
+          <a:xfrm>
+            <a:off x="8610600" y="6356350"/>
+            <a:ext cx="2743200" cy="365125"/>
+          </a:xfrm>
+          <a:prstGeom prst="rect">
+            <a:avLst/>
+          </a:prstGeom>
+        </p:spPr>
         <p:txBody>
           <a:bodyPr/>
           <a:lstStyle/>
@@ -8900,7 +8841,7 @@
     </p:spTree>
     <p:extLst>
       <p:ext uri="{BB962C8B-B14F-4D97-AF65-F5344CB8AC3E}">
-        <p14:creationId xmlns:p14="http://schemas.microsoft.com/office/powerpoint/2010/main" val="1736099055"/>
+        <p14:creationId xmlns:p14="http://schemas.microsoft.com/office/powerpoint/2010/main" val="2555485994"/>
       </p:ext>
     </p:extLst>
   </p:cSld>
@@ -8932,7 +8873,7 @@
           <p:cNvPr id="2" name="Vertical Title 1">
             <a:extLst>
               <a:ext uri="{FF2B5EF4-FFF2-40B4-BE49-F238E27FC236}">
-                <a16:creationId xmlns:a16="http://schemas.microsoft.com/office/drawing/2014/main" id="{07D4E8A4-F579-47D4-B3FE-AC9B77E8AF75}"/>
+                <a16:creationId xmlns:a16="http://schemas.microsoft.com/office/drawing/2014/main" id="{8D6DAE9E-4092-4712-9B72-BB93D03C2658}"/>
               </a:ext>
             </a:extLst>
           </p:cNvPr>
@@ -8966,7 +8907,7 @@
           <p:cNvPr id="3" name="Vertical Text Placeholder 2">
             <a:extLst>
               <a:ext uri="{FF2B5EF4-FFF2-40B4-BE49-F238E27FC236}">
-                <a16:creationId xmlns:a16="http://schemas.microsoft.com/office/drawing/2014/main" id="{C4B3D8D8-F472-4F28-9B9D-176952D21F57}"/>
+                <a16:creationId xmlns:a16="http://schemas.microsoft.com/office/drawing/2014/main" id="{191F6149-3896-4283-A461-FE745DD74829}"/>
               </a:ext>
             </a:extLst>
           </p:cNvPr>
@@ -8990,7 +8931,7 @@
             <a:pPr lvl="0"/>
             <a:r>
               <a:rPr lang="en-US"/>
-              <a:t>Edit Master text styles</a:t>
+              <a:t>Click to edit Master text styles</a:t>
             </a:r>
           </a:p>
           <a:p>
@@ -9029,7 +8970,7 @@
           <p:cNvPr id="4" name="Date Placeholder 3">
             <a:extLst>
               <a:ext uri="{FF2B5EF4-FFF2-40B4-BE49-F238E27FC236}">
-                <a16:creationId xmlns:a16="http://schemas.microsoft.com/office/drawing/2014/main" id="{87818399-2B1D-40B0-97C1-E6B4B1F81600}"/>
+                <a16:creationId xmlns:a16="http://schemas.microsoft.com/office/drawing/2014/main" id="{7F56D835-3D5E-453B-9B4E-44B8FE337E45}"/>
               </a:ext>
             </a:extLst>
           </p:cNvPr>
@@ -9047,7 +8988,7 @@
           <a:p>
             <a:fld id="{92CF829B-A66E-4FF5-B87A-23FBCD4BFBFD}" type="datetime1">
               <a:rPr lang="en-CA" smtClean="0"/>
-              <a:t>2018-12-06</a:t>
+              <a:t>2019-04-25</a:t>
             </a:fld>
             <a:endParaRPr lang="en-CA"/>
           </a:p>
@@ -9058,7 +8999,7 @@
           <p:cNvPr id="5" name="Footer Placeholder 4">
             <a:extLst>
               <a:ext uri="{FF2B5EF4-FFF2-40B4-BE49-F238E27FC236}">
-                <a16:creationId xmlns:a16="http://schemas.microsoft.com/office/drawing/2014/main" id="{D871FBAA-0420-441E-8A2E-65935577A6AC}"/>
+                <a16:creationId xmlns:a16="http://schemas.microsoft.com/office/drawing/2014/main" id="{C7F87E1B-5962-4C8B-BB6F-2DE934A9922F}"/>
               </a:ext>
             </a:extLst>
           </p:cNvPr>
@@ -9074,10 +9015,7 @@
           <a:bodyPr/>
           <a:lstStyle/>
           <a:p>
-            <a:r>
-              <a:rPr lang="en-CA"/>
-              <a:t>@davesabine</a:t>
-            </a:r>
+            <a:endParaRPr lang="en-CA" dirty="0"/>
           </a:p>
         </p:txBody>
       </p:sp>
@@ -9086,7 +9024,7 @@
           <p:cNvPr id="6" name="Slide Number Placeholder 5">
             <a:extLst>
               <a:ext uri="{FF2B5EF4-FFF2-40B4-BE49-F238E27FC236}">
-                <a16:creationId xmlns:a16="http://schemas.microsoft.com/office/drawing/2014/main" id="{0E5BFD58-E510-4F2D-A592-F5CBF20AB7C0}"/>
+                <a16:creationId xmlns:a16="http://schemas.microsoft.com/office/drawing/2014/main" id="{F1B9A8D4-A72E-4A45-B1BB-01C1CC3DE106}"/>
               </a:ext>
             </a:extLst>
           </p:cNvPr>
@@ -9097,7 +9035,15 @@
             <p:ph type="sldNum" sz="quarter" idx="12"/>
           </p:nvPr>
         </p:nvSpPr>
-        <p:spPr/>
+        <p:spPr>
+          <a:xfrm>
+            <a:off x="8610600" y="6356350"/>
+            <a:ext cx="2743200" cy="365125"/>
+          </a:xfrm>
+          <a:prstGeom prst="rect">
+            <a:avLst/>
+          </a:prstGeom>
+        </p:spPr>
         <p:txBody>
           <a:bodyPr/>
           <a:lstStyle/>
@@ -9113,7 +9059,425 @@
     </p:spTree>
     <p:extLst>
       <p:ext uri="{BB962C8B-B14F-4D97-AF65-F5344CB8AC3E}">
-        <p14:creationId xmlns:p14="http://schemas.microsoft.com/office/powerpoint/2010/main" val="1345045160"/>
+        <p14:creationId xmlns:p14="http://schemas.microsoft.com/office/powerpoint/2010/main" val="201083857"/>
+      </p:ext>
+    </p:extLst>
+  </p:cSld>
+  <p:clrMapOvr>
+    <a:masterClrMapping/>
+  </p:clrMapOvr>
+</p:sldLayout>
+</file>
+
+<file path=ppt/slideLayouts/slideLayout12.xml><?xml version="1.0" encoding="utf-8"?>
+<p:sldLayout xmlns:a="http://schemas.openxmlformats.org/drawingml/2006/main" xmlns:r="http://schemas.openxmlformats.org/officeDocument/2006/relationships" xmlns:p="http://schemas.openxmlformats.org/presentationml/2006/main" preserve="1" userDrawn="1">
+  <p:cSld name="1_Comparison">
+    <p:spTree>
+      <p:nvGrpSpPr>
+        <p:cNvPr id="1" name=""/>
+        <p:cNvGrpSpPr/>
+        <p:nvPr/>
+      </p:nvGrpSpPr>
+      <p:grpSpPr>
+        <a:xfrm>
+          <a:off x="0" y="0"/>
+          <a:ext cx="0" cy="0"/>
+          <a:chOff x="0" y="0"/>
+          <a:chExt cx="0" cy="0"/>
+        </a:xfrm>
+      </p:grpSpPr>
+      <p:sp>
+        <p:nvSpPr>
+          <p:cNvPr id="3" name="Text Placeholder 2">
+            <a:extLst>
+              <a:ext uri="{FF2B5EF4-FFF2-40B4-BE49-F238E27FC236}">
+                <a16:creationId xmlns:a16="http://schemas.microsoft.com/office/drawing/2014/main" id="{E964C3BD-1FAC-48F1-855B-6C0D94108478}"/>
+              </a:ext>
+            </a:extLst>
+          </p:cNvPr>
+          <p:cNvSpPr>
+            <a:spLocks noGrp="1"/>
+          </p:cNvSpPr>
+          <p:nvPr>
+            <p:ph type="body" idx="1"/>
+          </p:nvPr>
+        </p:nvSpPr>
+        <p:spPr>
+          <a:xfrm>
+            <a:off x="839788" y="1681163"/>
+            <a:ext cx="5157787" cy="823912"/>
+          </a:xfrm>
+        </p:spPr>
+        <p:txBody>
+          <a:bodyPr anchor="b"/>
+          <a:lstStyle>
+            <a:lvl1pPr marL="0" indent="0">
+              <a:buNone/>
+              <a:defRPr sz="2400" b="1"/>
+            </a:lvl1pPr>
+            <a:lvl2pPr marL="457200" indent="0">
+              <a:buNone/>
+              <a:defRPr sz="2000" b="1"/>
+            </a:lvl2pPr>
+            <a:lvl3pPr marL="914400" indent="0">
+              <a:buNone/>
+              <a:defRPr sz="1800" b="1"/>
+            </a:lvl3pPr>
+            <a:lvl4pPr marL="1371600" indent="0">
+              <a:buNone/>
+              <a:defRPr sz="1600" b="1"/>
+            </a:lvl4pPr>
+            <a:lvl5pPr marL="1828800" indent="0">
+              <a:buNone/>
+              <a:defRPr sz="1600" b="1"/>
+            </a:lvl5pPr>
+            <a:lvl6pPr marL="2286000" indent="0">
+              <a:buNone/>
+              <a:defRPr sz="1600" b="1"/>
+            </a:lvl6pPr>
+            <a:lvl7pPr marL="2743200" indent="0">
+              <a:buNone/>
+              <a:defRPr sz="1600" b="1"/>
+            </a:lvl7pPr>
+            <a:lvl8pPr marL="3200400" indent="0">
+              <a:buNone/>
+              <a:defRPr sz="1600" b="1"/>
+            </a:lvl8pPr>
+            <a:lvl9pPr marL="3657600" indent="0">
+              <a:buNone/>
+              <a:defRPr sz="1600" b="1"/>
+            </a:lvl9pPr>
+          </a:lstStyle>
+          <a:p>
+            <a:pPr lvl="0"/>
+            <a:r>
+              <a:rPr lang="en-US"/>
+              <a:t>Edit Master text styles</a:t>
+            </a:r>
+          </a:p>
+        </p:txBody>
+      </p:sp>
+      <p:sp>
+        <p:nvSpPr>
+          <p:cNvPr id="4" name="Content Placeholder 3">
+            <a:extLst>
+              <a:ext uri="{FF2B5EF4-FFF2-40B4-BE49-F238E27FC236}">
+                <a16:creationId xmlns:a16="http://schemas.microsoft.com/office/drawing/2014/main" id="{C01B6936-9E7D-4A67-A23F-804A1521C436}"/>
+              </a:ext>
+            </a:extLst>
+          </p:cNvPr>
+          <p:cNvSpPr>
+            <a:spLocks noGrp="1"/>
+          </p:cNvSpPr>
+          <p:nvPr>
+            <p:ph sz="half" idx="2"/>
+          </p:nvPr>
+        </p:nvSpPr>
+        <p:spPr>
+          <a:xfrm>
+            <a:off x="839788" y="2505075"/>
+            <a:ext cx="5157787" cy="3684588"/>
+          </a:xfrm>
+        </p:spPr>
+        <p:txBody>
+          <a:bodyPr/>
+          <a:lstStyle/>
+          <a:p>
+            <a:pPr lvl="0"/>
+            <a:r>
+              <a:rPr lang="en-US"/>
+              <a:t>Edit Master text styles</a:t>
+            </a:r>
+          </a:p>
+          <a:p>
+            <a:pPr lvl="1"/>
+            <a:r>
+              <a:rPr lang="en-US"/>
+              <a:t>Second level</a:t>
+            </a:r>
+          </a:p>
+          <a:p>
+            <a:pPr lvl="2"/>
+            <a:r>
+              <a:rPr lang="en-US"/>
+              <a:t>Third level</a:t>
+            </a:r>
+          </a:p>
+          <a:p>
+            <a:pPr lvl="3"/>
+            <a:r>
+              <a:rPr lang="en-US"/>
+              <a:t>Fourth level</a:t>
+            </a:r>
+          </a:p>
+          <a:p>
+            <a:pPr lvl="4"/>
+            <a:r>
+              <a:rPr lang="en-US"/>
+              <a:t>Fifth level</a:t>
+            </a:r>
+            <a:endParaRPr lang="en-CA"/>
+          </a:p>
+        </p:txBody>
+      </p:sp>
+      <p:sp>
+        <p:nvSpPr>
+          <p:cNvPr id="5" name="Text Placeholder 4">
+            <a:extLst>
+              <a:ext uri="{FF2B5EF4-FFF2-40B4-BE49-F238E27FC236}">
+                <a16:creationId xmlns:a16="http://schemas.microsoft.com/office/drawing/2014/main" id="{CBA33D62-C4B0-4DA8-B4ED-0027630CDA74}"/>
+              </a:ext>
+            </a:extLst>
+          </p:cNvPr>
+          <p:cNvSpPr>
+            <a:spLocks noGrp="1"/>
+          </p:cNvSpPr>
+          <p:nvPr>
+            <p:ph type="body" sz="quarter" idx="3"/>
+          </p:nvPr>
+        </p:nvSpPr>
+        <p:spPr>
+          <a:xfrm>
+            <a:off x="6172200" y="1681163"/>
+            <a:ext cx="5183188" cy="823912"/>
+          </a:xfrm>
+        </p:spPr>
+        <p:txBody>
+          <a:bodyPr anchor="b"/>
+          <a:lstStyle>
+            <a:lvl1pPr marL="0" indent="0">
+              <a:buNone/>
+              <a:defRPr sz="2400" b="1"/>
+            </a:lvl1pPr>
+            <a:lvl2pPr marL="457200" indent="0">
+              <a:buNone/>
+              <a:defRPr sz="2000" b="1"/>
+            </a:lvl2pPr>
+            <a:lvl3pPr marL="914400" indent="0">
+              <a:buNone/>
+              <a:defRPr sz="1800" b="1"/>
+            </a:lvl3pPr>
+            <a:lvl4pPr marL="1371600" indent="0">
+              <a:buNone/>
+              <a:defRPr sz="1600" b="1"/>
+            </a:lvl4pPr>
+            <a:lvl5pPr marL="1828800" indent="0">
+              <a:buNone/>
+              <a:defRPr sz="1600" b="1"/>
+            </a:lvl5pPr>
+            <a:lvl6pPr marL="2286000" indent="0">
+              <a:buNone/>
+              <a:defRPr sz="1600" b="1"/>
+            </a:lvl6pPr>
+            <a:lvl7pPr marL="2743200" indent="0">
+              <a:buNone/>
+              <a:defRPr sz="1600" b="1"/>
+            </a:lvl7pPr>
+            <a:lvl8pPr marL="3200400" indent="0">
+              <a:buNone/>
+              <a:defRPr sz="1600" b="1"/>
+            </a:lvl8pPr>
+            <a:lvl9pPr marL="3657600" indent="0">
+              <a:buNone/>
+              <a:defRPr sz="1600" b="1"/>
+            </a:lvl9pPr>
+          </a:lstStyle>
+          <a:p>
+            <a:pPr lvl="0"/>
+            <a:r>
+              <a:rPr lang="en-US"/>
+              <a:t>Edit Master text styles</a:t>
+            </a:r>
+          </a:p>
+        </p:txBody>
+      </p:sp>
+      <p:sp>
+        <p:nvSpPr>
+          <p:cNvPr id="6" name="Content Placeholder 5">
+            <a:extLst>
+              <a:ext uri="{FF2B5EF4-FFF2-40B4-BE49-F238E27FC236}">
+                <a16:creationId xmlns:a16="http://schemas.microsoft.com/office/drawing/2014/main" id="{0800FFE8-F997-4BDB-B18C-3B0F47E8B7D9}"/>
+              </a:ext>
+            </a:extLst>
+          </p:cNvPr>
+          <p:cNvSpPr>
+            <a:spLocks noGrp="1"/>
+          </p:cNvSpPr>
+          <p:nvPr>
+            <p:ph sz="quarter" idx="4"/>
+          </p:nvPr>
+        </p:nvSpPr>
+        <p:spPr>
+          <a:xfrm>
+            <a:off x="6172200" y="2505075"/>
+            <a:ext cx="5183188" cy="3684588"/>
+          </a:xfrm>
+        </p:spPr>
+        <p:txBody>
+          <a:bodyPr/>
+          <a:lstStyle/>
+          <a:p>
+            <a:pPr lvl="0"/>
+            <a:r>
+              <a:rPr lang="en-US"/>
+              <a:t>Edit Master text styles</a:t>
+            </a:r>
+          </a:p>
+          <a:p>
+            <a:pPr lvl="1"/>
+            <a:r>
+              <a:rPr lang="en-US"/>
+              <a:t>Second level</a:t>
+            </a:r>
+          </a:p>
+          <a:p>
+            <a:pPr lvl="2"/>
+            <a:r>
+              <a:rPr lang="en-US"/>
+              <a:t>Third level</a:t>
+            </a:r>
+          </a:p>
+          <a:p>
+            <a:pPr lvl="3"/>
+            <a:r>
+              <a:rPr lang="en-US"/>
+              <a:t>Fourth level</a:t>
+            </a:r>
+          </a:p>
+          <a:p>
+            <a:pPr lvl="4"/>
+            <a:r>
+              <a:rPr lang="en-US"/>
+              <a:t>Fifth level</a:t>
+            </a:r>
+            <a:endParaRPr lang="en-CA"/>
+          </a:p>
+        </p:txBody>
+      </p:sp>
+      <p:sp>
+        <p:nvSpPr>
+          <p:cNvPr id="16" name="Title 15">
+            <a:extLst>
+              <a:ext uri="{FF2B5EF4-FFF2-40B4-BE49-F238E27FC236}">
+                <a16:creationId xmlns:a16="http://schemas.microsoft.com/office/drawing/2014/main" id="{E3BA8624-CE7A-4016-A905-7B32A06A68BA}"/>
+              </a:ext>
+            </a:extLst>
+          </p:cNvPr>
+          <p:cNvSpPr>
+            <a:spLocks noGrp="1"/>
+          </p:cNvSpPr>
+          <p:nvPr>
+            <p:ph type="title"/>
+          </p:nvPr>
+        </p:nvSpPr>
+        <p:spPr/>
+        <p:txBody>
+          <a:bodyPr/>
+          <a:lstStyle/>
+          <a:p>
+            <a:r>
+              <a:rPr lang="en-US"/>
+              <a:t>Click to edit Master title style</a:t>
+            </a:r>
+            <a:endParaRPr lang="en-CA"/>
+          </a:p>
+        </p:txBody>
+      </p:sp>
+      <p:sp>
+        <p:nvSpPr>
+          <p:cNvPr id="17" name="Date Placeholder 16">
+            <a:extLst>
+              <a:ext uri="{FF2B5EF4-FFF2-40B4-BE49-F238E27FC236}">
+                <a16:creationId xmlns:a16="http://schemas.microsoft.com/office/drawing/2014/main" id="{D28E96E5-8FD5-4CD4-B80B-C75AB23E441A}"/>
+              </a:ext>
+            </a:extLst>
+          </p:cNvPr>
+          <p:cNvSpPr>
+            <a:spLocks noGrp="1"/>
+          </p:cNvSpPr>
+          <p:nvPr>
+            <p:ph type="dt" sz="half" idx="10"/>
+          </p:nvPr>
+        </p:nvSpPr>
+        <p:spPr/>
+        <p:txBody>
+          <a:bodyPr/>
+          <a:lstStyle/>
+          <a:p>
+            <a:fld id="{4E43E235-AD3C-46A9-B36E-7BD0B0B69656}" type="datetime1">
+              <a:rPr lang="en-CA" smtClean="0"/>
+              <a:t>2019-04-25</a:t>
+            </a:fld>
+            <a:endParaRPr lang="en-CA" dirty="0"/>
+          </a:p>
+        </p:txBody>
+      </p:sp>
+      <p:sp>
+        <p:nvSpPr>
+          <p:cNvPr id="18" name="Footer Placeholder 17">
+            <a:extLst>
+              <a:ext uri="{FF2B5EF4-FFF2-40B4-BE49-F238E27FC236}">
+                <a16:creationId xmlns:a16="http://schemas.microsoft.com/office/drawing/2014/main" id="{BD90AD97-A95D-4273-8628-5D079F555E29}"/>
+              </a:ext>
+            </a:extLst>
+          </p:cNvPr>
+          <p:cNvSpPr>
+            <a:spLocks noGrp="1"/>
+          </p:cNvSpPr>
+          <p:nvPr>
+            <p:ph type="ftr" sz="quarter" idx="11"/>
+          </p:nvPr>
+        </p:nvSpPr>
+        <p:spPr/>
+        <p:txBody>
+          <a:bodyPr/>
+          <a:lstStyle/>
+          <a:p>
+            <a:endParaRPr lang="en-CA" dirty="0"/>
+          </a:p>
+        </p:txBody>
+      </p:sp>
+      <p:sp>
+        <p:nvSpPr>
+          <p:cNvPr id="19" name="Slide Number Placeholder 18">
+            <a:extLst>
+              <a:ext uri="{FF2B5EF4-FFF2-40B4-BE49-F238E27FC236}">
+                <a16:creationId xmlns:a16="http://schemas.microsoft.com/office/drawing/2014/main" id="{58E5A935-F3E8-4537-B854-9C74D07D7ECC}"/>
+              </a:ext>
+            </a:extLst>
+          </p:cNvPr>
+          <p:cNvSpPr>
+            <a:spLocks noGrp="1"/>
+          </p:cNvSpPr>
+          <p:nvPr>
+            <p:ph type="sldNum" sz="quarter" idx="12"/>
+          </p:nvPr>
+        </p:nvSpPr>
+        <p:spPr>
+          <a:xfrm>
+            <a:off x="8610600" y="6356350"/>
+            <a:ext cx="2743200" cy="365125"/>
+          </a:xfrm>
+          <a:prstGeom prst="rect">
+            <a:avLst/>
+          </a:prstGeom>
+        </p:spPr>
+        <p:txBody>
+          <a:bodyPr/>
+          <a:lstStyle/>
+          <a:p>
+            <a:fld id="{6E131AEF-849B-4A0A-8540-DAB607AEECA6}" type="slidenum">
+              <a:rPr lang="en-CA" smtClean="0"/>
+              <a:t>‹#›</a:t>
+            </a:fld>
+            <a:endParaRPr lang="en-CA"/>
+          </a:p>
+        </p:txBody>
+      </p:sp>
+    </p:spTree>
+    <p:extLst>
+      <p:ext uri="{BB962C8B-B14F-4D97-AF65-F5344CB8AC3E}">
+        <p14:creationId xmlns:p14="http://schemas.microsoft.com/office/powerpoint/2010/main" val="3812353246"/>
       </p:ext>
     </p:extLst>
   </p:cSld>
@@ -9145,7 +9509,7 @@
           <p:cNvPr id="2" name="Title 1">
             <a:extLst>
               <a:ext uri="{FF2B5EF4-FFF2-40B4-BE49-F238E27FC236}">
-                <a16:creationId xmlns:a16="http://schemas.microsoft.com/office/drawing/2014/main" id="{658773B8-8F82-45CF-8533-F887F6FE415D}"/>
+                <a16:creationId xmlns:a16="http://schemas.microsoft.com/office/drawing/2014/main" id="{94BBFC8A-5C9A-42F5-B456-70E56B826492}"/>
               </a:ext>
             </a:extLst>
           </p:cNvPr>
@@ -9174,7 +9538,7 @@
           <p:cNvPr id="3" name="Content Placeholder 2">
             <a:extLst>
               <a:ext uri="{FF2B5EF4-FFF2-40B4-BE49-F238E27FC236}">
-                <a16:creationId xmlns:a16="http://schemas.microsoft.com/office/drawing/2014/main" id="{93C5C7BB-38EF-488E-BDF1-3FB8B0F1FACD}"/>
+                <a16:creationId xmlns:a16="http://schemas.microsoft.com/office/drawing/2014/main" id="{F1131592-180C-407D-A09A-CEA3761317C9}"/>
               </a:ext>
             </a:extLst>
           </p:cNvPr>
@@ -9193,7 +9557,7 @@
             <a:pPr lvl="0"/>
             <a:r>
               <a:rPr lang="en-US"/>
-              <a:t>Edit Master text styles</a:t>
+              <a:t>Click to edit Master text styles</a:t>
             </a:r>
           </a:p>
           <a:p>
@@ -9232,7 +9596,7 @@
           <p:cNvPr id="4" name="Date Placeholder 3">
             <a:extLst>
               <a:ext uri="{FF2B5EF4-FFF2-40B4-BE49-F238E27FC236}">
-                <a16:creationId xmlns:a16="http://schemas.microsoft.com/office/drawing/2014/main" id="{433189FE-F6C7-47BB-987D-ABEE4A797987}"/>
+                <a16:creationId xmlns:a16="http://schemas.microsoft.com/office/drawing/2014/main" id="{720C5047-0E7E-4CE2-8AE6-F508B34579C3}"/>
               </a:ext>
             </a:extLst>
           </p:cNvPr>
@@ -9250,7 +9614,7 @@
           <a:p>
             <a:fld id="{5BA4A058-591E-4094-9828-1079517CB278}" type="datetime1">
               <a:rPr lang="en-CA" smtClean="0"/>
-              <a:t>2018-12-06</a:t>
+              <a:t>2019-04-25</a:t>
             </a:fld>
             <a:endParaRPr lang="en-CA"/>
           </a:p>
@@ -9261,7 +9625,7 @@
           <p:cNvPr id="5" name="Footer Placeholder 4">
             <a:extLst>
               <a:ext uri="{FF2B5EF4-FFF2-40B4-BE49-F238E27FC236}">
-                <a16:creationId xmlns:a16="http://schemas.microsoft.com/office/drawing/2014/main" id="{B9F5D374-8480-447C-BAEE-6B3281BF3218}"/>
+                <a16:creationId xmlns:a16="http://schemas.microsoft.com/office/drawing/2014/main" id="{7AE87E82-11E5-48E0-998A-6165D50741E2}"/>
               </a:ext>
             </a:extLst>
           </p:cNvPr>
@@ -9277,10 +9641,7 @@
           <a:bodyPr/>
           <a:lstStyle/>
           <a:p>
-            <a:r>
-              <a:rPr lang="en-CA"/>
-              <a:t>@davesabine</a:t>
-            </a:r>
+            <a:endParaRPr lang="en-CA" dirty="0"/>
           </a:p>
         </p:txBody>
       </p:sp>
@@ -9289,7 +9650,7 @@
           <p:cNvPr id="6" name="Slide Number Placeholder 5">
             <a:extLst>
               <a:ext uri="{FF2B5EF4-FFF2-40B4-BE49-F238E27FC236}">
-                <a16:creationId xmlns:a16="http://schemas.microsoft.com/office/drawing/2014/main" id="{EE98F15E-8132-471A-814E-98B8514468CF}"/>
+                <a16:creationId xmlns:a16="http://schemas.microsoft.com/office/drawing/2014/main" id="{481D7D86-D375-468F-899C-A97CBC3690E5}"/>
               </a:ext>
             </a:extLst>
           </p:cNvPr>
@@ -9300,7 +9661,15 @@
             <p:ph type="sldNum" sz="quarter" idx="12"/>
           </p:nvPr>
         </p:nvSpPr>
-        <p:spPr/>
+        <p:spPr>
+          <a:xfrm>
+            <a:off x="8610600" y="6356350"/>
+            <a:ext cx="2743200" cy="365125"/>
+          </a:xfrm>
+          <a:prstGeom prst="rect">
+            <a:avLst/>
+          </a:prstGeom>
+        </p:spPr>
         <p:txBody>
           <a:bodyPr/>
           <a:lstStyle/>
@@ -9316,7 +9685,7 @@
     </p:spTree>
     <p:extLst>
       <p:ext uri="{BB962C8B-B14F-4D97-AF65-F5344CB8AC3E}">
-        <p14:creationId xmlns:p14="http://schemas.microsoft.com/office/powerpoint/2010/main" val="4075712373"/>
+        <p14:creationId xmlns:p14="http://schemas.microsoft.com/office/powerpoint/2010/main" val="2302507675"/>
       </p:ext>
     </p:extLst>
   </p:cSld>
@@ -9348,7 +9717,7 @@
           <p:cNvPr id="2" name="Title 1">
             <a:extLst>
               <a:ext uri="{FF2B5EF4-FFF2-40B4-BE49-F238E27FC236}">
-                <a16:creationId xmlns:a16="http://schemas.microsoft.com/office/drawing/2014/main" id="{C0C704A9-9882-4654-BF77-E88C14F74E0A}"/>
+                <a16:creationId xmlns:a16="http://schemas.microsoft.com/office/drawing/2014/main" id="{40AB7765-0F8E-49C7-87F9-38719889D713}"/>
               </a:ext>
             </a:extLst>
           </p:cNvPr>
@@ -9386,7 +9755,7 @@
           <p:cNvPr id="3" name="Text Placeholder 2">
             <a:extLst>
               <a:ext uri="{FF2B5EF4-FFF2-40B4-BE49-F238E27FC236}">
-                <a16:creationId xmlns:a16="http://schemas.microsoft.com/office/drawing/2014/main" id="{1B53B4DA-F624-42A4-A7C8-3FF2128F7AC4}"/>
+                <a16:creationId xmlns:a16="http://schemas.microsoft.com/office/drawing/2014/main" id="{656BF60A-E48B-45D1-ADEE-89E8B7797270}"/>
               </a:ext>
             </a:extLst>
           </p:cNvPr>
@@ -9501,7 +9870,7 @@
             <a:pPr lvl="0"/>
             <a:r>
               <a:rPr lang="en-US"/>
-              <a:t>Edit Master text styles</a:t>
+              <a:t>Click to edit Master text styles</a:t>
             </a:r>
           </a:p>
         </p:txBody>
@@ -9511,7 +9880,7 @@
           <p:cNvPr id="4" name="Date Placeholder 3">
             <a:extLst>
               <a:ext uri="{FF2B5EF4-FFF2-40B4-BE49-F238E27FC236}">
-                <a16:creationId xmlns:a16="http://schemas.microsoft.com/office/drawing/2014/main" id="{C1E5D768-9B9E-4315-8F2A-150C2B1A9186}"/>
+                <a16:creationId xmlns:a16="http://schemas.microsoft.com/office/drawing/2014/main" id="{E0007AC0-4F58-4D5D-AC71-BDBBE5C81C0C}"/>
               </a:ext>
             </a:extLst>
           </p:cNvPr>
@@ -9529,7 +9898,7 @@
           <a:p>
             <a:fld id="{4D217126-1693-4CF8-8AD6-4E67FDEFEBD5}" type="datetime1">
               <a:rPr lang="en-CA" smtClean="0"/>
-              <a:t>2018-12-06</a:t>
+              <a:t>2019-04-25</a:t>
             </a:fld>
             <a:endParaRPr lang="en-CA"/>
           </a:p>
@@ -9540,7 +9909,7 @@
           <p:cNvPr id="5" name="Footer Placeholder 4">
             <a:extLst>
               <a:ext uri="{FF2B5EF4-FFF2-40B4-BE49-F238E27FC236}">
-                <a16:creationId xmlns:a16="http://schemas.microsoft.com/office/drawing/2014/main" id="{D7CE578E-6D5C-4F80-ACB7-1C8DA2C345DD}"/>
+                <a16:creationId xmlns:a16="http://schemas.microsoft.com/office/drawing/2014/main" id="{DE613460-E7B4-4718-BC4D-62A543E1FE2A}"/>
               </a:ext>
             </a:extLst>
           </p:cNvPr>
@@ -9556,10 +9925,7 @@
           <a:bodyPr/>
           <a:lstStyle/>
           <a:p>
-            <a:r>
-              <a:rPr lang="en-CA"/>
-              <a:t>@davesabine</a:t>
-            </a:r>
+            <a:endParaRPr lang="en-CA" dirty="0"/>
           </a:p>
         </p:txBody>
       </p:sp>
@@ -9568,7 +9934,7 @@
           <p:cNvPr id="6" name="Slide Number Placeholder 5">
             <a:extLst>
               <a:ext uri="{FF2B5EF4-FFF2-40B4-BE49-F238E27FC236}">
-                <a16:creationId xmlns:a16="http://schemas.microsoft.com/office/drawing/2014/main" id="{C4E8340A-4B31-4451-910D-8949D55FE648}"/>
+                <a16:creationId xmlns:a16="http://schemas.microsoft.com/office/drawing/2014/main" id="{A5368808-6A97-4154-9D3B-A880F908083C}"/>
               </a:ext>
             </a:extLst>
           </p:cNvPr>
@@ -9579,7 +9945,15 @@
             <p:ph type="sldNum" sz="quarter" idx="12"/>
           </p:nvPr>
         </p:nvSpPr>
-        <p:spPr/>
+        <p:spPr>
+          <a:xfrm>
+            <a:off x="8610600" y="6356350"/>
+            <a:ext cx="2743200" cy="365125"/>
+          </a:xfrm>
+          <a:prstGeom prst="rect">
+            <a:avLst/>
+          </a:prstGeom>
+        </p:spPr>
         <p:txBody>
           <a:bodyPr/>
           <a:lstStyle/>
@@ -9595,7 +9969,7 @@
     </p:spTree>
     <p:extLst>
       <p:ext uri="{BB962C8B-B14F-4D97-AF65-F5344CB8AC3E}">
-        <p14:creationId xmlns:p14="http://schemas.microsoft.com/office/powerpoint/2010/main" val="2798481565"/>
+        <p14:creationId xmlns:p14="http://schemas.microsoft.com/office/powerpoint/2010/main" val="980712382"/>
       </p:ext>
     </p:extLst>
   </p:cSld>
@@ -9627,7 +10001,7 @@
           <p:cNvPr id="2" name="Title 1">
             <a:extLst>
               <a:ext uri="{FF2B5EF4-FFF2-40B4-BE49-F238E27FC236}">
-                <a16:creationId xmlns:a16="http://schemas.microsoft.com/office/drawing/2014/main" id="{122982A3-8685-49AA-B94B-95B6F165AF82}"/>
+                <a16:creationId xmlns:a16="http://schemas.microsoft.com/office/drawing/2014/main" id="{8244B3B7-F7DB-444C-86E3-45487C01ADEB}"/>
               </a:ext>
             </a:extLst>
           </p:cNvPr>
@@ -9656,7 +10030,7 @@
           <p:cNvPr id="3" name="Content Placeholder 2">
             <a:extLst>
               <a:ext uri="{FF2B5EF4-FFF2-40B4-BE49-F238E27FC236}">
-                <a16:creationId xmlns:a16="http://schemas.microsoft.com/office/drawing/2014/main" id="{013325AA-5A63-4A74-AC03-B118DA0A6957}"/>
+                <a16:creationId xmlns:a16="http://schemas.microsoft.com/office/drawing/2014/main" id="{96412E40-5BB9-4E41-8E20-2A1FC8090D3C}"/>
               </a:ext>
             </a:extLst>
           </p:cNvPr>
@@ -9680,7 +10054,7 @@
             <a:pPr lvl="0"/>
             <a:r>
               <a:rPr lang="en-US"/>
-              <a:t>Edit Master text styles</a:t>
+              <a:t>Click to edit Master text styles</a:t>
             </a:r>
           </a:p>
           <a:p>
@@ -9719,7 +10093,7 @@
           <p:cNvPr id="4" name="Content Placeholder 3">
             <a:extLst>
               <a:ext uri="{FF2B5EF4-FFF2-40B4-BE49-F238E27FC236}">
-                <a16:creationId xmlns:a16="http://schemas.microsoft.com/office/drawing/2014/main" id="{BA230C64-3BA5-4642-BB6F-87FA07938479}"/>
+                <a16:creationId xmlns:a16="http://schemas.microsoft.com/office/drawing/2014/main" id="{94C6A912-545D-49A7-800A-D8E5659C9AD5}"/>
               </a:ext>
             </a:extLst>
           </p:cNvPr>
@@ -9743,7 +10117,7 @@
             <a:pPr lvl="0"/>
             <a:r>
               <a:rPr lang="en-US"/>
-              <a:t>Edit Master text styles</a:t>
+              <a:t>Click to edit Master text styles</a:t>
             </a:r>
           </a:p>
           <a:p>
@@ -9782,7 +10156,7 @@
           <p:cNvPr id="5" name="Date Placeholder 4">
             <a:extLst>
               <a:ext uri="{FF2B5EF4-FFF2-40B4-BE49-F238E27FC236}">
-                <a16:creationId xmlns:a16="http://schemas.microsoft.com/office/drawing/2014/main" id="{EE5D0E9E-0918-4CE0-A217-706CDF88D9D4}"/>
+                <a16:creationId xmlns:a16="http://schemas.microsoft.com/office/drawing/2014/main" id="{E16A6644-D6DA-4306-A0ED-B89E9F44A5C7}"/>
               </a:ext>
             </a:extLst>
           </p:cNvPr>
@@ -9800,7 +10174,7 @@
           <a:p>
             <a:fld id="{A6A4EBA7-C4B2-4D1A-832E-BB546FE63970}" type="datetime1">
               <a:rPr lang="en-CA" smtClean="0"/>
-              <a:t>2018-12-06</a:t>
+              <a:t>2019-04-25</a:t>
             </a:fld>
             <a:endParaRPr lang="en-CA"/>
           </a:p>
@@ -9811,7 +10185,7 @@
           <p:cNvPr id="6" name="Footer Placeholder 5">
             <a:extLst>
               <a:ext uri="{FF2B5EF4-FFF2-40B4-BE49-F238E27FC236}">
-                <a16:creationId xmlns:a16="http://schemas.microsoft.com/office/drawing/2014/main" id="{9DB32568-2837-4C8E-99D5-DC567DF2ACB8}"/>
+                <a16:creationId xmlns:a16="http://schemas.microsoft.com/office/drawing/2014/main" id="{18C8F7E8-FBD7-4168-BE92-425FC5FAB13A}"/>
               </a:ext>
             </a:extLst>
           </p:cNvPr>
@@ -9827,10 +10201,7 @@
           <a:bodyPr/>
           <a:lstStyle/>
           <a:p>
-            <a:r>
-              <a:rPr lang="en-CA"/>
-              <a:t>@davesabine</a:t>
-            </a:r>
+            <a:endParaRPr lang="en-CA" dirty="0"/>
           </a:p>
         </p:txBody>
       </p:sp>
@@ -9839,7 +10210,7 @@
           <p:cNvPr id="7" name="Slide Number Placeholder 6">
             <a:extLst>
               <a:ext uri="{FF2B5EF4-FFF2-40B4-BE49-F238E27FC236}">
-                <a16:creationId xmlns:a16="http://schemas.microsoft.com/office/drawing/2014/main" id="{871B84A4-5F6C-48EB-8EBE-F6C157B5121A}"/>
+                <a16:creationId xmlns:a16="http://schemas.microsoft.com/office/drawing/2014/main" id="{01B144D4-51E1-4C25-B270-22B46835E5E5}"/>
               </a:ext>
             </a:extLst>
           </p:cNvPr>
@@ -9850,7 +10221,15 @@
             <p:ph type="sldNum" sz="quarter" idx="12"/>
           </p:nvPr>
         </p:nvSpPr>
-        <p:spPr/>
+        <p:spPr>
+          <a:xfrm>
+            <a:off x="8610600" y="6356350"/>
+            <a:ext cx="2743200" cy="365125"/>
+          </a:xfrm>
+          <a:prstGeom prst="rect">
+            <a:avLst/>
+          </a:prstGeom>
+        </p:spPr>
         <p:txBody>
           <a:bodyPr/>
           <a:lstStyle/>
@@ -9866,7 +10245,7 @@
     </p:spTree>
     <p:extLst>
       <p:ext uri="{BB962C8B-B14F-4D97-AF65-F5344CB8AC3E}">
-        <p14:creationId xmlns:p14="http://schemas.microsoft.com/office/powerpoint/2010/main" val="1717750695"/>
+        <p14:creationId xmlns:p14="http://schemas.microsoft.com/office/powerpoint/2010/main" val="1376377045"/>
       </p:ext>
     </p:extLst>
   </p:cSld>
@@ -9877,7 +10256,7 @@
 </file>
 
 <file path=ppt/slideLayouts/slideLayout5.xml><?xml version="1.0" encoding="utf-8"?>
-<p:sldLayout xmlns:a="http://schemas.openxmlformats.org/drawingml/2006/main" xmlns:r="http://schemas.openxmlformats.org/officeDocument/2006/relationships" xmlns:p="http://schemas.openxmlformats.org/presentationml/2006/main" preserve="1" userDrawn="1">
+<p:sldLayout xmlns:a="http://schemas.openxmlformats.org/drawingml/2006/main" xmlns:r="http://schemas.openxmlformats.org/officeDocument/2006/relationships" xmlns:p="http://schemas.openxmlformats.org/presentationml/2006/main" type="twoTxTwoObj" preserve="1">
   <p:cSld name="Comparison">
     <p:spTree>
       <p:nvGrpSpPr>
@@ -9895,10 +10274,44 @@
       </p:grpSpPr>
       <p:sp>
         <p:nvSpPr>
+          <p:cNvPr id="2" name="Title 1">
+            <a:extLst>
+              <a:ext uri="{FF2B5EF4-FFF2-40B4-BE49-F238E27FC236}">
+                <a16:creationId xmlns:a16="http://schemas.microsoft.com/office/drawing/2014/main" id="{1B728012-D927-4915-8DC1-DC4C4AFD67E4}"/>
+              </a:ext>
+            </a:extLst>
+          </p:cNvPr>
+          <p:cNvSpPr>
+            <a:spLocks noGrp="1"/>
+          </p:cNvSpPr>
+          <p:nvPr>
+            <p:ph type="title"/>
+          </p:nvPr>
+        </p:nvSpPr>
+        <p:spPr>
+          <a:xfrm>
+            <a:off x="839788" y="365125"/>
+            <a:ext cx="10515600" cy="1325563"/>
+          </a:xfrm>
+        </p:spPr>
+        <p:txBody>
+          <a:bodyPr/>
+          <a:lstStyle/>
+          <a:p>
+            <a:r>
+              <a:rPr lang="en-US"/>
+              <a:t>Click to edit Master title style</a:t>
+            </a:r>
+            <a:endParaRPr lang="en-CA"/>
+          </a:p>
+        </p:txBody>
+      </p:sp>
+      <p:sp>
+        <p:nvSpPr>
           <p:cNvPr id="3" name="Text Placeholder 2">
             <a:extLst>
               <a:ext uri="{FF2B5EF4-FFF2-40B4-BE49-F238E27FC236}">
-                <a16:creationId xmlns:a16="http://schemas.microsoft.com/office/drawing/2014/main" id="{E964C3BD-1FAC-48F1-855B-6C0D94108478}"/>
+                <a16:creationId xmlns:a16="http://schemas.microsoft.com/office/drawing/2014/main" id="{A37F42C5-9454-4E5E-933A-13FEC6C87D89}"/>
               </a:ext>
             </a:extLst>
           </p:cNvPr>
@@ -9959,7 +10372,7 @@
             <a:pPr lvl="0"/>
             <a:r>
               <a:rPr lang="en-US"/>
-              <a:t>Edit Master text styles</a:t>
+              <a:t>Click to edit Master text styles</a:t>
             </a:r>
           </a:p>
         </p:txBody>
@@ -9969,7 +10382,7 @@
           <p:cNvPr id="4" name="Content Placeholder 3">
             <a:extLst>
               <a:ext uri="{FF2B5EF4-FFF2-40B4-BE49-F238E27FC236}">
-                <a16:creationId xmlns:a16="http://schemas.microsoft.com/office/drawing/2014/main" id="{C01B6936-9E7D-4A67-A23F-804A1521C436}"/>
+                <a16:creationId xmlns:a16="http://schemas.microsoft.com/office/drawing/2014/main" id="{8714CD8E-0D88-40C3-8328-4A432DA88D43}"/>
               </a:ext>
             </a:extLst>
           </p:cNvPr>
@@ -9993,7 +10406,7 @@
             <a:pPr lvl="0"/>
             <a:r>
               <a:rPr lang="en-US"/>
-              <a:t>Edit Master text styles</a:t>
+              <a:t>Click to edit Master text styles</a:t>
             </a:r>
           </a:p>
           <a:p>
@@ -10032,7 +10445,7 @@
           <p:cNvPr id="5" name="Text Placeholder 4">
             <a:extLst>
               <a:ext uri="{FF2B5EF4-FFF2-40B4-BE49-F238E27FC236}">
-                <a16:creationId xmlns:a16="http://schemas.microsoft.com/office/drawing/2014/main" id="{CBA33D62-C4B0-4DA8-B4ED-0027630CDA74}"/>
+                <a16:creationId xmlns:a16="http://schemas.microsoft.com/office/drawing/2014/main" id="{04C7452F-29DD-41EF-8D58-5A6E2669ADE1}"/>
               </a:ext>
             </a:extLst>
           </p:cNvPr>
@@ -10093,7 +10506,7 @@
             <a:pPr lvl="0"/>
             <a:r>
               <a:rPr lang="en-US"/>
-              <a:t>Edit Master text styles</a:t>
+              <a:t>Click to edit Master text styles</a:t>
             </a:r>
           </a:p>
         </p:txBody>
@@ -10103,7 +10516,7 @@
           <p:cNvPr id="6" name="Content Placeholder 5">
             <a:extLst>
               <a:ext uri="{FF2B5EF4-FFF2-40B4-BE49-F238E27FC236}">
-                <a16:creationId xmlns:a16="http://schemas.microsoft.com/office/drawing/2014/main" id="{0800FFE8-F997-4BDB-B18C-3B0F47E8B7D9}"/>
+                <a16:creationId xmlns:a16="http://schemas.microsoft.com/office/drawing/2014/main" id="{CC29F58B-4435-4824-A792-50F9984D0087}"/>
               </a:ext>
             </a:extLst>
           </p:cNvPr>
@@ -10127,7 +10540,7 @@
             <a:pPr lvl="0"/>
             <a:r>
               <a:rPr lang="en-US"/>
-              <a:t>Edit Master text styles</a:t>
+              <a:t>Click to edit Master text styles</a:t>
             </a:r>
           </a:p>
           <a:p>
@@ -10163,10 +10576,10 @@
       </p:sp>
       <p:sp>
         <p:nvSpPr>
-          <p:cNvPr id="16" name="Title 15">
+          <p:cNvPr id="7" name="Date Placeholder 6">
             <a:extLst>
               <a:ext uri="{FF2B5EF4-FFF2-40B4-BE49-F238E27FC236}">
-                <a16:creationId xmlns:a16="http://schemas.microsoft.com/office/drawing/2014/main" id="{E3BA8624-CE7A-4016-A905-7B32A06A68BA}"/>
+                <a16:creationId xmlns:a16="http://schemas.microsoft.com/office/drawing/2014/main" id="{4ED56792-7F48-41A0-9756-A3A7759EB323}"/>
               </a:ext>
             </a:extLst>
           </p:cNvPr>
@@ -10174,7 +10587,7 @@
             <a:spLocks noGrp="1"/>
           </p:cNvSpPr>
           <p:nvPr>
-            <p:ph type="title"/>
+            <p:ph type="dt" sz="half" idx="10"/>
           </p:nvPr>
         </p:nvSpPr>
         <p:spPr/>
@@ -10182,20 +10595,20 @@
           <a:bodyPr/>
           <a:lstStyle/>
           <a:p>
-            <a:r>
-              <a:rPr lang="en-US"/>
-              <a:t>Click to edit Master title style</a:t>
-            </a:r>
-            <a:endParaRPr lang="en-CA"/>
-          </a:p>
-        </p:txBody>
-      </p:sp>
-      <p:sp>
-        <p:nvSpPr>
-          <p:cNvPr id="17" name="Date Placeholder 16">
+            <a:fld id="{4E43E235-AD3C-46A9-B36E-7BD0B0B69656}" type="datetime1">
+              <a:rPr lang="en-CA" smtClean="0"/>
+              <a:t>2019-04-25</a:t>
+            </a:fld>
+            <a:endParaRPr lang="en-CA" dirty="0"/>
+          </a:p>
+        </p:txBody>
+      </p:sp>
+      <p:sp>
+        <p:nvSpPr>
+          <p:cNvPr id="8" name="Footer Placeholder 7">
             <a:extLst>
               <a:ext uri="{FF2B5EF4-FFF2-40B4-BE49-F238E27FC236}">
-                <a16:creationId xmlns:a16="http://schemas.microsoft.com/office/drawing/2014/main" id="{D28E96E5-8FD5-4CD4-B80B-C75AB23E441A}"/>
+                <a16:creationId xmlns:a16="http://schemas.microsoft.com/office/drawing/2014/main" id="{E1907BFD-4FFB-4D81-BD06-56056028C3F5}"/>
               </a:ext>
             </a:extLst>
           </p:cNvPr>
@@ -10203,7 +10616,7 @@
             <a:spLocks noGrp="1"/>
           </p:cNvSpPr>
           <p:nvPr>
-            <p:ph type="dt" sz="half" idx="10"/>
+            <p:ph type="ftr" sz="quarter" idx="11"/>
           </p:nvPr>
         </p:nvSpPr>
         <p:spPr/>
@@ -10211,20 +10624,16 @@
           <a:bodyPr/>
           <a:lstStyle/>
           <a:p>
-            <a:fld id="{4E43E235-AD3C-46A9-B36E-7BD0B0B69656}" type="datetime1">
-              <a:rPr lang="en-CA" smtClean="0"/>
-              <a:t>2018-12-06</a:t>
-            </a:fld>
             <a:endParaRPr lang="en-CA" dirty="0"/>
           </a:p>
         </p:txBody>
       </p:sp>
       <p:sp>
         <p:nvSpPr>
-          <p:cNvPr id="18" name="Footer Placeholder 17">
+          <p:cNvPr id="9" name="Slide Number Placeholder 8">
             <a:extLst>
               <a:ext uri="{FF2B5EF4-FFF2-40B4-BE49-F238E27FC236}">
-                <a16:creationId xmlns:a16="http://schemas.microsoft.com/office/drawing/2014/main" id="{BD90AD97-A95D-4273-8628-5D079F555E29}"/>
+                <a16:creationId xmlns:a16="http://schemas.microsoft.com/office/drawing/2014/main" id="{67FB9FC7-43A6-4389-9619-6FB734A19E1C}"/>
               </a:ext>
             </a:extLst>
           </p:cNvPr>
@@ -10232,38 +10641,18 @@
             <a:spLocks noGrp="1"/>
           </p:cNvSpPr>
           <p:nvPr>
-            <p:ph type="ftr" sz="quarter" idx="11"/>
-          </p:nvPr>
-        </p:nvSpPr>
-        <p:spPr/>
-        <p:txBody>
-          <a:bodyPr/>
-          <a:lstStyle/>
-          <a:p>
-            <a:r>
-              <a:rPr lang="en-CA"/>
-              <a:t>@davesabine</a:t>
-            </a:r>
-          </a:p>
-        </p:txBody>
-      </p:sp>
-      <p:sp>
-        <p:nvSpPr>
-          <p:cNvPr id="19" name="Slide Number Placeholder 18">
-            <a:extLst>
-              <a:ext uri="{FF2B5EF4-FFF2-40B4-BE49-F238E27FC236}">
-                <a16:creationId xmlns:a16="http://schemas.microsoft.com/office/drawing/2014/main" id="{58E5A935-F3E8-4537-B854-9C74D07D7ECC}"/>
-              </a:ext>
-            </a:extLst>
-          </p:cNvPr>
-          <p:cNvSpPr>
-            <a:spLocks noGrp="1"/>
-          </p:cNvSpPr>
-          <p:nvPr>
             <p:ph type="sldNum" sz="quarter" idx="12"/>
           </p:nvPr>
         </p:nvSpPr>
-        <p:spPr/>
+        <p:spPr>
+          <a:xfrm>
+            <a:off x="8610600" y="6356350"/>
+            <a:ext cx="2743200" cy="365125"/>
+          </a:xfrm>
+          <a:prstGeom prst="rect">
+            <a:avLst/>
+          </a:prstGeom>
+        </p:spPr>
         <p:txBody>
           <a:bodyPr/>
           <a:lstStyle/>
@@ -10279,7 +10668,7 @@
     </p:spTree>
     <p:extLst>
       <p:ext uri="{BB962C8B-B14F-4D97-AF65-F5344CB8AC3E}">
-        <p14:creationId xmlns:p14="http://schemas.microsoft.com/office/powerpoint/2010/main" val="3812353246"/>
+        <p14:creationId xmlns:p14="http://schemas.microsoft.com/office/powerpoint/2010/main" val="4049788333"/>
       </p:ext>
     </p:extLst>
   </p:cSld>
@@ -10311,7 +10700,7 @@
           <p:cNvPr id="2" name="Title 1">
             <a:extLst>
               <a:ext uri="{FF2B5EF4-FFF2-40B4-BE49-F238E27FC236}">
-                <a16:creationId xmlns:a16="http://schemas.microsoft.com/office/drawing/2014/main" id="{2A44426E-DBDD-4C5C-BD2E-6822DE61B26E}"/>
+                <a16:creationId xmlns:a16="http://schemas.microsoft.com/office/drawing/2014/main" id="{BF7B6C29-77D0-4974-B6CE-3D1EBAD6AD2A}"/>
               </a:ext>
             </a:extLst>
           </p:cNvPr>
@@ -10328,10 +10717,10 @@
           <a:lstStyle/>
           <a:p>
             <a:r>
-              <a:rPr lang="en-US"/>
+              <a:rPr lang="en-US" dirty="0"/>
               <a:t>Click to edit Master title style</a:t>
             </a:r>
-            <a:endParaRPr lang="en-CA"/>
+            <a:endParaRPr lang="en-CA" dirty="0"/>
           </a:p>
         </p:txBody>
       </p:sp>
@@ -10340,7 +10729,7 @@
           <p:cNvPr id="3" name="Date Placeholder 2">
             <a:extLst>
               <a:ext uri="{FF2B5EF4-FFF2-40B4-BE49-F238E27FC236}">
-                <a16:creationId xmlns:a16="http://schemas.microsoft.com/office/drawing/2014/main" id="{5AA4F340-96C9-42FC-9207-0C81CBE5F692}"/>
+                <a16:creationId xmlns:a16="http://schemas.microsoft.com/office/drawing/2014/main" id="{16897AEA-F80D-4B5B-B9F1-158F63634E47}"/>
               </a:ext>
             </a:extLst>
           </p:cNvPr>
@@ -10358,7 +10747,7 @@
           <a:p>
             <a:fld id="{5E27445B-9EA3-486F-857E-85BA17D82FCD}" type="datetime1">
               <a:rPr lang="en-CA" smtClean="0"/>
-              <a:t>2018-12-06</a:t>
+              <a:t>2019-04-25</a:t>
             </a:fld>
             <a:endParaRPr lang="en-CA"/>
           </a:p>
@@ -10369,7 +10758,7 @@
           <p:cNvPr id="4" name="Footer Placeholder 3">
             <a:extLst>
               <a:ext uri="{FF2B5EF4-FFF2-40B4-BE49-F238E27FC236}">
-                <a16:creationId xmlns:a16="http://schemas.microsoft.com/office/drawing/2014/main" id="{BB63E27B-7754-487C-AFCC-DEBCA1FFF958}"/>
+                <a16:creationId xmlns:a16="http://schemas.microsoft.com/office/drawing/2014/main" id="{6B425BB4-9F3B-4D7F-8CF9-A9206074B0D6}"/>
               </a:ext>
             </a:extLst>
           </p:cNvPr>
@@ -10385,10 +10774,7 @@
           <a:bodyPr/>
           <a:lstStyle/>
           <a:p>
-            <a:r>
-              <a:rPr lang="en-CA"/>
-              <a:t>@davesabine</a:t>
-            </a:r>
+            <a:endParaRPr lang="en-CA" dirty="0"/>
           </a:p>
         </p:txBody>
       </p:sp>
@@ -10397,7 +10783,7 @@
           <p:cNvPr id="5" name="Slide Number Placeholder 4">
             <a:extLst>
               <a:ext uri="{FF2B5EF4-FFF2-40B4-BE49-F238E27FC236}">
-                <a16:creationId xmlns:a16="http://schemas.microsoft.com/office/drawing/2014/main" id="{E3B21542-56C6-483E-971B-2BD71A616D1E}"/>
+                <a16:creationId xmlns:a16="http://schemas.microsoft.com/office/drawing/2014/main" id="{A872810D-321B-4172-8FE6-5D8B73CFA79C}"/>
               </a:ext>
             </a:extLst>
           </p:cNvPr>
@@ -10408,7 +10794,15 @@
             <p:ph type="sldNum" sz="quarter" idx="12"/>
           </p:nvPr>
         </p:nvSpPr>
-        <p:spPr/>
+        <p:spPr>
+          <a:xfrm>
+            <a:off x="8610600" y="6356350"/>
+            <a:ext cx="2743200" cy="365125"/>
+          </a:xfrm>
+          <a:prstGeom prst="rect">
+            <a:avLst/>
+          </a:prstGeom>
+        </p:spPr>
         <p:txBody>
           <a:bodyPr/>
           <a:lstStyle/>
@@ -10424,7 +10818,7 @@
     </p:spTree>
     <p:extLst>
       <p:ext uri="{BB962C8B-B14F-4D97-AF65-F5344CB8AC3E}">
-        <p14:creationId xmlns:p14="http://schemas.microsoft.com/office/powerpoint/2010/main" val="2367704563"/>
+        <p14:creationId xmlns:p14="http://schemas.microsoft.com/office/powerpoint/2010/main" val="3383863846"/>
       </p:ext>
     </p:extLst>
   </p:cSld>
@@ -10456,7 +10850,7 @@
           <p:cNvPr id="2" name="Date Placeholder 1">
             <a:extLst>
               <a:ext uri="{FF2B5EF4-FFF2-40B4-BE49-F238E27FC236}">
-                <a16:creationId xmlns:a16="http://schemas.microsoft.com/office/drawing/2014/main" id="{A0270598-3D81-43B8-BDBC-5A29630986DB}"/>
+                <a16:creationId xmlns:a16="http://schemas.microsoft.com/office/drawing/2014/main" id="{0B236C86-831F-42FE-A687-2FEC672C8C87}"/>
               </a:ext>
             </a:extLst>
           </p:cNvPr>
@@ -10474,7 +10868,7 @@
           <a:p>
             <a:fld id="{6BBBD15F-E905-474B-A04F-3638F0C11E43}" type="datetime1">
               <a:rPr lang="en-CA" smtClean="0"/>
-              <a:t>2018-12-06</a:t>
+              <a:t>2019-04-25</a:t>
             </a:fld>
             <a:endParaRPr lang="en-CA"/>
           </a:p>
@@ -10485,7 +10879,7 @@
           <p:cNvPr id="3" name="Footer Placeholder 2">
             <a:extLst>
               <a:ext uri="{FF2B5EF4-FFF2-40B4-BE49-F238E27FC236}">
-                <a16:creationId xmlns:a16="http://schemas.microsoft.com/office/drawing/2014/main" id="{3E4A860F-3E37-4397-8B60-7C5DA3AB8040}"/>
+                <a16:creationId xmlns:a16="http://schemas.microsoft.com/office/drawing/2014/main" id="{6B976585-9E66-4419-9403-98C0133DDAC1}"/>
               </a:ext>
             </a:extLst>
           </p:cNvPr>
@@ -10501,10 +10895,7 @@
           <a:bodyPr/>
           <a:lstStyle/>
           <a:p>
-            <a:r>
-              <a:rPr lang="en-CA"/>
-              <a:t>@davesabine</a:t>
-            </a:r>
+            <a:endParaRPr lang="en-CA" dirty="0"/>
           </a:p>
         </p:txBody>
       </p:sp>
@@ -10513,7 +10904,7 @@
           <p:cNvPr id="4" name="Slide Number Placeholder 3">
             <a:extLst>
               <a:ext uri="{FF2B5EF4-FFF2-40B4-BE49-F238E27FC236}">
-                <a16:creationId xmlns:a16="http://schemas.microsoft.com/office/drawing/2014/main" id="{E405E0D1-F923-4E0E-AB58-FF096B0C008F}"/>
+                <a16:creationId xmlns:a16="http://schemas.microsoft.com/office/drawing/2014/main" id="{47EE50C8-3580-41E6-973B-D48B2FCA0F61}"/>
               </a:ext>
             </a:extLst>
           </p:cNvPr>
@@ -10524,7 +10915,15 @@
             <p:ph type="sldNum" sz="quarter" idx="12"/>
           </p:nvPr>
         </p:nvSpPr>
-        <p:spPr/>
+        <p:spPr>
+          <a:xfrm>
+            <a:off x="8610600" y="6356350"/>
+            <a:ext cx="2743200" cy="365125"/>
+          </a:xfrm>
+          <a:prstGeom prst="rect">
+            <a:avLst/>
+          </a:prstGeom>
+        </p:spPr>
         <p:txBody>
           <a:bodyPr/>
           <a:lstStyle/>
@@ -10540,7 +10939,7 @@
     </p:spTree>
     <p:extLst>
       <p:ext uri="{BB962C8B-B14F-4D97-AF65-F5344CB8AC3E}">
-        <p14:creationId xmlns:p14="http://schemas.microsoft.com/office/powerpoint/2010/main" val="2387381508"/>
+        <p14:creationId xmlns:p14="http://schemas.microsoft.com/office/powerpoint/2010/main" val="256878231"/>
       </p:ext>
     </p:extLst>
   </p:cSld>
@@ -10572,7 +10971,7 @@
           <p:cNvPr id="2" name="Title 1">
             <a:extLst>
               <a:ext uri="{FF2B5EF4-FFF2-40B4-BE49-F238E27FC236}">
-                <a16:creationId xmlns:a16="http://schemas.microsoft.com/office/drawing/2014/main" id="{3784E567-5FDD-48CE-9EAF-D7773117A7A1}"/>
+                <a16:creationId xmlns:a16="http://schemas.microsoft.com/office/drawing/2014/main" id="{B1F67652-5B8A-42DC-B44F-CF452F780B25}"/>
               </a:ext>
             </a:extLst>
           </p:cNvPr>
@@ -10590,25 +10989,18 @@
           </a:xfrm>
         </p:spPr>
         <p:txBody>
-          <a:bodyPr anchor="b">
-            <a:normAutofit/>
-          </a:bodyPr>
+          <a:bodyPr anchor="b"/>
           <a:lstStyle>
             <a:lvl1pPr>
-              <a:defRPr sz="3800">
-                <a:solidFill>
-                  <a:schemeClr val="accent2"/>
-                </a:solidFill>
-                <a:latin typeface="+mj-lt"/>
-              </a:defRPr>
+              <a:defRPr sz="3200"/>
             </a:lvl1pPr>
           </a:lstStyle>
           <a:p>
             <a:r>
-              <a:rPr lang="en-US" dirty="0"/>
+              <a:rPr lang="en-US"/>
               <a:t>Click to edit Master title style</a:t>
             </a:r>
-            <a:endParaRPr lang="en-CA" dirty="0"/>
+            <a:endParaRPr lang="en-CA"/>
           </a:p>
         </p:txBody>
       </p:sp>
@@ -10617,7 +11009,7 @@
           <p:cNvPr id="3" name="Content Placeholder 2">
             <a:extLst>
               <a:ext uri="{FF2B5EF4-FFF2-40B4-BE49-F238E27FC236}">
-                <a16:creationId xmlns:a16="http://schemas.microsoft.com/office/drawing/2014/main" id="{805E39B6-C87E-4CB1-B2C9-0E68A9772EB2}"/>
+                <a16:creationId xmlns:a16="http://schemas.microsoft.com/office/drawing/2014/main" id="{36345D2A-8B77-47DC-B015-431AA7685D80}"/>
               </a:ext>
             </a:extLst>
           </p:cNvPr>
@@ -10630,34 +11022,27 @@
         </p:nvSpPr>
         <p:spPr>
           <a:xfrm>
-            <a:off x="5183188" y="2049462"/>
-            <a:ext cx="6172200" cy="3811588"/>
+            <a:off x="5183188" y="987425"/>
+            <a:ext cx="6172200" cy="4873625"/>
           </a:xfrm>
         </p:spPr>
         <p:txBody>
-          <a:bodyPr>
-            <a:normAutofit/>
-          </a:bodyPr>
+          <a:bodyPr/>
           <a:lstStyle>
-            <a:lvl1pPr marL="0" indent="0">
-              <a:spcAft>
-                <a:spcPts val="3200"/>
-              </a:spcAft>
-              <a:buFontTx/>
-              <a:buNone/>
-              <a:defRPr sz="2200"/>
+            <a:lvl1pPr>
+              <a:defRPr sz="3200"/>
             </a:lvl1pPr>
             <a:lvl2pPr>
-              <a:defRPr sz="2200"/>
+              <a:defRPr sz="2800"/>
             </a:lvl2pPr>
             <a:lvl3pPr>
-              <a:defRPr sz="2200"/>
+              <a:defRPr sz="2400"/>
             </a:lvl3pPr>
             <a:lvl4pPr>
-              <a:defRPr sz="2200"/>
+              <a:defRPr sz="2000"/>
             </a:lvl4pPr>
             <a:lvl5pPr>
-              <a:defRPr sz="2200"/>
+              <a:defRPr sz="2000"/>
             </a:lvl5pPr>
             <a:lvl6pPr>
               <a:defRPr sz="2000"/>
@@ -10675,38 +11060,38 @@
           <a:p>
             <a:pPr lvl="0"/>
             <a:r>
-              <a:rPr lang="en-US" dirty="0"/>
-              <a:t>Edit Master text styles</a:t>
+              <a:rPr lang="en-US"/>
+              <a:t>Click to edit Master text styles</a:t>
             </a:r>
           </a:p>
           <a:p>
             <a:pPr lvl="1"/>
             <a:r>
-              <a:rPr lang="en-US" dirty="0"/>
+              <a:rPr lang="en-US"/>
               <a:t>Second level</a:t>
             </a:r>
           </a:p>
           <a:p>
             <a:pPr lvl="2"/>
             <a:r>
-              <a:rPr lang="en-US" dirty="0"/>
+              <a:rPr lang="en-US"/>
               <a:t>Third level</a:t>
             </a:r>
           </a:p>
           <a:p>
             <a:pPr lvl="3"/>
             <a:r>
-              <a:rPr lang="en-US" dirty="0"/>
+              <a:rPr lang="en-US"/>
               <a:t>Fourth level</a:t>
             </a:r>
           </a:p>
           <a:p>
             <a:pPr lvl="4"/>
             <a:r>
-              <a:rPr lang="en-US" dirty="0"/>
+              <a:rPr lang="en-US"/>
               <a:t>Fifth level</a:t>
             </a:r>
-            <a:endParaRPr lang="en-CA" dirty="0"/>
+            <a:endParaRPr lang="en-CA"/>
           </a:p>
         </p:txBody>
       </p:sp>
@@ -10715,7 +11100,7 @@
           <p:cNvPr id="4" name="Text Placeholder 3">
             <a:extLst>
               <a:ext uri="{FF2B5EF4-FFF2-40B4-BE49-F238E27FC236}">
-                <a16:creationId xmlns:a16="http://schemas.microsoft.com/office/drawing/2014/main" id="{21A22F02-FB26-492D-97A7-3058C3C57D2F}"/>
+                <a16:creationId xmlns:a16="http://schemas.microsoft.com/office/drawing/2014/main" id="{5DD2614A-A0D6-44D9-9ADA-91D51D52B6AE}"/>
               </a:ext>
             </a:extLst>
           </p:cNvPr>
@@ -10723,7 +11108,7 @@
             <a:spLocks noGrp="1"/>
           </p:cNvSpPr>
           <p:nvPr>
-            <p:ph type="body" sz="half" idx="2" hasCustomPrompt="1"/>
+            <p:ph type="body" sz="half" idx="2"/>
           </p:nvPr>
         </p:nvSpPr>
         <p:spPr>
@@ -10733,15 +11118,11 @@
           </a:xfrm>
         </p:spPr>
         <p:txBody>
-          <a:bodyPr>
-            <a:normAutofit/>
-          </a:bodyPr>
+          <a:bodyPr/>
           <a:lstStyle>
             <a:lvl1pPr marL="0" indent="0">
               <a:buNone/>
-              <a:defRPr sz="3300" b="1">
-                <a:latin typeface="+mj-lt"/>
-              </a:defRPr>
+              <a:defRPr sz="1600"/>
             </a:lvl1pPr>
             <a:lvl2pPr marL="457200" indent="0">
               <a:buNone/>
@@ -10779,18 +11160,18 @@
           <a:p>
             <a:pPr lvl="0"/>
             <a:r>
-              <a:rPr lang="en-US" dirty="0"/>
-              <a:t>EDIT MASTER TEXT STYLES</a:t>
-            </a:r>
-          </a:p>
-        </p:txBody>
-      </p:sp>
-      <p:sp>
-        <p:nvSpPr>
-          <p:cNvPr id="10" name="Date Placeholder 9">
+              <a:rPr lang="en-US"/>
+              <a:t>Click to edit Master text styles</a:t>
+            </a:r>
+          </a:p>
+        </p:txBody>
+      </p:sp>
+      <p:sp>
+        <p:nvSpPr>
+          <p:cNvPr id="5" name="Date Placeholder 4">
             <a:extLst>
               <a:ext uri="{FF2B5EF4-FFF2-40B4-BE49-F238E27FC236}">
-                <a16:creationId xmlns:a16="http://schemas.microsoft.com/office/drawing/2014/main" id="{A8FC1AD4-B4D6-4F8D-B642-5B79E87052C5}"/>
+                <a16:creationId xmlns:a16="http://schemas.microsoft.com/office/drawing/2014/main" id="{2398645C-9586-488A-8B82-81242A3EE8B7}"/>
               </a:ext>
             </a:extLst>
           </p:cNvPr>
@@ -10808,7 +11189,7 @@
           <a:p>
             <a:fld id="{2F0DC550-C99C-4D32-A69A-789A01E2D7D4}" type="datetime1">
               <a:rPr lang="en-CA" smtClean="0"/>
-              <a:t>2018-12-06</a:t>
+              <a:t>2019-04-25</a:t>
             </a:fld>
             <a:endParaRPr lang="en-CA" dirty="0"/>
           </a:p>
@@ -10816,10 +11197,10 @@
       </p:sp>
       <p:sp>
         <p:nvSpPr>
-          <p:cNvPr id="11" name="Footer Placeholder 10">
+          <p:cNvPr id="6" name="Footer Placeholder 5">
             <a:extLst>
               <a:ext uri="{FF2B5EF4-FFF2-40B4-BE49-F238E27FC236}">
-                <a16:creationId xmlns:a16="http://schemas.microsoft.com/office/drawing/2014/main" id="{1FCA4ABF-53A4-4EE7-B32B-E49FC2203490}"/>
+                <a16:creationId xmlns:a16="http://schemas.microsoft.com/office/drawing/2014/main" id="{FA8E29ED-DBCB-41C5-A2E5-AE43AED7BC8D}"/>
               </a:ext>
             </a:extLst>
           </p:cNvPr>
@@ -10830,44 +11211,40 @@
             <p:ph type="ftr" sz="quarter" idx="11"/>
           </p:nvPr>
         </p:nvSpPr>
+        <p:spPr/>
+        <p:txBody>
+          <a:bodyPr/>
+          <a:lstStyle/>
+          <a:p>
+            <a:endParaRPr lang="en-CA" dirty="0"/>
+          </a:p>
+        </p:txBody>
+      </p:sp>
+      <p:sp>
+        <p:nvSpPr>
+          <p:cNvPr id="7" name="Slide Number Placeholder 6">
+            <a:extLst>
+              <a:ext uri="{FF2B5EF4-FFF2-40B4-BE49-F238E27FC236}">
+                <a16:creationId xmlns:a16="http://schemas.microsoft.com/office/drawing/2014/main" id="{87AB675E-174B-4C36-AD32-42FC503300B0}"/>
+              </a:ext>
+            </a:extLst>
+          </p:cNvPr>
+          <p:cNvSpPr>
+            <a:spLocks noGrp="1"/>
+          </p:cNvSpPr>
+          <p:nvPr>
+            <p:ph type="sldNum" sz="quarter" idx="12"/>
+          </p:nvPr>
+        </p:nvSpPr>
         <p:spPr>
           <a:xfrm>
-            <a:off x="7239000" y="6356350"/>
-            <a:ext cx="4114800" cy="365125"/>
+            <a:off x="8610600" y="6356350"/>
+            <a:ext cx="2743200" cy="365125"/>
           </a:xfrm>
+          <a:prstGeom prst="rect">
+            <a:avLst/>
+          </a:prstGeom>
         </p:spPr>
-        <p:txBody>
-          <a:bodyPr/>
-          <a:lstStyle>
-            <a:lvl1pPr algn="r">
-              <a:defRPr/>
-            </a:lvl1pPr>
-          </a:lstStyle>
-          <a:p>
-            <a:r>
-              <a:rPr lang="en-CA"/>
-              <a:t>@davesabine</a:t>
-            </a:r>
-          </a:p>
-        </p:txBody>
-      </p:sp>
-      <p:sp>
-        <p:nvSpPr>
-          <p:cNvPr id="12" name="Slide Number Placeholder 11">
-            <a:extLst>
-              <a:ext uri="{FF2B5EF4-FFF2-40B4-BE49-F238E27FC236}">
-                <a16:creationId xmlns:a16="http://schemas.microsoft.com/office/drawing/2014/main" id="{67731A7A-D54F-4601-8F47-8F273BDE7094}"/>
-              </a:ext>
-            </a:extLst>
-          </p:cNvPr>
-          <p:cNvSpPr>
-            <a:spLocks noGrp="1"/>
-          </p:cNvSpPr>
-          <p:nvPr>
-            <p:ph type="sldNum" sz="quarter" idx="12"/>
-          </p:nvPr>
-        </p:nvSpPr>
-        <p:spPr/>
         <p:txBody>
           <a:bodyPr/>
           <a:lstStyle/>
@@ -10883,7 +11260,7 @@
     </p:spTree>
     <p:extLst>
       <p:ext uri="{BB962C8B-B14F-4D97-AF65-F5344CB8AC3E}">
-        <p14:creationId xmlns:p14="http://schemas.microsoft.com/office/powerpoint/2010/main" val="651142449"/>
+        <p14:creationId xmlns:p14="http://schemas.microsoft.com/office/powerpoint/2010/main" val="102139235"/>
       </p:ext>
     </p:extLst>
   </p:cSld>
@@ -10915,7 +11292,7 @@
           <p:cNvPr id="2" name="Title 1">
             <a:extLst>
               <a:ext uri="{FF2B5EF4-FFF2-40B4-BE49-F238E27FC236}">
-                <a16:creationId xmlns:a16="http://schemas.microsoft.com/office/drawing/2014/main" id="{17FE9CCE-19E4-4E96-8A4A-57574758E6C4}"/>
+                <a16:creationId xmlns:a16="http://schemas.microsoft.com/office/drawing/2014/main" id="{7493E379-5878-45BD-8CC3-80B0DC812A3C}"/>
               </a:ext>
             </a:extLst>
           </p:cNvPr>
@@ -10953,7 +11330,7 @@
           <p:cNvPr id="3" name="Picture Placeholder 2">
             <a:extLst>
               <a:ext uri="{FF2B5EF4-FFF2-40B4-BE49-F238E27FC236}">
-                <a16:creationId xmlns:a16="http://schemas.microsoft.com/office/drawing/2014/main" id="{7C52E49A-6C9D-4D44-9660-10F4E96B3DF3}"/>
+                <a16:creationId xmlns:a16="http://schemas.microsoft.com/office/drawing/2014/main" id="{32CFC4D0-F576-4B39-A476-5B8AE3CD18B7}"/>
               </a:ext>
             </a:extLst>
           </p:cNvPr>
@@ -11024,7 +11401,7 @@
           <p:cNvPr id="4" name="Text Placeholder 3">
             <a:extLst>
               <a:ext uri="{FF2B5EF4-FFF2-40B4-BE49-F238E27FC236}">
-                <a16:creationId xmlns:a16="http://schemas.microsoft.com/office/drawing/2014/main" id="{BD9CF5C1-EC0D-404E-99C1-EAB961DB9707}"/>
+                <a16:creationId xmlns:a16="http://schemas.microsoft.com/office/drawing/2014/main" id="{CCFEC93C-5A3B-4CB0-936A-DAD8CC81BB53}"/>
               </a:ext>
             </a:extLst>
           </p:cNvPr>
@@ -11085,7 +11462,7 @@
             <a:pPr lvl="0"/>
             <a:r>
               <a:rPr lang="en-US"/>
-              <a:t>Edit Master text styles</a:t>
+              <a:t>Click to edit Master text styles</a:t>
             </a:r>
           </a:p>
         </p:txBody>
@@ -11095,7 +11472,7 @@
           <p:cNvPr id="5" name="Date Placeholder 4">
             <a:extLst>
               <a:ext uri="{FF2B5EF4-FFF2-40B4-BE49-F238E27FC236}">
-                <a16:creationId xmlns:a16="http://schemas.microsoft.com/office/drawing/2014/main" id="{5F9E92D8-244F-4DF1-96B3-DE42291A85DA}"/>
+                <a16:creationId xmlns:a16="http://schemas.microsoft.com/office/drawing/2014/main" id="{97C50B6E-1A4D-4E13-AF58-31DB38138E23}"/>
               </a:ext>
             </a:extLst>
           </p:cNvPr>
@@ -11113,7 +11490,7 @@
           <a:p>
             <a:fld id="{ABD80965-908C-4B11-A5FF-F6EF6B6466BF}" type="datetime1">
               <a:rPr lang="en-CA" smtClean="0"/>
-              <a:t>2018-12-06</a:t>
+              <a:t>2019-04-25</a:t>
             </a:fld>
             <a:endParaRPr lang="en-CA"/>
           </a:p>
@@ -11124,7 +11501,7 @@
           <p:cNvPr id="6" name="Footer Placeholder 5">
             <a:extLst>
               <a:ext uri="{FF2B5EF4-FFF2-40B4-BE49-F238E27FC236}">
-                <a16:creationId xmlns:a16="http://schemas.microsoft.com/office/drawing/2014/main" id="{E55DB8BB-638E-4B87-A09D-2C653A189147}"/>
+                <a16:creationId xmlns:a16="http://schemas.microsoft.com/office/drawing/2014/main" id="{58BC8DB0-2032-40AB-AA06-C250F555E426}"/>
               </a:ext>
             </a:extLst>
           </p:cNvPr>
@@ -11140,10 +11517,7 @@
           <a:bodyPr/>
           <a:lstStyle/>
           <a:p>
-            <a:r>
-              <a:rPr lang="en-CA"/>
-              <a:t>@davesabine</a:t>
-            </a:r>
+            <a:endParaRPr lang="en-CA" dirty="0"/>
           </a:p>
         </p:txBody>
       </p:sp>
@@ -11152,7 +11526,7 @@
           <p:cNvPr id="7" name="Slide Number Placeholder 6">
             <a:extLst>
               <a:ext uri="{FF2B5EF4-FFF2-40B4-BE49-F238E27FC236}">
-                <a16:creationId xmlns:a16="http://schemas.microsoft.com/office/drawing/2014/main" id="{16E2360B-2E79-496D-83B8-197F77116D25}"/>
+                <a16:creationId xmlns:a16="http://schemas.microsoft.com/office/drawing/2014/main" id="{933697EE-EF6A-4640-86A6-731DEC437EB7}"/>
               </a:ext>
             </a:extLst>
           </p:cNvPr>
@@ -11163,7 +11537,15 @@
             <p:ph type="sldNum" sz="quarter" idx="12"/>
           </p:nvPr>
         </p:nvSpPr>
-        <p:spPr/>
+        <p:spPr>
+          <a:xfrm>
+            <a:off x="8610600" y="6356350"/>
+            <a:ext cx="2743200" cy="365125"/>
+          </a:xfrm>
+          <a:prstGeom prst="rect">
+            <a:avLst/>
+          </a:prstGeom>
+        </p:spPr>
         <p:txBody>
           <a:bodyPr/>
           <a:lstStyle/>
@@ -11179,7 +11561,7 @@
     </p:spTree>
     <p:extLst>
       <p:ext uri="{BB962C8B-B14F-4D97-AF65-F5344CB8AC3E}">
-        <p14:creationId xmlns:p14="http://schemas.microsoft.com/office/powerpoint/2010/main" val="949084441"/>
+        <p14:creationId xmlns:p14="http://schemas.microsoft.com/office/powerpoint/2010/main" val="1373224243"/>
       </p:ext>
     </p:extLst>
   </p:cSld>
@@ -11216,7 +11598,7 @@
           <p:cNvPr id="2" name="Title Placeholder 1">
             <a:extLst>
               <a:ext uri="{FF2B5EF4-FFF2-40B4-BE49-F238E27FC236}">
-                <a16:creationId xmlns:a16="http://schemas.microsoft.com/office/drawing/2014/main" id="{B05657A1-711F-4BCA-A5D0-597F5F24A265}"/>
+                <a16:creationId xmlns:a16="http://schemas.microsoft.com/office/drawing/2014/main" id="{36A9A5F6-CE2E-4192-9C8A-9D26F638AB92}"/>
               </a:ext>
             </a:extLst>
           </p:cNvPr>
@@ -11255,7 +11637,7 @@
           <p:cNvPr id="3" name="Text Placeholder 2">
             <a:extLst>
               <a:ext uri="{FF2B5EF4-FFF2-40B4-BE49-F238E27FC236}">
-                <a16:creationId xmlns:a16="http://schemas.microsoft.com/office/drawing/2014/main" id="{08F7AD67-5B0C-464B-9F69-473240E19663}"/>
+                <a16:creationId xmlns:a16="http://schemas.microsoft.com/office/drawing/2014/main" id="{4E2B5256-E23B-4DA9-8424-A601DF0DF58F}"/>
               </a:ext>
             </a:extLst>
           </p:cNvPr>
@@ -11283,38 +11665,38 @@
           <a:p>
             <a:pPr lvl="0"/>
             <a:r>
-              <a:rPr lang="en-US"/>
-              <a:t>Edit Master text styles</a:t>
+              <a:rPr lang="en-US" dirty="0"/>
+              <a:t>Click to edit Master text styles</a:t>
             </a:r>
           </a:p>
           <a:p>
             <a:pPr lvl="1"/>
             <a:r>
-              <a:rPr lang="en-US"/>
+              <a:rPr lang="en-US" dirty="0"/>
               <a:t>Second level</a:t>
             </a:r>
           </a:p>
           <a:p>
             <a:pPr lvl="2"/>
             <a:r>
-              <a:rPr lang="en-US"/>
+              <a:rPr lang="en-US" dirty="0"/>
               <a:t>Third level</a:t>
             </a:r>
           </a:p>
           <a:p>
             <a:pPr lvl="3"/>
             <a:r>
-              <a:rPr lang="en-US"/>
+              <a:rPr lang="en-US" dirty="0"/>
               <a:t>Fourth level</a:t>
             </a:r>
           </a:p>
           <a:p>
             <a:pPr lvl="4"/>
             <a:r>
-              <a:rPr lang="en-US"/>
+              <a:rPr lang="en-US" dirty="0"/>
               <a:t>Fifth level</a:t>
             </a:r>
-            <a:endParaRPr lang="en-CA"/>
+            <a:endParaRPr lang="en-CA" dirty="0"/>
           </a:p>
         </p:txBody>
       </p:sp>
@@ -11323,7 +11705,7 @@
           <p:cNvPr id="4" name="Date Placeholder 3">
             <a:extLst>
               <a:ext uri="{FF2B5EF4-FFF2-40B4-BE49-F238E27FC236}">
-                <a16:creationId xmlns:a16="http://schemas.microsoft.com/office/drawing/2014/main" id="{36D64278-0790-45C6-BD6E-625B2EA104D7}"/>
+                <a16:creationId xmlns:a16="http://schemas.microsoft.com/office/drawing/2014/main" id="{799790D4-ADCF-496C-A6FF-37A0BF326077}"/>
               </a:ext>
             </a:extLst>
           </p:cNvPr>
@@ -11359,7 +11741,7 @@
           <a:p>
             <a:fld id="{2F0DC550-C99C-4D32-A69A-789A01E2D7D4}" type="datetime1">
               <a:rPr lang="en-CA" smtClean="0"/>
-              <a:t>2018-12-06</a:t>
+              <a:t>2019-04-25</a:t>
             </a:fld>
             <a:endParaRPr lang="en-CA"/>
           </a:p>
@@ -11370,7 +11752,7 @@
           <p:cNvPr id="5" name="Footer Placeholder 4">
             <a:extLst>
               <a:ext uri="{FF2B5EF4-FFF2-40B4-BE49-F238E27FC236}">
-                <a16:creationId xmlns:a16="http://schemas.microsoft.com/office/drawing/2014/main" id="{F1A96D42-80C0-4DDC-8610-1ADE1D644897}"/>
+                <a16:creationId xmlns:a16="http://schemas.microsoft.com/office/drawing/2014/main" id="{45508BF6-3077-4400-9CA7-DE482A7BD526}"/>
               </a:ext>
             </a:extLst>
           </p:cNvPr>
@@ -11404,80 +11786,70 @@
             </a:lvl1pPr>
           </a:lstStyle>
           <a:p>
-            <a:r>
-              <a:rPr lang="en-CA"/>
-              <a:t>@davesabine</a:t>
-            </a:r>
-          </a:p>
-        </p:txBody>
-      </p:sp>
-      <p:sp>
-        <p:nvSpPr>
-          <p:cNvPr id="6" name="Slide Number Placeholder 5">
+            <a:endParaRPr lang="en-CA" dirty="0"/>
+          </a:p>
+        </p:txBody>
+      </p:sp>
+      <p:pic>
+        <p:nvPicPr>
+          <p:cNvPr id="8" name="Graphic 7">
             <a:extLst>
               <a:ext uri="{FF2B5EF4-FFF2-40B4-BE49-F238E27FC236}">
-                <a16:creationId xmlns:a16="http://schemas.microsoft.com/office/drawing/2014/main" id="{16F94D3B-53E3-42B9-8298-CCE1F7EC8F28}"/>
+                <a16:creationId xmlns:a16="http://schemas.microsoft.com/office/drawing/2014/main" id="{2521B11A-3973-424B-892D-14AE972C07ED}"/>
               </a:ext>
             </a:extLst>
           </p:cNvPr>
-          <p:cNvSpPr>
-            <a:spLocks noGrp="1"/>
-          </p:cNvSpPr>
-          <p:nvPr>
-            <p:ph type="sldNum" sz="quarter" idx="4"/>
-          </p:nvPr>
-        </p:nvSpPr>
+          <p:cNvPicPr>
+            <a:picLocks noChangeAspect="1"/>
+          </p:cNvPicPr>
+          <p:nvPr userDrawn="1"/>
+        </p:nvPicPr>
+        <p:blipFill>
+          <a:blip r:embed="rId14">
+            <a:extLst>
+              <a:ext uri="{28A0092B-C50C-407E-A947-70E740481C1C}">
+                <a14:useLocalDpi xmlns:a14="http://schemas.microsoft.com/office/drawing/2010/main" val="0"/>
+              </a:ext>
+              <a:ext uri="{96DAC541-7B7A-43D3-8B79-37D633B846F1}">
+                <asvg:svgBlip xmlns:asvg="http://schemas.microsoft.com/office/drawing/2016/SVG/main" r:embed="rId15"/>
+              </a:ext>
+            </a:extLst>
+          </a:blip>
+          <a:stretch>
+            <a:fillRect/>
+          </a:stretch>
+        </p:blipFill>
         <p:spPr>
           <a:xfrm>
-            <a:off x="8610600" y="6356350"/>
-            <a:ext cx="2743200" cy="365125"/>
+            <a:off x="10284229" y="6387234"/>
+            <a:ext cx="1069571" cy="334241"/>
           </a:xfrm>
           <a:prstGeom prst="rect">
             <a:avLst/>
           </a:prstGeom>
         </p:spPr>
-        <p:txBody>
-          <a:bodyPr vert="horz" lIns="91440" tIns="45720" rIns="91440" bIns="45720" rtlCol="0" anchor="ctr"/>
-          <a:lstStyle>
-            <a:lvl1pPr algn="r">
-              <a:defRPr sz="1200">
-                <a:solidFill>
-                  <a:schemeClr val="tx1">
-                    <a:tint val="75000"/>
-                  </a:schemeClr>
-                </a:solidFill>
-              </a:defRPr>
-            </a:lvl1pPr>
-          </a:lstStyle>
-          <a:p>
-            <a:fld id="{6E131AEF-849B-4A0A-8540-DAB607AEECA6}" type="slidenum">
-              <a:rPr lang="en-CA" smtClean="0"/>
-              <a:t>‹#›</a:t>
-            </a:fld>
-            <a:endParaRPr lang="en-CA"/>
-          </a:p>
-        </p:txBody>
-      </p:sp>
+      </p:pic>
     </p:spTree>
     <p:extLst>
       <p:ext uri="{BB962C8B-B14F-4D97-AF65-F5344CB8AC3E}">
-        <p14:creationId xmlns:p14="http://schemas.microsoft.com/office/powerpoint/2010/main" val="2898253894"/>
+        <p14:creationId xmlns:p14="http://schemas.microsoft.com/office/powerpoint/2010/main" val="2355707035"/>
       </p:ext>
     </p:extLst>
   </p:cSld>
   <p:clrMap bg1="lt1" tx1="dk1" bg2="lt2" tx2="dk2" accent1="accent1" accent2="accent2" accent3="accent3" accent4="accent4" accent5="accent5" accent6="accent6" hlink="hlink" folHlink="folHlink"/>
   <p:sldLayoutIdLst>
-    <p:sldLayoutId id="2147483661" r:id="rId1"/>
-    <p:sldLayoutId id="2147483662" r:id="rId2"/>
-    <p:sldLayoutId id="2147483663" r:id="rId3"/>
-    <p:sldLayoutId id="2147483664" r:id="rId4"/>
-    <p:sldLayoutId id="2147483665" r:id="rId5"/>
-    <p:sldLayoutId id="2147483666" r:id="rId6"/>
-    <p:sldLayoutId id="2147483667" r:id="rId7"/>
-    <p:sldLayoutId id="2147483668" r:id="rId8"/>
-    <p:sldLayoutId id="2147483669" r:id="rId9"/>
-    <p:sldLayoutId id="2147483670" r:id="rId10"/>
-    <p:sldLayoutId id="2147483671" r:id="rId11"/>
+    <p:sldLayoutId id="2147483673" r:id="rId1"/>
+    <p:sldLayoutId id="2147483674" r:id="rId2"/>
+    <p:sldLayoutId id="2147483675" r:id="rId3"/>
+    <p:sldLayoutId id="2147483676" r:id="rId4"/>
+    <p:sldLayoutId id="2147483677" r:id="rId5"/>
+    <p:sldLayoutId id="2147483678" r:id="rId6"/>
+    <p:sldLayoutId id="2147483679" r:id="rId7"/>
+    <p:sldLayoutId id="2147483680" r:id="rId8"/>
+    <p:sldLayoutId id="2147483681" r:id="rId9"/>
+    <p:sldLayoutId id="2147483682" r:id="rId10"/>
+    <p:sldLayoutId id="2147483683" r:id="rId11"/>
+    <p:sldLayoutId id="2147483665" r:id="rId12"/>
   </p:sldLayoutIdLst>
   <p:hf sldNum="0" hdr="0" dt="0"/>
   <p:txStyles>
@@ -11854,12 +12226,14 @@
         </p:nvSpPr>
         <p:spPr/>
         <p:txBody>
-          <a:bodyPr/>
+          <a:bodyPr>
+            <a:normAutofit/>
+          </a:bodyPr>
           <a:lstStyle/>
           <a:p>
             <a:r>
               <a:rPr lang="en-CA" dirty="0"/>
-              <a:t>The Art of Agile </a:t>
+              <a:t>The Agile Art of </a:t>
             </a:r>
             <a:br>
               <a:rPr lang="en-CA" dirty="0"/>
@@ -12030,7 +12404,10 @@
           <a:bodyPr/>
           <a:lstStyle/>
           <a:p>
-            <a:endParaRPr lang="en-CA"/>
+            <a:r>
+              <a:rPr lang="en-CA" dirty="0"/>
+              <a:t>IF FIXING A BUG</a:t>
+            </a:r>
           </a:p>
         </p:txBody>
       </p:sp>
@@ -12088,38 +12465,7 @@
           <a:bodyPr/>
           <a:lstStyle/>
           <a:p>
-            <a:r>
-              <a:rPr lang="en-CA" dirty="0"/>
-              <a:t>IF FIXING A BUG</a:t>
-            </a:r>
-          </a:p>
-        </p:txBody>
-      </p:sp>
-      <p:sp>
-        <p:nvSpPr>
-          <p:cNvPr id="5" name="Footer Placeholder 4">
-            <a:extLst>
-              <a:ext uri="{FF2B5EF4-FFF2-40B4-BE49-F238E27FC236}">
-                <a16:creationId xmlns:a16="http://schemas.microsoft.com/office/drawing/2014/main" id="{B68CE0A0-04F5-4142-AF94-62508EB43288}"/>
-              </a:ext>
-            </a:extLst>
-          </p:cNvPr>
-          <p:cNvSpPr>
-            <a:spLocks noGrp="1"/>
-          </p:cNvSpPr>
-          <p:nvPr>
-            <p:ph type="ftr" sz="quarter" idx="11"/>
-          </p:nvPr>
-        </p:nvSpPr>
-        <p:spPr/>
-        <p:txBody>
-          <a:bodyPr/>
-          <a:lstStyle/>
-          <a:p>
-            <a:r>
-              <a:rPr lang="en-CA"/>
-              <a:t>@davesabine</a:t>
-            </a:r>
+            <a:endParaRPr lang="en-CA" dirty="0"/>
           </a:p>
         </p:txBody>
       </p:sp>
@@ -12171,10 +12517,15 @@
         </p:nvSpPr>
         <p:spPr/>
         <p:txBody>
-          <a:bodyPr/>
+          <a:bodyPr>
+            <a:normAutofit/>
+          </a:bodyPr>
           <a:lstStyle/>
           <a:p>
-            <a:endParaRPr lang="en-CA"/>
+            <a:r>
+              <a:rPr lang="en-CA" dirty="0"/>
+              <a:t>PRODUCT DEVELOPMENT IS ALWAYS…</a:t>
+            </a:r>
           </a:p>
         </p:txBody>
       </p:sp>
@@ -12238,38 +12589,7 @@
           <a:bodyPr/>
           <a:lstStyle/>
           <a:p>
-            <a:r>
-              <a:rPr lang="en-CA" dirty="0"/>
-              <a:t>PRODUCT DEVELOPMENT IS ALWAYS…</a:t>
-            </a:r>
-          </a:p>
-        </p:txBody>
-      </p:sp>
-      <p:sp>
-        <p:nvSpPr>
-          <p:cNvPr id="5" name="Footer Placeholder 4">
-            <a:extLst>
-              <a:ext uri="{FF2B5EF4-FFF2-40B4-BE49-F238E27FC236}">
-                <a16:creationId xmlns:a16="http://schemas.microsoft.com/office/drawing/2014/main" id="{B68CE0A0-04F5-4142-AF94-62508EB43288}"/>
-              </a:ext>
-            </a:extLst>
-          </p:cNvPr>
-          <p:cNvSpPr>
-            <a:spLocks noGrp="1"/>
-          </p:cNvSpPr>
-          <p:nvPr>
-            <p:ph type="ftr" sz="quarter" idx="11"/>
-          </p:nvPr>
-        </p:nvSpPr>
-        <p:spPr/>
-        <p:txBody>
-          <a:bodyPr/>
-          <a:lstStyle/>
-          <a:p>
-            <a:r>
-              <a:rPr lang="en-CA"/>
-              <a:t>@davesabine</a:t>
-            </a:r>
+            <a:endParaRPr lang="en-CA" dirty="0"/>
           </a:p>
         </p:txBody>
       </p:sp>
@@ -12462,7 +12782,10 @@
           <a:bodyPr/>
           <a:lstStyle/>
           <a:p>
-            <a:endParaRPr lang="en-CA"/>
+            <a:r>
+              <a:rPr lang="en-CA" dirty="0"/>
+              <a:t>IMPLEMENTATION IS NOT</a:t>
+            </a:r>
           </a:p>
         </p:txBody>
       </p:sp>
@@ -12488,8 +12811,8 @@
           </p:nvPr>
         </p:nvGraphicFramePr>
         <p:xfrm>
-          <a:off x="5183188" y="2049463"/>
-          <a:ext cx="6172200" cy="3811587"/>
+          <a:off x="5183188" y="987425"/>
+          <a:ext cx="6172200" cy="4873625"/>
         </p:xfrm>
         <a:graphic>
           <a:graphicData uri="http://schemas.openxmlformats.org/drawingml/2006/diagram">
@@ -12523,38 +12846,7 @@
           <a:bodyPr/>
           <a:lstStyle/>
           <a:p>
-            <a:r>
-              <a:rPr lang="en-CA" dirty="0"/>
-              <a:t>IMPLEMENTATION IS NOT</a:t>
-            </a:r>
-          </a:p>
-        </p:txBody>
-      </p:sp>
-      <p:sp>
-        <p:nvSpPr>
-          <p:cNvPr id="5" name="Footer Placeholder 4">
-            <a:extLst>
-              <a:ext uri="{FF2B5EF4-FFF2-40B4-BE49-F238E27FC236}">
-                <a16:creationId xmlns:a16="http://schemas.microsoft.com/office/drawing/2014/main" id="{B68CE0A0-04F5-4142-AF94-62508EB43288}"/>
-              </a:ext>
-            </a:extLst>
-          </p:cNvPr>
-          <p:cNvSpPr>
-            <a:spLocks noGrp="1"/>
-          </p:cNvSpPr>
-          <p:nvPr>
-            <p:ph type="ftr" sz="quarter" idx="11"/>
-          </p:nvPr>
-        </p:nvSpPr>
-        <p:spPr/>
-        <p:txBody>
-          <a:bodyPr/>
-          <a:lstStyle/>
-          <a:p>
-            <a:r>
-              <a:rPr lang="en-CA"/>
-              <a:t>@davesabine</a:t>
-            </a:r>
+            <a:endParaRPr lang="en-CA" dirty="0"/>
           </a:p>
         </p:txBody>
       </p:sp>
@@ -12572,7 +12864,7 @@
         </p:nvSpPr>
         <p:spPr>
           <a:xfrm rot="6456048">
-            <a:off x="6025010" y="1559843"/>
+            <a:off x="6282761" y="1063427"/>
             <a:ext cx="4115366" cy="4353791"/>
           </a:xfrm>
           <a:prstGeom prst="noSmoking">
@@ -12581,7 +12873,9 @@
             </a:avLst>
           </a:prstGeom>
           <a:solidFill>
-            <a:schemeClr val="accent3"/>
+            <a:schemeClr val="accent3">
+              <a:alpha val="85000"/>
+            </a:schemeClr>
           </a:solidFill>
           <a:ln>
             <a:solidFill>
@@ -12672,6 +12966,34 @@
           <a:bodyPr/>
           <a:lstStyle/>
           <a:p>
+            <a:r>
+              <a:rPr lang="en-CA" dirty="0"/>
+              <a:t>CLEAR?</a:t>
+            </a:r>
+          </a:p>
+        </p:txBody>
+      </p:sp>
+      <p:sp>
+        <p:nvSpPr>
+          <p:cNvPr id="2" name="Content Placeholder 1">
+            <a:extLst>
+              <a:ext uri="{FF2B5EF4-FFF2-40B4-BE49-F238E27FC236}">
+                <a16:creationId xmlns:a16="http://schemas.microsoft.com/office/drawing/2014/main" id="{8F72DC9F-93B0-4DC6-811E-EF8507E62763}"/>
+              </a:ext>
+            </a:extLst>
+          </p:cNvPr>
+          <p:cNvSpPr>
+            <a:spLocks noGrp="1"/>
+          </p:cNvSpPr>
+          <p:nvPr>
+            <p:ph idx="1"/>
+          </p:nvPr>
+        </p:nvSpPr>
+        <p:spPr/>
+        <p:txBody>
+          <a:bodyPr/>
+          <a:lstStyle/>
+          <a:p>
             <a:endParaRPr lang="en-CA"/>
           </a:p>
         </p:txBody>
@@ -12702,35 +13024,7 @@
           <a:bodyPr/>
           <a:lstStyle/>
           <a:p>
-            <a:r>
-              <a:rPr lang="en-CA" dirty="0"/>
-              <a:t>CLEAR?</a:t>
-            </a:r>
-          </a:p>
-        </p:txBody>
-      </p:sp>
-      <p:sp>
-        <p:nvSpPr>
-          <p:cNvPr id="2" name="Content Placeholder 1">
-            <a:extLst>
-              <a:ext uri="{FF2B5EF4-FFF2-40B4-BE49-F238E27FC236}">
-                <a16:creationId xmlns:a16="http://schemas.microsoft.com/office/drawing/2014/main" id="{8F72DC9F-93B0-4DC6-811E-EF8507E62763}"/>
-              </a:ext>
-            </a:extLst>
-          </p:cNvPr>
-          <p:cNvSpPr>
-            <a:spLocks noGrp="1"/>
-          </p:cNvSpPr>
-          <p:nvPr>
-            <p:ph idx="1"/>
-          </p:nvPr>
-        </p:nvSpPr>
-        <p:spPr/>
-        <p:txBody>
-          <a:bodyPr/>
-          <a:lstStyle/>
-          <a:p>
-            <a:endParaRPr lang="en-CA"/>
+            <a:endParaRPr lang="en-CA" dirty="0"/>
           </a:p>
         </p:txBody>
       </p:sp>
@@ -12780,12 +13074,7 @@
             <p:ph type="title"/>
           </p:nvPr>
         </p:nvSpPr>
-        <p:spPr>
-          <a:xfrm>
-            <a:off x="839788" y="457200"/>
-            <a:ext cx="3932237" cy="1600200"/>
-          </a:xfrm>
-        </p:spPr>
+        <p:spPr/>
         <p:txBody>
           <a:bodyPr/>
           <a:lstStyle/>
@@ -12855,12 +13144,7 @@
             <p:ph type="body" sz="half" idx="2"/>
           </p:nvPr>
         </p:nvSpPr>
-        <p:spPr>
-          <a:xfrm>
-            <a:off x="839788" y="2057400"/>
-            <a:ext cx="3932237" cy="3811588"/>
-          </a:xfrm>
-        </p:spPr>
+        <p:spPr/>
         <p:txBody>
           <a:bodyPr/>
           <a:lstStyle/>
@@ -12877,39 +13161,6 @@
             <a:r>
               <a:rPr lang="en-CA" dirty="0"/>
               <a:t>{~4 minutes}</a:t>
-            </a:r>
-          </a:p>
-        </p:txBody>
-      </p:sp>
-      <p:sp>
-        <p:nvSpPr>
-          <p:cNvPr id="5" name="Footer Placeholder 4">
-            <a:extLst>
-              <a:ext uri="{FF2B5EF4-FFF2-40B4-BE49-F238E27FC236}">
-                <a16:creationId xmlns:a16="http://schemas.microsoft.com/office/drawing/2014/main" id="{B68CE0A0-04F5-4142-AF94-62508EB43288}"/>
-              </a:ext>
-            </a:extLst>
-          </p:cNvPr>
-          <p:cNvSpPr>
-            <a:spLocks noGrp="1"/>
-          </p:cNvSpPr>
-          <p:nvPr>
-            <p:ph type="ftr" sz="quarter" idx="11"/>
-          </p:nvPr>
-        </p:nvSpPr>
-        <p:spPr>
-          <a:xfrm>
-            <a:off x="7239000" y="6356350"/>
-            <a:ext cx="4114800" cy="365125"/>
-          </a:xfrm>
-        </p:spPr>
-        <p:txBody>
-          <a:bodyPr/>
-          <a:lstStyle/>
-          <a:p>
-            <a:r>
-              <a:rPr lang="en-CA"/>
-              <a:t>@davesabine</a:t>
             </a:r>
           </a:p>
         </p:txBody>
@@ -13195,7 +13446,17 @@
           <a:bodyPr/>
           <a:lstStyle/>
           <a:p>
-            <a:endParaRPr lang="en-CA"/>
+            <a:r>
+              <a:rPr lang="en-CA" dirty="0"/>
+              <a:t>EXAMPLES </a:t>
+            </a:r>
+            <a:br>
+              <a:rPr lang="en-CA" dirty="0"/>
+            </a:br>
+            <a:r>
+              <a:rPr lang="en-CA" dirty="0"/>
+              <a:t>&amp; CONFIRM</a:t>
+            </a:r>
           </a:p>
         </p:txBody>
       </p:sp>
@@ -13248,45 +13509,7 @@
           <a:bodyPr/>
           <a:lstStyle/>
           <a:p>
-            <a:r>
-              <a:rPr lang="en-CA" dirty="0"/>
-              <a:t>EXAMPLES </a:t>
-            </a:r>
-            <a:br>
-              <a:rPr lang="en-CA" dirty="0"/>
-            </a:br>
-            <a:r>
-              <a:rPr lang="en-CA" dirty="0"/>
-              <a:t>&amp; CONFIRM</a:t>
-            </a:r>
-          </a:p>
-        </p:txBody>
-      </p:sp>
-      <p:sp>
-        <p:nvSpPr>
-          <p:cNvPr id="5" name="Footer Placeholder 4">
-            <a:extLst>
-              <a:ext uri="{FF2B5EF4-FFF2-40B4-BE49-F238E27FC236}">
-                <a16:creationId xmlns:a16="http://schemas.microsoft.com/office/drawing/2014/main" id="{B68CE0A0-04F5-4142-AF94-62508EB43288}"/>
-              </a:ext>
-            </a:extLst>
-          </p:cNvPr>
-          <p:cNvSpPr>
-            <a:spLocks noGrp="1"/>
-          </p:cNvSpPr>
-          <p:nvPr>
-            <p:ph type="ftr" sz="quarter" idx="11"/>
-          </p:nvPr>
-        </p:nvSpPr>
-        <p:spPr/>
-        <p:txBody>
-          <a:bodyPr/>
-          <a:lstStyle/>
-          <a:p>
-            <a:r>
-              <a:rPr lang="en-CA"/>
-              <a:t>@davesabine</a:t>
-            </a:r>
+            <a:endParaRPr lang="en-CA" dirty="0"/>
           </a:p>
         </p:txBody>
       </p:sp>
@@ -14149,34 +14372,6 @@
           </a:p>
         </p:txBody>
       </p:sp>
-      <p:sp>
-        <p:nvSpPr>
-          <p:cNvPr id="5" name="Footer Placeholder 4">
-            <a:extLst>
-              <a:ext uri="{FF2B5EF4-FFF2-40B4-BE49-F238E27FC236}">
-                <a16:creationId xmlns:a16="http://schemas.microsoft.com/office/drawing/2014/main" id="{B68CE0A0-04F5-4142-AF94-62508EB43288}"/>
-              </a:ext>
-            </a:extLst>
-          </p:cNvPr>
-          <p:cNvSpPr>
-            <a:spLocks noGrp="1"/>
-          </p:cNvSpPr>
-          <p:nvPr>
-            <p:ph type="ftr" sz="quarter" idx="11"/>
-          </p:nvPr>
-        </p:nvSpPr>
-        <p:spPr/>
-        <p:txBody>
-          <a:bodyPr/>
-          <a:lstStyle/>
-          <a:p>
-            <a:r>
-              <a:rPr lang="en-CA"/>
-              <a:t>@davesabine</a:t>
-            </a:r>
-          </a:p>
-        </p:txBody>
-      </p:sp>
       <p:graphicFrame>
         <p:nvGraphicFramePr>
           <p:cNvPr id="13" name="Diagram 12">
@@ -14190,14 +14385,14 @@
           <p:nvPr>
             <p:extLst>
               <p:ext uri="{D42A27DB-BD31-4B8C-83A1-F6EECF244321}">
-                <p14:modId xmlns:p14="http://schemas.microsoft.com/office/powerpoint/2010/main" val="2923398548"/>
+                <p14:modId xmlns:p14="http://schemas.microsoft.com/office/powerpoint/2010/main" val="2015331449"/>
               </p:ext>
             </p:extLst>
           </p:nvPr>
         </p:nvGraphicFramePr>
         <p:xfrm>
-          <a:off x="5183188" y="4121145"/>
-          <a:ext cx="6169024" cy="1819650"/>
+          <a:off x="5112048" y="3429000"/>
+          <a:ext cx="6240164" cy="2511795"/>
         </p:xfrm>
         <a:graphic>
           <a:graphicData uri="http://schemas.openxmlformats.org/drawingml/2006/diagram">
@@ -14256,7 +14451,10 @@
           <a:bodyPr/>
           <a:lstStyle/>
           <a:p>
-            <a:endParaRPr lang="en-CA"/>
+            <a:r>
+              <a:rPr lang="en-CA" dirty="0"/>
+              <a:t>CONCEPT: POST</a:t>
+            </a:r>
           </a:p>
         </p:txBody>
       </p:sp>
@@ -14287,12 +14485,12 @@
               <a:t>Documents which record the condition of the Product </a:t>
             </a:r>
             <a:r>
-              <a:rPr lang="en-US" u="sng" dirty="0"/>
+              <a:rPr lang="en-US" b="1" u="sng" dirty="0"/>
               <a:t>at</a:t>
             </a:r>
             <a:r>
               <a:rPr lang="en-US" dirty="0"/>
-              <a:t> a Point of Implementation are kept:</a:t>
+              <a:t> a Point of Implementation are to be kept:</a:t>
             </a:r>
           </a:p>
           <a:p>
@@ -14332,38 +14530,7 @@
           <a:bodyPr/>
           <a:lstStyle/>
           <a:p>
-            <a:r>
-              <a:rPr lang="en-CA" dirty="0"/>
-              <a:t>CONCEPT: POST</a:t>
-            </a:r>
-          </a:p>
-        </p:txBody>
-      </p:sp>
-      <p:sp>
-        <p:nvSpPr>
-          <p:cNvPr id="5" name="Footer Placeholder 4">
-            <a:extLst>
-              <a:ext uri="{FF2B5EF4-FFF2-40B4-BE49-F238E27FC236}">
-                <a16:creationId xmlns:a16="http://schemas.microsoft.com/office/drawing/2014/main" id="{B68CE0A0-04F5-4142-AF94-62508EB43288}"/>
-              </a:ext>
-            </a:extLst>
-          </p:cNvPr>
-          <p:cNvSpPr>
-            <a:spLocks noGrp="1"/>
-          </p:cNvSpPr>
-          <p:nvPr>
-            <p:ph type="ftr" sz="quarter" idx="11"/>
-          </p:nvPr>
-        </p:nvSpPr>
-        <p:spPr/>
-        <p:txBody>
-          <a:bodyPr/>
-          <a:lstStyle/>
-          <a:p>
-            <a:r>
-              <a:rPr lang="en-CA"/>
-              <a:t>@davesabine</a:t>
-            </a:r>
+            <a:endParaRPr lang="en-CA" dirty="0"/>
           </a:p>
         </p:txBody>
       </p:sp>
@@ -14413,12 +14580,7 @@
             <p:ph type="title"/>
           </p:nvPr>
         </p:nvSpPr>
-        <p:spPr>
-          <a:xfrm>
-            <a:off x="839788" y="457200"/>
-            <a:ext cx="3932237" cy="1600200"/>
-          </a:xfrm>
-        </p:spPr>
+        <p:spPr/>
         <p:txBody>
           <a:bodyPr/>
           <a:lstStyle/>
@@ -14488,12 +14650,7 @@
             <p:ph type="body" sz="half" idx="2"/>
           </p:nvPr>
         </p:nvSpPr>
-        <p:spPr>
-          <a:xfrm>
-            <a:off x="839788" y="2057400"/>
-            <a:ext cx="3932237" cy="3811588"/>
-          </a:xfrm>
-        </p:spPr>
+        <p:spPr/>
         <p:txBody>
           <a:bodyPr/>
           <a:lstStyle/>
@@ -14501,39 +14658,6 @@
             <a:r>
               <a:rPr lang="en-CA" dirty="0"/>
               <a:t>QUADRANTS</a:t>
-            </a:r>
-          </a:p>
-        </p:txBody>
-      </p:sp>
-      <p:sp>
-        <p:nvSpPr>
-          <p:cNvPr id="5" name="Footer Placeholder 4">
-            <a:extLst>
-              <a:ext uri="{FF2B5EF4-FFF2-40B4-BE49-F238E27FC236}">
-                <a16:creationId xmlns:a16="http://schemas.microsoft.com/office/drawing/2014/main" id="{B68CE0A0-04F5-4142-AF94-62508EB43288}"/>
-              </a:ext>
-            </a:extLst>
-          </p:cNvPr>
-          <p:cNvSpPr>
-            <a:spLocks noGrp="1"/>
-          </p:cNvSpPr>
-          <p:nvPr>
-            <p:ph type="ftr" sz="quarter" idx="11"/>
-          </p:nvPr>
-        </p:nvSpPr>
-        <p:spPr>
-          <a:xfrm>
-            <a:off x="7239000" y="6356350"/>
-            <a:ext cx="4114800" cy="365125"/>
-          </a:xfrm>
-        </p:spPr>
-        <p:txBody>
-          <a:bodyPr/>
-          <a:lstStyle/>
-          <a:p>
-            <a:r>
-              <a:rPr lang="en-CA"/>
-              <a:t>@davesabine</a:t>
             </a:r>
           </a:p>
         </p:txBody>
@@ -14585,32 +14709,39 @@
           <a:p>
             <a:pPr algn="ctr"/>
             <a:r>
-              <a:rPr lang="en-CA" sz="2800" b="1" cap="small" dirty="0">
+              <a:rPr lang="en-CA" b="1" cap="small" dirty="0">
                 <a:solidFill>
                   <a:schemeClr val="accent2"/>
                 </a:solidFill>
+                <a:latin typeface="+mj-lt"/>
               </a:rPr>
               <a:t>Hand-off</a:t>
             </a:r>
             <a:br>
-              <a:rPr lang="en-CA" sz="2800" b="1" cap="small" dirty="0">
+              <a:rPr lang="en-CA" b="1" cap="small" dirty="0">
+                <a:solidFill>
+                  <a:schemeClr val="accent2"/>
+                </a:solidFill>
+                <a:latin typeface="+mj-lt"/>
+              </a:rPr>
+            </a:br>
+            <a:r>
+              <a:rPr lang="en-CA" b="1" cap="small" dirty="0">
+                <a:solidFill>
+                  <a:schemeClr val="accent2"/>
+                </a:solidFill>
+                <a:latin typeface="+mj-lt"/>
+              </a:rPr>
+              <a:t>Documents</a:t>
+            </a:r>
+            <a:br>
+              <a:rPr lang="en-CA" b="1" cap="small" dirty="0">
                 <a:solidFill>
                   <a:schemeClr val="accent2"/>
                 </a:solidFill>
               </a:rPr>
             </a:br>
-            <a:r>
-              <a:rPr lang="en-CA" sz="2800" b="1" cap="small" dirty="0">
-                <a:solidFill>
-                  <a:schemeClr val="accent2"/>
-                </a:solidFill>
-              </a:rPr>
-              <a:t>Docs</a:t>
-            </a:r>
-          </a:p>
-          <a:p>
-            <a:pPr algn="ctr"/>
-            <a:endParaRPr lang="en-CA" b="1" cap="small" dirty="0">
+            <a:endParaRPr lang="en-CA" sz="1400" b="1" cap="small" dirty="0">
               <a:solidFill>
                 <a:schemeClr val="accent2"/>
               </a:solidFill>
@@ -14622,10 +14753,9 @@
               <a:buChar char="•"/>
             </a:pPr>
             <a:r>
-              <a:rPr lang="en-CA" sz="1050" b="1" dirty="0"/>
-              <a:t>Version-controlled with the Increment</a:t>
-            </a:r>
-            <a:endParaRPr lang="en-CA" sz="1050" dirty="0"/>
+              <a:rPr lang="en-CA" sz="1400" b="1" dirty="0"/>
+              <a:t>Version-controlled with the increment</a:t>
+            </a:r>
           </a:p>
           <a:p>
             <a:pPr marL="742950" lvl="1" indent="-285750">
@@ -14633,10 +14763,10 @@
               <a:buChar char="•"/>
             </a:pPr>
             <a:r>
-              <a:rPr lang="en-CA" sz="1050" b="1" dirty="0"/>
-              <a:t>User-centric/Audience-specific</a:t>
-            </a:r>
-            <a:endParaRPr lang="en-CA" dirty="0"/>
+              <a:rPr lang="en-CA" sz="1400" b="1" dirty="0"/>
+              <a:t>User-centric &amp; Audience-specific</a:t>
+            </a:r>
+            <a:endParaRPr lang="en-CA" sz="1400" dirty="0"/>
           </a:p>
         </p:txBody>
       </p:sp>
@@ -14687,47 +14817,39 @@
           <a:p>
             <a:pPr algn="ctr"/>
             <a:r>
-              <a:rPr lang="en-CA" sz="2800" b="1" cap="small" dirty="0">
+              <a:rPr lang="en-CA" b="1" cap="small" dirty="0" err="1">
                 <a:solidFill>
                   <a:schemeClr val="accent2"/>
                 </a:solidFill>
+                <a:latin typeface="+mj-lt"/>
               </a:rPr>
-              <a:t>“Done”</a:t>
+              <a:t>Releaseable</a:t>
             </a:r>
             <a:br>
-              <a:rPr lang="en-CA" sz="2800" b="1" cap="small" dirty="0">
+              <a:rPr lang="en-CA" b="1" cap="small" dirty="0">
+                <a:solidFill>
+                  <a:schemeClr val="accent2"/>
+                </a:solidFill>
+                <a:latin typeface="+mj-lt"/>
+              </a:rPr>
+            </a:br>
+            <a:r>
+              <a:rPr lang="en-CA" b="1" cap="small" dirty="0">
+                <a:solidFill>
+                  <a:schemeClr val="accent2"/>
+                </a:solidFill>
+                <a:latin typeface="+mj-lt"/>
+              </a:rPr>
+              <a:t>Documents</a:t>
+            </a:r>
+            <a:br>
+              <a:rPr lang="en-CA" b="1" cap="small" dirty="0">
                 <a:solidFill>
                   <a:schemeClr val="accent2"/>
                 </a:solidFill>
               </a:rPr>
             </a:br>
-            <a:r>
-              <a:rPr lang="en-CA" sz="1100" b="1" cap="small" dirty="0">
-                <a:solidFill>
-                  <a:schemeClr val="accent2"/>
-                </a:solidFill>
-              </a:rPr>
-              <a:t>Potentially Releasable</a:t>
-            </a:r>
-            <a:br>
-              <a:rPr lang="en-CA" sz="2800" b="1" cap="small" dirty="0">
-                <a:solidFill>
-                  <a:schemeClr val="accent2"/>
-                </a:solidFill>
-              </a:rPr>
-            </a:br>
-            <a:r>
-              <a:rPr lang="en-CA" sz="2800" b="1" cap="small" dirty="0">
-                <a:solidFill>
-                  <a:schemeClr val="accent2"/>
-                </a:solidFill>
-              </a:rPr>
-              <a:t>Docs</a:t>
-            </a:r>
-          </a:p>
-          <a:p>
-            <a:pPr algn="ctr"/>
-            <a:endParaRPr lang="en-CA" b="1" cap="small" dirty="0">
+            <a:endParaRPr lang="en-CA" sz="1400" b="1" cap="small" dirty="0">
               <a:solidFill>
                 <a:schemeClr val="accent2"/>
               </a:solidFill>
@@ -14739,10 +14861,9 @@
               <a:buChar char="•"/>
             </a:pPr>
             <a:r>
-              <a:rPr lang="en-CA" sz="1050" b="1" dirty="0"/>
-              <a:t>Version-controlled with the Increment</a:t>
-            </a:r>
-            <a:endParaRPr lang="en-CA" sz="1050" dirty="0"/>
+              <a:rPr lang="en-CA" sz="1400" b="1" dirty="0"/>
+              <a:t>Version-controlled with the increment</a:t>
+            </a:r>
           </a:p>
           <a:p>
             <a:pPr marL="742950" lvl="1" indent="-285750">
@@ -14750,10 +14871,10 @@
               <a:buChar char="•"/>
             </a:pPr>
             <a:r>
-              <a:rPr lang="en-CA" sz="1050" b="1" dirty="0"/>
-              <a:t>User-centric/Audience-specific</a:t>
-            </a:r>
-            <a:endParaRPr lang="en-CA" dirty="0"/>
+              <a:rPr lang="en-CA" sz="1400" b="1" dirty="0"/>
+              <a:t>User-centric &amp; Audience-specific</a:t>
+            </a:r>
+            <a:endParaRPr lang="en-CA" sz="1400" dirty="0"/>
           </a:p>
         </p:txBody>
       </p:sp>
@@ -14804,32 +14925,35 @@
           <a:p>
             <a:pPr algn="ctr"/>
             <a:r>
-              <a:rPr lang="en-CA" sz="2800" b="1" cap="small" dirty="0">
+              <a:rPr lang="en-CA" b="1" cap="small" dirty="0">
                 <a:solidFill>
                   <a:schemeClr val="accent2"/>
                 </a:solidFill>
+                <a:latin typeface="+mj-lt"/>
               </a:rPr>
-              <a:t>Implementation In-progress</a:t>
+              <a:t>Work-In-progress</a:t>
             </a:r>
             <a:br>
-              <a:rPr lang="en-CA" sz="2800" b="1" cap="small" dirty="0">
+              <a:rPr lang="en-CA" b="1" cap="small" dirty="0">
                 <a:solidFill>
                   <a:schemeClr val="accent2"/>
                 </a:solidFill>
+                <a:latin typeface="+mj-lt"/>
               </a:rPr>
             </a:br>
             <a:r>
-              <a:rPr lang="en-CA" sz="2800" b="1" cap="small" dirty="0">
+              <a:rPr lang="en-CA" b="1" cap="small" dirty="0">
                 <a:solidFill>
                   <a:schemeClr val="accent2"/>
                 </a:solidFill>
+                <a:latin typeface="+mj-lt"/>
               </a:rPr>
-              <a:t>Docs</a:t>
+              <a:t>Documents</a:t>
             </a:r>
           </a:p>
           <a:p>
             <a:pPr algn="ctr"/>
-            <a:endParaRPr lang="en-CA" b="1" cap="small" dirty="0">
+            <a:endParaRPr lang="en-CA" sz="1200" b="1" cap="small" dirty="0">
               <a:solidFill>
                 <a:schemeClr val="accent2"/>
               </a:solidFill>
@@ -14841,10 +14965,10 @@
               <a:buChar char="•"/>
             </a:pPr>
             <a:r>
-              <a:rPr lang="en-CA" sz="1050" b="1" dirty="0"/>
+              <a:rPr lang="en-CA" sz="1400" b="1" dirty="0"/>
               <a:t>Lightweight</a:t>
             </a:r>
-            <a:endParaRPr lang="en-CA" sz="1050" dirty="0"/>
+            <a:endParaRPr lang="en-CA" sz="1400" dirty="0"/>
           </a:p>
           <a:p>
             <a:pPr marL="742950" lvl="1" indent="-285750">
@@ -14852,10 +14976,10 @@
               <a:buChar char="•"/>
             </a:pPr>
             <a:r>
-              <a:rPr lang="en-CA" sz="1050" b="1" dirty="0"/>
+              <a:rPr lang="en-CA" sz="1400" b="1" dirty="0"/>
               <a:t>Disposable</a:t>
             </a:r>
-            <a:endParaRPr lang="en-CA" dirty="0"/>
+            <a:endParaRPr lang="en-CA" sz="2800" dirty="0"/>
           </a:p>
         </p:txBody>
       </p:sp>
@@ -14906,36 +15030,39 @@
           <a:p>
             <a:pPr algn="ctr"/>
             <a:r>
-              <a:rPr lang="en-CA" sz="2800" b="1" cap="small" dirty="0">
+              <a:rPr lang="en-CA" b="1" cap="small" dirty="0">
                 <a:solidFill>
                   <a:schemeClr val="accent2"/>
                 </a:solidFill>
+                <a:latin typeface="+mj-lt"/>
               </a:rPr>
               <a:t>Planning</a:t>
             </a:r>
             <a:br>
-              <a:rPr lang="en-CA" sz="2800" b="1" cap="small" dirty="0">
+              <a:rPr lang="en-CA" b="1" cap="small" dirty="0">
+                <a:solidFill>
+                  <a:schemeClr val="accent2"/>
+                </a:solidFill>
+                <a:latin typeface="+mj-lt"/>
+              </a:rPr>
+            </a:br>
+            <a:r>
+              <a:rPr lang="en-CA" b="1" cap="small" dirty="0">
+                <a:solidFill>
+                  <a:schemeClr val="accent2"/>
+                </a:solidFill>
+                <a:latin typeface="+mj-lt"/>
+              </a:rPr>
+              <a:t>Documents</a:t>
+            </a:r>
+            <a:br>
+              <a:rPr lang="en-CA" b="1" cap="small" dirty="0">
                 <a:solidFill>
                   <a:schemeClr val="accent2"/>
                 </a:solidFill>
               </a:rPr>
             </a:br>
-            <a:r>
-              <a:rPr lang="en-CA" sz="2800" b="1" cap="small" dirty="0">
-                <a:solidFill>
-                  <a:schemeClr val="accent2"/>
-                </a:solidFill>
-              </a:rPr>
-              <a:t>Docs</a:t>
-            </a:r>
-            <a:br>
-              <a:rPr lang="en-CA" sz="2800" b="1" cap="small" dirty="0">
-                <a:solidFill>
-                  <a:schemeClr val="accent2"/>
-                </a:solidFill>
-              </a:rPr>
-            </a:br>
-            <a:endParaRPr lang="en-CA" b="1" cap="small" dirty="0">
+            <a:endParaRPr lang="en-CA" sz="1400" b="1" cap="small" dirty="0">
               <a:solidFill>
                 <a:schemeClr val="accent2"/>
               </a:solidFill>
@@ -14947,10 +15074,10 @@
               <a:buChar char="•"/>
             </a:pPr>
             <a:r>
-              <a:rPr lang="en-CA" sz="1050" b="1" dirty="0"/>
+              <a:rPr lang="en-CA" sz="1400" b="1" dirty="0"/>
               <a:t>Lightweight</a:t>
             </a:r>
-            <a:endParaRPr lang="en-CA" sz="1050" dirty="0"/>
+            <a:endParaRPr lang="en-CA" sz="1400" dirty="0"/>
           </a:p>
           <a:p>
             <a:pPr marL="742950" lvl="1" indent="-285750">
@@ -14958,10 +15085,10 @@
               <a:buChar char="•"/>
             </a:pPr>
             <a:r>
-              <a:rPr lang="en-CA" sz="1050" b="1" dirty="0"/>
+              <a:rPr lang="en-CA" sz="1400" b="1" dirty="0"/>
               <a:t>Disposable</a:t>
             </a:r>
-            <a:endParaRPr lang="en-CA" dirty="0"/>
+            <a:endParaRPr lang="en-CA" sz="1400" dirty="0"/>
           </a:p>
         </p:txBody>
       </p:sp>
@@ -14995,38 +15122,6 @@
           <a:chExt cx="0" cy="0"/>
         </a:xfrm>
       </p:grpSpPr>
-      <p:pic>
-        <p:nvPicPr>
-          <p:cNvPr id="3" name="Picture 2">
-            <a:extLst>
-              <a:ext uri="{FF2B5EF4-FFF2-40B4-BE49-F238E27FC236}">
-                <a16:creationId xmlns:a16="http://schemas.microsoft.com/office/drawing/2014/main" id="{DFAAC072-329B-4B8A-97FB-2FF95DDAD5EB}"/>
-              </a:ext>
-            </a:extLst>
-          </p:cNvPr>
-          <p:cNvPicPr>
-            <a:picLocks noChangeAspect="1"/>
-          </p:cNvPicPr>
-          <p:nvPr/>
-        </p:nvPicPr>
-        <p:blipFill>
-          <a:blip r:embed="rId3">
-            <a:alphaModFix amt="6000"/>
-          </a:blip>
-          <a:stretch>
-            <a:fillRect/>
-          </a:stretch>
-        </p:blipFill>
-        <p:spPr>
-          <a:xfrm>
-            <a:off x="4372283" y="1151689"/>
-            <a:ext cx="6834208" cy="5249111"/>
-          </a:xfrm>
-          <a:prstGeom prst="rect">
-            <a:avLst/>
-          </a:prstGeom>
-        </p:spPr>
-      </p:pic>
       <p:sp>
         <p:nvSpPr>
           <p:cNvPr id="2" name="Title 1">
@@ -15048,46 +15143,94 @@
           <a:bodyPr/>
           <a:lstStyle/>
           <a:p>
-            <a:endParaRPr lang="en-CA" dirty="0"/>
-          </a:p>
-        </p:txBody>
-      </p:sp>
-      <p:pic>
-        <p:nvPicPr>
-          <p:cNvPr id="9" name="Content Placeholder 8">
+            <a:r>
+              <a:rPr lang="en-CA" dirty="0"/>
+              <a:t>6.</a:t>
+            </a:r>
+          </a:p>
+        </p:txBody>
+      </p:sp>
+      <p:sp>
+        <p:nvSpPr>
+          <p:cNvPr id="8" name="Content Placeholder 7">
             <a:extLst>
               <a:ext uri="{FF2B5EF4-FFF2-40B4-BE49-F238E27FC236}">
-                <a16:creationId xmlns:a16="http://schemas.microsoft.com/office/drawing/2014/main" id="{CB43A2A5-FB2F-4EE8-832F-2BEBC64858EA}"/>
+                <a16:creationId xmlns:a16="http://schemas.microsoft.com/office/drawing/2014/main" id="{4317CA4B-1A5C-452D-9780-A62A38382F13}"/>
               </a:ext>
             </a:extLst>
           </p:cNvPr>
-          <p:cNvPicPr>
-            <a:picLocks noGrp="1" noChangeAspect="1"/>
-          </p:cNvPicPr>
+          <p:cNvSpPr>
+            <a:spLocks noGrp="1"/>
+          </p:cNvSpPr>
           <p:nvPr>
             <p:ph idx="1"/>
           </p:nvPr>
-        </p:nvPicPr>
-        <p:blipFill>
-          <a:blip r:embed="rId4">
-            <a:alphaModFix amt="15000"/>
-            <a:extLst>
-              <a:ext uri="{28A0092B-C50C-407E-A947-70E740481C1C}">
-                <a14:useLocalDpi xmlns:a14="http://schemas.microsoft.com/office/drawing/2010/main" val="0"/>
-              </a:ext>
-            </a:extLst>
-          </a:blip>
-          <a:stretch>
-            <a:fillRect/>
-          </a:stretch>
-        </p:blipFill>
+        </p:nvSpPr>
         <p:spPr>
           <a:xfrm>
-            <a:off x="6552394" y="2671753"/>
-            <a:ext cx="3433788" cy="2567006"/>
+            <a:off x="5183188" y="987425"/>
+            <a:ext cx="6172200" cy="4873625"/>
           </a:xfrm>
         </p:spPr>
-      </p:pic>
+        <p:txBody>
+          <a:bodyPr>
+            <a:normAutofit fontScale="92500"/>
+          </a:bodyPr>
+          <a:lstStyle/>
+          <a:p>
+            <a:pPr marL="457200" indent="-457200">
+              <a:buFont typeface="+mj-lt"/>
+              <a:buAutoNum type="arabicPeriod"/>
+            </a:pPr>
+            <a:r>
+              <a:rPr lang="en-US" dirty="0"/>
+              <a:t>Move stickies into appropriate quadrants based on whether they are:</a:t>
+            </a:r>
+          </a:p>
+          <a:p>
+            <a:pPr marL="1028700" lvl="1" indent="-342900"/>
+            <a:r>
+              <a:rPr lang="en-US" dirty="0"/>
+              <a:t>Planning Docs</a:t>
+            </a:r>
+          </a:p>
+          <a:p>
+            <a:pPr marL="1028700" lvl="1" indent="-342900"/>
+            <a:r>
+              <a:rPr lang="en-US" dirty="0"/>
+              <a:t>WIP Docs</a:t>
+            </a:r>
+          </a:p>
+          <a:p>
+            <a:pPr marL="1028700" lvl="1" indent="-342900"/>
+            <a:r>
+              <a:rPr lang="en-US" dirty="0"/>
+              <a:t>Releasable Docs</a:t>
+            </a:r>
+          </a:p>
+          <a:p>
+            <a:pPr marL="1028700" lvl="1" indent="-342900"/>
+            <a:r>
+              <a:rPr lang="en-US" dirty="0"/>
+              <a:t>Hand-off Docs</a:t>
+            </a:r>
+          </a:p>
+          <a:p>
+            <a:pPr marL="1028700" lvl="1" indent="-342900"/>
+            <a:endParaRPr lang="en-US" dirty="0"/>
+          </a:p>
+          <a:p>
+            <a:pPr marL="457200" indent="-457200">
+              <a:buFont typeface="+mj-lt"/>
+              <a:buAutoNum type="arabicPeriod"/>
+            </a:pPr>
+            <a:r>
+              <a:rPr lang="en-US" dirty="0"/>
+              <a:t>For each: destroy the sticky note if you cannot figure out a way to meet the quality criteria.</a:t>
+            </a:r>
+          </a:p>
+        </p:txBody>
+      </p:sp>
       <p:sp>
         <p:nvSpPr>
           <p:cNvPr id="4" name="Text Placeholder 3">
@@ -15121,282 +15264,6 @@
             <a:r>
               <a:rPr lang="en-CA" dirty="0"/>
               <a:t>{~5 minutes}</a:t>
-            </a:r>
-          </a:p>
-        </p:txBody>
-      </p:sp>
-      <p:sp>
-        <p:nvSpPr>
-          <p:cNvPr id="5" name="Footer Placeholder 4">
-            <a:extLst>
-              <a:ext uri="{FF2B5EF4-FFF2-40B4-BE49-F238E27FC236}">
-                <a16:creationId xmlns:a16="http://schemas.microsoft.com/office/drawing/2014/main" id="{B68CE0A0-04F5-4142-AF94-62508EB43288}"/>
-              </a:ext>
-            </a:extLst>
-          </p:cNvPr>
-          <p:cNvSpPr>
-            <a:spLocks noGrp="1"/>
-          </p:cNvSpPr>
-          <p:nvPr>
-            <p:ph type="ftr" sz="quarter" idx="11"/>
-          </p:nvPr>
-        </p:nvSpPr>
-        <p:spPr/>
-        <p:txBody>
-          <a:bodyPr/>
-          <a:lstStyle/>
-          <a:p>
-            <a:r>
-              <a:rPr lang="en-CA"/>
-              <a:t>@davesabine</a:t>
-            </a:r>
-          </a:p>
-        </p:txBody>
-      </p:sp>
-      <p:sp>
-        <p:nvSpPr>
-          <p:cNvPr id="17" name="Content Placeholder 5">
-            <a:extLst>
-              <a:ext uri="{FF2B5EF4-FFF2-40B4-BE49-F238E27FC236}">
-                <a16:creationId xmlns:a16="http://schemas.microsoft.com/office/drawing/2014/main" id="{E4124D83-1FC5-4312-8438-C176368E8B61}"/>
-              </a:ext>
-            </a:extLst>
-          </p:cNvPr>
-          <p:cNvSpPr txBox="1">
-            <a:spLocks/>
-          </p:cNvSpPr>
-          <p:nvPr/>
-        </p:nvSpPr>
-        <p:spPr>
-          <a:xfrm>
-            <a:off x="5183188" y="2049462"/>
-            <a:ext cx="6172200" cy="3811588"/>
-          </a:xfrm>
-          <a:prstGeom prst="rect">
-            <a:avLst/>
-          </a:prstGeom>
-        </p:spPr>
-        <p:txBody>
-          <a:bodyPr vert="horz" lIns="91440" tIns="45720" rIns="91440" bIns="45720" rtlCol="0">
-            <a:normAutofit lnSpcReduction="10000"/>
-          </a:bodyPr>
-          <a:lstStyle>
-            <a:lvl1pPr marL="0" indent="0" algn="l" defTabSz="914400" rtl="0" eaLnBrk="1" latinLnBrk="0" hangingPunct="1">
-              <a:lnSpc>
-                <a:spcPct val="90000"/>
-              </a:lnSpc>
-              <a:spcBef>
-                <a:spcPts val="1000"/>
-              </a:spcBef>
-              <a:spcAft>
-                <a:spcPts val="3200"/>
-              </a:spcAft>
-              <a:buFontTx/>
-              <a:buNone/>
-              <a:defRPr sz="2200" kern="1200">
-                <a:solidFill>
-                  <a:schemeClr val="tx1"/>
-                </a:solidFill>
-                <a:latin typeface="+mn-lt"/>
-                <a:ea typeface="+mn-ea"/>
-                <a:cs typeface="+mn-cs"/>
-              </a:defRPr>
-            </a:lvl1pPr>
-            <a:lvl2pPr marL="685800" indent="-228600" algn="l" defTabSz="914400" rtl="0" eaLnBrk="1" latinLnBrk="0" hangingPunct="1">
-              <a:lnSpc>
-                <a:spcPct val="90000"/>
-              </a:lnSpc>
-              <a:spcBef>
-                <a:spcPts val="500"/>
-              </a:spcBef>
-              <a:buFont typeface="Arial" panose="020B0604020202020204" pitchFamily="34" charset="0"/>
-              <a:buChar char="•"/>
-              <a:defRPr sz="2200" kern="1200">
-                <a:solidFill>
-                  <a:schemeClr val="tx1"/>
-                </a:solidFill>
-                <a:latin typeface="+mn-lt"/>
-                <a:ea typeface="+mn-ea"/>
-                <a:cs typeface="+mn-cs"/>
-              </a:defRPr>
-            </a:lvl2pPr>
-            <a:lvl3pPr marL="1143000" indent="-228600" algn="l" defTabSz="914400" rtl="0" eaLnBrk="1" latinLnBrk="0" hangingPunct="1">
-              <a:lnSpc>
-                <a:spcPct val="90000"/>
-              </a:lnSpc>
-              <a:spcBef>
-                <a:spcPts val="500"/>
-              </a:spcBef>
-              <a:buFont typeface="Arial" panose="020B0604020202020204" pitchFamily="34" charset="0"/>
-              <a:buChar char="•"/>
-              <a:defRPr sz="2200" kern="1200">
-                <a:solidFill>
-                  <a:schemeClr val="tx1"/>
-                </a:solidFill>
-                <a:latin typeface="+mn-lt"/>
-                <a:ea typeface="+mn-ea"/>
-                <a:cs typeface="+mn-cs"/>
-              </a:defRPr>
-            </a:lvl3pPr>
-            <a:lvl4pPr marL="1600200" indent="-228600" algn="l" defTabSz="914400" rtl="0" eaLnBrk="1" latinLnBrk="0" hangingPunct="1">
-              <a:lnSpc>
-                <a:spcPct val="90000"/>
-              </a:lnSpc>
-              <a:spcBef>
-                <a:spcPts val="500"/>
-              </a:spcBef>
-              <a:buFont typeface="Arial" panose="020B0604020202020204" pitchFamily="34" charset="0"/>
-              <a:buChar char="•"/>
-              <a:defRPr sz="2200" kern="1200">
-                <a:solidFill>
-                  <a:schemeClr val="tx1"/>
-                </a:solidFill>
-                <a:latin typeface="+mn-lt"/>
-                <a:ea typeface="+mn-ea"/>
-                <a:cs typeface="+mn-cs"/>
-              </a:defRPr>
-            </a:lvl4pPr>
-            <a:lvl5pPr marL="2057400" indent="-228600" algn="l" defTabSz="914400" rtl="0" eaLnBrk="1" latinLnBrk="0" hangingPunct="1">
-              <a:lnSpc>
-                <a:spcPct val="90000"/>
-              </a:lnSpc>
-              <a:spcBef>
-                <a:spcPts val="500"/>
-              </a:spcBef>
-              <a:buFont typeface="Arial" panose="020B0604020202020204" pitchFamily="34" charset="0"/>
-              <a:buChar char="•"/>
-              <a:defRPr sz="2200" kern="1200">
-                <a:solidFill>
-                  <a:schemeClr val="tx1"/>
-                </a:solidFill>
-                <a:latin typeface="+mn-lt"/>
-                <a:ea typeface="+mn-ea"/>
-                <a:cs typeface="+mn-cs"/>
-              </a:defRPr>
-            </a:lvl5pPr>
-            <a:lvl6pPr marL="2514600" indent="-228600" algn="l" defTabSz="914400" rtl="0" eaLnBrk="1" latinLnBrk="0" hangingPunct="1">
-              <a:lnSpc>
-                <a:spcPct val="90000"/>
-              </a:lnSpc>
-              <a:spcBef>
-                <a:spcPts val="500"/>
-              </a:spcBef>
-              <a:buFont typeface="Arial" panose="020B0604020202020204" pitchFamily="34" charset="0"/>
-              <a:buChar char="•"/>
-              <a:defRPr sz="2000" kern="1200">
-                <a:solidFill>
-                  <a:schemeClr val="tx1"/>
-                </a:solidFill>
-                <a:latin typeface="+mn-lt"/>
-                <a:ea typeface="+mn-ea"/>
-                <a:cs typeface="+mn-cs"/>
-              </a:defRPr>
-            </a:lvl6pPr>
-            <a:lvl7pPr marL="2971800" indent="-228600" algn="l" defTabSz="914400" rtl="0" eaLnBrk="1" latinLnBrk="0" hangingPunct="1">
-              <a:lnSpc>
-                <a:spcPct val="90000"/>
-              </a:lnSpc>
-              <a:spcBef>
-                <a:spcPts val="500"/>
-              </a:spcBef>
-              <a:buFont typeface="Arial" panose="020B0604020202020204" pitchFamily="34" charset="0"/>
-              <a:buChar char="•"/>
-              <a:defRPr sz="2000" kern="1200">
-                <a:solidFill>
-                  <a:schemeClr val="tx1"/>
-                </a:solidFill>
-                <a:latin typeface="+mn-lt"/>
-                <a:ea typeface="+mn-ea"/>
-                <a:cs typeface="+mn-cs"/>
-              </a:defRPr>
-            </a:lvl7pPr>
-            <a:lvl8pPr marL="3429000" indent="-228600" algn="l" defTabSz="914400" rtl="0" eaLnBrk="1" latinLnBrk="0" hangingPunct="1">
-              <a:lnSpc>
-                <a:spcPct val="90000"/>
-              </a:lnSpc>
-              <a:spcBef>
-                <a:spcPts val="500"/>
-              </a:spcBef>
-              <a:buFont typeface="Arial" panose="020B0604020202020204" pitchFamily="34" charset="0"/>
-              <a:buChar char="•"/>
-              <a:defRPr sz="2000" kern="1200">
-                <a:solidFill>
-                  <a:schemeClr val="tx1"/>
-                </a:solidFill>
-                <a:latin typeface="+mn-lt"/>
-                <a:ea typeface="+mn-ea"/>
-                <a:cs typeface="+mn-cs"/>
-              </a:defRPr>
-            </a:lvl8pPr>
-            <a:lvl9pPr marL="3886200" indent="-228600" algn="l" defTabSz="914400" rtl="0" eaLnBrk="1" latinLnBrk="0" hangingPunct="1">
-              <a:lnSpc>
-                <a:spcPct val="90000"/>
-              </a:lnSpc>
-              <a:spcBef>
-                <a:spcPts val="500"/>
-              </a:spcBef>
-              <a:buFont typeface="Arial" panose="020B0604020202020204" pitchFamily="34" charset="0"/>
-              <a:buChar char="•"/>
-              <a:defRPr sz="2000" kern="1200">
-                <a:solidFill>
-                  <a:schemeClr val="tx1"/>
-                </a:solidFill>
-                <a:latin typeface="+mn-lt"/>
-                <a:ea typeface="+mn-ea"/>
-                <a:cs typeface="+mn-cs"/>
-              </a:defRPr>
-            </a:lvl9pPr>
-          </a:lstStyle>
-          <a:p>
-            <a:pPr marL="457200" indent="-457200">
-              <a:buFont typeface="+mj-lt"/>
-              <a:buAutoNum type="arabicPeriod"/>
-            </a:pPr>
-            <a:r>
-              <a:rPr lang="en-US" dirty="0"/>
-              <a:t>Move stickies into appropriate quadrants based on whether they are:</a:t>
-            </a:r>
-          </a:p>
-          <a:p>
-            <a:pPr marL="1028700" lvl="1" indent="-342900"/>
-            <a:r>
-              <a:rPr lang="en-US" dirty="0"/>
-              <a:t>Planning Docs</a:t>
-            </a:r>
-          </a:p>
-          <a:p>
-            <a:pPr marL="1028700" lvl="1" indent="-342900"/>
-            <a:r>
-              <a:rPr lang="en-US" dirty="0"/>
-              <a:t>WIP Docs</a:t>
-            </a:r>
-          </a:p>
-          <a:p>
-            <a:pPr marL="1028700" lvl="1" indent="-342900"/>
-            <a:r>
-              <a:rPr lang="en-US" dirty="0"/>
-              <a:t>“Done” Product Docs</a:t>
-            </a:r>
-          </a:p>
-          <a:p>
-            <a:pPr marL="1028700" lvl="1" indent="-342900"/>
-            <a:r>
-              <a:rPr lang="en-US" dirty="0"/>
-              <a:t>Hand-off Docs</a:t>
-            </a:r>
-          </a:p>
-          <a:p>
-            <a:pPr marL="1028700" lvl="1" indent="-342900"/>
-            <a:endParaRPr lang="en-US" dirty="0"/>
-          </a:p>
-          <a:p>
-            <a:pPr marL="457200" indent="-457200">
-              <a:buFont typeface="+mj-lt"/>
-              <a:buAutoNum type="arabicPeriod"/>
-            </a:pPr>
-            <a:r>
-              <a:rPr lang="en-US" b="1" dirty="0"/>
-              <a:t>For each: destroy the sticky note if you cannot figure out a way to meet the quality criteria.</a:t>
             </a:r>
           </a:p>
         </p:txBody>
@@ -15433,10 +15300,10 @@
       </p:grpSpPr>
       <p:sp>
         <p:nvSpPr>
-          <p:cNvPr id="3" name="Title 2">
+          <p:cNvPr id="2" name="Title 1">
             <a:extLst>
               <a:ext uri="{FF2B5EF4-FFF2-40B4-BE49-F238E27FC236}">
-                <a16:creationId xmlns:a16="http://schemas.microsoft.com/office/drawing/2014/main" id="{00BD3A92-C1CB-400E-A589-60EDADDED7BE}"/>
+                <a16:creationId xmlns:a16="http://schemas.microsoft.com/office/drawing/2014/main" id="{9EEEC4D3-C0AF-4AB9-BA5B-FA2B9DB49C76}"/>
               </a:ext>
             </a:extLst>
           </p:cNvPr>
@@ -15444,7 +15311,7 @@
             <a:spLocks noGrp="1"/>
           </p:cNvSpPr>
           <p:nvPr>
-            <p:ph type="title"/>
+            <p:ph type="ctrTitle"/>
           </p:nvPr>
         </p:nvSpPr>
         <p:spPr/>
@@ -15469,24 +15336,21 @@
             <a:spLocks noGrp="1"/>
           </p:cNvSpPr>
           <p:nvPr>
-            <p:ph type="subTitle" idx="4294967295"/>
-          </p:nvPr>
-        </p:nvSpPr>
-        <p:spPr>
-          <a:xfrm>
-            <a:off x="731837" y="4522727"/>
-            <a:ext cx="10728325" cy="1655762"/>
-          </a:xfrm>
-        </p:spPr>
-        <p:txBody>
-          <a:bodyPr/>
+            <p:ph type="subTitle" idx="1"/>
+          </p:nvPr>
+        </p:nvSpPr>
+        <p:spPr/>
+        <p:txBody>
+          <a:bodyPr>
+            <a:normAutofit/>
+          </a:bodyPr>
           <a:lstStyle/>
           <a:p>
             <a:pPr marL="0" indent="0">
               <a:buNone/>
             </a:pPr>
             <a:r>
-              <a:rPr lang="en-US" altLang="en-US" dirty="0">
+              <a:rPr lang="en-US" altLang="en-US" sz="1200" dirty="0">
                 <a:solidFill>
                   <a:srgbClr val="373737"/>
                 </a:solidFill>
@@ -15495,7 +15359,7 @@
               <a:t>This work is licensed under a </a:t>
             </a:r>
             <a:r>
-              <a:rPr lang="en-US" altLang="en-US" dirty="0">
+              <a:rPr lang="en-US" altLang="en-US" sz="1200" dirty="0">
                 <a:solidFill>
                   <a:srgbClr val="0F79D0"/>
                 </a:solidFill>
@@ -15505,7 +15369,7 @@
               <a:t>Creative Commons Attribution-</a:t>
             </a:r>
             <a:r>
-              <a:rPr lang="en-US" altLang="en-US" dirty="0" err="1">
+              <a:rPr lang="en-US" altLang="en-US" sz="1200" dirty="0" err="1">
                 <a:solidFill>
                   <a:srgbClr val="0F79D0"/>
                 </a:solidFill>
@@ -15515,7 +15379,7 @@
               <a:t>ShareAlike</a:t>
             </a:r>
             <a:r>
-              <a:rPr lang="en-US" altLang="en-US" dirty="0">
+              <a:rPr lang="en-US" altLang="en-US" sz="1200" dirty="0">
                 <a:solidFill>
                   <a:srgbClr val="0F79D0"/>
                 </a:solidFill>
@@ -15525,7 +15389,7 @@
               <a:t> 4.0 International License</a:t>
             </a:r>
             <a:r>
-              <a:rPr lang="en-US" altLang="en-US" dirty="0">
+              <a:rPr lang="en-US" altLang="en-US" sz="1200" dirty="0">
                 <a:solidFill>
                   <a:srgbClr val="373737"/>
                 </a:solidFill>
@@ -15533,7 +15397,7 @@
               </a:rPr>
               <a:t>.</a:t>
             </a:r>
-            <a:endParaRPr lang="en-US" altLang="en-US" dirty="0">
+            <a:endParaRPr lang="en-US" altLang="en-US" sz="1200" dirty="0">
               <a:latin typeface="Arial" panose="020B0604020202020204" pitchFamily="34" charset="0"/>
             </a:endParaRPr>
           </a:p>
@@ -15569,7 +15433,7 @@
         </p:blipFill>
         <p:spPr bwMode="auto">
           <a:xfrm>
-            <a:off x="838200" y="4227451"/>
+            <a:off x="1524000" y="3214687"/>
             <a:ext cx="838200" cy="295276"/>
           </a:xfrm>
           <a:prstGeom prst="rect">
@@ -15638,7 +15502,35 @@
           <a:bodyPr/>
           <a:lstStyle/>
           <a:p>
-            <a:endParaRPr lang="en-CA" dirty="0"/>
+            <a:r>
+              <a:rPr lang="en-CA" dirty="0"/>
+              <a:t>CELEBRATE!</a:t>
+            </a:r>
+          </a:p>
+        </p:txBody>
+      </p:sp>
+      <p:sp>
+        <p:nvSpPr>
+          <p:cNvPr id="7" name="Content Placeholder 6">
+            <a:extLst>
+              <a:ext uri="{FF2B5EF4-FFF2-40B4-BE49-F238E27FC236}">
+                <a16:creationId xmlns:a16="http://schemas.microsoft.com/office/drawing/2014/main" id="{B3ED3B59-8DF3-4227-9E99-4BD0562C4780}"/>
+              </a:ext>
+            </a:extLst>
+          </p:cNvPr>
+          <p:cNvSpPr>
+            <a:spLocks noGrp="1"/>
+          </p:cNvSpPr>
+          <p:nvPr>
+            <p:ph idx="1"/>
+          </p:nvPr>
+        </p:nvSpPr>
+        <p:spPr/>
+        <p:txBody>
+          <a:bodyPr/>
+          <a:lstStyle/>
+          <a:p>
+            <a:endParaRPr lang="en-CA"/>
           </a:p>
         </p:txBody>
       </p:sp>
@@ -15663,41 +15555,7 @@
           <a:bodyPr/>
           <a:lstStyle/>
           <a:p>
-            <a:r>
-              <a:rPr lang="en-CA" dirty="0"/>
-              <a:t>CELEBRATE!</a:t>
-            </a:r>
-          </a:p>
-          <a:p>
             <a:endParaRPr lang="en-CA" dirty="0"/>
-          </a:p>
-        </p:txBody>
-      </p:sp>
-      <p:sp>
-        <p:nvSpPr>
-          <p:cNvPr id="5" name="Footer Placeholder 4">
-            <a:extLst>
-              <a:ext uri="{FF2B5EF4-FFF2-40B4-BE49-F238E27FC236}">
-                <a16:creationId xmlns:a16="http://schemas.microsoft.com/office/drawing/2014/main" id="{B68CE0A0-04F5-4142-AF94-62508EB43288}"/>
-              </a:ext>
-            </a:extLst>
-          </p:cNvPr>
-          <p:cNvSpPr>
-            <a:spLocks noGrp="1"/>
-          </p:cNvSpPr>
-          <p:nvPr>
-            <p:ph type="ftr" sz="quarter" idx="11"/>
-          </p:nvPr>
-        </p:nvSpPr>
-        <p:spPr/>
-        <p:txBody>
-          <a:bodyPr/>
-          <a:lstStyle/>
-          <a:p>
-            <a:r>
-              <a:rPr lang="en-CA"/>
-              <a:t>@davesabine</a:t>
-            </a:r>
           </a:p>
         </p:txBody>
       </p:sp>
@@ -15900,31 +15758,6 @@
           </a:p>
         </p:txBody>
       </p:sp>
-      <p:sp>
-        <p:nvSpPr>
-          <p:cNvPr id="7" name="Content Placeholder 6">
-            <a:extLst>
-              <a:ext uri="{FF2B5EF4-FFF2-40B4-BE49-F238E27FC236}">
-                <a16:creationId xmlns:a16="http://schemas.microsoft.com/office/drawing/2014/main" id="{B3ED3B59-8DF3-4227-9E99-4BD0562C4780}"/>
-              </a:ext>
-            </a:extLst>
-          </p:cNvPr>
-          <p:cNvSpPr>
-            <a:spLocks noGrp="1"/>
-          </p:cNvSpPr>
-          <p:nvPr>
-            <p:ph idx="1"/>
-          </p:nvPr>
-        </p:nvSpPr>
-        <p:spPr/>
-        <p:txBody>
-          <a:bodyPr/>
-          <a:lstStyle/>
-          <a:p>
-            <a:endParaRPr lang="en-CA"/>
-          </a:p>
-        </p:txBody>
-      </p:sp>
     </p:spTree>
     <p:extLst>
       <p:ext uri="{BB962C8B-B14F-4D97-AF65-F5344CB8AC3E}">
@@ -15976,27 +15809,51 @@
           <a:bodyPr/>
           <a:lstStyle/>
           <a:p>
+            <a:endParaRPr lang="en-CA" dirty="0"/>
+          </a:p>
+        </p:txBody>
+      </p:sp>
+      <p:sp>
+        <p:nvSpPr>
+          <p:cNvPr id="7" name="Subtitle 4">
+            <a:extLst>
+              <a:ext uri="{FF2B5EF4-FFF2-40B4-BE49-F238E27FC236}">
+                <a16:creationId xmlns:a16="http://schemas.microsoft.com/office/drawing/2014/main" id="{9D294926-D5D4-4E00-988E-2813104A2C22}"/>
+              </a:ext>
+            </a:extLst>
+          </p:cNvPr>
+          <p:cNvSpPr>
+            <a:spLocks noGrp="1"/>
+          </p:cNvSpPr>
+          <p:nvPr>
+            <p:ph type="subTitle" idx="1"/>
+          </p:nvPr>
+        </p:nvSpPr>
+        <p:spPr/>
+        <p:txBody>
+          <a:bodyPr anchor="b"/>
+          <a:lstStyle/>
+          <a:p>
             <a:r>
               <a:rPr lang="en-CA" dirty="0"/>
-              <a:t>DAVID</a:t>
-            </a:r>
-            <a:br>
-              <a:rPr lang="en-CA" dirty="0"/>
-            </a:br>
-            <a:r>
-              <a:rPr lang="en-CA" dirty="0"/>
-              <a:t>SABINE</a:t>
-            </a:r>
+              <a:t>Get these documents at </a:t>
+            </a:r>
+            <a:r>
+              <a:rPr lang="en-CA" sz="6600" dirty="0">
+                <a:hlinkClick r:id="rId3"/>
+              </a:rPr>
+              <a:t>http://bit.ly/2qUPPAO</a:t>
+            </a:r>
+            <a:endParaRPr lang="en-CA" dirty="0"/>
           </a:p>
         </p:txBody>
       </p:sp>
       <p:pic>
         <p:nvPicPr>
-          <p:cNvPr id="9" name="Graphic 8">
-            <a:hlinkClick r:id="rId3"/>
+          <p:cNvPr id="3" name="Picture 2">
             <a:extLst>
               <a:ext uri="{FF2B5EF4-FFF2-40B4-BE49-F238E27FC236}">
-                <a16:creationId xmlns:a16="http://schemas.microsoft.com/office/drawing/2014/main" id="{D9B1CBC4-7DAF-4E3D-A8F4-A0DBD46E323A}"/>
+                <a16:creationId xmlns:a16="http://schemas.microsoft.com/office/drawing/2014/main" id="{8D74CE47-CCE2-4439-9B61-352A16A0EE33}"/>
               </a:ext>
             </a:extLst>
           </p:cNvPr>
@@ -16011,9 +15868,6 @@
               <a:ext uri="{28A0092B-C50C-407E-A947-70E740481C1C}">
                 <a14:useLocalDpi xmlns:a14="http://schemas.microsoft.com/office/drawing/2010/main" val="0"/>
               </a:ext>
-              <a:ext uri="{96DAC541-7B7A-43D3-8B79-37D633B846F1}">
-                <asvg:svgBlip xmlns:asvg="http://schemas.microsoft.com/office/drawing/2016/SVG/main" r:embed="rId5"/>
-              </a:ext>
             </a:extLst>
           </a:blip>
           <a:stretch>
@@ -16022,94 +15876,14 @@
         </p:blipFill>
         <p:spPr>
           <a:xfrm>
-            <a:off x="4334649" y="4016400"/>
-            <a:ext cx="286650" cy="327600"/>
+            <a:off x="1587031" y="1333500"/>
+            <a:ext cx="2095500" cy="2095500"/>
           </a:xfrm>
           <a:prstGeom prst="rect">
             <a:avLst/>
           </a:prstGeom>
         </p:spPr>
       </p:pic>
-      <p:pic>
-        <p:nvPicPr>
-          <p:cNvPr id="11" name="Graphic 10">
-            <a:hlinkClick r:id="rId6"/>
-            <a:extLst>
-              <a:ext uri="{FF2B5EF4-FFF2-40B4-BE49-F238E27FC236}">
-                <a16:creationId xmlns:a16="http://schemas.microsoft.com/office/drawing/2014/main" id="{49F5214D-9920-4C38-8BE4-B27A24414750}"/>
-              </a:ext>
-            </a:extLst>
-          </p:cNvPr>
-          <p:cNvPicPr>
-            <a:picLocks noChangeAspect="1"/>
-          </p:cNvPicPr>
-          <p:nvPr/>
-        </p:nvPicPr>
-        <p:blipFill>
-          <a:blip r:embed="rId7">
-            <a:extLst>
-              <a:ext uri="{28A0092B-C50C-407E-A947-70E740481C1C}">
-                <a14:useLocalDpi xmlns:a14="http://schemas.microsoft.com/office/drawing/2010/main" val="0"/>
-              </a:ext>
-              <a:ext uri="{96DAC541-7B7A-43D3-8B79-37D633B846F1}">
-                <asvg:svgBlip xmlns:asvg="http://schemas.microsoft.com/office/drawing/2016/SVG/main" r:embed="rId8"/>
-              </a:ext>
-            </a:extLst>
-          </a:blip>
-          <a:stretch>
-            <a:fillRect/>
-          </a:stretch>
-        </p:blipFill>
-        <p:spPr>
-          <a:xfrm>
-            <a:off x="3931920" y="4016400"/>
-            <a:ext cx="286650" cy="327600"/>
-          </a:xfrm>
-          <a:prstGeom prst="rect">
-            <a:avLst/>
-          </a:prstGeom>
-        </p:spPr>
-      </p:pic>
-      <p:sp>
-        <p:nvSpPr>
-          <p:cNvPr id="7" name="Subtitle 4">
-            <a:extLst>
-              <a:ext uri="{FF2B5EF4-FFF2-40B4-BE49-F238E27FC236}">
-                <a16:creationId xmlns:a16="http://schemas.microsoft.com/office/drawing/2014/main" id="{9D294926-D5D4-4E00-988E-2813104A2C22}"/>
-              </a:ext>
-            </a:extLst>
-          </p:cNvPr>
-          <p:cNvSpPr>
-            <a:spLocks noGrp="1"/>
-          </p:cNvSpPr>
-          <p:nvPr>
-            <p:ph type="subTitle" idx="1"/>
-          </p:nvPr>
-        </p:nvSpPr>
-        <p:spPr>
-          <a:xfrm>
-            <a:off x="732342" y="4529871"/>
-            <a:ext cx="10727788" cy="1655762"/>
-          </a:xfrm>
-        </p:spPr>
-        <p:txBody>
-          <a:bodyPr anchor="b"/>
-          <a:lstStyle/>
-          <a:p>
-            <a:r>
-              <a:rPr lang="en-CA" dirty="0"/>
-              <a:t>Get these documents at </a:t>
-            </a:r>
-            <a:r>
-              <a:rPr lang="en-CA" sz="6600" dirty="0">
-                <a:hlinkClick r:id="rId9"/>
-              </a:rPr>
-              <a:t>http://bit.ly/2qUPPAO</a:t>
-            </a:r>
-            <a:endParaRPr lang="en-CA" dirty="0"/>
-          </a:p>
-        </p:txBody>
-      </p:sp>
     </p:spTree>
     <p:extLst>
       <p:ext uri="{BB962C8B-B14F-4D97-AF65-F5344CB8AC3E}">
@@ -16161,7 +15935,10 @@
           <a:bodyPr/>
           <a:lstStyle/>
           <a:p>
-            <a:endParaRPr lang="en-CA"/>
+            <a:r>
+              <a:rPr lang="en-CA" dirty="0"/>
+              <a:t>WELCOME</a:t>
+            </a:r>
           </a:p>
         </p:txBody>
       </p:sp>
@@ -16216,10 +15993,10 @@
       </p:sp>
       <p:sp>
         <p:nvSpPr>
-          <p:cNvPr id="7" name="Text Placeholder 6">
+          <p:cNvPr id="17" name="Text Placeholder 16">
             <a:extLst>
               <a:ext uri="{FF2B5EF4-FFF2-40B4-BE49-F238E27FC236}">
-                <a16:creationId xmlns:a16="http://schemas.microsoft.com/office/drawing/2014/main" id="{DD3BF04B-0ABB-42F7-A986-F74CA86D9962}"/>
+                <a16:creationId xmlns:a16="http://schemas.microsoft.com/office/drawing/2014/main" id="{93DF5955-177E-4716-B002-7A3B6D6BB0FE}"/>
               </a:ext>
             </a:extLst>
           </p:cNvPr>
@@ -16235,38 +16012,7 @@
           <a:bodyPr/>
           <a:lstStyle/>
           <a:p>
-            <a:r>
-              <a:rPr lang="en-CA" dirty="0"/>
-              <a:t>WELCOME</a:t>
-            </a:r>
-          </a:p>
-        </p:txBody>
-      </p:sp>
-      <p:sp>
-        <p:nvSpPr>
-          <p:cNvPr id="6" name="Footer Placeholder 5">
-            <a:extLst>
-              <a:ext uri="{FF2B5EF4-FFF2-40B4-BE49-F238E27FC236}">
-                <a16:creationId xmlns:a16="http://schemas.microsoft.com/office/drawing/2014/main" id="{A1607346-75D8-40BA-A7F7-36361ADF388F}"/>
-              </a:ext>
-            </a:extLst>
-          </p:cNvPr>
-          <p:cNvSpPr>
-            <a:spLocks noGrp="1"/>
-          </p:cNvSpPr>
-          <p:nvPr>
-            <p:ph type="ftr" sz="quarter" idx="11"/>
-          </p:nvPr>
-        </p:nvSpPr>
-        <p:spPr/>
-        <p:txBody>
-          <a:bodyPr/>
-          <a:lstStyle/>
-          <a:p>
-            <a:r>
-              <a:rPr lang="en-CA"/>
-              <a:t>@davesabine</a:t>
-            </a:r>
+            <a:endParaRPr lang="en-CA"/>
           </a:p>
         </p:txBody>
       </p:sp>
@@ -16321,7 +16067,10 @@
           <a:bodyPr/>
           <a:lstStyle/>
           <a:p>
-            <a:endParaRPr lang="en-CA"/>
+            <a:r>
+              <a:rPr lang="en-CA" dirty="0"/>
+              <a:t>PURPOSE</a:t>
+            </a:r>
           </a:p>
         </p:txBody>
       </p:sp>
@@ -16376,10 +16125,10 @@
       </p:sp>
       <p:sp>
         <p:nvSpPr>
-          <p:cNvPr id="7" name="Text Placeholder 6">
+          <p:cNvPr id="12" name="Text Placeholder 11">
             <a:extLst>
               <a:ext uri="{FF2B5EF4-FFF2-40B4-BE49-F238E27FC236}">
-                <a16:creationId xmlns:a16="http://schemas.microsoft.com/office/drawing/2014/main" id="{DD3BF04B-0ABB-42F7-A986-F74CA86D9962}"/>
+                <a16:creationId xmlns:a16="http://schemas.microsoft.com/office/drawing/2014/main" id="{CF4A2DD5-7830-4672-AE41-EDEF6B3AFBB7}"/>
               </a:ext>
             </a:extLst>
           </p:cNvPr>
@@ -16395,38 +16144,7 @@
           <a:bodyPr/>
           <a:lstStyle/>
           <a:p>
-            <a:r>
-              <a:rPr lang="en-CA" dirty="0"/>
-              <a:t>PURPOSE</a:t>
-            </a:r>
-          </a:p>
-        </p:txBody>
-      </p:sp>
-      <p:sp>
-        <p:nvSpPr>
-          <p:cNvPr id="6" name="Footer Placeholder 5">
-            <a:extLst>
-              <a:ext uri="{FF2B5EF4-FFF2-40B4-BE49-F238E27FC236}">
-                <a16:creationId xmlns:a16="http://schemas.microsoft.com/office/drawing/2014/main" id="{A1607346-75D8-40BA-A7F7-36361ADF388F}"/>
-              </a:ext>
-            </a:extLst>
-          </p:cNvPr>
-          <p:cNvSpPr>
-            <a:spLocks noGrp="1"/>
-          </p:cNvSpPr>
-          <p:nvPr>
-            <p:ph type="ftr" sz="quarter" idx="11"/>
-          </p:nvPr>
-        </p:nvSpPr>
-        <p:spPr/>
-        <p:txBody>
-          <a:bodyPr/>
-          <a:lstStyle/>
-          <a:p>
-            <a:r>
-              <a:rPr lang="en-CA"/>
-              <a:t>@davesabine</a:t>
-            </a:r>
+            <a:endParaRPr lang="en-CA"/>
           </a:p>
         </p:txBody>
       </p:sp>
@@ -16518,8 +16236,8 @@
         </p:blipFill>
         <p:spPr>
           <a:xfrm>
-            <a:off x="6552394" y="2671753"/>
-            <a:ext cx="3433788" cy="2567006"/>
+            <a:off x="5215711" y="1141466"/>
+            <a:ext cx="6107154" cy="4565542"/>
           </a:xfrm>
         </p:spPr>
       </p:pic>
@@ -16556,34 +16274,6 @@
             <a:r>
               <a:rPr lang="en-CA" dirty="0"/>
               <a:t>{~5 minutes}</a:t>
-            </a:r>
-          </a:p>
-        </p:txBody>
-      </p:sp>
-      <p:sp>
-        <p:nvSpPr>
-          <p:cNvPr id="5" name="Footer Placeholder 4">
-            <a:extLst>
-              <a:ext uri="{FF2B5EF4-FFF2-40B4-BE49-F238E27FC236}">
-                <a16:creationId xmlns:a16="http://schemas.microsoft.com/office/drawing/2014/main" id="{B68CE0A0-04F5-4142-AF94-62508EB43288}"/>
-              </a:ext>
-            </a:extLst>
-          </p:cNvPr>
-          <p:cNvSpPr>
-            <a:spLocks noGrp="1"/>
-          </p:cNvSpPr>
-          <p:nvPr>
-            <p:ph type="ftr" sz="quarter" idx="11"/>
-          </p:nvPr>
-        </p:nvSpPr>
-        <p:spPr/>
-        <p:txBody>
-          <a:bodyPr/>
-          <a:lstStyle/>
-          <a:p>
-            <a:r>
-              <a:rPr lang="en-CA"/>
-              <a:t>@davesabine</a:t>
             </a:r>
           </a:p>
         </p:txBody>
@@ -17393,7 +17083,10 @@
           <a:bodyPr/>
           <a:lstStyle/>
           <a:p>
-            <a:endParaRPr lang="en-CA"/>
+            <a:r>
+              <a:rPr lang="en-CA" dirty="0"/>
+              <a:t>EXAMPLES &amp; CONFIRM</a:t>
+            </a:r>
           </a:p>
         </p:txBody>
       </p:sp>
@@ -17453,6 +17146,18 @@
           </a:p>
           <a:p>
             <a:pPr lvl="0"/>
+            <a:endParaRPr lang="en-CA" dirty="0"/>
+          </a:p>
+          <a:p>
+            <a:pPr lvl="0"/>
+            <a:endParaRPr lang="en-CA" dirty="0"/>
+          </a:p>
+          <a:p>
+            <a:pPr lvl="0"/>
+            <a:endParaRPr lang="en-CA" dirty="0"/>
+          </a:p>
+          <a:p>
+            <a:pPr lvl="0"/>
             <a:r>
               <a:rPr lang="en-CA" dirty="0"/>
               <a:t>Test result</a:t>
@@ -17501,45 +17206,7 @@
           <a:bodyPr/>
           <a:lstStyle/>
           <a:p>
-            <a:r>
-              <a:rPr lang="en-CA" dirty="0"/>
-              <a:t>EXAMPLES </a:t>
-            </a:r>
-            <a:br>
-              <a:rPr lang="en-CA" dirty="0"/>
-            </a:br>
-            <a:r>
-              <a:rPr lang="en-CA" dirty="0"/>
-              <a:t>&amp; CONFIRM</a:t>
-            </a:r>
-          </a:p>
-        </p:txBody>
-      </p:sp>
-      <p:sp>
-        <p:nvSpPr>
-          <p:cNvPr id="5" name="Footer Placeholder 4">
-            <a:extLst>
-              <a:ext uri="{FF2B5EF4-FFF2-40B4-BE49-F238E27FC236}">
-                <a16:creationId xmlns:a16="http://schemas.microsoft.com/office/drawing/2014/main" id="{B68CE0A0-04F5-4142-AF94-62508EB43288}"/>
-              </a:ext>
-            </a:extLst>
-          </p:cNvPr>
-          <p:cNvSpPr>
-            <a:spLocks noGrp="1"/>
-          </p:cNvSpPr>
-          <p:nvPr>
-            <p:ph type="ftr" sz="quarter" idx="11"/>
-          </p:nvPr>
-        </p:nvSpPr>
-        <p:spPr/>
-        <p:txBody>
-          <a:bodyPr/>
-          <a:lstStyle/>
-          <a:p>
-            <a:r>
-              <a:rPr lang="en-CA"/>
-              <a:t>@davesabine</a:t>
-            </a:r>
+            <a:endParaRPr lang="en-CA" dirty="0"/>
           </a:p>
         </p:txBody>
       </p:sp>
@@ -17624,7 +17291,15 @@
           <a:p>
             <a:r>
               <a:rPr lang="en-CA" dirty="0"/>
-              <a:t>The ‘Point of Implementation’ is the point in time that a new behaviour, feature, requirement, element is codified into the product.</a:t>
+              <a:t>The ‘Point of Implementation’ is the </a:t>
+            </a:r>
+            <a:r>
+              <a:rPr lang="en-CA" i="1" dirty="0"/>
+              <a:t>point in time</a:t>
+            </a:r>
+            <a:r>
+              <a:rPr lang="en-CA" dirty="0"/>
+              <a:t> that a new behaviour, feature, requirement, element is codified into the product.</a:t>
             </a:r>
           </a:p>
         </p:txBody>
@@ -17660,34 +17335,6 @@
             <a:r>
               <a:rPr lang="en-CA" dirty="0"/>
               <a:t>POINT OF IMPLEMENTATION</a:t>
-            </a:r>
-          </a:p>
-        </p:txBody>
-      </p:sp>
-      <p:sp>
-        <p:nvSpPr>
-          <p:cNvPr id="5" name="Footer Placeholder 4">
-            <a:extLst>
-              <a:ext uri="{FF2B5EF4-FFF2-40B4-BE49-F238E27FC236}">
-                <a16:creationId xmlns:a16="http://schemas.microsoft.com/office/drawing/2014/main" id="{B68CE0A0-04F5-4142-AF94-62508EB43288}"/>
-              </a:ext>
-            </a:extLst>
-          </p:cNvPr>
-          <p:cNvSpPr>
-            <a:spLocks noGrp="1"/>
-          </p:cNvSpPr>
-          <p:nvPr>
-            <p:ph type="ftr" sz="quarter" idx="11"/>
-          </p:nvPr>
-        </p:nvSpPr>
-        <p:spPr/>
-        <p:txBody>
-          <a:bodyPr/>
-          <a:lstStyle/>
-          <a:p>
-            <a:r>
-              <a:rPr lang="en-CA"/>
-              <a:t>@davesabine</a:t>
             </a:r>
           </a:p>
         </p:txBody>
@@ -17743,7 +17390,10 @@
           <a:bodyPr/>
           <a:lstStyle/>
           <a:p>
-            <a:endParaRPr lang="en-CA"/>
+            <a:r>
+              <a:rPr lang="en-CA" dirty="0"/>
+              <a:t>IF IMPLEMENTING A NEW FEATURE</a:t>
+            </a:r>
           </a:p>
         </p:txBody>
       </p:sp>
@@ -17807,38 +17457,7 @@
           <a:bodyPr/>
           <a:lstStyle/>
           <a:p>
-            <a:r>
-              <a:rPr lang="en-CA" dirty="0"/>
-              <a:t>IF IMPLEMENTING A NEW FEATURE</a:t>
-            </a:r>
-          </a:p>
-        </p:txBody>
-      </p:sp>
-      <p:sp>
-        <p:nvSpPr>
-          <p:cNvPr id="5" name="Footer Placeholder 4">
-            <a:extLst>
-              <a:ext uri="{FF2B5EF4-FFF2-40B4-BE49-F238E27FC236}">
-                <a16:creationId xmlns:a16="http://schemas.microsoft.com/office/drawing/2014/main" id="{B68CE0A0-04F5-4142-AF94-62508EB43288}"/>
-              </a:ext>
-            </a:extLst>
-          </p:cNvPr>
-          <p:cNvSpPr>
-            <a:spLocks noGrp="1"/>
-          </p:cNvSpPr>
-          <p:nvPr>
-            <p:ph type="ftr" sz="quarter" idx="11"/>
-          </p:nvPr>
-        </p:nvSpPr>
-        <p:spPr/>
-        <p:txBody>
-          <a:bodyPr/>
-          <a:lstStyle/>
-          <a:p>
-            <a:r>
-              <a:rPr lang="en-CA"/>
-              <a:t>@davesabine</a:t>
-            </a:r>
+            <a:endParaRPr lang="en-CA" dirty="0"/>
           </a:p>
         </p:txBody>
       </p:sp>
@@ -17893,7 +17512,10 @@
           <a:bodyPr/>
           <a:lstStyle/>
           <a:p>
-            <a:endParaRPr lang="en-CA"/>
+            <a:r>
+              <a:rPr lang="en-CA" dirty="0"/>
+              <a:t>IF IMPLEMENTING A NEW UI ELEMENT</a:t>
+            </a:r>
           </a:p>
         </p:txBody>
       </p:sp>
@@ -17952,38 +17574,7 @@
           <a:bodyPr/>
           <a:lstStyle/>
           <a:p>
-            <a:r>
-              <a:rPr lang="en-CA" dirty="0"/>
-              <a:t>IF IMPLEMENTING A NEW UI ELEMENT</a:t>
-            </a:r>
-          </a:p>
-        </p:txBody>
-      </p:sp>
-      <p:sp>
-        <p:nvSpPr>
-          <p:cNvPr id="5" name="Footer Placeholder 4">
-            <a:extLst>
-              <a:ext uri="{FF2B5EF4-FFF2-40B4-BE49-F238E27FC236}">
-                <a16:creationId xmlns:a16="http://schemas.microsoft.com/office/drawing/2014/main" id="{B68CE0A0-04F5-4142-AF94-62508EB43288}"/>
-              </a:ext>
-            </a:extLst>
-          </p:cNvPr>
-          <p:cNvSpPr>
-            <a:spLocks noGrp="1"/>
-          </p:cNvSpPr>
-          <p:nvPr>
-            <p:ph type="ftr" sz="quarter" idx="11"/>
-          </p:nvPr>
-        </p:nvSpPr>
-        <p:spPr/>
-        <p:txBody>
-          <a:bodyPr/>
-          <a:lstStyle/>
-          <a:p>
-            <a:r>
-              <a:rPr lang="en-CA"/>
-              <a:t>@davesabine</a:t>
-            </a:r>
+            <a:endParaRPr lang="en-CA" dirty="0"/>
           </a:p>
         </p:txBody>
       </p:sp>
@@ -18001,137 +17592,97 @@
 </file>
 
 <file path=ppt/theme/theme1.xml><?xml version="1.0" encoding="utf-8"?>
-<a:theme xmlns:a="http://schemas.openxmlformats.org/drawingml/2006/main" name="Forty">
+<a:theme xmlns:a="http://schemas.openxmlformats.org/drawingml/2006/main" name="Scrum.Works">
   <a:themeElements>
-    <a:clrScheme name="Forty">
+    <a:clrScheme name="Scrum.Works">
       <a:dk1>
-        <a:srgbClr val="1E1919"/>
+        <a:srgbClr val="212934"/>
       </a:dk1>
       <a:lt1>
         <a:sysClr val="window" lastClr="FFFFFF"/>
       </a:lt1>
       <a:dk2>
-        <a:srgbClr val="1E1919"/>
+        <a:srgbClr val="263B4F"/>
       </a:dk2>
       <a:lt2>
-        <a:srgbClr val="F8F8F8"/>
+        <a:srgbClr val="F2F2F2"/>
       </a:lt2>
       <a:accent1>
-        <a:srgbClr val="1E1E59"/>
+        <a:srgbClr val="3A7C9A"/>
       </a:accent1>
       <a:accent2>
-        <a:srgbClr val="EE3423"/>
+        <a:srgbClr val="CF4627"/>
       </a:accent2>
       <a:accent3>
-        <a:srgbClr val="939598"/>
+        <a:srgbClr val="7FA33F"/>
       </a:accent3>
       <a:accent4>
-        <a:srgbClr val="5E8C07"/>
+        <a:srgbClr val="097151"/>
       </a:accent4>
       <a:accent5>
-        <a:srgbClr val="EAB200"/>
+        <a:srgbClr val="31A1B9"/>
       </a:accent5>
       <a:accent6>
-        <a:srgbClr val="004C54"/>
+        <a:srgbClr val="65073A"/>
       </a:accent6>
       <a:hlink>
-        <a:srgbClr val="EE3423"/>
+        <a:srgbClr val="CF4627"/>
       </a:hlink>
       <a:folHlink>
-        <a:srgbClr val="EE3423"/>
+        <a:srgbClr val="E2907D"/>
       </a:folHlink>
     </a:clrScheme>
-    <a:fontScheme name="Forty">
+    <a:fontScheme name="Scrum.Works">
       <a:majorFont>
-        <a:latin typeface="Roboto"/>
+        <a:latin typeface="Lato Semibold"/>
         <a:ea typeface=""/>
         <a:cs typeface=""/>
       </a:majorFont>
       <a:minorFont>
-        <a:latin typeface="Roboto"/>
+        <a:latin typeface="Lato Light"/>
         <a:ea typeface=""/>
         <a:cs typeface=""/>
       </a:minorFont>
     </a:fontScheme>
-    <a:fmtScheme name="Office">
+    <a:fmtScheme name="Subtle Solids">
       <a:fillStyleLst>
         <a:solidFill>
           <a:schemeClr val="phClr"/>
         </a:solidFill>
-        <a:gradFill rotWithShape="1">
-          <a:gsLst>
-            <a:gs pos="0">
-              <a:schemeClr val="phClr">
-                <a:lumMod val="110000"/>
-                <a:satMod val="105000"/>
-                <a:tint val="67000"/>
-              </a:schemeClr>
-            </a:gs>
-            <a:gs pos="50000">
-              <a:schemeClr val="phClr">
-                <a:lumMod val="105000"/>
-                <a:satMod val="103000"/>
-                <a:tint val="73000"/>
-              </a:schemeClr>
-            </a:gs>
-            <a:gs pos="100000">
-              <a:schemeClr val="phClr">
-                <a:lumMod val="105000"/>
-                <a:satMod val="109000"/>
-                <a:tint val="81000"/>
-              </a:schemeClr>
-            </a:gs>
-          </a:gsLst>
-          <a:lin ang="5400000" scaled="0"/>
-        </a:gradFill>
-        <a:gradFill rotWithShape="1">
-          <a:gsLst>
-            <a:gs pos="0">
-              <a:schemeClr val="phClr">
-                <a:satMod val="103000"/>
-                <a:lumMod val="102000"/>
-                <a:tint val="94000"/>
-              </a:schemeClr>
-            </a:gs>
-            <a:gs pos="50000">
-              <a:schemeClr val="phClr">
-                <a:satMod val="110000"/>
-                <a:lumMod val="100000"/>
-                <a:shade val="100000"/>
-              </a:schemeClr>
-            </a:gs>
-            <a:gs pos="100000">
-              <a:schemeClr val="phClr">
-                <a:lumMod val="99000"/>
-                <a:satMod val="120000"/>
-                <a:shade val="78000"/>
-              </a:schemeClr>
-            </a:gs>
-          </a:gsLst>
-          <a:lin ang="5400000" scaled="0"/>
-        </a:gradFill>
+        <a:solidFill>
+          <a:schemeClr val="phClr">
+            <a:tint val="65000"/>
+          </a:schemeClr>
+        </a:solidFill>
+        <a:solidFill>
+          <a:schemeClr val="phClr">
+            <a:shade val="80000"/>
+            <a:satMod val="150000"/>
+          </a:schemeClr>
+        </a:solidFill>
       </a:fillStyleLst>
       <a:lnStyleLst>
-        <a:ln w="6350" cap="flat" cmpd="sng" algn="ctr">
+        <a:ln w="9525" cap="flat" cmpd="sng" algn="ctr">
           <a:solidFill>
             <a:schemeClr val="phClr"/>
           </a:solidFill>
           <a:prstDash val="solid"/>
-          <a:miter lim="800000"/>
         </a:ln>
-        <a:ln w="12700" cap="flat" cmpd="sng" algn="ctr">
+        <a:ln w="10795" cap="flat" cmpd="sng" algn="ctr">
           <a:solidFill>
             <a:schemeClr val="phClr"/>
           </a:solidFill>
           <a:prstDash val="solid"/>
-          <a:miter lim="800000"/>
         </a:ln>
-        <a:ln w="19050" cap="flat" cmpd="sng" algn="ctr">
+        <a:ln w="17145" cap="flat" cmpd="sng" algn="ctr">
           <a:solidFill>
-            <a:schemeClr val="phClr"/>
+            <a:schemeClr val="phClr">
+              <a:shade val="95000"/>
+              <a:alpha val="50000"/>
+              <a:satMod val="150000"/>
+            </a:schemeClr>
           </a:solidFill>
           <a:prstDash val="solid"/>
-          <a:miter lim="800000"/>
         </a:ln>
       </a:lnStyleLst>
       <a:effectStyleLst>
@@ -18143,12 +17694,21 @@
         </a:effectStyle>
         <a:effectStyle>
           <a:effectLst>
-            <a:outerShdw blurRad="57150" dist="19050" dir="5400000" algn="ctr" rotWithShape="0">
+            <a:outerShdw blurRad="44450" dist="13970" dir="5400000" algn="ctr" rotWithShape="0">
               <a:srgbClr val="000000">
-                <a:alpha val="63000"/>
+                <a:alpha val="45000"/>
               </a:srgbClr>
             </a:outerShdw>
           </a:effectLst>
+          <a:scene3d>
+            <a:camera prst="orthographicFront">
+              <a:rot lat="0" lon="0" rev="0"/>
+            </a:camera>
+            <a:lightRig rig="twoPt" dir="tl"/>
+          </a:scene3d>
+          <a:sp3d prstMaterial="flat">
+            <a:bevelT w="12700" h="25400" prst="coolSlant"/>
+          </a:sp3d>
         </a:effectStyle>
       </a:effectStyleLst>
       <a:bgFillStyleLst>

--- a/assets/The Art of Agile Documentation — Presentation — by David Sabine.pptx
+++ b/assets/The Art of Agile Documentation — Presentation — by David Sabine.pptx
@@ -5450,7 +5450,7 @@
           <a:p>
             <a:fld id="{95763BDF-D3ED-46B3-9ECF-8FA0F3E3C62A}" type="datetimeFigureOut">
               <a:rPr lang="en-CA" smtClean="0"/>
-              <a:t>2019-04-25</a:t>
+              <a:t>2019-05-16</a:t>
             </a:fld>
             <a:endParaRPr lang="en-CA"/>
           </a:p>
@@ -8562,7 +8562,7 @@
           <a:p>
             <a:fld id="{083325E5-58DE-48C6-9965-21250A006E51}" type="datetime1">
               <a:rPr lang="en-CA" smtClean="0"/>
-              <a:t>2019-04-25</a:t>
+              <a:t>2019-05-16</a:t>
             </a:fld>
             <a:endParaRPr lang="en-CA"/>
           </a:p>
@@ -8770,7 +8770,7 @@
           <a:p>
             <a:fld id="{3B973A88-4A99-4D63-B057-D63B46DF4DFC}" type="datetime1">
               <a:rPr lang="en-CA" smtClean="0"/>
-              <a:t>2019-04-25</a:t>
+              <a:t>2019-05-16</a:t>
             </a:fld>
             <a:endParaRPr lang="en-CA"/>
           </a:p>
@@ -8988,7 +8988,7 @@
           <a:p>
             <a:fld id="{92CF829B-A66E-4FF5-B87A-23FBCD4BFBFD}" type="datetime1">
               <a:rPr lang="en-CA" smtClean="0"/>
-              <a:t>2019-04-25</a:t>
+              <a:t>2019-05-16</a:t>
             </a:fld>
             <a:endParaRPr lang="en-CA"/>
           </a:p>
@@ -9406,7 +9406,7 @@
           <a:p>
             <a:fld id="{4E43E235-AD3C-46A9-B36E-7BD0B0B69656}" type="datetime1">
               <a:rPr lang="en-CA" smtClean="0"/>
-              <a:t>2019-04-25</a:t>
+              <a:t>2019-05-16</a:t>
             </a:fld>
             <a:endParaRPr lang="en-CA" dirty="0"/>
           </a:p>
@@ -9614,7 +9614,7 @@
           <a:p>
             <a:fld id="{5BA4A058-591E-4094-9828-1079517CB278}" type="datetime1">
               <a:rPr lang="en-CA" smtClean="0"/>
-              <a:t>2019-04-25</a:t>
+              <a:t>2019-05-16</a:t>
             </a:fld>
             <a:endParaRPr lang="en-CA"/>
           </a:p>
@@ -9898,7 +9898,7 @@
           <a:p>
             <a:fld id="{4D217126-1693-4CF8-8AD6-4E67FDEFEBD5}" type="datetime1">
               <a:rPr lang="en-CA" smtClean="0"/>
-              <a:t>2019-04-25</a:t>
+              <a:t>2019-05-16</a:t>
             </a:fld>
             <a:endParaRPr lang="en-CA"/>
           </a:p>
@@ -10174,7 +10174,7 @@
           <a:p>
             <a:fld id="{A6A4EBA7-C4B2-4D1A-832E-BB546FE63970}" type="datetime1">
               <a:rPr lang="en-CA" smtClean="0"/>
-              <a:t>2019-04-25</a:t>
+              <a:t>2019-05-16</a:t>
             </a:fld>
             <a:endParaRPr lang="en-CA"/>
           </a:p>
@@ -10597,7 +10597,7 @@
           <a:p>
             <a:fld id="{4E43E235-AD3C-46A9-B36E-7BD0B0B69656}" type="datetime1">
               <a:rPr lang="en-CA" smtClean="0"/>
-              <a:t>2019-04-25</a:t>
+              <a:t>2019-05-16</a:t>
             </a:fld>
             <a:endParaRPr lang="en-CA" dirty="0"/>
           </a:p>
@@ -10747,7 +10747,7 @@
           <a:p>
             <a:fld id="{5E27445B-9EA3-486F-857E-85BA17D82FCD}" type="datetime1">
               <a:rPr lang="en-CA" smtClean="0"/>
-              <a:t>2019-04-25</a:t>
+              <a:t>2019-05-16</a:t>
             </a:fld>
             <a:endParaRPr lang="en-CA"/>
           </a:p>
@@ -10868,7 +10868,7 @@
           <a:p>
             <a:fld id="{6BBBD15F-E905-474B-A04F-3638F0C11E43}" type="datetime1">
               <a:rPr lang="en-CA" smtClean="0"/>
-              <a:t>2019-04-25</a:t>
+              <a:t>2019-05-16</a:t>
             </a:fld>
             <a:endParaRPr lang="en-CA"/>
           </a:p>
@@ -11189,7 +11189,7 @@
           <a:p>
             <a:fld id="{2F0DC550-C99C-4D32-A69A-789A01E2D7D4}" type="datetime1">
               <a:rPr lang="en-CA" smtClean="0"/>
-              <a:t>2019-04-25</a:t>
+              <a:t>2019-05-16</a:t>
             </a:fld>
             <a:endParaRPr lang="en-CA" dirty="0"/>
           </a:p>
@@ -11490,7 +11490,7 @@
           <a:p>
             <a:fld id="{ABD80965-908C-4B11-A5FF-F6EF6B6466BF}" type="datetime1">
               <a:rPr lang="en-CA" smtClean="0"/>
-              <a:t>2019-04-25</a:t>
+              <a:t>2019-05-16</a:t>
             </a:fld>
             <a:endParaRPr lang="en-CA"/>
           </a:p>
@@ -11741,7 +11741,7 @@
           <a:p>
             <a:fld id="{2F0DC550-C99C-4D32-A69A-789A01E2D7D4}" type="datetime1">
               <a:rPr lang="en-CA" smtClean="0"/>
-              <a:t>2019-04-25</a:t>
+              <a:t>2019-05-16</a:t>
             </a:fld>
             <a:endParaRPr lang="en-CA"/>
           </a:p>
@@ -15316,10 +15316,22 @@
         </p:nvSpPr>
         <p:spPr/>
         <p:txBody>
-          <a:bodyPr/>
+          <a:bodyPr>
+            <a:noAutofit/>
+          </a:bodyPr>
           <a:lstStyle/>
           <a:p>
-            <a:endParaRPr lang="en-CA"/>
+            <a:r>
+              <a:rPr lang="en-CA" sz="4000" dirty="0"/>
+              <a:t>Get these documents at </a:t>
+            </a:r>
+            <a:r>
+              <a:rPr lang="en-CA" sz="6600" dirty="0">
+                <a:hlinkClick r:id="rId3"/>
+              </a:rPr>
+              <a:t>http://bit.ly/2qUPPAO</a:t>
+            </a:r>
+            <a:endParaRPr lang="en-CA" sz="4000" dirty="0"/>
           </a:p>
         </p:txBody>
       </p:sp>
@@ -15364,7 +15376,7 @@
                   <a:srgbClr val="0F79D0"/>
                 </a:solidFill>
                 <a:latin typeface="inherit"/>
-                <a:hlinkClick r:id="rId3"/>
+                <a:hlinkClick r:id="rId4"/>
               </a:rPr>
               <a:t>Creative Commons Attribution-</a:t>
             </a:r>
@@ -15374,7 +15386,7 @@
                   <a:srgbClr val="0F79D0"/>
                 </a:solidFill>
                 <a:latin typeface="inherit"/>
-                <a:hlinkClick r:id="rId3"/>
+                <a:hlinkClick r:id="rId4"/>
               </a:rPr>
               <a:t>ShareAlike</a:t>
             </a:r>
@@ -15384,7 +15396,7 @@
                   <a:srgbClr val="0F79D0"/>
                 </a:solidFill>
                 <a:latin typeface="inherit"/>
-                <a:hlinkClick r:id="rId3"/>
+                <a:hlinkClick r:id="rId4"/>
               </a:rPr>
               <a:t> 4.0 International License</a:t>
             </a:r>
@@ -15406,7 +15418,7 @@
       <p:pic>
         <p:nvPicPr>
           <p:cNvPr id="8" name="Picture 2" descr="Creative Commons License">
-            <a:hlinkClick r:id="rId3"/>
+            <a:hlinkClick r:id="rId4"/>
             <a:extLst>
               <a:ext uri="{FF2B5EF4-FFF2-40B4-BE49-F238E27FC236}">
                 <a16:creationId xmlns:a16="http://schemas.microsoft.com/office/drawing/2014/main" id="{21E563D7-3C53-4E85-B977-9B50256106EE}"/>
@@ -15419,7 +15431,7 @@
           <p:nvPr/>
         </p:nvPicPr>
         <p:blipFill>
-          <a:blip r:embed="rId4">
+          <a:blip r:embed="rId5">
             <a:extLst>
               <a:ext uri="{28A0092B-C50C-407E-A947-70E740481C1C}">
                 <a14:useLocalDpi xmlns:a14="http://schemas.microsoft.com/office/drawing/2010/main" val="0"/>

--- a/assets/The Art of Agile Documentation — Presentation — by David Sabine.pptx
+++ b/assets/The Art of Agile Documentation — Presentation — by David Sabine.pptx
@@ -5,30 +5,37 @@
     <p:sldMasterId id="2147483672" r:id="rId1"/>
   </p:sldMasterIdLst>
   <p:notesMasterIdLst>
-    <p:notesMasterId r:id="rId23"/>
+    <p:notesMasterId r:id="rId30"/>
   </p:notesMasterIdLst>
   <p:sldIdLst>
     <p:sldId id="256" r:id="rId2"/>
     <p:sldId id="278" r:id="rId3"/>
     <p:sldId id="257" r:id="rId4"/>
-    <p:sldId id="259" r:id="rId5"/>
-    <p:sldId id="260" r:id="rId6"/>
-    <p:sldId id="261" r:id="rId7"/>
-    <p:sldId id="262" r:id="rId8"/>
-    <p:sldId id="263" r:id="rId9"/>
-    <p:sldId id="264" r:id="rId10"/>
-    <p:sldId id="265" r:id="rId11"/>
-    <p:sldId id="266" r:id="rId12"/>
-    <p:sldId id="267" r:id="rId13"/>
-    <p:sldId id="268" r:id="rId14"/>
-    <p:sldId id="269" r:id="rId15"/>
-    <p:sldId id="270" r:id="rId16"/>
-    <p:sldId id="271" r:id="rId17"/>
-    <p:sldId id="272" r:id="rId18"/>
-    <p:sldId id="273" r:id="rId19"/>
-    <p:sldId id="274" r:id="rId20"/>
-    <p:sldId id="276" r:id="rId21"/>
-    <p:sldId id="277" r:id="rId22"/>
+    <p:sldId id="510" r:id="rId5"/>
+    <p:sldId id="511" r:id="rId6"/>
+    <p:sldId id="512" r:id="rId7"/>
+    <p:sldId id="513" r:id="rId8"/>
+    <p:sldId id="259" r:id="rId9"/>
+    <p:sldId id="514" r:id="rId10"/>
+    <p:sldId id="515" r:id="rId11"/>
+    <p:sldId id="260" r:id="rId12"/>
+    <p:sldId id="261" r:id="rId13"/>
+    <p:sldId id="262" r:id="rId14"/>
+    <p:sldId id="263" r:id="rId15"/>
+    <p:sldId id="264" r:id="rId16"/>
+    <p:sldId id="265" r:id="rId17"/>
+    <p:sldId id="266" r:id="rId18"/>
+    <p:sldId id="267" r:id="rId19"/>
+    <p:sldId id="268" r:id="rId20"/>
+    <p:sldId id="269" r:id="rId21"/>
+    <p:sldId id="270" r:id="rId22"/>
+    <p:sldId id="271" r:id="rId23"/>
+    <p:sldId id="272" r:id="rId24"/>
+    <p:sldId id="273" r:id="rId25"/>
+    <p:sldId id="274" r:id="rId26"/>
+    <p:sldId id="276" r:id="rId27"/>
+    <p:sldId id="516" r:id="rId28"/>
+    <p:sldId id="277" r:id="rId29"/>
   </p:sldIdLst>
   <p:sldSz cx="12192000" cy="6858000"/>
   <p:notesSz cx="6858000" cy="9144000"/>
@@ -139,7 +146,21 @@
         <p14:section name="Introduction-topic" id="{7F34FFB7-4758-45EE-8619-8990743BD4F4}">
           <p14:sldIdLst>
             <p14:sldId id="257"/>
+          </p14:sldIdLst>
+        </p14:section>
+        <p14:section name="The Problem" id="{0E71B9EA-2BFA-4C40-959E-AB4C92839CAB}">
+          <p14:sldIdLst>
+            <p14:sldId id="510"/>
+            <p14:sldId id="511"/>
+            <p14:sldId id="512"/>
+            <p14:sldId id="513"/>
+          </p14:sldIdLst>
+        </p14:section>
+        <p14:section name="This This Workshop" id="{0C7A73F2-E24F-40CD-A68B-36978301C22D}">
+          <p14:sldIdLst>
             <p14:sldId id="259"/>
+            <p14:sldId id="514"/>
+            <p14:sldId id="515"/>
           </p14:sldIdLst>
         </p14:section>
         <p14:section name="Body" id="{D281300E-1D7C-426F-9AF9-36588622176D}">
@@ -164,6 +185,7 @@
         </p14:section>
         <p14:section name="How-to-connect-with-me" id="{261A7B79-ED4C-434D-AEA7-BB8C852A9F76}">
           <p14:sldIdLst>
+            <p14:sldId id="516"/>
             <p14:sldId id="277"/>
           </p14:sldIdLst>
         </p14:section>
@@ -5450,7 +5472,7 @@
           <a:p>
             <a:fld id="{95763BDF-D3ED-46B3-9ECF-8FA0F3E3C62A}" type="datetimeFigureOut">
               <a:rPr lang="en-CA" smtClean="0"/>
-              <a:t>2019-05-16</a:t>
+              <a:t>2019-06-17</a:t>
             </a:fld>
             <a:endParaRPr lang="en-CA"/>
           </a:p>
@@ -5918,7 +5940,7 @@
           <a:p>
             <a:fld id="{05D6B476-8629-4860-BFF4-243941F98168}" type="slidenum">
               <a:rPr lang="en-CA" smtClean="0"/>
-              <a:t>10</a:t>
+              <a:t>16</a:t>
             </a:fld>
             <a:endParaRPr lang="en-CA"/>
           </a:p>
@@ -6047,7 +6069,7 @@
           <a:p>
             <a:fld id="{05D6B476-8629-4860-BFF4-243941F98168}" type="slidenum">
               <a:rPr lang="en-CA" smtClean="0"/>
-              <a:t>11</a:t>
+              <a:t>17</a:t>
             </a:fld>
             <a:endParaRPr lang="en-CA"/>
           </a:p>
@@ -6162,7 +6184,7 @@
           <a:p>
             <a:fld id="{05D6B476-8629-4860-BFF4-243941F98168}" type="slidenum">
               <a:rPr lang="en-CA" smtClean="0"/>
-              <a:t>12</a:t>
+              <a:t>18</a:t>
             </a:fld>
             <a:endParaRPr lang="en-CA"/>
           </a:p>
@@ -6277,7 +6299,7 @@
           <a:p>
             <a:fld id="{05D6B476-8629-4860-BFF4-243941F98168}" type="slidenum">
               <a:rPr lang="en-CA" smtClean="0"/>
-              <a:t>13</a:t>
+              <a:t>19</a:t>
             </a:fld>
             <a:endParaRPr lang="en-CA"/>
           </a:p>
@@ -6384,7 +6406,7 @@
           <a:p>
             <a:fld id="{05D6B476-8629-4860-BFF4-243941F98168}" type="slidenum">
               <a:rPr lang="en-CA" smtClean="0"/>
-              <a:t>14</a:t>
+              <a:t>20</a:t>
             </a:fld>
             <a:endParaRPr lang="en-CA"/>
           </a:p>
@@ -6491,7 +6513,7 @@
           <a:p>
             <a:fld id="{05D6B476-8629-4860-BFF4-243941F98168}" type="slidenum">
               <a:rPr lang="en-CA" smtClean="0"/>
-              <a:t>15</a:t>
+              <a:t>21</a:t>
             </a:fld>
             <a:endParaRPr lang="en-CA"/>
           </a:p>
@@ -6752,7 +6774,7 @@
           <a:p>
             <a:fld id="{05D6B476-8629-4860-BFF4-243941F98168}" type="slidenum">
               <a:rPr lang="en-CA" smtClean="0"/>
-              <a:t>16</a:t>
+              <a:t>22</a:t>
             </a:fld>
             <a:endParaRPr lang="en-CA"/>
           </a:p>
@@ -6994,7 +7016,7 @@
           <a:p>
             <a:fld id="{05D6B476-8629-4860-BFF4-243941F98168}" type="slidenum">
               <a:rPr lang="en-CA" smtClean="0"/>
-              <a:t>17</a:t>
+              <a:t>23</a:t>
             </a:fld>
             <a:endParaRPr lang="en-CA"/>
           </a:p>
@@ -7124,7 +7146,7 @@
           <a:p>
             <a:fld id="{05D6B476-8629-4860-BFF4-243941F98168}" type="slidenum">
               <a:rPr lang="en-CA" smtClean="0"/>
-              <a:t>18</a:t>
+              <a:t>24</a:t>
             </a:fld>
             <a:endParaRPr lang="en-CA"/>
           </a:p>
@@ -7211,7 +7233,7 @@
           <a:p>
             <a:fld id="{05D6B476-8629-4860-BFF4-243941F98168}" type="slidenum">
               <a:rPr lang="en-CA" smtClean="0"/>
-              <a:t>19</a:t>
+              <a:t>25</a:t>
             </a:fld>
             <a:endParaRPr lang="en-CA"/>
           </a:p>
@@ -7413,7 +7435,7 @@
           <a:p>
             <a:fld id="{05D6B476-8629-4860-BFF4-243941F98168}" type="slidenum">
               <a:rPr lang="en-CA" smtClean="0"/>
-              <a:t>20</a:t>
+              <a:t>26</a:t>
             </a:fld>
             <a:endParaRPr lang="en-CA"/>
           </a:p>
@@ -7500,7 +7522,7 @@
           <a:p>
             <a:fld id="{05D6B476-8629-4860-BFF4-243941F98168}" type="slidenum">
               <a:rPr lang="en-CA" smtClean="0"/>
-              <a:t>21</a:t>
+              <a:t>28</a:t>
             </a:fld>
             <a:endParaRPr lang="en-CA"/>
           </a:p>
@@ -7730,7 +7752,7 @@
           <a:p>
             <a:fld id="{05D6B476-8629-4860-BFF4-243941F98168}" type="slidenum">
               <a:rPr lang="en-CA" smtClean="0"/>
-              <a:t>4</a:t>
+              <a:t>8</a:t>
             </a:fld>
             <a:endParaRPr lang="en-CA"/>
           </a:p>
@@ -7949,7 +7971,7 @@
           <a:p>
             <a:fld id="{05D6B476-8629-4860-BFF4-243941F98168}" type="slidenum">
               <a:rPr lang="en-CA" smtClean="0"/>
-              <a:t>5</a:t>
+              <a:t>11</a:t>
             </a:fld>
             <a:endParaRPr lang="en-CA"/>
           </a:p>
@@ -8064,7 +8086,7 @@
           <a:p>
             <a:fld id="{05D6B476-8629-4860-BFF4-243941F98168}" type="slidenum">
               <a:rPr lang="en-CA" smtClean="0"/>
-              <a:t>6</a:t>
+              <a:t>12</a:t>
             </a:fld>
             <a:endParaRPr lang="en-CA"/>
           </a:p>
@@ -8176,7 +8198,7 @@
           <a:p>
             <a:fld id="{05D6B476-8629-4860-BFF4-243941F98168}" type="slidenum">
               <a:rPr lang="en-CA" smtClean="0"/>
-              <a:t>7</a:t>
+              <a:t>13</a:t>
             </a:fld>
             <a:endParaRPr lang="en-CA"/>
           </a:p>
@@ -8299,7 +8321,7 @@
           <a:p>
             <a:fld id="{05D6B476-8629-4860-BFF4-243941F98168}" type="slidenum">
               <a:rPr lang="en-CA" smtClean="0"/>
-              <a:t>8</a:t>
+              <a:t>14</a:t>
             </a:fld>
             <a:endParaRPr lang="en-CA"/>
           </a:p>
@@ -8394,7 +8416,7 @@
           <a:p>
             <a:fld id="{05D6B476-8629-4860-BFF4-243941F98168}" type="slidenum">
               <a:rPr lang="en-CA" smtClean="0"/>
-              <a:t>9</a:t>
+              <a:t>15</a:t>
             </a:fld>
             <a:endParaRPr lang="en-CA"/>
           </a:p>
@@ -8562,7 +8584,7 @@
           <a:p>
             <a:fld id="{083325E5-58DE-48C6-9965-21250A006E51}" type="datetime1">
               <a:rPr lang="en-CA" smtClean="0"/>
-              <a:t>2019-05-16</a:t>
+              <a:t>2019-06-17</a:t>
             </a:fld>
             <a:endParaRPr lang="en-CA"/>
           </a:p>
@@ -8770,7 +8792,7 @@
           <a:p>
             <a:fld id="{3B973A88-4A99-4D63-B057-D63B46DF4DFC}" type="datetime1">
               <a:rPr lang="en-CA" smtClean="0"/>
-              <a:t>2019-05-16</a:t>
+              <a:t>2019-06-17</a:t>
             </a:fld>
             <a:endParaRPr lang="en-CA"/>
           </a:p>
@@ -8988,7 +9010,7 @@
           <a:p>
             <a:fld id="{92CF829B-A66E-4FF5-B87A-23FBCD4BFBFD}" type="datetime1">
               <a:rPr lang="en-CA" smtClean="0"/>
-              <a:t>2019-05-16</a:t>
+              <a:t>2019-06-17</a:t>
             </a:fld>
             <a:endParaRPr lang="en-CA"/>
           </a:p>
@@ -9406,7 +9428,7 @@
           <a:p>
             <a:fld id="{4E43E235-AD3C-46A9-B36E-7BD0B0B69656}" type="datetime1">
               <a:rPr lang="en-CA" smtClean="0"/>
-              <a:t>2019-05-16</a:t>
+              <a:t>2019-06-17</a:t>
             </a:fld>
             <a:endParaRPr lang="en-CA" dirty="0"/>
           </a:p>
@@ -9614,7 +9636,7 @@
           <a:p>
             <a:fld id="{5BA4A058-591E-4094-9828-1079517CB278}" type="datetime1">
               <a:rPr lang="en-CA" smtClean="0"/>
-              <a:t>2019-05-16</a:t>
+              <a:t>2019-06-17</a:t>
             </a:fld>
             <a:endParaRPr lang="en-CA"/>
           </a:p>
@@ -9898,7 +9920,7 @@
           <a:p>
             <a:fld id="{4D217126-1693-4CF8-8AD6-4E67FDEFEBD5}" type="datetime1">
               <a:rPr lang="en-CA" smtClean="0"/>
-              <a:t>2019-05-16</a:t>
+              <a:t>2019-06-17</a:t>
             </a:fld>
             <a:endParaRPr lang="en-CA"/>
           </a:p>
@@ -10174,7 +10196,7 @@
           <a:p>
             <a:fld id="{A6A4EBA7-C4B2-4D1A-832E-BB546FE63970}" type="datetime1">
               <a:rPr lang="en-CA" smtClean="0"/>
-              <a:t>2019-05-16</a:t>
+              <a:t>2019-06-17</a:t>
             </a:fld>
             <a:endParaRPr lang="en-CA"/>
           </a:p>
@@ -10597,7 +10619,7 @@
           <a:p>
             <a:fld id="{4E43E235-AD3C-46A9-B36E-7BD0B0B69656}" type="datetime1">
               <a:rPr lang="en-CA" smtClean="0"/>
-              <a:t>2019-05-16</a:t>
+              <a:t>2019-06-17</a:t>
             </a:fld>
             <a:endParaRPr lang="en-CA" dirty="0"/>
           </a:p>
@@ -10747,7 +10769,7 @@
           <a:p>
             <a:fld id="{5E27445B-9EA3-486F-857E-85BA17D82FCD}" type="datetime1">
               <a:rPr lang="en-CA" smtClean="0"/>
-              <a:t>2019-05-16</a:t>
+              <a:t>2019-06-17</a:t>
             </a:fld>
             <a:endParaRPr lang="en-CA"/>
           </a:p>
@@ -10868,7 +10890,7 @@
           <a:p>
             <a:fld id="{6BBBD15F-E905-474B-A04F-3638F0C11E43}" type="datetime1">
               <a:rPr lang="en-CA" smtClean="0"/>
-              <a:t>2019-05-16</a:t>
+              <a:t>2019-06-17</a:t>
             </a:fld>
             <a:endParaRPr lang="en-CA"/>
           </a:p>
@@ -11189,7 +11211,7 @@
           <a:p>
             <a:fld id="{2F0DC550-C99C-4D32-A69A-789A01E2D7D4}" type="datetime1">
               <a:rPr lang="en-CA" smtClean="0"/>
-              <a:t>2019-05-16</a:t>
+              <a:t>2019-06-17</a:t>
             </a:fld>
             <a:endParaRPr lang="en-CA" dirty="0"/>
           </a:p>
@@ -11490,7 +11512,7 @@
           <a:p>
             <a:fld id="{ABD80965-908C-4B11-A5FF-F6EF6B6466BF}" type="datetime1">
               <a:rPr lang="en-CA" smtClean="0"/>
-              <a:t>2019-05-16</a:t>
+              <a:t>2019-06-17</a:t>
             </a:fld>
             <a:endParaRPr lang="en-CA"/>
           </a:p>
@@ -11741,7 +11763,7 @@
           <a:p>
             <a:fld id="{2F0DC550-C99C-4D32-A69A-789A01E2D7D4}" type="datetime1">
               <a:rPr lang="en-CA" smtClean="0"/>
-              <a:t>2019-05-16</a:t>
+              <a:t>2019-06-17</a:t>
             </a:fld>
             <a:endParaRPr lang="en-CA"/>
           </a:p>
@@ -12385,6 +12407,1547 @@
       </p:grpSpPr>
       <p:sp>
         <p:nvSpPr>
+          <p:cNvPr id="2" name="Title 1">
+            <a:extLst>
+              <a:ext uri="{FF2B5EF4-FFF2-40B4-BE49-F238E27FC236}">
+                <a16:creationId xmlns:a16="http://schemas.microsoft.com/office/drawing/2014/main" id="{874AB12E-79CA-406F-902F-DFB574AEEA85}"/>
+              </a:ext>
+            </a:extLst>
+          </p:cNvPr>
+          <p:cNvSpPr>
+            <a:spLocks noGrp="1"/>
+          </p:cNvSpPr>
+          <p:nvPr>
+            <p:ph type="title"/>
+          </p:nvPr>
+        </p:nvSpPr>
+        <p:spPr/>
+        <p:txBody>
+          <a:bodyPr/>
+          <a:lstStyle/>
+          <a:p>
+            <a:r>
+              <a:rPr lang="en-CA" dirty="0"/>
+              <a:t>a.k.a.</a:t>
+            </a:r>
+          </a:p>
+        </p:txBody>
+      </p:sp>
+      <p:sp>
+        <p:nvSpPr>
+          <p:cNvPr id="3" name="Text Placeholder 2">
+            <a:extLst>
+              <a:ext uri="{FF2B5EF4-FFF2-40B4-BE49-F238E27FC236}">
+                <a16:creationId xmlns:a16="http://schemas.microsoft.com/office/drawing/2014/main" id="{FF91B8F9-7E2C-44F8-9467-9A96741BDCFF}"/>
+              </a:ext>
+            </a:extLst>
+          </p:cNvPr>
+          <p:cNvSpPr>
+            <a:spLocks noGrp="1"/>
+          </p:cNvSpPr>
+          <p:nvPr>
+            <p:ph type="body" idx="1"/>
+          </p:nvPr>
+        </p:nvSpPr>
+        <p:spPr/>
+        <p:txBody>
+          <a:bodyPr/>
+          <a:lstStyle/>
+          <a:p>
+            <a:r>
+              <a:rPr lang="en-CA" dirty="0"/>
+              <a:t>“Keep Managers Out of the Weeds”</a:t>
+            </a:r>
+          </a:p>
+        </p:txBody>
+      </p:sp>
+      <p:sp>
+        <p:nvSpPr>
+          <p:cNvPr id="4" name="Footer Placeholder 3">
+            <a:extLst>
+              <a:ext uri="{FF2B5EF4-FFF2-40B4-BE49-F238E27FC236}">
+                <a16:creationId xmlns:a16="http://schemas.microsoft.com/office/drawing/2014/main" id="{5630B2F1-73B0-4C92-B7BE-0729AB65C3A6}"/>
+              </a:ext>
+            </a:extLst>
+          </p:cNvPr>
+          <p:cNvSpPr>
+            <a:spLocks noGrp="1"/>
+          </p:cNvSpPr>
+          <p:nvPr>
+            <p:ph type="ftr" sz="quarter" idx="11"/>
+          </p:nvPr>
+        </p:nvSpPr>
+        <p:spPr/>
+        <p:txBody>
+          <a:bodyPr/>
+          <a:lstStyle/>
+          <a:p>
+            <a:endParaRPr lang="en-CA" dirty="0"/>
+          </a:p>
+        </p:txBody>
+      </p:sp>
+    </p:spTree>
+    <p:extLst>
+      <p:ext uri="{BB962C8B-B14F-4D97-AF65-F5344CB8AC3E}">
+        <p14:creationId xmlns:p14="http://schemas.microsoft.com/office/powerpoint/2010/main" val="1403537687"/>
+      </p:ext>
+    </p:extLst>
+  </p:cSld>
+  <p:clrMapOvr>
+    <a:masterClrMapping/>
+  </p:clrMapOvr>
+</p:sld>
+</file>
+
+<file path=ppt/slides/slide11.xml><?xml version="1.0" encoding="utf-8"?>
+<p:sld xmlns:a="http://schemas.openxmlformats.org/drawingml/2006/main" xmlns:r="http://schemas.openxmlformats.org/officeDocument/2006/relationships" xmlns:p="http://schemas.openxmlformats.org/presentationml/2006/main">
+  <p:cSld>
+    <p:spTree>
+      <p:nvGrpSpPr>
+        <p:cNvPr id="1" name=""/>
+        <p:cNvGrpSpPr/>
+        <p:nvPr/>
+      </p:nvGrpSpPr>
+      <p:grpSpPr>
+        <a:xfrm>
+          <a:off x="0" y="0"/>
+          <a:ext cx="0" cy="0"/>
+          <a:chOff x="0" y="0"/>
+          <a:chExt cx="0" cy="0"/>
+        </a:xfrm>
+      </p:grpSpPr>
+      <p:sp>
+        <p:nvSpPr>
+          <p:cNvPr id="2" name="Title 1">
+            <a:extLst>
+              <a:ext uri="{FF2B5EF4-FFF2-40B4-BE49-F238E27FC236}">
+                <a16:creationId xmlns:a16="http://schemas.microsoft.com/office/drawing/2014/main" id="{34BB8220-120C-4BB4-B03D-FBBB0FB21A1F}"/>
+              </a:ext>
+            </a:extLst>
+          </p:cNvPr>
+          <p:cNvSpPr>
+            <a:spLocks noGrp="1"/>
+          </p:cNvSpPr>
+          <p:nvPr>
+            <p:ph type="title"/>
+          </p:nvPr>
+        </p:nvSpPr>
+        <p:spPr/>
+        <p:txBody>
+          <a:bodyPr/>
+          <a:lstStyle/>
+          <a:p>
+            <a:r>
+              <a:rPr lang="en-CA" dirty="0"/>
+              <a:t>1.</a:t>
+            </a:r>
+          </a:p>
+        </p:txBody>
+      </p:sp>
+      <p:pic>
+        <p:nvPicPr>
+          <p:cNvPr id="9" name="Content Placeholder 8">
+            <a:extLst>
+              <a:ext uri="{FF2B5EF4-FFF2-40B4-BE49-F238E27FC236}">
+                <a16:creationId xmlns:a16="http://schemas.microsoft.com/office/drawing/2014/main" id="{CB43A2A5-FB2F-4EE8-832F-2BEBC64858EA}"/>
+              </a:ext>
+            </a:extLst>
+          </p:cNvPr>
+          <p:cNvPicPr>
+            <a:picLocks noGrp="1" noChangeAspect="1"/>
+          </p:cNvPicPr>
+          <p:nvPr>
+            <p:ph idx="1"/>
+          </p:nvPr>
+        </p:nvPicPr>
+        <p:blipFill>
+          <a:blip r:embed="rId3">
+            <a:extLst>
+              <a:ext uri="{28A0092B-C50C-407E-A947-70E740481C1C}">
+                <a14:useLocalDpi xmlns:a14="http://schemas.microsoft.com/office/drawing/2010/main" val="0"/>
+              </a:ext>
+            </a:extLst>
+          </a:blip>
+          <a:stretch>
+            <a:fillRect/>
+          </a:stretch>
+        </p:blipFill>
+        <p:spPr>
+          <a:xfrm>
+            <a:off x="5215711" y="1141466"/>
+            <a:ext cx="6107154" cy="4565542"/>
+          </a:xfrm>
+        </p:spPr>
+      </p:pic>
+      <p:sp>
+        <p:nvSpPr>
+          <p:cNvPr id="4" name="Text Placeholder 3">
+            <a:extLst>
+              <a:ext uri="{FF2B5EF4-FFF2-40B4-BE49-F238E27FC236}">
+                <a16:creationId xmlns:a16="http://schemas.microsoft.com/office/drawing/2014/main" id="{846BFD0B-CECF-4387-9876-66581D15C83B}"/>
+              </a:ext>
+            </a:extLst>
+          </p:cNvPr>
+          <p:cNvSpPr>
+            <a:spLocks noGrp="1"/>
+          </p:cNvSpPr>
+          <p:nvPr>
+            <p:ph type="body" sz="half" idx="2"/>
+          </p:nvPr>
+        </p:nvSpPr>
+        <p:spPr/>
+        <p:txBody>
+          <a:bodyPr/>
+          <a:lstStyle/>
+          <a:p>
+            <a:r>
+              <a:rPr lang="en-CA" dirty="0"/>
+              <a:t>DOCUMENTS, DOCUMENTS, DOCUMENTS.</a:t>
+            </a:r>
+          </a:p>
+          <a:p>
+            <a:endParaRPr lang="en-CA" dirty="0"/>
+          </a:p>
+          <a:p>
+            <a:r>
+              <a:rPr lang="en-CA" dirty="0"/>
+              <a:t>{~5 minutes}</a:t>
+            </a:r>
+          </a:p>
+        </p:txBody>
+      </p:sp>
+      <p:sp>
+        <p:nvSpPr>
+          <p:cNvPr id="6" name="Rectangle: Folded Corner 5">
+            <a:extLst>
+              <a:ext uri="{FF2B5EF4-FFF2-40B4-BE49-F238E27FC236}">
+                <a16:creationId xmlns:a16="http://schemas.microsoft.com/office/drawing/2014/main" id="{FC0AB866-B3D5-44FE-9B7D-D35E73363B1B}"/>
+              </a:ext>
+            </a:extLst>
+          </p:cNvPr>
+          <p:cNvSpPr/>
+          <p:nvPr/>
+        </p:nvSpPr>
+        <p:spPr>
+          <a:xfrm rot="21215538">
+            <a:off x="6882192" y="2903695"/>
+            <a:ext cx="1247690" cy="1050609"/>
+          </a:xfrm>
+          <a:prstGeom prst="foldedCorner">
+            <a:avLst/>
+          </a:prstGeom>
+          <a:solidFill>
+            <a:schemeClr val="accent3">
+              <a:lumMod val="40000"/>
+              <a:lumOff val="60000"/>
+            </a:schemeClr>
+          </a:solidFill>
+          <a:effectLst>
+            <a:outerShdw blurRad="50800" dist="38100" dir="2700000" algn="tl" rotWithShape="0">
+              <a:prstClr val="black">
+                <a:alpha val="40000"/>
+              </a:prstClr>
+            </a:outerShdw>
+          </a:effectLst>
+        </p:spPr>
+        <p:style>
+          <a:lnRef idx="3">
+            <a:schemeClr val="lt1"/>
+          </a:lnRef>
+          <a:fillRef idx="1">
+            <a:schemeClr val="accent4"/>
+          </a:fillRef>
+          <a:effectRef idx="1">
+            <a:schemeClr val="accent4"/>
+          </a:effectRef>
+          <a:fontRef idx="minor">
+            <a:schemeClr val="lt1"/>
+          </a:fontRef>
+        </p:style>
+        <p:txBody>
+          <a:bodyPr rot="0" spcFirstLastPara="0" vert="horz" wrap="square" lIns="91440" tIns="45720" rIns="91440" bIns="45720" numCol="1" spcCol="0" rtlCol="0" fromWordArt="0" anchor="b" anchorCtr="0" forceAA="0" compatLnSpc="1">
+            <a:prstTxWarp prst="textNoShape">
+              <a:avLst/>
+            </a:prstTxWarp>
+            <a:noAutofit/>
+          </a:bodyPr>
+          <a:lstStyle/>
+          <a:p>
+            <a:pPr algn="ctr">
+              <a:lnSpc>
+                <a:spcPct val="145000"/>
+              </a:lnSpc>
+              <a:spcAft>
+                <a:spcPts val="800"/>
+              </a:spcAft>
+            </a:pPr>
+            <a:r>
+              <a:rPr lang="en-CA" sz="1200" b="1" dirty="0">
+                <a:solidFill>
+                  <a:srgbClr val="1E1919"/>
+                </a:solidFill>
+                <a:effectLst/>
+                <a:latin typeface="MV Boli" panose="02000500030200090000" pitchFamily="2" charset="0"/>
+                <a:ea typeface="Roboto" panose="02000000000000000000" pitchFamily="2" charset="0"/>
+                <a:cs typeface="Times New Roman" panose="02020603050405020304" pitchFamily="18" charset="0"/>
+              </a:rPr>
+              <a:t>SCREEN COMPOSITE</a:t>
+            </a:r>
+            <a:endParaRPr lang="en-CA" sz="1200" dirty="0">
+              <a:effectLst/>
+              <a:ea typeface="Roboto" panose="02000000000000000000" pitchFamily="2" charset="0"/>
+              <a:cs typeface="Times New Roman" panose="02020603050405020304" pitchFamily="18" charset="0"/>
+            </a:endParaRPr>
+          </a:p>
+        </p:txBody>
+      </p:sp>
+      <p:sp>
+        <p:nvSpPr>
+          <p:cNvPr id="7" name="Rectangle: Folded Corner 6">
+            <a:extLst>
+              <a:ext uri="{FF2B5EF4-FFF2-40B4-BE49-F238E27FC236}">
+                <a16:creationId xmlns:a16="http://schemas.microsoft.com/office/drawing/2014/main" id="{26755593-1D0C-42E9-A83D-3CD8235217BA}"/>
+              </a:ext>
+            </a:extLst>
+          </p:cNvPr>
+          <p:cNvSpPr/>
+          <p:nvPr/>
+        </p:nvSpPr>
+        <p:spPr>
+          <a:xfrm rot="520822">
+            <a:off x="7578172" y="2064067"/>
+            <a:ext cx="1247690" cy="1050609"/>
+          </a:xfrm>
+          <a:prstGeom prst="foldedCorner">
+            <a:avLst/>
+          </a:prstGeom>
+          <a:solidFill>
+            <a:schemeClr val="accent3">
+              <a:lumMod val="40000"/>
+              <a:lumOff val="60000"/>
+            </a:schemeClr>
+          </a:solidFill>
+          <a:effectLst>
+            <a:outerShdw blurRad="50800" dist="38100" dir="2700000" algn="tl" rotWithShape="0">
+              <a:prstClr val="black">
+                <a:alpha val="40000"/>
+              </a:prstClr>
+            </a:outerShdw>
+          </a:effectLst>
+        </p:spPr>
+        <p:style>
+          <a:lnRef idx="3">
+            <a:schemeClr val="lt1"/>
+          </a:lnRef>
+          <a:fillRef idx="1">
+            <a:schemeClr val="accent4"/>
+          </a:fillRef>
+          <a:effectRef idx="1">
+            <a:schemeClr val="accent4"/>
+          </a:effectRef>
+          <a:fontRef idx="minor">
+            <a:schemeClr val="lt1"/>
+          </a:fontRef>
+        </p:style>
+        <p:txBody>
+          <a:bodyPr rot="0" spcFirstLastPara="0" vert="horz" wrap="square" lIns="91440" tIns="45720" rIns="91440" bIns="45720" numCol="1" spcCol="0" rtlCol="0" fromWordArt="0" anchor="b" anchorCtr="0" forceAA="0" compatLnSpc="1">
+            <a:prstTxWarp prst="textNoShape">
+              <a:avLst/>
+            </a:prstTxWarp>
+            <a:noAutofit/>
+          </a:bodyPr>
+          <a:lstStyle/>
+          <a:p>
+            <a:pPr algn="ctr">
+              <a:lnSpc>
+                <a:spcPct val="145000"/>
+              </a:lnSpc>
+              <a:spcAft>
+                <a:spcPts val="800"/>
+              </a:spcAft>
+            </a:pPr>
+            <a:r>
+              <a:rPr lang="en-CA" sz="1400" b="1" dirty="0">
+                <a:solidFill>
+                  <a:srgbClr val="1E1919"/>
+                </a:solidFill>
+                <a:effectLst/>
+                <a:latin typeface="MV Boli" panose="02000500030200090000" pitchFamily="2" charset="0"/>
+                <a:ea typeface="Roboto" panose="02000000000000000000" pitchFamily="2" charset="0"/>
+                <a:cs typeface="Times New Roman" panose="02020603050405020304" pitchFamily="18" charset="0"/>
+              </a:rPr>
+              <a:t>USER STORY</a:t>
+            </a:r>
+            <a:endParaRPr lang="en-CA" sz="1400" dirty="0">
+              <a:effectLst/>
+              <a:ea typeface="Roboto" panose="02000000000000000000" pitchFamily="2" charset="0"/>
+              <a:cs typeface="Times New Roman" panose="02020603050405020304" pitchFamily="18" charset="0"/>
+            </a:endParaRPr>
+          </a:p>
+        </p:txBody>
+      </p:sp>
+      <p:sp>
+        <p:nvSpPr>
+          <p:cNvPr id="12" name="Rectangle: Folded Corner 11">
+            <a:extLst>
+              <a:ext uri="{FF2B5EF4-FFF2-40B4-BE49-F238E27FC236}">
+                <a16:creationId xmlns:a16="http://schemas.microsoft.com/office/drawing/2014/main" id="{A956DC11-3B28-45B6-964C-B20B42D2125E}"/>
+              </a:ext>
+            </a:extLst>
+          </p:cNvPr>
+          <p:cNvSpPr/>
+          <p:nvPr/>
+        </p:nvSpPr>
+        <p:spPr>
+          <a:xfrm rot="21215538">
+            <a:off x="9013333" y="4022741"/>
+            <a:ext cx="403174" cy="387778"/>
+          </a:xfrm>
+          <a:prstGeom prst="foldedCorner">
+            <a:avLst/>
+          </a:prstGeom>
+          <a:solidFill>
+            <a:schemeClr val="accent3">
+              <a:lumMod val="40000"/>
+              <a:lumOff val="60000"/>
+            </a:schemeClr>
+          </a:solidFill>
+          <a:effectLst>
+            <a:outerShdw blurRad="50800" dist="38100" dir="2700000" algn="tl" rotWithShape="0">
+              <a:prstClr val="black">
+                <a:alpha val="40000"/>
+              </a:prstClr>
+            </a:outerShdw>
+          </a:effectLst>
+        </p:spPr>
+        <p:style>
+          <a:lnRef idx="3">
+            <a:schemeClr val="lt1"/>
+          </a:lnRef>
+          <a:fillRef idx="1">
+            <a:schemeClr val="accent4"/>
+          </a:fillRef>
+          <a:effectRef idx="1">
+            <a:schemeClr val="accent4"/>
+          </a:effectRef>
+          <a:fontRef idx="minor">
+            <a:schemeClr val="lt1"/>
+          </a:fontRef>
+        </p:style>
+        <p:txBody>
+          <a:bodyPr rot="0" spcFirstLastPara="0" vert="horz" wrap="square" lIns="91440" tIns="45720" rIns="91440" bIns="45720" numCol="1" spcCol="0" rtlCol="0" fromWordArt="0" anchor="b" anchorCtr="0" forceAA="0" compatLnSpc="1">
+            <a:prstTxWarp prst="textNoShape">
+              <a:avLst/>
+            </a:prstTxWarp>
+            <a:noAutofit/>
+          </a:bodyPr>
+          <a:lstStyle/>
+          <a:p>
+            <a:pPr algn="ctr">
+              <a:lnSpc>
+                <a:spcPct val="145000"/>
+              </a:lnSpc>
+              <a:spcAft>
+                <a:spcPts val="800"/>
+              </a:spcAft>
+            </a:pPr>
+            <a:endParaRPr lang="en-CA" sz="1200" dirty="0">
+              <a:effectLst/>
+              <a:ea typeface="Roboto" panose="02000000000000000000" pitchFamily="2" charset="0"/>
+              <a:cs typeface="Times New Roman" panose="02020603050405020304" pitchFamily="18" charset="0"/>
+            </a:endParaRPr>
+          </a:p>
+        </p:txBody>
+      </p:sp>
+      <p:sp>
+        <p:nvSpPr>
+          <p:cNvPr id="13" name="Rectangle: Folded Corner 12">
+            <a:extLst>
+              <a:ext uri="{FF2B5EF4-FFF2-40B4-BE49-F238E27FC236}">
+                <a16:creationId xmlns:a16="http://schemas.microsoft.com/office/drawing/2014/main" id="{6D3D7B7C-568C-4A5A-8669-B99DE04B507C}"/>
+              </a:ext>
+            </a:extLst>
+          </p:cNvPr>
+          <p:cNvSpPr/>
+          <p:nvPr/>
+        </p:nvSpPr>
+        <p:spPr>
+          <a:xfrm rot="520822">
+            <a:off x="9624507" y="3070534"/>
+            <a:ext cx="403174" cy="387778"/>
+          </a:xfrm>
+          <a:prstGeom prst="foldedCorner">
+            <a:avLst/>
+          </a:prstGeom>
+          <a:solidFill>
+            <a:schemeClr val="accent3">
+              <a:lumMod val="40000"/>
+              <a:lumOff val="60000"/>
+            </a:schemeClr>
+          </a:solidFill>
+          <a:effectLst>
+            <a:outerShdw blurRad="50800" dist="38100" dir="2700000" algn="tl" rotWithShape="0">
+              <a:prstClr val="black">
+                <a:alpha val="40000"/>
+              </a:prstClr>
+            </a:outerShdw>
+          </a:effectLst>
+        </p:spPr>
+        <p:style>
+          <a:lnRef idx="3">
+            <a:schemeClr val="lt1"/>
+          </a:lnRef>
+          <a:fillRef idx="1">
+            <a:schemeClr val="accent4"/>
+          </a:fillRef>
+          <a:effectRef idx="1">
+            <a:schemeClr val="accent4"/>
+          </a:effectRef>
+          <a:fontRef idx="minor">
+            <a:schemeClr val="lt1"/>
+          </a:fontRef>
+        </p:style>
+        <p:txBody>
+          <a:bodyPr rot="0" spcFirstLastPara="0" vert="horz" wrap="square" lIns="91440" tIns="45720" rIns="91440" bIns="45720" numCol="1" spcCol="0" rtlCol="0" fromWordArt="0" anchor="b" anchorCtr="0" forceAA="0" compatLnSpc="1">
+            <a:prstTxWarp prst="textNoShape">
+              <a:avLst/>
+            </a:prstTxWarp>
+            <a:noAutofit/>
+          </a:bodyPr>
+          <a:lstStyle/>
+          <a:p>
+            <a:pPr algn="ctr">
+              <a:lnSpc>
+                <a:spcPct val="145000"/>
+              </a:lnSpc>
+              <a:spcAft>
+                <a:spcPts val="800"/>
+              </a:spcAft>
+            </a:pPr>
+            <a:endParaRPr lang="en-CA" sz="1400" dirty="0">
+              <a:effectLst/>
+              <a:ea typeface="Roboto" panose="02000000000000000000" pitchFamily="2" charset="0"/>
+              <a:cs typeface="Times New Roman" panose="02020603050405020304" pitchFamily="18" charset="0"/>
+            </a:endParaRPr>
+          </a:p>
+        </p:txBody>
+      </p:sp>
+      <p:sp>
+        <p:nvSpPr>
+          <p:cNvPr id="14" name="Rectangle: Folded Corner 13">
+            <a:extLst>
+              <a:ext uri="{FF2B5EF4-FFF2-40B4-BE49-F238E27FC236}">
+                <a16:creationId xmlns:a16="http://schemas.microsoft.com/office/drawing/2014/main" id="{8029B3CF-B545-4720-A3CA-4F3A1879E245}"/>
+              </a:ext>
+            </a:extLst>
+          </p:cNvPr>
+          <p:cNvSpPr/>
+          <p:nvPr/>
+        </p:nvSpPr>
+        <p:spPr>
+          <a:xfrm rot="19801297">
+            <a:off x="7874206" y="4634545"/>
+            <a:ext cx="403174" cy="387778"/>
+          </a:xfrm>
+          <a:prstGeom prst="foldedCorner">
+            <a:avLst/>
+          </a:prstGeom>
+          <a:solidFill>
+            <a:schemeClr val="accent3">
+              <a:lumMod val="40000"/>
+              <a:lumOff val="60000"/>
+            </a:schemeClr>
+          </a:solidFill>
+          <a:effectLst>
+            <a:outerShdw blurRad="50800" dist="38100" dir="2700000" algn="tl" rotWithShape="0">
+              <a:prstClr val="black">
+                <a:alpha val="40000"/>
+              </a:prstClr>
+            </a:outerShdw>
+          </a:effectLst>
+        </p:spPr>
+        <p:style>
+          <a:lnRef idx="3">
+            <a:schemeClr val="lt1"/>
+          </a:lnRef>
+          <a:fillRef idx="1">
+            <a:schemeClr val="accent4"/>
+          </a:fillRef>
+          <a:effectRef idx="1">
+            <a:schemeClr val="accent4"/>
+          </a:effectRef>
+          <a:fontRef idx="minor">
+            <a:schemeClr val="lt1"/>
+          </a:fontRef>
+        </p:style>
+        <p:txBody>
+          <a:bodyPr rot="0" spcFirstLastPara="0" vert="horz" wrap="square" lIns="91440" tIns="45720" rIns="91440" bIns="45720" numCol="1" spcCol="0" rtlCol="0" fromWordArt="0" anchor="b" anchorCtr="0" forceAA="0" compatLnSpc="1">
+            <a:prstTxWarp prst="textNoShape">
+              <a:avLst/>
+            </a:prstTxWarp>
+            <a:noAutofit/>
+          </a:bodyPr>
+          <a:lstStyle/>
+          <a:p>
+            <a:pPr algn="ctr">
+              <a:lnSpc>
+                <a:spcPct val="145000"/>
+              </a:lnSpc>
+              <a:spcAft>
+                <a:spcPts val="800"/>
+              </a:spcAft>
+            </a:pPr>
+            <a:endParaRPr lang="en-CA" sz="1200" dirty="0">
+              <a:effectLst/>
+              <a:ea typeface="Roboto" panose="02000000000000000000" pitchFamily="2" charset="0"/>
+              <a:cs typeface="Times New Roman" panose="02020603050405020304" pitchFamily="18" charset="0"/>
+            </a:endParaRPr>
+          </a:p>
+        </p:txBody>
+      </p:sp>
+      <p:sp>
+        <p:nvSpPr>
+          <p:cNvPr id="15" name="Rectangle: Folded Corner 14">
+            <a:extLst>
+              <a:ext uri="{FF2B5EF4-FFF2-40B4-BE49-F238E27FC236}">
+                <a16:creationId xmlns:a16="http://schemas.microsoft.com/office/drawing/2014/main" id="{6BF545F9-B08B-40A8-82FB-6B3A677DEA30}"/>
+              </a:ext>
+            </a:extLst>
+          </p:cNvPr>
+          <p:cNvSpPr/>
+          <p:nvPr/>
+        </p:nvSpPr>
+        <p:spPr>
+          <a:xfrm rot="20706581">
+            <a:off x="8485380" y="3682338"/>
+            <a:ext cx="403174" cy="387778"/>
+          </a:xfrm>
+          <a:prstGeom prst="foldedCorner">
+            <a:avLst/>
+          </a:prstGeom>
+          <a:solidFill>
+            <a:schemeClr val="accent3">
+              <a:lumMod val="40000"/>
+              <a:lumOff val="60000"/>
+            </a:schemeClr>
+          </a:solidFill>
+          <a:effectLst>
+            <a:outerShdw blurRad="50800" dist="38100" dir="2700000" algn="tl" rotWithShape="0">
+              <a:prstClr val="black">
+                <a:alpha val="40000"/>
+              </a:prstClr>
+            </a:outerShdw>
+          </a:effectLst>
+        </p:spPr>
+        <p:style>
+          <a:lnRef idx="3">
+            <a:schemeClr val="lt1"/>
+          </a:lnRef>
+          <a:fillRef idx="1">
+            <a:schemeClr val="accent4"/>
+          </a:fillRef>
+          <a:effectRef idx="1">
+            <a:schemeClr val="accent4"/>
+          </a:effectRef>
+          <a:fontRef idx="minor">
+            <a:schemeClr val="lt1"/>
+          </a:fontRef>
+        </p:style>
+        <p:txBody>
+          <a:bodyPr rot="0" spcFirstLastPara="0" vert="horz" wrap="square" lIns="91440" tIns="45720" rIns="91440" bIns="45720" numCol="1" spcCol="0" rtlCol="0" fromWordArt="0" anchor="b" anchorCtr="0" forceAA="0" compatLnSpc="1">
+            <a:prstTxWarp prst="textNoShape">
+              <a:avLst/>
+            </a:prstTxWarp>
+            <a:noAutofit/>
+          </a:bodyPr>
+          <a:lstStyle/>
+          <a:p>
+            <a:pPr algn="ctr">
+              <a:lnSpc>
+                <a:spcPct val="145000"/>
+              </a:lnSpc>
+              <a:spcAft>
+                <a:spcPts val="800"/>
+              </a:spcAft>
+            </a:pPr>
+            <a:endParaRPr lang="en-CA" sz="1400" dirty="0">
+              <a:effectLst/>
+              <a:ea typeface="Roboto" panose="02000000000000000000" pitchFamily="2" charset="0"/>
+              <a:cs typeface="Times New Roman" panose="02020603050405020304" pitchFamily="18" charset="0"/>
+            </a:endParaRPr>
+          </a:p>
+        </p:txBody>
+      </p:sp>
+      <p:sp>
+        <p:nvSpPr>
+          <p:cNvPr id="16" name="Rectangle: Folded Corner 15">
+            <a:extLst>
+              <a:ext uri="{FF2B5EF4-FFF2-40B4-BE49-F238E27FC236}">
+                <a16:creationId xmlns:a16="http://schemas.microsoft.com/office/drawing/2014/main" id="{96C12BF3-6477-4B15-9294-9539C047B722}"/>
+              </a:ext>
+            </a:extLst>
+          </p:cNvPr>
+          <p:cNvSpPr/>
+          <p:nvPr/>
+        </p:nvSpPr>
+        <p:spPr>
+          <a:xfrm rot="20907188">
+            <a:off x="6318122" y="3102268"/>
+            <a:ext cx="403174" cy="387778"/>
+          </a:xfrm>
+          <a:prstGeom prst="foldedCorner">
+            <a:avLst/>
+          </a:prstGeom>
+          <a:solidFill>
+            <a:schemeClr val="accent3">
+              <a:lumMod val="40000"/>
+              <a:lumOff val="60000"/>
+            </a:schemeClr>
+          </a:solidFill>
+          <a:effectLst>
+            <a:outerShdw blurRad="50800" dist="38100" dir="2700000" algn="tl" rotWithShape="0">
+              <a:prstClr val="black">
+                <a:alpha val="40000"/>
+              </a:prstClr>
+            </a:outerShdw>
+          </a:effectLst>
+        </p:spPr>
+        <p:style>
+          <a:lnRef idx="3">
+            <a:schemeClr val="lt1"/>
+          </a:lnRef>
+          <a:fillRef idx="1">
+            <a:schemeClr val="accent4"/>
+          </a:fillRef>
+          <a:effectRef idx="1">
+            <a:schemeClr val="accent4"/>
+          </a:effectRef>
+          <a:fontRef idx="minor">
+            <a:schemeClr val="lt1"/>
+          </a:fontRef>
+        </p:style>
+        <p:txBody>
+          <a:bodyPr rot="0" spcFirstLastPara="0" vert="horz" wrap="square" lIns="91440" tIns="45720" rIns="91440" bIns="45720" numCol="1" spcCol="0" rtlCol="0" fromWordArt="0" anchor="b" anchorCtr="0" forceAA="0" compatLnSpc="1">
+            <a:prstTxWarp prst="textNoShape">
+              <a:avLst/>
+            </a:prstTxWarp>
+            <a:noAutofit/>
+          </a:bodyPr>
+          <a:lstStyle/>
+          <a:p>
+            <a:pPr algn="ctr">
+              <a:lnSpc>
+                <a:spcPct val="145000"/>
+              </a:lnSpc>
+              <a:spcAft>
+                <a:spcPts val="800"/>
+              </a:spcAft>
+            </a:pPr>
+            <a:endParaRPr lang="en-CA" sz="1200" dirty="0">
+              <a:effectLst/>
+              <a:ea typeface="Roboto" panose="02000000000000000000" pitchFamily="2" charset="0"/>
+              <a:cs typeface="Times New Roman" panose="02020603050405020304" pitchFamily="18" charset="0"/>
+            </a:endParaRPr>
+          </a:p>
+        </p:txBody>
+      </p:sp>
+      <p:sp>
+        <p:nvSpPr>
+          <p:cNvPr id="17" name="Rectangle: Folded Corner 16">
+            <a:extLst>
+              <a:ext uri="{FF2B5EF4-FFF2-40B4-BE49-F238E27FC236}">
+                <a16:creationId xmlns:a16="http://schemas.microsoft.com/office/drawing/2014/main" id="{7A8100DC-D79D-4E77-8AC3-160A274B35A6}"/>
+              </a:ext>
+            </a:extLst>
+          </p:cNvPr>
+          <p:cNvSpPr/>
+          <p:nvPr/>
+        </p:nvSpPr>
+        <p:spPr>
+          <a:xfrm rot="21454699">
+            <a:off x="6929296" y="2150061"/>
+            <a:ext cx="403174" cy="387778"/>
+          </a:xfrm>
+          <a:prstGeom prst="foldedCorner">
+            <a:avLst/>
+          </a:prstGeom>
+          <a:solidFill>
+            <a:schemeClr val="accent3">
+              <a:lumMod val="40000"/>
+              <a:lumOff val="60000"/>
+            </a:schemeClr>
+          </a:solidFill>
+          <a:effectLst>
+            <a:outerShdw blurRad="50800" dist="38100" dir="2700000" algn="tl" rotWithShape="0">
+              <a:prstClr val="black">
+                <a:alpha val="40000"/>
+              </a:prstClr>
+            </a:outerShdw>
+          </a:effectLst>
+        </p:spPr>
+        <p:style>
+          <a:lnRef idx="3">
+            <a:schemeClr val="lt1"/>
+          </a:lnRef>
+          <a:fillRef idx="1">
+            <a:schemeClr val="accent4"/>
+          </a:fillRef>
+          <a:effectRef idx="1">
+            <a:schemeClr val="accent4"/>
+          </a:effectRef>
+          <a:fontRef idx="minor">
+            <a:schemeClr val="lt1"/>
+          </a:fontRef>
+        </p:style>
+        <p:txBody>
+          <a:bodyPr rot="0" spcFirstLastPara="0" vert="horz" wrap="square" lIns="91440" tIns="45720" rIns="91440" bIns="45720" numCol="1" spcCol="0" rtlCol="0" fromWordArt="0" anchor="b" anchorCtr="0" forceAA="0" compatLnSpc="1">
+            <a:prstTxWarp prst="textNoShape">
+              <a:avLst/>
+            </a:prstTxWarp>
+            <a:noAutofit/>
+          </a:bodyPr>
+          <a:lstStyle/>
+          <a:p>
+            <a:pPr algn="ctr">
+              <a:lnSpc>
+                <a:spcPct val="145000"/>
+              </a:lnSpc>
+              <a:spcAft>
+                <a:spcPts val="800"/>
+              </a:spcAft>
+            </a:pPr>
+            <a:endParaRPr lang="en-CA" sz="1400" dirty="0">
+              <a:effectLst/>
+              <a:ea typeface="Roboto" panose="02000000000000000000" pitchFamily="2" charset="0"/>
+              <a:cs typeface="Times New Roman" panose="02020603050405020304" pitchFamily="18" charset="0"/>
+            </a:endParaRPr>
+          </a:p>
+        </p:txBody>
+      </p:sp>
+      <p:sp>
+        <p:nvSpPr>
+          <p:cNvPr id="18" name="Rectangle: Folded Corner 17">
+            <a:extLst>
+              <a:ext uri="{FF2B5EF4-FFF2-40B4-BE49-F238E27FC236}">
+                <a16:creationId xmlns:a16="http://schemas.microsoft.com/office/drawing/2014/main" id="{3F9F3A4C-D4D8-4003-A8A8-830D113FABB3}"/>
+              </a:ext>
+            </a:extLst>
+          </p:cNvPr>
+          <p:cNvSpPr/>
+          <p:nvPr/>
+        </p:nvSpPr>
+        <p:spPr>
+          <a:xfrm rot="850069">
+            <a:off x="9108541" y="4793661"/>
+            <a:ext cx="403174" cy="387778"/>
+          </a:xfrm>
+          <a:prstGeom prst="foldedCorner">
+            <a:avLst/>
+          </a:prstGeom>
+          <a:solidFill>
+            <a:schemeClr val="accent3">
+              <a:lumMod val="40000"/>
+              <a:lumOff val="60000"/>
+            </a:schemeClr>
+          </a:solidFill>
+          <a:effectLst>
+            <a:outerShdw blurRad="50800" dist="38100" dir="2700000" algn="tl" rotWithShape="0">
+              <a:prstClr val="black">
+                <a:alpha val="40000"/>
+              </a:prstClr>
+            </a:outerShdw>
+          </a:effectLst>
+        </p:spPr>
+        <p:style>
+          <a:lnRef idx="3">
+            <a:schemeClr val="lt1"/>
+          </a:lnRef>
+          <a:fillRef idx="1">
+            <a:schemeClr val="accent4"/>
+          </a:fillRef>
+          <a:effectRef idx="1">
+            <a:schemeClr val="accent4"/>
+          </a:effectRef>
+          <a:fontRef idx="minor">
+            <a:schemeClr val="lt1"/>
+          </a:fontRef>
+        </p:style>
+        <p:txBody>
+          <a:bodyPr rot="0" spcFirstLastPara="0" vert="horz" wrap="square" lIns="91440" tIns="45720" rIns="91440" bIns="45720" numCol="1" spcCol="0" rtlCol="0" fromWordArt="0" anchor="b" anchorCtr="0" forceAA="0" compatLnSpc="1">
+            <a:prstTxWarp prst="textNoShape">
+              <a:avLst/>
+            </a:prstTxWarp>
+            <a:noAutofit/>
+          </a:bodyPr>
+          <a:lstStyle/>
+          <a:p>
+            <a:pPr algn="ctr">
+              <a:lnSpc>
+                <a:spcPct val="145000"/>
+              </a:lnSpc>
+              <a:spcAft>
+                <a:spcPts val="800"/>
+              </a:spcAft>
+            </a:pPr>
+            <a:endParaRPr lang="en-CA" sz="1400" dirty="0">
+              <a:effectLst/>
+              <a:ea typeface="Roboto" panose="02000000000000000000" pitchFamily="2" charset="0"/>
+              <a:cs typeface="Times New Roman" panose="02020603050405020304" pitchFamily="18" charset="0"/>
+            </a:endParaRPr>
+          </a:p>
+        </p:txBody>
+      </p:sp>
+      <p:sp>
+        <p:nvSpPr>
+          <p:cNvPr id="19" name="Rectangle: Folded Corner 18">
+            <a:extLst>
+              <a:ext uri="{FF2B5EF4-FFF2-40B4-BE49-F238E27FC236}">
+                <a16:creationId xmlns:a16="http://schemas.microsoft.com/office/drawing/2014/main" id="{FDE86CF4-5A72-4F0B-91B1-27C4489DAB27}"/>
+              </a:ext>
+            </a:extLst>
+          </p:cNvPr>
+          <p:cNvSpPr/>
+          <p:nvPr/>
+        </p:nvSpPr>
+        <p:spPr>
+          <a:xfrm rot="1050676">
+            <a:off x="6941283" y="4213591"/>
+            <a:ext cx="403174" cy="387778"/>
+          </a:xfrm>
+          <a:prstGeom prst="foldedCorner">
+            <a:avLst/>
+          </a:prstGeom>
+          <a:solidFill>
+            <a:schemeClr val="accent3">
+              <a:lumMod val="40000"/>
+              <a:lumOff val="60000"/>
+            </a:schemeClr>
+          </a:solidFill>
+          <a:effectLst>
+            <a:outerShdw blurRad="50800" dist="38100" dir="2700000" algn="tl" rotWithShape="0">
+              <a:prstClr val="black">
+                <a:alpha val="40000"/>
+              </a:prstClr>
+            </a:outerShdw>
+          </a:effectLst>
+        </p:spPr>
+        <p:style>
+          <a:lnRef idx="3">
+            <a:schemeClr val="lt1"/>
+          </a:lnRef>
+          <a:fillRef idx="1">
+            <a:schemeClr val="accent4"/>
+          </a:fillRef>
+          <a:effectRef idx="1">
+            <a:schemeClr val="accent4"/>
+          </a:effectRef>
+          <a:fontRef idx="minor">
+            <a:schemeClr val="lt1"/>
+          </a:fontRef>
+        </p:style>
+        <p:txBody>
+          <a:bodyPr rot="0" spcFirstLastPara="0" vert="horz" wrap="square" lIns="91440" tIns="45720" rIns="91440" bIns="45720" numCol="1" spcCol="0" rtlCol="0" fromWordArt="0" anchor="b" anchorCtr="0" forceAA="0" compatLnSpc="1">
+            <a:prstTxWarp prst="textNoShape">
+              <a:avLst/>
+            </a:prstTxWarp>
+            <a:noAutofit/>
+          </a:bodyPr>
+          <a:lstStyle/>
+          <a:p>
+            <a:pPr algn="ctr">
+              <a:lnSpc>
+                <a:spcPct val="145000"/>
+              </a:lnSpc>
+              <a:spcAft>
+                <a:spcPts val="800"/>
+              </a:spcAft>
+            </a:pPr>
+            <a:endParaRPr lang="en-CA" sz="1200" dirty="0">
+              <a:effectLst/>
+              <a:ea typeface="Roboto" panose="02000000000000000000" pitchFamily="2" charset="0"/>
+              <a:cs typeface="Times New Roman" panose="02020603050405020304" pitchFamily="18" charset="0"/>
+            </a:endParaRPr>
+          </a:p>
+        </p:txBody>
+      </p:sp>
+    </p:spTree>
+    <p:extLst>
+      <p:ext uri="{BB962C8B-B14F-4D97-AF65-F5344CB8AC3E}">
+        <p14:creationId xmlns:p14="http://schemas.microsoft.com/office/powerpoint/2010/main" val="3705547442"/>
+      </p:ext>
+    </p:extLst>
+  </p:cSld>
+  <p:clrMapOvr>
+    <a:masterClrMapping/>
+  </p:clrMapOvr>
+</p:sld>
+</file>
+
+<file path=ppt/slides/slide12.xml><?xml version="1.0" encoding="utf-8"?>
+<p:sld xmlns:a="http://schemas.openxmlformats.org/drawingml/2006/main" xmlns:r="http://schemas.openxmlformats.org/officeDocument/2006/relationships" xmlns:p="http://schemas.openxmlformats.org/presentationml/2006/main">
+  <p:cSld>
+    <p:spTree>
+      <p:nvGrpSpPr>
+        <p:cNvPr id="1" name=""/>
+        <p:cNvGrpSpPr/>
+        <p:nvPr/>
+      </p:nvGrpSpPr>
+      <p:grpSpPr>
+        <a:xfrm>
+          <a:off x="0" y="0"/>
+          <a:ext cx="0" cy="0"/>
+          <a:chOff x="0" y="0"/>
+          <a:chExt cx="0" cy="0"/>
+        </a:xfrm>
+      </p:grpSpPr>
+      <p:sp>
+        <p:nvSpPr>
+          <p:cNvPr id="32" name="Title 31">
+            <a:extLst>
+              <a:ext uri="{FF2B5EF4-FFF2-40B4-BE49-F238E27FC236}">
+                <a16:creationId xmlns:a16="http://schemas.microsoft.com/office/drawing/2014/main" id="{206C6654-86A9-4745-A549-FC7B0BFF7ED9}"/>
+              </a:ext>
+            </a:extLst>
+          </p:cNvPr>
+          <p:cNvSpPr>
+            <a:spLocks noGrp="1"/>
+          </p:cNvSpPr>
+          <p:nvPr>
+            <p:ph type="title"/>
+          </p:nvPr>
+        </p:nvSpPr>
+        <p:spPr/>
+        <p:txBody>
+          <a:bodyPr/>
+          <a:lstStyle/>
+          <a:p>
+            <a:r>
+              <a:rPr lang="en-CA" dirty="0"/>
+              <a:t>EXAMPLES &amp; CONFIRM</a:t>
+            </a:r>
+          </a:p>
+        </p:txBody>
+      </p:sp>
+      <p:sp>
+        <p:nvSpPr>
+          <p:cNvPr id="8" name="Content Placeholder 7">
+            <a:extLst>
+              <a:ext uri="{FF2B5EF4-FFF2-40B4-BE49-F238E27FC236}">
+                <a16:creationId xmlns:a16="http://schemas.microsoft.com/office/drawing/2014/main" id="{D9419013-1DA3-424E-93E1-648686F7A824}"/>
+              </a:ext>
+            </a:extLst>
+          </p:cNvPr>
+          <p:cNvSpPr>
+            <a:spLocks noGrp="1"/>
+          </p:cNvSpPr>
+          <p:nvPr>
+            <p:ph idx="1"/>
+          </p:nvPr>
+        </p:nvSpPr>
+        <p:spPr/>
+        <p:txBody>
+          <a:bodyPr numCol="2">
+            <a:normAutofit/>
+          </a:bodyPr>
+          <a:lstStyle/>
+          <a:p>
+            <a:pPr lvl="0"/>
+            <a:r>
+              <a:rPr lang="en-CA" dirty="0"/>
+              <a:t>Contract</a:t>
+            </a:r>
+          </a:p>
+          <a:p>
+            <a:pPr lvl="0"/>
+            <a:r>
+              <a:rPr lang="en-CA" dirty="0"/>
+              <a:t>Requirement</a:t>
+            </a:r>
+          </a:p>
+          <a:p>
+            <a:pPr lvl="0"/>
+            <a:r>
+              <a:rPr lang="en-CA" dirty="0"/>
+              <a:t>Artboard</a:t>
+            </a:r>
+          </a:p>
+          <a:p>
+            <a:pPr lvl="0"/>
+            <a:r>
+              <a:rPr lang="en-CA" dirty="0"/>
+              <a:t>Test plan</a:t>
+            </a:r>
+          </a:p>
+          <a:p>
+            <a:pPr lvl="0"/>
+            <a:endParaRPr lang="en-CA" dirty="0"/>
+          </a:p>
+          <a:p>
+            <a:pPr lvl="0"/>
+            <a:endParaRPr lang="en-CA" dirty="0"/>
+          </a:p>
+          <a:p>
+            <a:pPr lvl="0"/>
+            <a:endParaRPr lang="en-CA" dirty="0"/>
+          </a:p>
+          <a:p>
+            <a:pPr lvl="0"/>
+            <a:endParaRPr lang="en-CA" dirty="0"/>
+          </a:p>
+          <a:p>
+            <a:pPr lvl="0"/>
+            <a:r>
+              <a:rPr lang="en-CA" dirty="0"/>
+              <a:t>Test result</a:t>
+            </a:r>
+          </a:p>
+          <a:p>
+            <a:pPr lvl="0"/>
+            <a:r>
+              <a:rPr lang="en-CA" dirty="0"/>
+              <a:t>Source code</a:t>
+            </a:r>
+          </a:p>
+          <a:p>
+            <a:pPr lvl="0"/>
+            <a:r>
+              <a:rPr lang="en-CA" dirty="0"/>
+              <a:t>Usage guide</a:t>
+            </a:r>
+          </a:p>
+          <a:p>
+            <a:r>
+              <a:rPr lang="en-CA" dirty="0"/>
+              <a:t>Installation guide</a:t>
+            </a:r>
+          </a:p>
+        </p:txBody>
+      </p:sp>
+      <p:sp>
+        <p:nvSpPr>
+          <p:cNvPr id="4" name="Text Placeholder 3">
+            <a:extLst>
+              <a:ext uri="{FF2B5EF4-FFF2-40B4-BE49-F238E27FC236}">
+                <a16:creationId xmlns:a16="http://schemas.microsoft.com/office/drawing/2014/main" id="{846BFD0B-CECF-4387-9876-66581D15C83B}"/>
+              </a:ext>
+            </a:extLst>
+          </p:cNvPr>
+          <p:cNvSpPr>
+            <a:spLocks noGrp="1"/>
+          </p:cNvSpPr>
+          <p:nvPr>
+            <p:ph type="body" sz="half" idx="2"/>
+          </p:nvPr>
+        </p:nvSpPr>
+        <p:spPr/>
+        <p:txBody>
+          <a:bodyPr/>
+          <a:lstStyle/>
+          <a:p>
+            <a:endParaRPr lang="en-CA" dirty="0"/>
+          </a:p>
+        </p:txBody>
+      </p:sp>
+    </p:spTree>
+    <p:extLst>
+      <p:ext uri="{BB962C8B-B14F-4D97-AF65-F5344CB8AC3E}">
+        <p14:creationId xmlns:p14="http://schemas.microsoft.com/office/powerpoint/2010/main" val="519306126"/>
+      </p:ext>
+    </p:extLst>
+  </p:cSld>
+  <p:clrMapOvr>
+    <a:masterClrMapping/>
+  </p:clrMapOvr>
+</p:sld>
+</file>
+
+<file path=ppt/slides/slide13.xml><?xml version="1.0" encoding="utf-8"?>
+<p:sld xmlns:a="http://schemas.openxmlformats.org/drawingml/2006/main" xmlns:r="http://schemas.openxmlformats.org/officeDocument/2006/relationships" xmlns:p="http://schemas.openxmlformats.org/presentationml/2006/main">
+  <p:cSld>
+    <p:spTree>
+      <p:nvGrpSpPr>
+        <p:cNvPr id="1" name=""/>
+        <p:cNvGrpSpPr/>
+        <p:nvPr/>
+      </p:nvGrpSpPr>
+      <p:grpSpPr>
+        <a:xfrm>
+          <a:off x="0" y="0"/>
+          <a:ext cx="0" cy="0"/>
+          <a:chOff x="0" y="0"/>
+          <a:chExt cx="0" cy="0"/>
+        </a:xfrm>
+      </p:grpSpPr>
+      <p:sp>
+        <p:nvSpPr>
+          <p:cNvPr id="2" name="Title 1">
+            <a:extLst>
+              <a:ext uri="{FF2B5EF4-FFF2-40B4-BE49-F238E27FC236}">
+                <a16:creationId xmlns:a16="http://schemas.microsoft.com/office/drawing/2014/main" id="{34BB8220-120C-4BB4-B03D-FBBB0FB21A1F}"/>
+              </a:ext>
+            </a:extLst>
+          </p:cNvPr>
+          <p:cNvSpPr>
+            <a:spLocks noGrp="1"/>
+          </p:cNvSpPr>
+          <p:nvPr>
+            <p:ph type="title"/>
+          </p:nvPr>
+        </p:nvSpPr>
+        <p:spPr/>
+        <p:txBody>
+          <a:bodyPr/>
+          <a:lstStyle/>
+          <a:p>
+            <a:r>
+              <a:rPr lang="en-CA" dirty="0"/>
+              <a:t>2.</a:t>
+            </a:r>
+          </a:p>
+        </p:txBody>
+      </p:sp>
+      <p:sp>
+        <p:nvSpPr>
+          <p:cNvPr id="8" name="Content Placeholder 7">
+            <a:extLst>
+              <a:ext uri="{FF2B5EF4-FFF2-40B4-BE49-F238E27FC236}">
+                <a16:creationId xmlns:a16="http://schemas.microsoft.com/office/drawing/2014/main" id="{CB376C22-2CDA-471D-B8FD-B39BB61E9403}"/>
+              </a:ext>
+            </a:extLst>
+          </p:cNvPr>
+          <p:cNvSpPr>
+            <a:spLocks noGrp="1"/>
+          </p:cNvSpPr>
+          <p:nvPr>
+            <p:ph idx="1"/>
+          </p:nvPr>
+        </p:nvSpPr>
+        <p:spPr/>
+        <p:txBody>
+          <a:bodyPr/>
+          <a:lstStyle/>
+          <a:p>
+            <a:r>
+              <a:rPr lang="en-CA" dirty="0"/>
+              <a:t>The ‘Point of Implementation’ is the </a:t>
+            </a:r>
+            <a:r>
+              <a:rPr lang="en-CA" i="1" dirty="0"/>
+              <a:t>point in time</a:t>
+            </a:r>
+            <a:r>
+              <a:rPr lang="en-CA" dirty="0"/>
+              <a:t> that a new behaviour, feature, requirement, element is codified into the product.</a:t>
+            </a:r>
+          </a:p>
+        </p:txBody>
+      </p:sp>
+      <p:sp>
+        <p:nvSpPr>
+          <p:cNvPr id="4" name="Text Placeholder 3">
+            <a:extLst>
+              <a:ext uri="{FF2B5EF4-FFF2-40B4-BE49-F238E27FC236}">
+                <a16:creationId xmlns:a16="http://schemas.microsoft.com/office/drawing/2014/main" id="{846BFD0B-CECF-4387-9876-66581D15C83B}"/>
+              </a:ext>
+            </a:extLst>
+          </p:cNvPr>
+          <p:cNvSpPr>
+            <a:spLocks noGrp="1"/>
+          </p:cNvSpPr>
+          <p:nvPr>
+            <p:ph type="body" sz="half" idx="2"/>
+          </p:nvPr>
+        </p:nvSpPr>
+        <p:spPr/>
+        <p:txBody>
+          <a:bodyPr/>
+          <a:lstStyle/>
+          <a:p>
+            <a:r>
+              <a:rPr lang="en-CA" dirty="0"/>
+              <a:t>THE </a:t>
+            </a:r>
+            <a:br>
+              <a:rPr lang="en-CA" dirty="0"/>
+            </a:br>
+            <a:r>
+              <a:rPr lang="en-CA" dirty="0"/>
+              <a:t>POINT OF IMPLEMENTATION</a:t>
+            </a:r>
+          </a:p>
+        </p:txBody>
+      </p:sp>
+    </p:spTree>
+    <p:extLst>
+      <p:ext uri="{BB962C8B-B14F-4D97-AF65-F5344CB8AC3E}">
+        <p14:creationId xmlns:p14="http://schemas.microsoft.com/office/powerpoint/2010/main" val="321756643"/>
+      </p:ext>
+    </p:extLst>
+  </p:cSld>
+  <p:clrMapOvr>
+    <a:masterClrMapping/>
+  </p:clrMapOvr>
+</p:sld>
+</file>
+
+<file path=ppt/slides/slide14.xml><?xml version="1.0" encoding="utf-8"?>
+<p:sld xmlns:a="http://schemas.openxmlformats.org/drawingml/2006/main" xmlns:r="http://schemas.openxmlformats.org/officeDocument/2006/relationships" xmlns:p="http://schemas.openxmlformats.org/presentationml/2006/main">
+  <p:cSld>
+    <p:spTree>
+      <p:nvGrpSpPr>
+        <p:cNvPr id="1" name=""/>
+        <p:cNvGrpSpPr/>
+        <p:nvPr/>
+      </p:nvGrpSpPr>
+      <p:grpSpPr>
+        <a:xfrm>
+          <a:off x="0" y="0"/>
+          <a:ext cx="0" cy="0"/>
+          <a:chOff x="0" y="0"/>
+          <a:chExt cx="0" cy="0"/>
+        </a:xfrm>
+      </p:grpSpPr>
+      <p:sp>
+        <p:nvSpPr>
+          <p:cNvPr id="13" name="Title 12">
+            <a:extLst>
+              <a:ext uri="{FF2B5EF4-FFF2-40B4-BE49-F238E27FC236}">
+                <a16:creationId xmlns:a16="http://schemas.microsoft.com/office/drawing/2014/main" id="{8B14BBC7-5D1F-437D-8F3B-5EA04786B0F3}"/>
+              </a:ext>
+            </a:extLst>
+          </p:cNvPr>
+          <p:cNvSpPr>
+            <a:spLocks noGrp="1"/>
+          </p:cNvSpPr>
+          <p:nvPr>
+            <p:ph type="title"/>
+          </p:nvPr>
+        </p:nvSpPr>
+        <p:spPr/>
+        <p:txBody>
+          <a:bodyPr/>
+          <a:lstStyle/>
+          <a:p>
+            <a:r>
+              <a:rPr lang="en-CA" dirty="0"/>
+              <a:t>IF IMPLEMENTING A NEW FEATURE</a:t>
+            </a:r>
+          </a:p>
+        </p:txBody>
+      </p:sp>
+      <p:sp>
+        <p:nvSpPr>
+          <p:cNvPr id="8" name="Content Placeholder 7">
+            <a:extLst>
+              <a:ext uri="{FF2B5EF4-FFF2-40B4-BE49-F238E27FC236}">
+                <a16:creationId xmlns:a16="http://schemas.microsoft.com/office/drawing/2014/main" id="{CB376C22-2CDA-471D-B8FD-B39BB61E9403}"/>
+              </a:ext>
+            </a:extLst>
+          </p:cNvPr>
+          <p:cNvSpPr>
+            <a:spLocks noGrp="1"/>
+          </p:cNvSpPr>
+          <p:nvPr>
+            <p:ph idx="1"/>
+          </p:nvPr>
+        </p:nvSpPr>
+        <p:spPr/>
+        <p:txBody>
+          <a:bodyPr/>
+          <a:lstStyle/>
+          <a:p>
+            <a:r>
+              <a:rPr lang="en-CA" dirty="0"/>
+              <a:t>The Point of Implementation occurs when the source code is being altered to produce the new behaviour.</a:t>
+            </a:r>
+          </a:p>
+          <a:p>
+            <a:r>
+              <a:rPr lang="en-CA" dirty="0"/>
+              <a:t>The new feature is said to have been “implemented” when the Product Developer or user can execute the new feature.</a:t>
+            </a:r>
+          </a:p>
+        </p:txBody>
+      </p:sp>
+      <p:sp>
+        <p:nvSpPr>
+          <p:cNvPr id="4" name="Text Placeholder 3">
+            <a:extLst>
+              <a:ext uri="{FF2B5EF4-FFF2-40B4-BE49-F238E27FC236}">
+                <a16:creationId xmlns:a16="http://schemas.microsoft.com/office/drawing/2014/main" id="{846BFD0B-CECF-4387-9876-66581D15C83B}"/>
+              </a:ext>
+            </a:extLst>
+          </p:cNvPr>
+          <p:cNvSpPr>
+            <a:spLocks noGrp="1"/>
+          </p:cNvSpPr>
+          <p:nvPr>
+            <p:ph type="body" sz="half" idx="2"/>
+          </p:nvPr>
+        </p:nvSpPr>
+        <p:spPr>
+          <a:xfrm>
+            <a:off x="839788" y="2048347"/>
+            <a:ext cx="3932237" cy="3811588"/>
+          </a:xfrm>
+        </p:spPr>
+        <p:txBody>
+          <a:bodyPr/>
+          <a:lstStyle/>
+          <a:p>
+            <a:endParaRPr lang="en-CA" dirty="0"/>
+          </a:p>
+        </p:txBody>
+      </p:sp>
+    </p:spTree>
+    <p:extLst>
+      <p:ext uri="{BB962C8B-B14F-4D97-AF65-F5344CB8AC3E}">
+        <p14:creationId xmlns:p14="http://schemas.microsoft.com/office/powerpoint/2010/main" val="3626356022"/>
+      </p:ext>
+    </p:extLst>
+  </p:cSld>
+  <p:clrMapOvr>
+    <a:masterClrMapping/>
+  </p:clrMapOvr>
+</p:sld>
+</file>
+
+<file path=ppt/slides/slide15.xml><?xml version="1.0" encoding="utf-8"?>
+<p:sld xmlns:a="http://schemas.openxmlformats.org/drawingml/2006/main" xmlns:r="http://schemas.openxmlformats.org/officeDocument/2006/relationships" xmlns:p="http://schemas.openxmlformats.org/presentationml/2006/main">
+  <p:cSld>
+    <p:spTree>
+      <p:nvGrpSpPr>
+        <p:cNvPr id="1" name=""/>
+        <p:cNvGrpSpPr/>
+        <p:nvPr/>
+      </p:nvGrpSpPr>
+      <p:grpSpPr>
+        <a:xfrm>
+          <a:off x="0" y="0"/>
+          <a:ext cx="0" cy="0"/>
+          <a:chOff x="0" y="0"/>
+          <a:chExt cx="0" cy="0"/>
+        </a:xfrm>
+      </p:grpSpPr>
+      <p:sp>
+        <p:nvSpPr>
+          <p:cNvPr id="13" name="Title 12">
+            <a:extLst>
+              <a:ext uri="{FF2B5EF4-FFF2-40B4-BE49-F238E27FC236}">
+                <a16:creationId xmlns:a16="http://schemas.microsoft.com/office/drawing/2014/main" id="{8B14BBC7-5D1F-437D-8F3B-5EA04786B0F3}"/>
+              </a:ext>
+            </a:extLst>
+          </p:cNvPr>
+          <p:cNvSpPr>
+            <a:spLocks noGrp="1"/>
+          </p:cNvSpPr>
+          <p:nvPr>
+            <p:ph type="title"/>
+          </p:nvPr>
+        </p:nvSpPr>
+        <p:spPr/>
+        <p:txBody>
+          <a:bodyPr/>
+          <a:lstStyle/>
+          <a:p>
+            <a:r>
+              <a:rPr lang="en-CA" dirty="0"/>
+              <a:t>IF IMPLEMENTING A NEW UI ELEMENT</a:t>
+            </a:r>
+          </a:p>
+        </p:txBody>
+      </p:sp>
+      <p:sp>
+        <p:nvSpPr>
+          <p:cNvPr id="8" name="Content Placeholder 7">
+            <a:extLst>
+              <a:ext uri="{FF2B5EF4-FFF2-40B4-BE49-F238E27FC236}">
+                <a16:creationId xmlns:a16="http://schemas.microsoft.com/office/drawing/2014/main" id="{CB376C22-2CDA-471D-B8FD-B39BB61E9403}"/>
+              </a:ext>
+            </a:extLst>
+          </p:cNvPr>
+          <p:cNvSpPr>
+            <a:spLocks noGrp="1"/>
+          </p:cNvSpPr>
+          <p:nvPr>
+            <p:ph idx="1"/>
+          </p:nvPr>
+        </p:nvSpPr>
+        <p:spPr/>
+        <p:txBody>
+          <a:bodyPr/>
+          <a:lstStyle/>
+          <a:p>
+            <a:r>
+              <a:rPr lang="en-CA" sz="2400" dirty="0"/>
+              <a:t>The Point of Implementation occurs when the user interface is being altered to display the new design.</a:t>
+            </a:r>
+            <a:endParaRPr lang="en-CA" dirty="0"/>
+          </a:p>
+        </p:txBody>
+      </p:sp>
+      <p:sp>
+        <p:nvSpPr>
+          <p:cNvPr id="4" name="Text Placeholder 3">
+            <a:extLst>
+              <a:ext uri="{FF2B5EF4-FFF2-40B4-BE49-F238E27FC236}">
+                <a16:creationId xmlns:a16="http://schemas.microsoft.com/office/drawing/2014/main" id="{846BFD0B-CECF-4387-9876-66581D15C83B}"/>
+              </a:ext>
+            </a:extLst>
+          </p:cNvPr>
+          <p:cNvSpPr>
+            <a:spLocks noGrp="1"/>
+          </p:cNvSpPr>
+          <p:nvPr>
+            <p:ph type="body" sz="half" idx="2"/>
+          </p:nvPr>
+        </p:nvSpPr>
+        <p:spPr>
+          <a:xfrm>
+            <a:off x="839788" y="2048347"/>
+            <a:ext cx="3932237" cy="3811588"/>
+          </a:xfrm>
+        </p:spPr>
+        <p:txBody>
+          <a:bodyPr/>
+          <a:lstStyle/>
+          <a:p>
+            <a:endParaRPr lang="en-CA" dirty="0"/>
+          </a:p>
+        </p:txBody>
+      </p:sp>
+    </p:spTree>
+    <p:extLst>
+      <p:ext uri="{BB962C8B-B14F-4D97-AF65-F5344CB8AC3E}">
+        <p14:creationId xmlns:p14="http://schemas.microsoft.com/office/powerpoint/2010/main" val="3668833270"/>
+      </p:ext>
+    </p:extLst>
+  </p:cSld>
+  <p:clrMapOvr>
+    <a:masterClrMapping/>
+  </p:clrMapOvr>
+</p:sld>
+</file>
+
+<file path=ppt/slides/slide16.xml><?xml version="1.0" encoding="utf-8"?>
+<p:sld xmlns:a="http://schemas.openxmlformats.org/drawingml/2006/main" xmlns:r="http://schemas.openxmlformats.org/officeDocument/2006/relationships" xmlns:p="http://schemas.openxmlformats.org/presentationml/2006/main">
+  <p:cSld>
+    <p:spTree>
+      <p:nvGrpSpPr>
+        <p:cNvPr id="1" name=""/>
+        <p:cNvGrpSpPr/>
+        <p:nvPr/>
+      </p:nvGrpSpPr>
+      <p:grpSpPr>
+        <a:xfrm>
+          <a:off x="0" y="0"/>
+          <a:ext cx="0" cy="0"/>
+          <a:chOff x="0" y="0"/>
+          <a:chExt cx="0" cy="0"/>
+        </a:xfrm>
+      </p:grpSpPr>
+      <p:sp>
+        <p:nvSpPr>
           <p:cNvPr id="13" name="Title 12">
             <a:extLst>
               <a:ext uri="{FF2B5EF4-FFF2-40B4-BE49-F238E27FC236}">
@@ -12482,7 +14045,7 @@
 </p:sld>
 </file>
 
-<file path=ppt/slides/slide11.xml><?xml version="1.0" encoding="utf-8"?>
+<file path=ppt/slides/slide17.xml><?xml version="1.0" encoding="utf-8"?>
 <p:sld xmlns:a="http://schemas.openxmlformats.org/drawingml/2006/main" xmlns:r="http://schemas.openxmlformats.org/officeDocument/2006/relationships" xmlns:p="http://schemas.openxmlformats.org/presentationml/2006/main">
   <p:cSld>
     <p:spTree>
@@ -12744,7 +14307,7 @@
 </p:sld>
 </file>
 
-<file path=ppt/slides/slide12.xml><?xml version="1.0" encoding="utf-8"?>
+<file path=ppt/slides/slide18.xml><?xml version="1.0" encoding="utf-8"?>
 <p:sld xmlns:a="http://schemas.openxmlformats.org/drawingml/2006/main" xmlns:r="http://schemas.openxmlformats.org/officeDocument/2006/relationships" xmlns:p="http://schemas.openxmlformats.org/presentationml/2006/main">
   <p:cSld>
     <p:spTree>
@@ -12928,7 +14491,7 @@
 </p:sld>
 </file>
 
-<file path=ppt/slides/slide13.xml><?xml version="1.0" encoding="utf-8"?>
+<file path=ppt/slides/slide19.xml><?xml version="1.0" encoding="utf-8"?>
 <p:sld xmlns:a="http://schemas.openxmlformats.org/drawingml/2006/main" xmlns:r="http://schemas.openxmlformats.org/officeDocument/2006/relationships" xmlns:p="http://schemas.openxmlformats.org/presentationml/2006/main">
   <p:cSld>
     <p:spTree>
@@ -13041,7 +14604,202 @@
 </p:sld>
 </file>
 
-<file path=ppt/slides/slide14.xml><?xml version="1.0" encoding="utf-8"?>
+<file path=ppt/slides/slide2.xml><?xml version="1.0" encoding="utf-8"?>
+<p:sld xmlns:a="http://schemas.openxmlformats.org/drawingml/2006/main" xmlns:r="http://schemas.openxmlformats.org/officeDocument/2006/relationships" xmlns:p="http://schemas.openxmlformats.org/presentationml/2006/main">
+  <p:cSld>
+    <p:spTree>
+      <p:nvGrpSpPr>
+        <p:cNvPr id="1" name=""/>
+        <p:cNvGrpSpPr/>
+        <p:nvPr/>
+      </p:nvGrpSpPr>
+      <p:grpSpPr>
+        <a:xfrm>
+          <a:off x="0" y="0"/>
+          <a:ext cx="0" cy="0"/>
+          <a:chOff x="0" y="0"/>
+          <a:chExt cx="0" cy="0"/>
+        </a:xfrm>
+      </p:grpSpPr>
+      <p:sp>
+        <p:nvSpPr>
+          <p:cNvPr id="2" name="Title 1">
+            <a:extLst>
+              <a:ext uri="{FF2B5EF4-FFF2-40B4-BE49-F238E27FC236}">
+                <a16:creationId xmlns:a16="http://schemas.microsoft.com/office/drawing/2014/main" id="{9EEEC4D3-C0AF-4AB9-BA5B-FA2B9DB49C76}"/>
+              </a:ext>
+            </a:extLst>
+          </p:cNvPr>
+          <p:cNvSpPr>
+            <a:spLocks noGrp="1"/>
+          </p:cNvSpPr>
+          <p:nvPr>
+            <p:ph type="ctrTitle"/>
+          </p:nvPr>
+        </p:nvSpPr>
+        <p:spPr/>
+        <p:txBody>
+          <a:bodyPr>
+            <a:noAutofit/>
+          </a:bodyPr>
+          <a:lstStyle/>
+          <a:p>
+            <a:r>
+              <a:rPr lang="en-CA" sz="4000" dirty="0"/>
+              <a:t>Get these documents at </a:t>
+            </a:r>
+            <a:r>
+              <a:rPr lang="en-CA" sz="6600" dirty="0">
+                <a:hlinkClick r:id="rId3"/>
+              </a:rPr>
+              <a:t>http://bit.ly/2qUPPAO</a:t>
+            </a:r>
+            <a:endParaRPr lang="en-CA" sz="4000" dirty="0"/>
+          </a:p>
+        </p:txBody>
+      </p:sp>
+      <p:sp>
+        <p:nvSpPr>
+          <p:cNvPr id="5" name="Subtitle 4">
+            <a:extLst>
+              <a:ext uri="{FF2B5EF4-FFF2-40B4-BE49-F238E27FC236}">
+                <a16:creationId xmlns:a16="http://schemas.microsoft.com/office/drawing/2014/main" id="{B98B6AE8-0BD4-461E-A41B-D452A41BF401}"/>
+              </a:ext>
+            </a:extLst>
+          </p:cNvPr>
+          <p:cNvSpPr>
+            <a:spLocks noGrp="1"/>
+          </p:cNvSpPr>
+          <p:nvPr>
+            <p:ph type="subTitle" idx="1"/>
+          </p:nvPr>
+        </p:nvSpPr>
+        <p:spPr/>
+        <p:txBody>
+          <a:bodyPr>
+            <a:normAutofit/>
+          </a:bodyPr>
+          <a:lstStyle/>
+          <a:p>
+            <a:pPr marL="0" indent="0">
+              <a:buNone/>
+            </a:pPr>
+            <a:r>
+              <a:rPr lang="en-US" altLang="en-US" sz="1200" dirty="0">
+                <a:solidFill>
+                  <a:srgbClr val="373737"/>
+                </a:solidFill>
+                <a:latin typeface="inherit"/>
+              </a:rPr>
+              <a:t>This work is licensed under a </a:t>
+            </a:r>
+            <a:r>
+              <a:rPr lang="en-US" altLang="en-US" sz="1200" dirty="0">
+                <a:solidFill>
+                  <a:srgbClr val="0F79D0"/>
+                </a:solidFill>
+                <a:latin typeface="inherit"/>
+                <a:hlinkClick r:id="rId4"/>
+              </a:rPr>
+              <a:t>Creative Commons Attribution-</a:t>
+            </a:r>
+            <a:r>
+              <a:rPr lang="en-US" altLang="en-US" sz="1200" dirty="0" err="1">
+                <a:solidFill>
+                  <a:srgbClr val="0F79D0"/>
+                </a:solidFill>
+                <a:latin typeface="inherit"/>
+                <a:hlinkClick r:id="rId4"/>
+              </a:rPr>
+              <a:t>ShareAlike</a:t>
+            </a:r>
+            <a:r>
+              <a:rPr lang="en-US" altLang="en-US" sz="1200" dirty="0">
+                <a:solidFill>
+                  <a:srgbClr val="0F79D0"/>
+                </a:solidFill>
+                <a:latin typeface="inherit"/>
+                <a:hlinkClick r:id="rId4"/>
+              </a:rPr>
+              <a:t> 4.0 International License</a:t>
+            </a:r>
+            <a:r>
+              <a:rPr lang="en-US" altLang="en-US" sz="1200" dirty="0">
+                <a:solidFill>
+                  <a:srgbClr val="373737"/>
+                </a:solidFill>
+                <a:latin typeface="inherit"/>
+              </a:rPr>
+              <a:t>.</a:t>
+            </a:r>
+            <a:endParaRPr lang="en-US" altLang="en-US" sz="1200" dirty="0">
+              <a:latin typeface="Arial" panose="020B0604020202020204" pitchFamily="34" charset="0"/>
+            </a:endParaRPr>
+          </a:p>
+        </p:txBody>
+      </p:sp>
+      <p:pic>
+        <p:nvPicPr>
+          <p:cNvPr id="8" name="Picture 2" descr="Creative Commons License">
+            <a:hlinkClick r:id="rId4"/>
+            <a:extLst>
+              <a:ext uri="{FF2B5EF4-FFF2-40B4-BE49-F238E27FC236}">
+                <a16:creationId xmlns:a16="http://schemas.microsoft.com/office/drawing/2014/main" id="{21E563D7-3C53-4E85-B977-9B50256106EE}"/>
+              </a:ext>
+            </a:extLst>
+          </p:cNvPr>
+          <p:cNvPicPr>
+            <a:picLocks noChangeAspect="1" noChangeArrowheads="1"/>
+          </p:cNvPicPr>
+          <p:nvPr/>
+        </p:nvPicPr>
+        <p:blipFill>
+          <a:blip r:embed="rId5">
+            <a:extLst>
+              <a:ext uri="{28A0092B-C50C-407E-A947-70E740481C1C}">
+                <a14:useLocalDpi xmlns:a14="http://schemas.microsoft.com/office/drawing/2010/main" val="0"/>
+              </a:ext>
+            </a:extLst>
+          </a:blip>
+          <a:srcRect/>
+          <a:stretch>
+            <a:fillRect/>
+          </a:stretch>
+        </p:blipFill>
+        <p:spPr bwMode="auto">
+          <a:xfrm>
+            <a:off x="1617985" y="3991627"/>
+            <a:ext cx="838200" cy="295276"/>
+          </a:xfrm>
+          <a:prstGeom prst="rect">
+            <a:avLst/>
+          </a:prstGeom>
+          <a:noFill/>
+          <a:extLst>
+            <a:ext uri="{909E8E84-426E-40DD-AFC4-6F175D3DCCD1}">
+              <a14:hiddenFill xmlns:a14="http://schemas.microsoft.com/office/drawing/2010/main">
+                <a:solidFill>
+                  <a:srgbClr val="FFFFFF"/>
+                </a:solidFill>
+              </a14:hiddenFill>
+            </a:ext>
+          </a:extLst>
+        </p:spPr>
+      </p:pic>
+    </p:spTree>
+    <p:extLst>
+      <p:ext uri="{BB962C8B-B14F-4D97-AF65-F5344CB8AC3E}">
+        <p14:creationId xmlns:p14="http://schemas.microsoft.com/office/powerpoint/2010/main" val="28944842"/>
+      </p:ext>
+    </p:extLst>
+  </p:cSld>
+  <p:clrMapOvr>
+    <a:masterClrMapping/>
+  </p:clrMapOvr>
+</p:sld>
+</file>
+
+<file path=ppt/slides/slide20.xml><?xml version="1.0" encoding="utf-8"?>
 <p:sld xmlns:a="http://schemas.openxmlformats.org/drawingml/2006/main" xmlns:r="http://schemas.openxmlformats.org/officeDocument/2006/relationships" xmlns:p="http://schemas.openxmlformats.org/presentationml/2006/main">
   <p:cSld>
     <p:spTree>
@@ -13264,7 +15022,10 @@
             <a:avLst/>
           </a:prstGeom>
           <a:solidFill>
-            <a:schemeClr val="accent3"/>
+            <a:schemeClr val="accent3">
+              <a:lumMod val="60000"/>
+              <a:lumOff val="40000"/>
+            </a:schemeClr>
           </a:solidFill>
           <a:ln>
             <a:solidFill>
@@ -13340,7 +15101,10 @@
             <a:avLst/>
           </a:prstGeom>
           <a:solidFill>
-            <a:schemeClr val="accent3"/>
+            <a:schemeClr val="accent3">
+              <a:lumMod val="60000"/>
+              <a:lumOff val="40000"/>
+            </a:schemeClr>
           </a:solidFill>
           <a:ln>
             <a:solidFill>
@@ -13408,7 +15172,7 @@
 </p:sld>
 </file>
 
-<file path=ppt/slides/slide15.xml><?xml version="1.0" encoding="utf-8"?>
+<file path=ppt/slides/slide21.xml><?xml version="1.0" encoding="utf-8"?>
 <p:sld xmlns:a="http://schemas.openxmlformats.org/drawingml/2006/main" xmlns:r="http://schemas.openxmlformats.org/officeDocument/2006/relationships" xmlns:p="http://schemas.openxmlformats.org/presentationml/2006/main">
   <p:cSld>
     <p:spTree>
@@ -13578,7 +15342,7 @@
             <a:avLst/>
           </a:prstGeom>
           <a:solidFill>
-            <a:schemeClr val="accent5">
+            <a:schemeClr val="accent3">
               <a:lumMod val="60000"/>
               <a:lumOff val="40000"/>
             </a:schemeClr>
@@ -13663,7 +15427,7 @@
             <a:avLst/>
           </a:prstGeom>
           <a:solidFill>
-            <a:schemeClr val="accent5">
+            <a:schemeClr val="accent3">
               <a:lumMod val="60000"/>
               <a:lumOff val="40000"/>
             </a:schemeClr>
@@ -13748,7 +15512,7 @@
             <a:avLst/>
           </a:prstGeom>
           <a:solidFill>
-            <a:schemeClr val="accent5">
+            <a:schemeClr val="accent3">
               <a:lumMod val="60000"/>
               <a:lumOff val="40000"/>
             </a:schemeClr>
@@ -13833,7 +15597,7 @@
             <a:avLst/>
           </a:prstGeom>
           <a:solidFill>
-            <a:schemeClr val="accent5">
+            <a:schemeClr val="accent3">
               <a:lumMod val="60000"/>
               <a:lumOff val="40000"/>
             </a:schemeClr>
@@ -13918,7 +15682,7 @@
             <a:avLst/>
           </a:prstGeom>
           <a:solidFill>
-            <a:schemeClr val="accent5">
+            <a:schemeClr val="accent3">
               <a:lumMod val="60000"/>
               <a:lumOff val="40000"/>
             </a:schemeClr>
@@ -14003,7 +15767,7 @@
             <a:avLst/>
           </a:prstGeom>
           <a:solidFill>
-            <a:schemeClr val="accent5">
+            <a:schemeClr val="accent3">
               <a:lumMod val="60000"/>
               <a:lumOff val="40000"/>
             </a:schemeClr>
@@ -14088,7 +15852,7 @@
             <a:avLst/>
           </a:prstGeom>
           <a:solidFill>
-            <a:schemeClr val="accent5">
+            <a:schemeClr val="accent3">
               <a:lumMod val="60000"/>
               <a:lumOff val="40000"/>
             </a:schemeClr>
@@ -14172,7 +15936,7 @@
             <a:avLst/>
           </a:prstGeom>
           <a:solidFill>
-            <a:schemeClr val="accent5">
+            <a:schemeClr val="accent3">
               <a:lumMod val="60000"/>
               <a:lumOff val="40000"/>
             </a:schemeClr>
@@ -14249,7 +16013,7 @@
 </p:sld>
 </file>
 
-<file path=ppt/slides/slide16.xml><?xml version="1.0" encoding="utf-8"?>
+<file path=ppt/slides/slide22.xml><?xml version="1.0" encoding="utf-8"?>
 <p:sld xmlns:a="http://schemas.openxmlformats.org/drawingml/2006/main" xmlns:r="http://schemas.openxmlformats.org/officeDocument/2006/relationships" xmlns:p="http://schemas.openxmlformats.org/presentationml/2006/main">
   <p:cSld>
     <p:spTree>
@@ -14413,7 +16177,7 @@
 </p:sld>
 </file>
 
-<file path=ppt/slides/slide17.xml><?xml version="1.0" encoding="utf-8"?>
+<file path=ppt/slides/slide23.xml><?xml version="1.0" encoding="utf-8"?>
 <p:sld xmlns:a="http://schemas.openxmlformats.org/drawingml/2006/main" xmlns:r="http://schemas.openxmlformats.org/officeDocument/2006/relationships" xmlns:p="http://schemas.openxmlformats.org/presentationml/2006/main">
   <p:cSld>
     <p:spTree>
@@ -14547,7 +16311,7 @@
 </p:sld>
 </file>
 
-<file path=ppt/slides/slide18.xml><?xml version="1.0" encoding="utf-8"?>
+<file path=ppt/slides/slide24.xml><?xml version="1.0" encoding="utf-8"?>
 <p:sld xmlns:a="http://schemas.openxmlformats.org/drawingml/2006/main" xmlns:r="http://schemas.openxmlformats.org/officeDocument/2006/relationships" xmlns:p="http://schemas.openxmlformats.org/presentationml/2006/main">
   <p:cSld>
     <p:spTree>
@@ -15105,7 +16869,7 @@
 </p:sld>
 </file>
 
-<file path=ppt/slides/slide19.xml><?xml version="1.0" encoding="utf-8"?>
+<file path=ppt/slides/slide25.xml><?xml version="1.0" encoding="utf-8"?>
 <p:sld xmlns:a="http://schemas.openxmlformats.org/drawingml/2006/main" xmlns:r="http://schemas.openxmlformats.org/officeDocument/2006/relationships" xmlns:p="http://schemas.openxmlformats.org/presentationml/2006/main">
   <p:cSld>
     <p:spTree>
@@ -15281,202 +17045,7 @@
 </p:sld>
 </file>
 
-<file path=ppt/slides/slide2.xml><?xml version="1.0" encoding="utf-8"?>
-<p:sld xmlns:a="http://schemas.openxmlformats.org/drawingml/2006/main" xmlns:r="http://schemas.openxmlformats.org/officeDocument/2006/relationships" xmlns:p="http://schemas.openxmlformats.org/presentationml/2006/main">
-  <p:cSld>
-    <p:spTree>
-      <p:nvGrpSpPr>
-        <p:cNvPr id="1" name=""/>
-        <p:cNvGrpSpPr/>
-        <p:nvPr/>
-      </p:nvGrpSpPr>
-      <p:grpSpPr>
-        <a:xfrm>
-          <a:off x="0" y="0"/>
-          <a:ext cx="0" cy="0"/>
-          <a:chOff x="0" y="0"/>
-          <a:chExt cx="0" cy="0"/>
-        </a:xfrm>
-      </p:grpSpPr>
-      <p:sp>
-        <p:nvSpPr>
-          <p:cNvPr id="2" name="Title 1">
-            <a:extLst>
-              <a:ext uri="{FF2B5EF4-FFF2-40B4-BE49-F238E27FC236}">
-                <a16:creationId xmlns:a16="http://schemas.microsoft.com/office/drawing/2014/main" id="{9EEEC4D3-C0AF-4AB9-BA5B-FA2B9DB49C76}"/>
-              </a:ext>
-            </a:extLst>
-          </p:cNvPr>
-          <p:cNvSpPr>
-            <a:spLocks noGrp="1"/>
-          </p:cNvSpPr>
-          <p:nvPr>
-            <p:ph type="ctrTitle"/>
-          </p:nvPr>
-        </p:nvSpPr>
-        <p:spPr/>
-        <p:txBody>
-          <a:bodyPr>
-            <a:noAutofit/>
-          </a:bodyPr>
-          <a:lstStyle/>
-          <a:p>
-            <a:r>
-              <a:rPr lang="en-CA" sz="4000" dirty="0"/>
-              <a:t>Get these documents at </a:t>
-            </a:r>
-            <a:r>
-              <a:rPr lang="en-CA" sz="6600" dirty="0">
-                <a:hlinkClick r:id="rId3"/>
-              </a:rPr>
-              <a:t>http://bit.ly/2qUPPAO</a:t>
-            </a:r>
-            <a:endParaRPr lang="en-CA" sz="4000" dirty="0"/>
-          </a:p>
-        </p:txBody>
-      </p:sp>
-      <p:sp>
-        <p:nvSpPr>
-          <p:cNvPr id="5" name="Subtitle 4">
-            <a:extLst>
-              <a:ext uri="{FF2B5EF4-FFF2-40B4-BE49-F238E27FC236}">
-                <a16:creationId xmlns:a16="http://schemas.microsoft.com/office/drawing/2014/main" id="{B98B6AE8-0BD4-461E-A41B-D452A41BF401}"/>
-              </a:ext>
-            </a:extLst>
-          </p:cNvPr>
-          <p:cNvSpPr>
-            <a:spLocks noGrp="1"/>
-          </p:cNvSpPr>
-          <p:nvPr>
-            <p:ph type="subTitle" idx="1"/>
-          </p:nvPr>
-        </p:nvSpPr>
-        <p:spPr/>
-        <p:txBody>
-          <a:bodyPr>
-            <a:normAutofit/>
-          </a:bodyPr>
-          <a:lstStyle/>
-          <a:p>
-            <a:pPr marL="0" indent="0">
-              <a:buNone/>
-            </a:pPr>
-            <a:r>
-              <a:rPr lang="en-US" altLang="en-US" sz="1200" dirty="0">
-                <a:solidFill>
-                  <a:srgbClr val="373737"/>
-                </a:solidFill>
-                <a:latin typeface="inherit"/>
-              </a:rPr>
-              <a:t>This work is licensed under a </a:t>
-            </a:r>
-            <a:r>
-              <a:rPr lang="en-US" altLang="en-US" sz="1200" dirty="0">
-                <a:solidFill>
-                  <a:srgbClr val="0F79D0"/>
-                </a:solidFill>
-                <a:latin typeface="inherit"/>
-                <a:hlinkClick r:id="rId4"/>
-              </a:rPr>
-              <a:t>Creative Commons Attribution-</a:t>
-            </a:r>
-            <a:r>
-              <a:rPr lang="en-US" altLang="en-US" sz="1200" dirty="0" err="1">
-                <a:solidFill>
-                  <a:srgbClr val="0F79D0"/>
-                </a:solidFill>
-                <a:latin typeface="inherit"/>
-                <a:hlinkClick r:id="rId4"/>
-              </a:rPr>
-              <a:t>ShareAlike</a:t>
-            </a:r>
-            <a:r>
-              <a:rPr lang="en-US" altLang="en-US" sz="1200" dirty="0">
-                <a:solidFill>
-                  <a:srgbClr val="0F79D0"/>
-                </a:solidFill>
-                <a:latin typeface="inherit"/>
-                <a:hlinkClick r:id="rId4"/>
-              </a:rPr>
-              <a:t> 4.0 International License</a:t>
-            </a:r>
-            <a:r>
-              <a:rPr lang="en-US" altLang="en-US" sz="1200" dirty="0">
-                <a:solidFill>
-                  <a:srgbClr val="373737"/>
-                </a:solidFill>
-                <a:latin typeface="inherit"/>
-              </a:rPr>
-              <a:t>.</a:t>
-            </a:r>
-            <a:endParaRPr lang="en-US" altLang="en-US" sz="1200" dirty="0">
-              <a:latin typeface="Arial" panose="020B0604020202020204" pitchFamily="34" charset="0"/>
-            </a:endParaRPr>
-          </a:p>
-        </p:txBody>
-      </p:sp>
-      <p:pic>
-        <p:nvPicPr>
-          <p:cNvPr id="8" name="Picture 2" descr="Creative Commons License">
-            <a:hlinkClick r:id="rId4"/>
-            <a:extLst>
-              <a:ext uri="{FF2B5EF4-FFF2-40B4-BE49-F238E27FC236}">
-                <a16:creationId xmlns:a16="http://schemas.microsoft.com/office/drawing/2014/main" id="{21E563D7-3C53-4E85-B977-9B50256106EE}"/>
-              </a:ext>
-            </a:extLst>
-          </p:cNvPr>
-          <p:cNvPicPr>
-            <a:picLocks noChangeAspect="1" noChangeArrowheads="1"/>
-          </p:cNvPicPr>
-          <p:nvPr/>
-        </p:nvPicPr>
-        <p:blipFill>
-          <a:blip r:embed="rId5">
-            <a:extLst>
-              <a:ext uri="{28A0092B-C50C-407E-A947-70E740481C1C}">
-                <a14:useLocalDpi xmlns:a14="http://schemas.microsoft.com/office/drawing/2010/main" val="0"/>
-              </a:ext>
-            </a:extLst>
-          </a:blip>
-          <a:srcRect/>
-          <a:stretch>
-            <a:fillRect/>
-          </a:stretch>
-        </p:blipFill>
-        <p:spPr bwMode="auto">
-          <a:xfrm>
-            <a:off x="1524000" y="3214687"/>
-            <a:ext cx="838200" cy="295276"/>
-          </a:xfrm>
-          <a:prstGeom prst="rect">
-            <a:avLst/>
-          </a:prstGeom>
-          <a:noFill/>
-          <a:extLst>
-            <a:ext uri="{909E8E84-426E-40DD-AFC4-6F175D3DCCD1}">
-              <a14:hiddenFill xmlns:a14="http://schemas.microsoft.com/office/drawing/2010/main">
-                <a:solidFill>
-                  <a:srgbClr val="FFFFFF"/>
-                </a:solidFill>
-              </a14:hiddenFill>
-            </a:ext>
-          </a:extLst>
-        </p:spPr>
-      </p:pic>
-    </p:spTree>
-    <p:extLst>
-      <p:ext uri="{BB962C8B-B14F-4D97-AF65-F5344CB8AC3E}">
-        <p14:creationId xmlns:p14="http://schemas.microsoft.com/office/powerpoint/2010/main" val="28944842"/>
-      </p:ext>
-    </p:extLst>
-  </p:cSld>
-  <p:clrMapOvr>
-    <a:masterClrMapping/>
-  </p:clrMapOvr>
-</p:sld>
-</file>
-
-<file path=ppt/slides/slide20.xml><?xml version="1.0" encoding="utf-8"?>
+<file path=ppt/slides/slide26.xml><?xml version="1.0" encoding="utf-8"?>
 <p:sld xmlns:a="http://schemas.openxmlformats.org/drawingml/2006/main" xmlns:r="http://schemas.openxmlformats.org/officeDocument/2006/relationships" xmlns:p="http://schemas.openxmlformats.org/presentationml/2006/main">
   <p:cSld>
     <p:spTree>
@@ -15783,7 +17352,115 @@
 </p:sld>
 </file>
 
-<file path=ppt/slides/slide21.xml><?xml version="1.0" encoding="utf-8"?>
+<file path=ppt/slides/slide27.xml><?xml version="1.0" encoding="utf-8"?>
+<p:sld xmlns:a="http://schemas.openxmlformats.org/drawingml/2006/main" xmlns:r="http://schemas.openxmlformats.org/officeDocument/2006/relationships" xmlns:p="http://schemas.openxmlformats.org/presentationml/2006/main">
+  <p:cSld>
+    <p:spTree>
+      <p:nvGrpSpPr>
+        <p:cNvPr id="1" name=""/>
+        <p:cNvGrpSpPr/>
+        <p:nvPr/>
+      </p:nvGrpSpPr>
+      <p:grpSpPr>
+        <a:xfrm>
+          <a:off x="0" y="0"/>
+          <a:ext cx="0" cy="0"/>
+          <a:chOff x="0" y="0"/>
+          <a:chExt cx="0" cy="0"/>
+        </a:xfrm>
+      </p:grpSpPr>
+      <p:sp>
+        <p:nvSpPr>
+          <p:cNvPr id="6" name="Title 5">
+            <a:extLst>
+              <a:ext uri="{FF2B5EF4-FFF2-40B4-BE49-F238E27FC236}">
+                <a16:creationId xmlns:a16="http://schemas.microsoft.com/office/drawing/2014/main" id="{DBE39B07-C556-43FC-BBCC-20B2066F34EB}"/>
+              </a:ext>
+            </a:extLst>
+          </p:cNvPr>
+          <p:cNvSpPr>
+            <a:spLocks noGrp="1"/>
+          </p:cNvSpPr>
+          <p:nvPr>
+            <p:ph type="title"/>
+          </p:nvPr>
+        </p:nvSpPr>
+        <p:spPr/>
+        <p:txBody>
+          <a:bodyPr/>
+          <a:lstStyle/>
+          <a:p>
+            <a:r>
+              <a:rPr lang="en-CA" dirty="0"/>
+              <a:t>Where To Go From Here?</a:t>
+            </a:r>
+          </a:p>
+        </p:txBody>
+      </p:sp>
+      <p:sp>
+        <p:nvSpPr>
+          <p:cNvPr id="7" name="Text Placeholder 6">
+            <a:extLst>
+              <a:ext uri="{FF2B5EF4-FFF2-40B4-BE49-F238E27FC236}">
+                <a16:creationId xmlns:a16="http://schemas.microsoft.com/office/drawing/2014/main" id="{ECCE5FDA-6710-4A84-B0DE-997A3731263C}"/>
+              </a:ext>
+            </a:extLst>
+          </p:cNvPr>
+          <p:cNvSpPr>
+            <a:spLocks noGrp="1"/>
+          </p:cNvSpPr>
+          <p:nvPr>
+            <p:ph type="body" idx="1"/>
+          </p:nvPr>
+        </p:nvSpPr>
+        <p:spPr/>
+        <p:txBody>
+          <a:bodyPr/>
+          <a:lstStyle/>
+          <a:p>
+            <a:endParaRPr lang="en-CA" dirty="0"/>
+          </a:p>
+        </p:txBody>
+      </p:sp>
+      <p:sp>
+        <p:nvSpPr>
+          <p:cNvPr id="5" name="Footer Placeholder 4">
+            <a:extLst>
+              <a:ext uri="{FF2B5EF4-FFF2-40B4-BE49-F238E27FC236}">
+                <a16:creationId xmlns:a16="http://schemas.microsoft.com/office/drawing/2014/main" id="{7C2B84E6-576D-4F90-97A1-79EF539DA891}"/>
+              </a:ext>
+            </a:extLst>
+          </p:cNvPr>
+          <p:cNvSpPr>
+            <a:spLocks noGrp="1"/>
+          </p:cNvSpPr>
+          <p:nvPr>
+            <p:ph type="ftr" sz="quarter" idx="11"/>
+          </p:nvPr>
+        </p:nvSpPr>
+        <p:spPr/>
+        <p:txBody>
+          <a:bodyPr/>
+          <a:lstStyle/>
+          <a:p>
+            <a:endParaRPr lang="en-CA" dirty="0"/>
+          </a:p>
+        </p:txBody>
+      </p:sp>
+    </p:spTree>
+    <p:extLst>
+      <p:ext uri="{BB962C8B-B14F-4D97-AF65-F5344CB8AC3E}">
+        <p14:creationId xmlns:p14="http://schemas.microsoft.com/office/powerpoint/2010/main" val="2793413294"/>
+      </p:ext>
+    </p:extLst>
+  </p:cSld>
+  <p:clrMapOvr>
+    <a:masterClrMapping/>
+  </p:clrMapOvr>
+</p:sld>
+</file>
+
+<file path=ppt/slides/slide28.xml><?xml version="1.0" encoding="utf-8"?>
 <p:sld xmlns:a="http://schemas.openxmlformats.org/drawingml/2006/main" xmlns:r="http://schemas.openxmlformats.org/officeDocument/2006/relationships" xmlns:p="http://schemas.openxmlformats.org/presentationml/2006/main">
   <p:cSld>
     <p:spTree>
@@ -16028,6 +17705,49 @@
           </a:p>
         </p:txBody>
       </p:sp>
+      <p:pic>
+        <p:nvPicPr>
+          <p:cNvPr id="5" name="Picture 4">
+            <a:extLst>
+              <a:ext uri="{FF2B5EF4-FFF2-40B4-BE49-F238E27FC236}">
+                <a16:creationId xmlns:a16="http://schemas.microsoft.com/office/drawing/2014/main" id="{4EBCDA50-5A9B-4B45-8CC1-F9E912438A6C}"/>
+              </a:ext>
+            </a:extLst>
+          </p:cNvPr>
+          <p:cNvPicPr>
+            <a:picLocks noChangeAspect="1"/>
+          </p:cNvPicPr>
+          <p:nvPr/>
+        </p:nvPicPr>
+        <p:blipFill>
+          <a:blip r:embed="rId3">
+            <a:extLst>
+              <a:ext uri="{28A0092B-C50C-407E-A947-70E740481C1C}">
+                <a14:useLocalDpi xmlns:a14="http://schemas.microsoft.com/office/drawing/2010/main" val="0"/>
+              </a:ext>
+            </a:extLst>
+          </a:blip>
+          <a:stretch>
+            <a:fillRect/>
+          </a:stretch>
+        </p:blipFill>
+        <p:spPr>
+          <a:xfrm rot="21394381">
+            <a:off x="1625257" y="2451178"/>
+            <a:ext cx="2524711" cy="3306642"/>
+          </a:xfrm>
+          <a:prstGeom prst="rect">
+            <a:avLst/>
+          </a:prstGeom>
+          <a:effectLst>
+            <a:outerShdw blurRad="50800" dist="38100" dir="2700000" algn="tl" rotWithShape="0">
+              <a:prstClr val="black">
+                <a:alpha val="40000"/>
+              </a:prstClr>
+            </a:outerShdw>
+          </a:effectLst>
+        </p:spPr>
+      </p:pic>
     </p:spTree>
     <p:extLst>
       <p:ext uri="{BB962C8B-B14F-4D97-AF65-F5344CB8AC3E}">
@@ -16060,10 +17780,10 @@
       </p:grpSpPr>
       <p:sp>
         <p:nvSpPr>
-          <p:cNvPr id="24" name="Title 23">
+          <p:cNvPr id="2" name="Title 1">
             <a:extLst>
               <a:ext uri="{FF2B5EF4-FFF2-40B4-BE49-F238E27FC236}">
-                <a16:creationId xmlns:a16="http://schemas.microsoft.com/office/drawing/2014/main" id="{63C7D3DA-FC4F-44EF-91F4-A90002A9B2CD}"/>
+                <a16:creationId xmlns:a16="http://schemas.microsoft.com/office/drawing/2014/main" id="{14E36CF7-F77C-4F00-A0AF-18AA61AF5248}"/>
               </a:ext>
             </a:extLst>
           </p:cNvPr>
@@ -16081,7 +17801,7 @@
           <a:p>
             <a:r>
               <a:rPr lang="en-CA" dirty="0"/>
-              <a:t>PURPOSE</a:t>
+              <a:t>How to architects spend their time?</a:t>
             </a:r>
           </a:p>
         </p:txBody>
@@ -16091,7 +17811,7 @@
           <p:cNvPr id="3" name="Content Placeholder 2">
             <a:extLst>
               <a:ext uri="{FF2B5EF4-FFF2-40B4-BE49-F238E27FC236}">
-                <a16:creationId xmlns:a16="http://schemas.microsoft.com/office/drawing/2014/main" id="{B76CA06E-7666-4FD1-9D19-2EEB48DC8ADC}"/>
+                <a16:creationId xmlns:a16="http://schemas.microsoft.com/office/drawing/2014/main" id="{5BB2F4E8-E2E6-480B-8182-8AA7D04686CE}"/>
               </a:ext>
             </a:extLst>
           </p:cNvPr>
@@ -16099,7 +17819,7 @@
             <a:spLocks noGrp="1"/>
           </p:cNvSpPr>
           <p:nvPr>
-            <p:ph idx="1"/>
+            <p:ph sz="half" idx="1"/>
           </p:nvPr>
         </p:nvSpPr>
         <p:spPr/>
@@ -16107,40 +17827,82 @@
           <a:bodyPr/>
           <a:lstStyle/>
           <a:p>
-            <a:pPr lvl="0"/>
             <a:r>
               <a:rPr lang="en-CA" dirty="0"/>
-              <a:t>Reframe our understanding of documentation vis a vis complex/adaptive work.</a:t>
-            </a:r>
-          </a:p>
-          <a:p>
-            <a:pPr lvl="0"/>
+              <a:t>Architecting?</a:t>
+            </a:r>
+          </a:p>
+        </p:txBody>
+      </p:sp>
+      <p:sp>
+        <p:nvSpPr>
+          <p:cNvPr id="4" name="Content Placeholder 3">
+            <a:extLst>
+              <a:ext uri="{FF2B5EF4-FFF2-40B4-BE49-F238E27FC236}">
+                <a16:creationId xmlns:a16="http://schemas.microsoft.com/office/drawing/2014/main" id="{D7A39989-02E7-419D-8E99-5F832E054B44}"/>
+              </a:ext>
+            </a:extLst>
+          </p:cNvPr>
+          <p:cNvSpPr>
+            <a:spLocks noGrp="1"/>
+          </p:cNvSpPr>
+          <p:nvPr>
+            <p:ph sz="half" idx="2"/>
+          </p:nvPr>
+        </p:nvSpPr>
+        <p:spPr/>
+        <p:txBody>
+          <a:bodyPr/>
+          <a:lstStyle/>
+          <a:p>
             <a:r>
               <a:rPr lang="en-CA" dirty="0"/>
-              <a:t>Reframe our understanding of ‘implementation’ — when does it occur?</a:t>
-            </a:r>
-          </a:p>
-          <a:p>
-            <a:pPr lvl="0"/>
+              <a:t>No</a:t>
+            </a:r>
+          </a:p>
+          <a:p>
+            <a:endParaRPr lang="en-CA" dirty="0"/>
+          </a:p>
+          <a:p>
+            <a:pPr marL="0" indent="0">
+              <a:buNone/>
+            </a:pPr>
             <a:r>
               <a:rPr lang="en-CA" dirty="0"/>
-              <a:t>Appraise commonly-used documents with respect to customer-recognizable value.</a:t>
-            </a:r>
-          </a:p>
-          <a:p>
+              <a:t>   4 hours solving the problem</a:t>
+            </a:r>
+          </a:p>
+          <a:p>
+            <a:pPr marL="0" indent="0">
+              <a:buNone/>
+            </a:pPr>
             <a:r>
               <a:rPr lang="en-CA" dirty="0"/>
-              <a:t>Simplification. Excellence.</a:t>
-            </a:r>
-          </a:p>
-        </p:txBody>
-      </p:sp>
-      <p:sp>
-        <p:nvSpPr>
-          <p:cNvPr id="12" name="Text Placeholder 11">
+              <a:t>+ 4 months in Microsoft Visio to</a:t>
+            </a:r>
+            <a:br>
+              <a:rPr lang="en-CA" dirty="0"/>
+            </a:br>
+            <a:r>
+              <a:rPr lang="en-CA" dirty="0"/>
+              <a:t>   convince others of the </a:t>
+            </a:r>
+            <a:br>
+              <a:rPr lang="en-CA" dirty="0"/>
+            </a:br>
+            <a:r>
+              <a:rPr lang="en-CA" dirty="0"/>
+              <a:t>   solution.</a:t>
+            </a:r>
+          </a:p>
+        </p:txBody>
+      </p:sp>
+      <p:sp>
+        <p:nvSpPr>
+          <p:cNvPr id="5" name="Footer Placeholder 4">
             <a:extLst>
               <a:ext uri="{FF2B5EF4-FFF2-40B4-BE49-F238E27FC236}">
-                <a16:creationId xmlns:a16="http://schemas.microsoft.com/office/drawing/2014/main" id="{CF4A2DD5-7830-4672-AE41-EDEF6B3AFBB7}"/>
+                <a16:creationId xmlns:a16="http://schemas.microsoft.com/office/drawing/2014/main" id="{11D8EB9E-0DF7-4C32-ABE1-ED5D7A6BFB2B}"/>
               </a:ext>
             </a:extLst>
           </p:cNvPr>
@@ -16148,7 +17910,7 @@
             <a:spLocks noGrp="1"/>
           </p:cNvSpPr>
           <p:nvPr>
-            <p:ph type="body" sz="half" idx="2"/>
+            <p:ph type="ftr" sz="quarter" idx="11"/>
           </p:nvPr>
         </p:nvSpPr>
         <p:spPr/>
@@ -16156,20 +17918,161 @@
           <a:bodyPr/>
           <a:lstStyle/>
           <a:p>
-            <a:endParaRPr lang="en-CA"/>
+            <a:endParaRPr lang="en-CA" dirty="0"/>
           </a:p>
         </p:txBody>
       </p:sp>
     </p:spTree>
     <p:extLst>
       <p:ext uri="{BB962C8B-B14F-4D97-AF65-F5344CB8AC3E}">
-        <p14:creationId xmlns:p14="http://schemas.microsoft.com/office/powerpoint/2010/main" val="734326663"/>
+        <p14:creationId xmlns:p14="http://schemas.microsoft.com/office/powerpoint/2010/main" val="3045216467"/>
       </p:ext>
     </p:extLst>
   </p:cSld>
   <p:clrMapOvr>
     <a:masterClrMapping/>
   </p:clrMapOvr>
+  <p:timing>
+    <p:tnLst>
+      <p:par>
+        <p:cTn id="1" dur="indefinite" restart="never" nodeType="tmRoot">
+          <p:childTnLst>
+            <p:seq concurrent="1" nextAc="seek">
+              <p:cTn id="2" dur="indefinite" nodeType="mainSeq">
+                <p:childTnLst>
+                  <p:par>
+                    <p:cTn id="3" fill="hold">
+                      <p:stCondLst>
+                        <p:cond delay="indefinite"/>
+                      </p:stCondLst>
+                      <p:childTnLst>
+                        <p:par>
+                          <p:cTn id="4" fill="hold">
+                            <p:stCondLst>
+                              <p:cond delay="0"/>
+                            </p:stCondLst>
+                            <p:childTnLst>
+                              <p:par>
+                                <p:cTn id="5" presetID="1" presetClass="entr" presetSubtype="0" fill="hold" nodeType="clickEffect">
+                                  <p:stCondLst>
+                                    <p:cond delay="0"/>
+                                  </p:stCondLst>
+                                  <p:childTnLst>
+                                    <p:set>
+                                      <p:cBhvr>
+                                        <p:cTn id="6" dur="1" fill="hold">
+                                          <p:stCondLst>
+                                            <p:cond delay="0"/>
+                                          </p:stCondLst>
+                                        </p:cTn>
+                                        <p:tgtEl>
+                                          <p:spTgt spid="4">
+                                            <p:txEl>
+                                              <p:pRg st="0" end="0"/>
+                                            </p:txEl>
+                                          </p:spTgt>
+                                        </p:tgtEl>
+                                        <p:attrNameLst>
+                                          <p:attrName>style.visibility</p:attrName>
+                                        </p:attrNameLst>
+                                      </p:cBhvr>
+                                      <p:to>
+                                        <p:strVal val="visible"/>
+                                      </p:to>
+                                    </p:set>
+                                  </p:childTnLst>
+                                </p:cTn>
+                              </p:par>
+                              <p:par>
+                                <p:cTn id="7" presetID="1" presetClass="entr" presetSubtype="0" fill="hold" nodeType="withEffect">
+                                  <p:stCondLst>
+                                    <p:cond delay="0"/>
+                                  </p:stCondLst>
+                                  <p:childTnLst>
+                                    <p:set>
+                                      <p:cBhvr>
+                                        <p:cTn id="8" dur="1" fill="hold">
+                                          <p:stCondLst>
+                                            <p:cond delay="0"/>
+                                          </p:stCondLst>
+                                        </p:cTn>
+                                        <p:tgtEl>
+                                          <p:spTgt spid="4">
+                                            <p:txEl>
+                                              <p:pRg st="2" end="2"/>
+                                            </p:txEl>
+                                          </p:spTgt>
+                                        </p:tgtEl>
+                                        <p:attrNameLst>
+                                          <p:attrName>style.visibility</p:attrName>
+                                        </p:attrNameLst>
+                                      </p:cBhvr>
+                                      <p:to>
+                                        <p:strVal val="visible"/>
+                                      </p:to>
+                                    </p:set>
+                                  </p:childTnLst>
+                                </p:cTn>
+                              </p:par>
+                              <p:par>
+                                <p:cTn id="9" presetID="1" presetClass="entr" presetSubtype="0" fill="hold" nodeType="withEffect">
+                                  <p:stCondLst>
+                                    <p:cond delay="0"/>
+                                  </p:stCondLst>
+                                  <p:childTnLst>
+                                    <p:set>
+                                      <p:cBhvr>
+                                        <p:cTn id="10" dur="1" fill="hold">
+                                          <p:stCondLst>
+                                            <p:cond delay="0"/>
+                                          </p:stCondLst>
+                                        </p:cTn>
+                                        <p:tgtEl>
+                                          <p:spTgt spid="4">
+                                            <p:txEl>
+                                              <p:pRg st="3" end="3"/>
+                                            </p:txEl>
+                                          </p:spTgt>
+                                        </p:tgtEl>
+                                        <p:attrNameLst>
+                                          <p:attrName>style.visibility</p:attrName>
+                                        </p:attrNameLst>
+                                      </p:cBhvr>
+                                      <p:to>
+                                        <p:strVal val="visible"/>
+                                      </p:to>
+                                    </p:set>
+                                  </p:childTnLst>
+                                </p:cTn>
+                              </p:par>
+                            </p:childTnLst>
+                          </p:cTn>
+                        </p:par>
+                      </p:childTnLst>
+                    </p:cTn>
+                  </p:par>
+                </p:childTnLst>
+              </p:cTn>
+              <p:prevCondLst>
+                <p:cond evt="onPrev" delay="0">
+                  <p:tgtEl>
+                    <p:sldTgt/>
+                  </p:tgtEl>
+                </p:cond>
+              </p:prevCondLst>
+              <p:nextCondLst>
+                <p:cond evt="onNext" delay="0">
+                  <p:tgtEl>
+                    <p:sldTgt/>
+                  </p:tgtEl>
+                </p:cond>
+              </p:nextCondLst>
+            </p:seq>
+          </p:childTnLst>
+        </p:cTn>
+      </p:par>
+    </p:tnLst>
+  </p:timing>
 </p:sld>
 </file>
 
@@ -16195,7 +18098,7 @@
           <p:cNvPr id="2" name="Title 1">
             <a:extLst>
               <a:ext uri="{FF2B5EF4-FFF2-40B4-BE49-F238E27FC236}">
-                <a16:creationId xmlns:a16="http://schemas.microsoft.com/office/drawing/2014/main" id="{34BB8220-120C-4BB4-B03D-FBBB0FB21A1F}"/>
+                <a16:creationId xmlns:a16="http://schemas.microsoft.com/office/drawing/2014/main" id="{14E36CF7-F77C-4F00-A0AF-18AA61AF5248}"/>
               </a:ext>
             </a:extLst>
           </p:cNvPr>
@@ -16213,52 +18116,45 @@
           <a:p>
             <a:r>
               <a:rPr lang="en-CA" dirty="0"/>
-              <a:t>1.</a:t>
-            </a:r>
-          </a:p>
-        </p:txBody>
-      </p:sp>
-      <p:pic>
-        <p:nvPicPr>
-          <p:cNvPr id="9" name="Content Placeholder 8">
+              <a:t>How to designers spend their time?</a:t>
+            </a:r>
+          </a:p>
+        </p:txBody>
+      </p:sp>
+      <p:sp>
+        <p:nvSpPr>
+          <p:cNvPr id="3" name="Content Placeholder 2">
             <a:extLst>
               <a:ext uri="{FF2B5EF4-FFF2-40B4-BE49-F238E27FC236}">
-                <a16:creationId xmlns:a16="http://schemas.microsoft.com/office/drawing/2014/main" id="{CB43A2A5-FB2F-4EE8-832F-2BEBC64858EA}"/>
+                <a16:creationId xmlns:a16="http://schemas.microsoft.com/office/drawing/2014/main" id="{5BB2F4E8-E2E6-480B-8182-8AA7D04686CE}"/>
               </a:ext>
             </a:extLst>
           </p:cNvPr>
-          <p:cNvPicPr>
-            <a:picLocks noGrp="1" noChangeAspect="1"/>
-          </p:cNvPicPr>
-          <p:nvPr>
-            <p:ph idx="1"/>
-          </p:nvPr>
-        </p:nvPicPr>
-        <p:blipFill>
-          <a:blip r:embed="rId3">
-            <a:extLst>
-              <a:ext uri="{28A0092B-C50C-407E-A947-70E740481C1C}">
-                <a14:useLocalDpi xmlns:a14="http://schemas.microsoft.com/office/drawing/2010/main" val="0"/>
-              </a:ext>
-            </a:extLst>
-          </a:blip>
-          <a:stretch>
-            <a:fillRect/>
-          </a:stretch>
-        </p:blipFill>
-        <p:spPr>
-          <a:xfrm>
-            <a:off x="5215711" y="1141466"/>
-            <a:ext cx="6107154" cy="4565542"/>
-          </a:xfrm>
-        </p:spPr>
-      </p:pic>
-      <p:sp>
-        <p:nvSpPr>
-          <p:cNvPr id="4" name="Text Placeholder 3">
+          <p:cNvSpPr>
+            <a:spLocks noGrp="1"/>
+          </p:cNvSpPr>
+          <p:nvPr>
+            <p:ph sz="half" idx="1"/>
+          </p:nvPr>
+        </p:nvSpPr>
+        <p:spPr/>
+        <p:txBody>
+          <a:bodyPr/>
+          <a:lstStyle/>
+          <a:p>
+            <a:r>
+              <a:rPr lang="en-CA" dirty="0"/>
+              <a:t>Designing?</a:t>
+            </a:r>
+          </a:p>
+        </p:txBody>
+      </p:sp>
+      <p:sp>
+        <p:nvSpPr>
+          <p:cNvPr id="4" name="Content Placeholder 3">
             <a:extLst>
               <a:ext uri="{FF2B5EF4-FFF2-40B4-BE49-F238E27FC236}">
-                <a16:creationId xmlns:a16="http://schemas.microsoft.com/office/drawing/2014/main" id="{846BFD0B-CECF-4387-9876-66581D15C83B}"/>
+                <a16:creationId xmlns:a16="http://schemas.microsoft.com/office/drawing/2014/main" id="{D7A39989-02E7-419D-8E99-5F832E054B44}"/>
               </a:ext>
             </a:extLst>
           </p:cNvPr>
@@ -16266,7 +18162,7 @@
             <a:spLocks noGrp="1"/>
           </p:cNvSpPr>
           <p:nvPr>
-            <p:ph type="body" sz="half" idx="2"/>
+            <p:ph sz="half" idx="2"/>
           </p:nvPr>
         </p:nvSpPr>
         <p:spPr/>
@@ -16276,784 +18172,213 @@
           <a:p>
             <a:r>
               <a:rPr lang="en-CA" dirty="0"/>
-              <a:t>DOCUMENTS, DOCUMENTS, DOCUMENTS.</a:t>
+              <a:t>No</a:t>
             </a:r>
           </a:p>
           <a:p>
             <a:endParaRPr lang="en-CA" dirty="0"/>
           </a:p>
           <a:p>
+            <a:pPr marL="0" indent="0">
+              <a:buNone/>
+            </a:pPr>
             <a:r>
               <a:rPr lang="en-CA" dirty="0"/>
-              <a:t>{~5 minutes}</a:t>
-            </a:r>
-          </a:p>
-        </p:txBody>
-      </p:sp>
-      <p:sp>
-        <p:nvSpPr>
-          <p:cNvPr id="6" name="Rectangle: Folded Corner 5">
+              <a:t>   2 hours at a whiteboard</a:t>
+            </a:r>
+          </a:p>
+          <a:p>
+            <a:pPr marL="0" indent="0">
+              <a:buNone/>
+            </a:pPr>
+            <a:r>
+              <a:rPr lang="en-CA" dirty="0"/>
+              <a:t>+ 2 weeks futzing with </a:t>
+            </a:r>
+            <a:r>
+              <a:rPr lang="en-CA" dirty="0" err="1"/>
+              <a:t>InVision</a:t>
+            </a:r>
+            <a:endParaRPr lang="en-CA" dirty="0"/>
+          </a:p>
+        </p:txBody>
+      </p:sp>
+      <p:sp>
+        <p:nvSpPr>
+          <p:cNvPr id="5" name="Footer Placeholder 4">
             <a:extLst>
               <a:ext uri="{FF2B5EF4-FFF2-40B4-BE49-F238E27FC236}">
-                <a16:creationId xmlns:a16="http://schemas.microsoft.com/office/drawing/2014/main" id="{FC0AB866-B3D5-44FE-9B7D-D35E73363B1B}"/>
+                <a16:creationId xmlns:a16="http://schemas.microsoft.com/office/drawing/2014/main" id="{11D8EB9E-0DF7-4C32-ABE1-ED5D7A6BFB2B}"/>
               </a:ext>
             </a:extLst>
           </p:cNvPr>
-          <p:cNvSpPr/>
-          <p:nvPr/>
-        </p:nvSpPr>
-        <p:spPr>
-          <a:xfrm rot="21215538">
-            <a:off x="6882192" y="2903695"/>
-            <a:ext cx="1247690" cy="1050609"/>
-          </a:xfrm>
-          <a:prstGeom prst="foldedCorner">
-            <a:avLst/>
-          </a:prstGeom>
-          <a:solidFill>
-            <a:schemeClr val="accent5">
-              <a:lumMod val="60000"/>
-              <a:lumOff val="40000"/>
-            </a:schemeClr>
-          </a:solidFill>
-          <a:effectLst>
-            <a:outerShdw blurRad="50800" dist="38100" dir="2700000" algn="tl" rotWithShape="0">
-              <a:prstClr val="black">
-                <a:alpha val="40000"/>
-              </a:prstClr>
-            </a:outerShdw>
-          </a:effectLst>
-        </p:spPr>
-        <p:style>
-          <a:lnRef idx="3">
-            <a:schemeClr val="lt1"/>
-          </a:lnRef>
-          <a:fillRef idx="1">
-            <a:schemeClr val="accent4"/>
-          </a:fillRef>
-          <a:effectRef idx="1">
-            <a:schemeClr val="accent4"/>
-          </a:effectRef>
-          <a:fontRef idx="minor">
-            <a:schemeClr val="lt1"/>
-          </a:fontRef>
-        </p:style>
-        <p:txBody>
-          <a:bodyPr rot="0" spcFirstLastPara="0" vert="horz" wrap="square" lIns="91440" tIns="45720" rIns="91440" bIns="45720" numCol="1" spcCol="0" rtlCol="0" fromWordArt="0" anchor="b" anchorCtr="0" forceAA="0" compatLnSpc="1">
-            <a:prstTxWarp prst="textNoShape">
-              <a:avLst/>
-            </a:prstTxWarp>
-            <a:noAutofit/>
-          </a:bodyPr>
-          <a:lstStyle/>
-          <a:p>
-            <a:pPr algn="ctr">
-              <a:lnSpc>
-                <a:spcPct val="145000"/>
-              </a:lnSpc>
-              <a:spcAft>
-                <a:spcPts val="800"/>
-              </a:spcAft>
-            </a:pPr>
-            <a:r>
-              <a:rPr lang="en-CA" sz="1200" b="1" dirty="0">
-                <a:solidFill>
-                  <a:srgbClr val="1E1919"/>
-                </a:solidFill>
-                <a:effectLst/>
-                <a:latin typeface="MV Boli" panose="02000500030200090000" pitchFamily="2" charset="0"/>
-                <a:ea typeface="Roboto" panose="02000000000000000000" pitchFamily="2" charset="0"/>
-                <a:cs typeface="Times New Roman" panose="02020603050405020304" pitchFamily="18" charset="0"/>
-              </a:rPr>
-              <a:t>SCREEN COMPOSITE</a:t>
-            </a:r>
-            <a:endParaRPr lang="en-CA" sz="1200" dirty="0">
-              <a:effectLst/>
-              <a:ea typeface="Roboto" panose="02000000000000000000" pitchFamily="2" charset="0"/>
-              <a:cs typeface="Times New Roman" panose="02020603050405020304" pitchFamily="18" charset="0"/>
-            </a:endParaRPr>
-          </a:p>
-        </p:txBody>
-      </p:sp>
-      <p:sp>
-        <p:nvSpPr>
-          <p:cNvPr id="7" name="Rectangle: Folded Corner 6">
-            <a:extLst>
-              <a:ext uri="{FF2B5EF4-FFF2-40B4-BE49-F238E27FC236}">
-                <a16:creationId xmlns:a16="http://schemas.microsoft.com/office/drawing/2014/main" id="{26755593-1D0C-42E9-A83D-3CD8235217BA}"/>
-              </a:ext>
-            </a:extLst>
-          </p:cNvPr>
-          <p:cNvSpPr/>
-          <p:nvPr/>
-        </p:nvSpPr>
-        <p:spPr>
-          <a:xfrm rot="520822">
-            <a:off x="7578172" y="2064067"/>
-            <a:ext cx="1247690" cy="1050609"/>
-          </a:xfrm>
-          <a:prstGeom prst="foldedCorner">
-            <a:avLst/>
-          </a:prstGeom>
-          <a:solidFill>
-            <a:schemeClr val="accent5">
-              <a:lumMod val="60000"/>
-              <a:lumOff val="40000"/>
-            </a:schemeClr>
-          </a:solidFill>
-          <a:effectLst>
-            <a:outerShdw blurRad="50800" dist="38100" dir="2700000" algn="tl" rotWithShape="0">
-              <a:prstClr val="black">
-                <a:alpha val="40000"/>
-              </a:prstClr>
-            </a:outerShdw>
-          </a:effectLst>
-        </p:spPr>
-        <p:style>
-          <a:lnRef idx="3">
-            <a:schemeClr val="lt1"/>
-          </a:lnRef>
-          <a:fillRef idx="1">
-            <a:schemeClr val="accent4"/>
-          </a:fillRef>
-          <a:effectRef idx="1">
-            <a:schemeClr val="accent4"/>
-          </a:effectRef>
-          <a:fontRef idx="minor">
-            <a:schemeClr val="lt1"/>
-          </a:fontRef>
-        </p:style>
-        <p:txBody>
-          <a:bodyPr rot="0" spcFirstLastPara="0" vert="horz" wrap="square" lIns="91440" tIns="45720" rIns="91440" bIns="45720" numCol="1" spcCol="0" rtlCol="0" fromWordArt="0" anchor="b" anchorCtr="0" forceAA="0" compatLnSpc="1">
-            <a:prstTxWarp prst="textNoShape">
-              <a:avLst/>
-            </a:prstTxWarp>
-            <a:noAutofit/>
-          </a:bodyPr>
-          <a:lstStyle/>
-          <a:p>
-            <a:pPr algn="ctr">
-              <a:lnSpc>
-                <a:spcPct val="145000"/>
-              </a:lnSpc>
-              <a:spcAft>
-                <a:spcPts val="800"/>
-              </a:spcAft>
-            </a:pPr>
-            <a:r>
-              <a:rPr lang="en-CA" sz="1400" b="1" dirty="0">
-                <a:solidFill>
-                  <a:srgbClr val="1E1919"/>
-                </a:solidFill>
-                <a:effectLst/>
-                <a:latin typeface="MV Boli" panose="02000500030200090000" pitchFamily="2" charset="0"/>
-                <a:ea typeface="Roboto" panose="02000000000000000000" pitchFamily="2" charset="0"/>
-                <a:cs typeface="Times New Roman" panose="02020603050405020304" pitchFamily="18" charset="0"/>
-              </a:rPr>
-              <a:t>USER STORY</a:t>
-            </a:r>
-            <a:endParaRPr lang="en-CA" sz="1400" dirty="0">
-              <a:effectLst/>
-              <a:ea typeface="Roboto" panose="02000000000000000000" pitchFamily="2" charset="0"/>
-              <a:cs typeface="Times New Roman" panose="02020603050405020304" pitchFamily="18" charset="0"/>
-            </a:endParaRPr>
-          </a:p>
-        </p:txBody>
-      </p:sp>
-      <p:sp>
-        <p:nvSpPr>
-          <p:cNvPr id="12" name="Rectangle: Folded Corner 11">
-            <a:extLst>
-              <a:ext uri="{FF2B5EF4-FFF2-40B4-BE49-F238E27FC236}">
-                <a16:creationId xmlns:a16="http://schemas.microsoft.com/office/drawing/2014/main" id="{A956DC11-3B28-45B6-964C-B20B42D2125E}"/>
-              </a:ext>
-            </a:extLst>
-          </p:cNvPr>
-          <p:cNvSpPr/>
-          <p:nvPr/>
-        </p:nvSpPr>
-        <p:spPr>
-          <a:xfrm rot="21215538">
-            <a:off x="9013333" y="4022741"/>
-            <a:ext cx="403174" cy="387778"/>
-          </a:xfrm>
-          <a:prstGeom prst="foldedCorner">
-            <a:avLst/>
-          </a:prstGeom>
-          <a:solidFill>
-            <a:schemeClr val="accent5">
-              <a:lumMod val="60000"/>
-              <a:lumOff val="40000"/>
-            </a:schemeClr>
-          </a:solidFill>
-          <a:effectLst>
-            <a:outerShdw blurRad="50800" dist="38100" dir="2700000" algn="tl" rotWithShape="0">
-              <a:prstClr val="black">
-                <a:alpha val="40000"/>
-              </a:prstClr>
-            </a:outerShdw>
-          </a:effectLst>
-        </p:spPr>
-        <p:style>
-          <a:lnRef idx="3">
-            <a:schemeClr val="lt1"/>
-          </a:lnRef>
-          <a:fillRef idx="1">
-            <a:schemeClr val="accent4"/>
-          </a:fillRef>
-          <a:effectRef idx="1">
-            <a:schemeClr val="accent4"/>
-          </a:effectRef>
-          <a:fontRef idx="minor">
-            <a:schemeClr val="lt1"/>
-          </a:fontRef>
-        </p:style>
-        <p:txBody>
-          <a:bodyPr rot="0" spcFirstLastPara="0" vert="horz" wrap="square" lIns="91440" tIns="45720" rIns="91440" bIns="45720" numCol="1" spcCol="0" rtlCol="0" fromWordArt="0" anchor="b" anchorCtr="0" forceAA="0" compatLnSpc="1">
-            <a:prstTxWarp prst="textNoShape">
-              <a:avLst/>
-            </a:prstTxWarp>
-            <a:noAutofit/>
-          </a:bodyPr>
-          <a:lstStyle/>
-          <a:p>
-            <a:pPr algn="ctr">
-              <a:lnSpc>
-                <a:spcPct val="145000"/>
-              </a:lnSpc>
-              <a:spcAft>
-                <a:spcPts val="800"/>
-              </a:spcAft>
-            </a:pPr>
-            <a:endParaRPr lang="en-CA" sz="1200" dirty="0">
-              <a:effectLst/>
-              <a:ea typeface="Roboto" panose="02000000000000000000" pitchFamily="2" charset="0"/>
-              <a:cs typeface="Times New Roman" panose="02020603050405020304" pitchFamily="18" charset="0"/>
-            </a:endParaRPr>
-          </a:p>
-        </p:txBody>
-      </p:sp>
-      <p:sp>
-        <p:nvSpPr>
-          <p:cNvPr id="13" name="Rectangle: Folded Corner 12">
-            <a:extLst>
-              <a:ext uri="{FF2B5EF4-FFF2-40B4-BE49-F238E27FC236}">
-                <a16:creationId xmlns:a16="http://schemas.microsoft.com/office/drawing/2014/main" id="{6D3D7B7C-568C-4A5A-8669-B99DE04B507C}"/>
-              </a:ext>
-            </a:extLst>
-          </p:cNvPr>
-          <p:cNvSpPr/>
-          <p:nvPr/>
-        </p:nvSpPr>
-        <p:spPr>
-          <a:xfrm rot="520822">
-            <a:off x="9624507" y="3070534"/>
-            <a:ext cx="403174" cy="387778"/>
-          </a:xfrm>
-          <a:prstGeom prst="foldedCorner">
-            <a:avLst/>
-          </a:prstGeom>
-          <a:solidFill>
-            <a:schemeClr val="accent5">
-              <a:lumMod val="60000"/>
-              <a:lumOff val="40000"/>
-            </a:schemeClr>
-          </a:solidFill>
-          <a:effectLst>
-            <a:outerShdw blurRad="50800" dist="38100" dir="2700000" algn="tl" rotWithShape="0">
-              <a:prstClr val="black">
-                <a:alpha val="40000"/>
-              </a:prstClr>
-            </a:outerShdw>
-          </a:effectLst>
-        </p:spPr>
-        <p:style>
-          <a:lnRef idx="3">
-            <a:schemeClr val="lt1"/>
-          </a:lnRef>
-          <a:fillRef idx="1">
-            <a:schemeClr val="accent4"/>
-          </a:fillRef>
-          <a:effectRef idx="1">
-            <a:schemeClr val="accent4"/>
-          </a:effectRef>
-          <a:fontRef idx="minor">
-            <a:schemeClr val="lt1"/>
-          </a:fontRef>
-        </p:style>
-        <p:txBody>
-          <a:bodyPr rot="0" spcFirstLastPara="0" vert="horz" wrap="square" lIns="91440" tIns="45720" rIns="91440" bIns="45720" numCol="1" spcCol="0" rtlCol="0" fromWordArt="0" anchor="b" anchorCtr="0" forceAA="0" compatLnSpc="1">
-            <a:prstTxWarp prst="textNoShape">
-              <a:avLst/>
-            </a:prstTxWarp>
-            <a:noAutofit/>
-          </a:bodyPr>
-          <a:lstStyle/>
-          <a:p>
-            <a:pPr algn="ctr">
-              <a:lnSpc>
-                <a:spcPct val="145000"/>
-              </a:lnSpc>
-              <a:spcAft>
-                <a:spcPts val="800"/>
-              </a:spcAft>
-            </a:pPr>
-            <a:endParaRPr lang="en-CA" sz="1400" dirty="0">
-              <a:effectLst/>
-              <a:ea typeface="Roboto" panose="02000000000000000000" pitchFamily="2" charset="0"/>
-              <a:cs typeface="Times New Roman" panose="02020603050405020304" pitchFamily="18" charset="0"/>
-            </a:endParaRPr>
-          </a:p>
-        </p:txBody>
-      </p:sp>
-      <p:sp>
-        <p:nvSpPr>
-          <p:cNvPr id="14" name="Rectangle: Folded Corner 13">
-            <a:extLst>
-              <a:ext uri="{FF2B5EF4-FFF2-40B4-BE49-F238E27FC236}">
-                <a16:creationId xmlns:a16="http://schemas.microsoft.com/office/drawing/2014/main" id="{8029B3CF-B545-4720-A3CA-4F3A1879E245}"/>
-              </a:ext>
-            </a:extLst>
-          </p:cNvPr>
-          <p:cNvSpPr/>
-          <p:nvPr/>
-        </p:nvSpPr>
-        <p:spPr>
-          <a:xfrm rot="19801297">
-            <a:off x="7874206" y="4634545"/>
-            <a:ext cx="403174" cy="387778"/>
-          </a:xfrm>
-          <a:prstGeom prst="foldedCorner">
-            <a:avLst/>
-          </a:prstGeom>
-          <a:solidFill>
-            <a:schemeClr val="accent5">
-              <a:lumMod val="60000"/>
-              <a:lumOff val="40000"/>
-            </a:schemeClr>
-          </a:solidFill>
-          <a:effectLst>
-            <a:outerShdw blurRad="50800" dist="38100" dir="2700000" algn="tl" rotWithShape="0">
-              <a:prstClr val="black">
-                <a:alpha val="40000"/>
-              </a:prstClr>
-            </a:outerShdw>
-          </a:effectLst>
-        </p:spPr>
-        <p:style>
-          <a:lnRef idx="3">
-            <a:schemeClr val="lt1"/>
-          </a:lnRef>
-          <a:fillRef idx="1">
-            <a:schemeClr val="accent4"/>
-          </a:fillRef>
-          <a:effectRef idx="1">
-            <a:schemeClr val="accent4"/>
-          </a:effectRef>
-          <a:fontRef idx="minor">
-            <a:schemeClr val="lt1"/>
-          </a:fontRef>
-        </p:style>
-        <p:txBody>
-          <a:bodyPr rot="0" spcFirstLastPara="0" vert="horz" wrap="square" lIns="91440" tIns="45720" rIns="91440" bIns="45720" numCol="1" spcCol="0" rtlCol="0" fromWordArt="0" anchor="b" anchorCtr="0" forceAA="0" compatLnSpc="1">
-            <a:prstTxWarp prst="textNoShape">
-              <a:avLst/>
-            </a:prstTxWarp>
-            <a:noAutofit/>
-          </a:bodyPr>
-          <a:lstStyle/>
-          <a:p>
-            <a:pPr algn="ctr">
-              <a:lnSpc>
-                <a:spcPct val="145000"/>
-              </a:lnSpc>
-              <a:spcAft>
-                <a:spcPts val="800"/>
-              </a:spcAft>
-            </a:pPr>
-            <a:endParaRPr lang="en-CA" sz="1200" dirty="0">
-              <a:effectLst/>
-              <a:ea typeface="Roboto" panose="02000000000000000000" pitchFamily="2" charset="0"/>
-              <a:cs typeface="Times New Roman" panose="02020603050405020304" pitchFamily="18" charset="0"/>
-            </a:endParaRPr>
-          </a:p>
-        </p:txBody>
-      </p:sp>
-      <p:sp>
-        <p:nvSpPr>
-          <p:cNvPr id="15" name="Rectangle: Folded Corner 14">
-            <a:extLst>
-              <a:ext uri="{FF2B5EF4-FFF2-40B4-BE49-F238E27FC236}">
-                <a16:creationId xmlns:a16="http://schemas.microsoft.com/office/drawing/2014/main" id="{6BF545F9-B08B-40A8-82FB-6B3A677DEA30}"/>
-              </a:ext>
-            </a:extLst>
-          </p:cNvPr>
-          <p:cNvSpPr/>
-          <p:nvPr/>
-        </p:nvSpPr>
-        <p:spPr>
-          <a:xfrm rot="20706581">
-            <a:off x="8485380" y="3682338"/>
-            <a:ext cx="403174" cy="387778"/>
-          </a:xfrm>
-          <a:prstGeom prst="foldedCorner">
-            <a:avLst/>
-          </a:prstGeom>
-          <a:solidFill>
-            <a:schemeClr val="accent5">
-              <a:lumMod val="60000"/>
-              <a:lumOff val="40000"/>
-            </a:schemeClr>
-          </a:solidFill>
-          <a:effectLst>
-            <a:outerShdw blurRad="50800" dist="38100" dir="2700000" algn="tl" rotWithShape="0">
-              <a:prstClr val="black">
-                <a:alpha val="40000"/>
-              </a:prstClr>
-            </a:outerShdw>
-          </a:effectLst>
-        </p:spPr>
-        <p:style>
-          <a:lnRef idx="3">
-            <a:schemeClr val="lt1"/>
-          </a:lnRef>
-          <a:fillRef idx="1">
-            <a:schemeClr val="accent4"/>
-          </a:fillRef>
-          <a:effectRef idx="1">
-            <a:schemeClr val="accent4"/>
-          </a:effectRef>
-          <a:fontRef idx="minor">
-            <a:schemeClr val="lt1"/>
-          </a:fontRef>
-        </p:style>
-        <p:txBody>
-          <a:bodyPr rot="0" spcFirstLastPara="0" vert="horz" wrap="square" lIns="91440" tIns="45720" rIns="91440" bIns="45720" numCol="1" spcCol="0" rtlCol="0" fromWordArt="0" anchor="b" anchorCtr="0" forceAA="0" compatLnSpc="1">
-            <a:prstTxWarp prst="textNoShape">
-              <a:avLst/>
-            </a:prstTxWarp>
-            <a:noAutofit/>
-          </a:bodyPr>
-          <a:lstStyle/>
-          <a:p>
-            <a:pPr algn="ctr">
-              <a:lnSpc>
-                <a:spcPct val="145000"/>
-              </a:lnSpc>
-              <a:spcAft>
-                <a:spcPts val="800"/>
-              </a:spcAft>
-            </a:pPr>
-            <a:endParaRPr lang="en-CA" sz="1400" dirty="0">
-              <a:effectLst/>
-              <a:ea typeface="Roboto" panose="02000000000000000000" pitchFamily="2" charset="0"/>
-              <a:cs typeface="Times New Roman" panose="02020603050405020304" pitchFamily="18" charset="0"/>
-            </a:endParaRPr>
-          </a:p>
-        </p:txBody>
-      </p:sp>
-      <p:sp>
-        <p:nvSpPr>
-          <p:cNvPr id="16" name="Rectangle: Folded Corner 15">
-            <a:extLst>
-              <a:ext uri="{FF2B5EF4-FFF2-40B4-BE49-F238E27FC236}">
-                <a16:creationId xmlns:a16="http://schemas.microsoft.com/office/drawing/2014/main" id="{96C12BF3-6477-4B15-9294-9539C047B722}"/>
-              </a:ext>
-            </a:extLst>
-          </p:cNvPr>
-          <p:cNvSpPr/>
-          <p:nvPr/>
-        </p:nvSpPr>
-        <p:spPr>
-          <a:xfrm rot="20907188">
-            <a:off x="6318122" y="3102268"/>
-            <a:ext cx="403174" cy="387778"/>
-          </a:xfrm>
-          <a:prstGeom prst="foldedCorner">
-            <a:avLst/>
-          </a:prstGeom>
-          <a:solidFill>
-            <a:schemeClr val="accent5">
-              <a:lumMod val="60000"/>
-              <a:lumOff val="40000"/>
-            </a:schemeClr>
-          </a:solidFill>
-          <a:effectLst>
-            <a:outerShdw blurRad="50800" dist="38100" dir="2700000" algn="tl" rotWithShape="0">
-              <a:prstClr val="black">
-                <a:alpha val="40000"/>
-              </a:prstClr>
-            </a:outerShdw>
-          </a:effectLst>
-        </p:spPr>
-        <p:style>
-          <a:lnRef idx="3">
-            <a:schemeClr val="lt1"/>
-          </a:lnRef>
-          <a:fillRef idx="1">
-            <a:schemeClr val="accent4"/>
-          </a:fillRef>
-          <a:effectRef idx="1">
-            <a:schemeClr val="accent4"/>
-          </a:effectRef>
-          <a:fontRef idx="minor">
-            <a:schemeClr val="lt1"/>
-          </a:fontRef>
-        </p:style>
-        <p:txBody>
-          <a:bodyPr rot="0" spcFirstLastPara="0" vert="horz" wrap="square" lIns="91440" tIns="45720" rIns="91440" bIns="45720" numCol="1" spcCol="0" rtlCol="0" fromWordArt="0" anchor="b" anchorCtr="0" forceAA="0" compatLnSpc="1">
-            <a:prstTxWarp prst="textNoShape">
-              <a:avLst/>
-            </a:prstTxWarp>
-            <a:noAutofit/>
-          </a:bodyPr>
-          <a:lstStyle/>
-          <a:p>
-            <a:pPr algn="ctr">
-              <a:lnSpc>
-                <a:spcPct val="145000"/>
-              </a:lnSpc>
-              <a:spcAft>
-                <a:spcPts val="800"/>
-              </a:spcAft>
-            </a:pPr>
-            <a:endParaRPr lang="en-CA" sz="1200" dirty="0">
-              <a:effectLst/>
-              <a:ea typeface="Roboto" panose="02000000000000000000" pitchFamily="2" charset="0"/>
-              <a:cs typeface="Times New Roman" panose="02020603050405020304" pitchFamily="18" charset="0"/>
-            </a:endParaRPr>
-          </a:p>
-        </p:txBody>
-      </p:sp>
-      <p:sp>
-        <p:nvSpPr>
-          <p:cNvPr id="17" name="Rectangle: Folded Corner 16">
-            <a:extLst>
-              <a:ext uri="{FF2B5EF4-FFF2-40B4-BE49-F238E27FC236}">
-                <a16:creationId xmlns:a16="http://schemas.microsoft.com/office/drawing/2014/main" id="{7A8100DC-D79D-4E77-8AC3-160A274B35A6}"/>
-              </a:ext>
-            </a:extLst>
-          </p:cNvPr>
-          <p:cNvSpPr/>
-          <p:nvPr/>
-        </p:nvSpPr>
-        <p:spPr>
-          <a:xfrm rot="21454699">
-            <a:off x="6929296" y="2150061"/>
-            <a:ext cx="403174" cy="387778"/>
-          </a:xfrm>
-          <a:prstGeom prst="foldedCorner">
-            <a:avLst/>
-          </a:prstGeom>
-          <a:solidFill>
-            <a:schemeClr val="accent5">
-              <a:lumMod val="60000"/>
-              <a:lumOff val="40000"/>
-            </a:schemeClr>
-          </a:solidFill>
-          <a:effectLst>
-            <a:outerShdw blurRad="50800" dist="38100" dir="2700000" algn="tl" rotWithShape="0">
-              <a:prstClr val="black">
-                <a:alpha val="40000"/>
-              </a:prstClr>
-            </a:outerShdw>
-          </a:effectLst>
-        </p:spPr>
-        <p:style>
-          <a:lnRef idx="3">
-            <a:schemeClr val="lt1"/>
-          </a:lnRef>
-          <a:fillRef idx="1">
-            <a:schemeClr val="accent4"/>
-          </a:fillRef>
-          <a:effectRef idx="1">
-            <a:schemeClr val="accent4"/>
-          </a:effectRef>
-          <a:fontRef idx="minor">
-            <a:schemeClr val="lt1"/>
-          </a:fontRef>
-        </p:style>
-        <p:txBody>
-          <a:bodyPr rot="0" spcFirstLastPara="0" vert="horz" wrap="square" lIns="91440" tIns="45720" rIns="91440" bIns="45720" numCol="1" spcCol="0" rtlCol="0" fromWordArt="0" anchor="b" anchorCtr="0" forceAA="0" compatLnSpc="1">
-            <a:prstTxWarp prst="textNoShape">
-              <a:avLst/>
-            </a:prstTxWarp>
-            <a:noAutofit/>
-          </a:bodyPr>
-          <a:lstStyle/>
-          <a:p>
-            <a:pPr algn="ctr">
-              <a:lnSpc>
-                <a:spcPct val="145000"/>
-              </a:lnSpc>
-              <a:spcAft>
-                <a:spcPts val="800"/>
-              </a:spcAft>
-            </a:pPr>
-            <a:endParaRPr lang="en-CA" sz="1400" dirty="0">
-              <a:effectLst/>
-              <a:ea typeface="Roboto" panose="02000000000000000000" pitchFamily="2" charset="0"/>
-              <a:cs typeface="Times New Roman" panose="02020603050405020304" pitchFamily="18" charset="0"/>
-            </a:endParaRPr>
-          </a:p>
-        </p:txBody>
-      </p:sp>
-      <p:sp>
-        <p:nvSpPr>
-          <p:cNvPr id="18" name="Rectangle: Folded Corner 17">
-            <a:extLst>
-              <a:ext uri="{FF2B5EF4-FFF2-40B4-BE49-F238E27FC236}">
-                <a16:creationId xmlns:a16="http://schemas.microsoft.com/office/drawing/2014/main" id="{3F9F3A4C-D4D8-4003-A8A8-830D113FABB3}"/>
-              </a:ext>
-            </a:extLst>
-          </p:cNvPr>
-          <p:cNvSpPr/>
-          <p:nvPr/>
-        </p:nvSpPr>
-        <p:spPr>
-          <a:xfrm rot="850069">
-            <a:off x="9108541" y="4793661"/>
-            <a:ext cx="403174" cy="387778"/>
-          </a:xfrm>
-          <a:prstGeom prst="foldedCorner">
-            <a:avLst/>
-          </a:prstGeom>
-          <a:solidFill>
-            <a:schemeClr val="accent5">
-              <a:lumMod val="60000"/>
-              <a:lumOff val="40000"/>
-            </a:schemeClr>
-          </a:solidFill>
-          <a:effectLst>
-            <a:outerShdw blurRad="50800" dist="38100" dir="2700000" algn="tl" rotWithShape="0">
-              <a:prstClr val="black">
-                <a:alpha val="40000"/>
-              </a:prstClr>
-            </a:outerShdw>
-          </a:effectLst>
-        </p:spPr>
-        <p:style>
-          <a:lnRef idx="3">
-            <a:schemeClr val="lt1"/>
-          </a:lnRef>
-          <a:fillRef idx="1">
-            <a:schemeClr val="accent4"/>
-          </a:fillRef>
-          <a:effectRef idx="1">
-            <a:schemeClr val="accent4"/>
-          </a:effectRef>
-          <a:fontRef idx="minor">
-            <a:schemeClr val="lt1"/>
-          </a:fontRef>
-        </p:style>
-        <p:txBody>
-          <a:bodyPr rot="0" spcFirstLastPara="0" vert="horz" wrap="square" lIns="91440" tIns="45720" rIns="91440" bIns="45720" numCol="1" spcCol="0" rtlCol="0" fromWordArt="0" anchor="b" anchorCtr="0" forceAA="0" compatLnSpc="1">
-            <a:prstTxWarp prst="textNoShape">
-              <a:avLst/>
-            </a:prstTxWarp>
-            <a:noAutofit/>
-          </a:bodyPr>
-          <a:lstStyle/>
-          <a:p>
-            <a:pPr algn="ctr">
-              <a:lnSpc>
-                <a:spcPct val="145000"/>
-              </a:lnSpc>
-              <a:spcAft>
-                <a:spcPts val="800"/>
-              </a:spcAft>
-            </a:pPr>
-            <a:endParaRPr lang="en-CA" sz="1400" dirty="0">
-              <a:effectLst/>
-              <a:ea typeface="Roboto" panose="02000000000000000000" pitchFamily="2" charset="0"/>
-              <a:cs typeface="Times New Roman" panose="02020603050405020304" pitchFamily="18" charset="0"/>
-            </a:endParaRPr>
-          </a:p>
-        </p:txBody>
-      </p:sp>
-      <p:sp>
-        <p:nvSpPr>
-          <p:cNvPr id="19" name="Rectangle: Folded Corner 18">
-            <a:extLst>
-              <a:ext uri="{FF2B5EF4-FFF2-40B4-BE49-F238E27FC236}">
-                <a16:creationId xmlns:a16="http://schemas.microsoft.com/office/drawing/2014/main" id="{FDE86CF4-5A72-4F0B-91B1-27C4489DAB27}"/>
-              </a:ext>
-            </a:extLst>
-          </p:cNvPr>
-          <p:cNvSpPr/>
-          <p:nvPr/>
-        </p:nvSpPr>
-        <p:spPr>
-          <a:xfrm rot="1050676">
-            <a:off x="6941283" y="4213591"/>
-            <a:ext cx="403174" cy="387778"/>
-          </a:xfrm>
-          <a:prstGeom prst="foldedCorner">
-            <a:avLst/>
-          </a:prstGeom>
-          <a:solidFill>
-            <a:schemeClr val="accent5">
-              <a:lumMod val="60000"/>
-              <a:lumOff val="40000"/>
-            </a:schemeClr>
-          </a:solidFill>
-          <a:effectLst>
-            <a:outerShdw blurRad="50800" dist="38100" dir="2700000" algn="tl" rotWithShape="0">
-              <a:prstClr val="black">
-                <a:alpha val="40000"/>
-              </a:prstClr>
-            </a:outerShdw>
-          </a:effectLst>
-        </p:spPr>
-        <p:style>
-          <a:lnRef idx="3">
-            <a:schemeClr val="lt1"/>
-          </a:lnRef>
-          <a:fillRef idx="1">
-            <a:schemeClr val="accent4"/>
-          </a:fillRef>
-          <a:effectRef idx="1">
-            <a:schemeClr val="accent4"/>
-          </a:effectRef>
-          <a:fontRef idx="minor">
-            <a:schemeClr val="lt1"/>
-          </a:fontRef>
-        </p:style>
-        <p:txBody>
-          <a:bodyPr rot="0" spcFirstLastPara="0" vert="horz" wrap="square" lIns="91440" tIns="45720" rIns="91440" bIns="45720" numCol="1" spcCol="0" rtlCol="0" fromWordArt="0" anchor="b" anchorCtr="0" forceAA="0" compatLnSpc="1">
-            <a:prstTxWarp prst="textNoShape">
-              <a:avLst/>
-            </a:prstTxWarp>
-            <a:noAutofit/>
-          </a:bodyPr>
-          <a:lstStyle/>
-          <a:p>
-            <a:pPr algn="ctr">
-              <a:lnSpc>
-                <a:spcPct val="145000"/>
-              </a:lnSpc>
-              <a:spcAft>
-                <a:spcPts val="800"/>
-              </a:spcAft>
-            </a:pPr>
-            <a:endParaRPr lang="en-CA" sz="1200" dirty="0">
-              <a:effectLst/>
-              <a:ea typeface="Roboto" panose="02000000000000000000" pitchFamily="2" charset="0"/>
-              <a:cs typeface="Times New Roman" panose="02020603050405020304" pitchFamily="18" charset="0"/>
-            </a:endParaRPr>
+          <p:cNvSpPr>
+            <a:spLocks noGrp="1"/>
+          </p:cNvSpPr>
+          <p:nvPr>
+            <p:ph type="ftr" sz="quarter" idx="11"/>
+          </p:nvPr>
+        </p:nvSpPr>
+        <p:spPr/>
+        <p:txBody>
+          <a:bodyPr/>
+          <a:lstStyle/>
+          <a:p>
+            <a:endParaRPr lang="en-CA" dirty="0"/>
           </a:p>
         </p:txBody>
       </p:sp>
     </p:spTree>
     <p:extLst>
       <p:ext uri="{BB962C8B-B14F-4D97-AF65-F5344CB8AC3E}">
-        <p14:creationId xmlns:p14="http://schemas.microsoft.com/office/powerpoint/2010/main" val="3705547442"/>
+        <p14:creationId xmlns:p14="http://schemas.microsoft.com/office/powerpoint/2010/main" val="2872707968"/>
       </p:ext>
     </p:extLst>
   </p:cSld>
   <p:clrMapOvr>
     <a:masterClrMapping/>
   </p:clrMapOvr>
+  <p:timing>
+    <p:tnLst>
+      <p:par>
+        <p:cTn id="1" dur="indefinite" restart="never" nodeType="tmRoot">
+          <p:childTnLst>
+            <p:seq concurrent="1" nextAc="seek">
+              <p:cTn id="2" dur="indefinite" nodeType="mainSeq">
+                <p:childTnLst>
+                  <p:par>
+                    <p:cTn id="3" fill="hold">
+                      <p:stCondLst>
+                        <p:cond delay="indefinite"/>
+                      </p:stCondLst>
+                      <p:childTnLst>
+                        <p:par>
+                          <p:cTn id="4" fill="hold">
+                            <p:stCondLst>
+                              <p:cond delay="0"/>
+                            </p:stCondLst>
+                            <p:childTnLst>
+                              <p:par>
+                                <p:cTn id="5" presetID="1" presetClass="entr" presetSubtype="0" fill="hold" nodeType="clickEffect">
+                                  <p:stCondLst>
+                                    <p:cond delay="0"/>
+                                  </p:stCondLst>
+                                  <p:childTnLst>
+                                    <p:set>
+                                      <p:cBhvr>
+                                        <p:cTn id="6" dur="1" fill="hold">
+                                          <p:stCondLst>
+                                            <p:cond delay="0"/>
+                                          </p:stCondLst>
+                                        </p:cTn>
+                                        <p:tgtEl>
+                                          <p:spTgt spid="4">
+                                            <p:txEl>
+                                              <p:pRg st="0" end="0"/>
+                                            </p:txEl>
+                                          </p:spTgt>
+                                        </p:tgtEl>
+                                        <p:attrNameLst>
+                                          <p:attrName>style.visibility</p:attrName>
+                                        </p:attrNameLst>
+                                      </p:cBhvr>
+                                      <p:to>
+                                        <p:strVal val="visible"/>
+                                      </p:to>
+                                    </p:set>
+                                  </p:childTnLst>
+                                </p:cTn>
+                              </p:par>
+                              <p:par>
+                                <p:cTn id="7" presetID="1" presetClass="entr" presetSubtype="0" fill="hold" nodeType="withEffect">
+                                  <p:stCondLst>
+                                    <p:cond delay="0"/>
+                                  </p:stCondLst>
+                                  <p:childTnLst>
+                                    <p:set>
+                                      <p:cBhvr>
+                                        <p:cTn id="8" dur="1" fill="hold">
+                                          <p:stCondLst>
+                                            <p:cond delay="0"/>
+                                          </p:stCondLst>
+                                        </p:cTn>
+                                        <p:tgtEl>
+                                          <p:spTgt spid="4">
+                                            <p:txEl>
+                                              <p:pRg st="2" end="2"/>
+                                            </p:txEl>
+                                          </p:spTgt>
+                                        </p:tgtEl>
+                                        <p:attrNameLst>
+                                          <p:attrName>style.visibility</p:attrName>
+                                        </p:attrNameLst>
+                                      </p:cBhvr>
+                                      <p:to>
+                                        <p:strVal val="visible"/>
+                                      </p:to>
+                                    </p:set>
+                                  </p:childTnLst>
+                                </p:cTn>
+                              </p:par>
+                              <p:par>
+                                <p:cTn id="9" presetID="1" presetClass="entr" presetSubtype="0" fill="hold" nodeType="withEffect">
+                                  <p:stCondLst>
+                                    <p:cond delay="0"/>
+                                  </p:stCondLst>
+                                  <p:childTnLst>
+                                    <p:set>
+                                      <p:cBhvr>
+                                        <p:cTn id="10" dur="1" fill="hold">
+                                          <p:stCondLst>
+                                            <p:cond delay="0"/>
+                                          </p:stCondLst>
+                                        </p:cTn>
+                                        <p:tgtEl>
+                                          <p:spTgt spid="4">
+                                            <p:txEl>
+                                              <p:pRg st="3" end="3"/>
+                                            </p:txEl>
+                                          </p:spTgt>
+                                        </p:tgtEl>
+                                        <p:attrNameLst>
+                                          <p:attrName>style.visibility</p:attrName>
+                                        </p:attrNameLst>
+                                      </p:cBhvr>
+                                      <p:to>
+                                        <p:strVal val="visible"/>
+                                      </p:to>
+                                    </p:set>
+                                  </p:childTnLst>
+                                </p:cTn>
+                              </p:par>
+                            </p:childTnLst>
+                          </p:cTn>
+                        </p:par>
+                      </p:childTnLst>
+                    </p:cTn>
+                  </p:par>
+                </p:childTnLst>
+              </p:cTn>
+              <p:prevCondLst>
+                <p:cond evt="onPrev" delay="0">
+                  <p:tgtEl>
+                    <p:sldTgt/>
+                  </p:tgtEl>
+                </p:cond>
+              </p:prevCondLst>
+              <p:nextCondLst>
+                <p:cond evt="onNext" delay="0">
+                  <p:tgtEl>
+                    <p:sldTgt/>
+                  </p:tgtEl>
+                </p:cond>
+              </p:nextCondLst>
+            </p:seq>
+          </p:childTnLst>
+        </p:cTn>
+      </p:par>
+    </p:tnLst>
+  </p:timing>
 </p:sld>
 </file>
 
@@ -17076,10 +18401,10 @@
       </p:grpSpPr>
       <p:sp>
         <p:nvSpPr>
-          <p:cNvPr id="32" name="Title 31">
+          <p:cNvPr id="2" name="Title 1">
             <a:extLst>
               <a:ext uri="{FF2B5EF4-FFF2-40B4-BE49-F238E27FC236}">
-                <a16:creationId xmlns:a16="http://schemas.microsoft.com/office/drawing/2014/main" id="{206C6654-86A9-4745-A549-FC7B0BFF7ED9}"/>
+                <a16:creationId xmlns:a16="http://schemas.microsoft.com/office/drawing/2014/main" id="{14E36CF7-F77C-4F00-A0AF-18AA61AF5248}"/>
               </a:ext>
             </a:extLst>
           </p:cNvPr>
@@ -17097,17 +18422,17 @@
           <a:p>
             <a:r>
               <a:rPr lang="en-CA" dirty="0"/>
-              <a:t>EXAMPLES &amp; CONFIRM</a:t>
-            </a:r>
-          </a:p>
-        </p:txBody>
-      </p:sp>
-      <p:sp>
-        <p:nvSpPr>
-          <p:cNvPr id="8" name="Content Placeholder 7">
+              <a:t>How to coders spend their time?</a:t>
+            </a:r>
+          </a:p>
+        </p:txBody>
+      </p:sp>
+      <p:sp>
+        <p:nvSpPr>
+          <p:cNvPr id="3" name="Content Placeholder 2">
             <a:extLst>
               <a:ext uri="{FF2B5EF4-FFF2-40B4-BE49-F238E27FC236}">
-                <a16:creationId xmlns:a16="http://schemas.microsoft.com/office/drawing/2014/main" id="{D9419013-1DA3-424E-93E1-648686F7A824}"/>
+                <a16:creationId xmlns:a16="http://schemas.microsoft.com/office/drawing/2014/main" id="{5BB2F4E8-E2E6-480B-8182-8AA7D04686CE}"/>
               </a:ext>
             </a:extLst>
           </p:cNvPr>
@@ -17115,94 +18440,96 @@
             <a:spLocks noGrp="1"/>
           </p:cNvSpPr>
           <p:nvPr>
-            <p:ph idx="1"/>
+            <p:ph sz="half" idx="1"/>
           </p:nvPr>
         </p:nvSpPr>
         <p:spPr/>
         <p:txBody>
-          <a:bodyPr numCol="2">
-            <a:normAutofit/>
-          </a:bodyPr>
-          <a:lstStyle/>
-          <a:p>
-            <a:pPr lvl="0"/>
+          <a:bodyPr/>
+          <a:lstStyle/>
+          <a:p>
             <a:r>
               <a:rPr lang="en-CA" dirty="0"/>
-              <a:t>Contract</a:t>
-            </a:r>
-          </a:p>
-          <a:p>
-            <a:pPr lvl="0"/>
+              <a:t>Coding?</a:t>
+            </a:r>
+          </a:p>
+        </p:txBody>
+      </p:sp>
+      <p:sp>
+        <p:nvSpPr>
+          <p:cNvPr id="4" name="Content Placeholder 3">
+            <a:extLst>
+              <a:ext uri="{FF2B5EF4-FFF2-40B4-BE49-F238E27FC236}">
+                <a16:creationId xmlns:a16="http://schemas.microsoft.com/office/drawing/2014/main" id="{D7A39989-02E7-419D-8E99-5F832E054B44}"/>
+              </a:ext>
+            </a:extLst>
+          </p:cNvPr>
+          <p:cNvSpPr>
+            <a:spLocks noGrp="1"/>
+          </p:cNvSpPr>
+          <p:nvPr>
+            <p:ph sz="half" idx="2"/>
+          </p:nvPr>
+        </p:nvSpPr>
+        <p:spPr/>
+        <p:txBody>
+          <a:bodyPr/>
+          <a:lstStyle/>
+          <a:p>
             <a:r>
               <a:rPr lang="en-CA" dirty="0"/>
-              <a:t>Requirement</a:t>
-            </a:r>
-          </a:p>
-          <a:p>
-            <a:pPr lvl="0"/>
+              <a:t>No</a:t>
+            </a:r>
+          </a:p>
+          <a:p>
+            <a:endParaRPr lang="en-CA" dirty="0"/>
+          </a:p>
+          <a:p>
+            <a:pPr marL="0" indent="0">
+              <a:buNone/>
+            </a:pPr>
             <a:r>
               <a:rPr lang="en-CA" dirty="0"/>
-              <a:t>Artboard</a:t>
-            </a:r>
-          </a:p>
-          <a:p>
-            <a:pPr lvl="0"/>
+              <a:t>   3 hours/day coding</a:t>
+            </a:r>
+          </a:p>
+          <a:p>
+            <a:pPr marL="0" indent="0">
+              <a:buNone/>
+            </a:pPr>
             <a:r>
               <a:rPr lang="en-CA" dirty="0"/>
-              <a:t>Test plan</a:t>
-            </a:r>
-          </a:p>
-          <a:p>
-            <a:pPr lvl="0"/>
+              <a:t>+ 5 hours/day warding off</a:t>
+            </a:r>
+            <a:br>
+              <a:rPr lang="en-CA" dirty="0"/>
+            </a:br>
+            <a:r>
+              <a:rPr lang="en-CA" dirty="0"/>
+              <a:t>   questions about why things</a:t>
+            </a:r>
+            <a:br>
+              <a:rPr lang="en-CA" dirty="0"/>
+            </a:br>
+            <a:r>
+              <a:rPr lang="en-CA" dirty="0"/>
+              <a:t>   take so long</a:t>
+            </a:r>
+          </a:p>
+          <a:p>
+            <a:pPr marL="0" indent="0">
+              <a:buNone/>
+            </a:pPr>
             <a:endParaRPr lang="en-CA" dirty="0"/>
           </a:p>
-          <a:p>
-            <a:pPr lvl="0"/>
-            <a:endParaRPr lang="en-CA" dirty="0"/>
-          </a:p>
-          <a:p>
-            <a:pPr lvl="0"/>
-            <a:endParaRPr lang="en-CA" dirty="0"/>
-          </a:p>
-          <a:p>
-            <a:pPr lvl="0"/>
-            <a:endParaRPr lang="en-CA" dirty="0"/>
-          </a:p>
-          <a:p>
-            <a:pPr lvl="0"/>
-            <a:r>
-              <a:rPr lang="en-CA" dirty="0"/>
-              <a:t>Test result</a:t>
-            </a:r>
-          </a:p>
-          <a:p>
-            <a:pPr lvl="0"/>
-            <a:r>
-              <a:rPr lang="en-CA" dirty="0"/>
-              <a:t>Source code</a:t>
-            </a:r>
-          </a:p>
-          <a:p>
-            <a:pPr lvl="0"/>
-            <a:r>
-              <a:rPr lang="en-CA" dirty="0"/>
-              <a:t>Usage guide</a:t>
-            </a:r>
-          </a:p>
-          <a:p>
-            <a:r>
-              <a:rPr lang="en-CA" dirty="0"/>
-              <a:t>Installation guide</a:t>
-            </a:r>
-          </a:p>
-        </p:txBody>
-      </p:sp>
-      <p:sp>
-        <p:nvSpPr>
-          <p:cNvPr id="4" name="Text Placeholder 3">
+        </p:txBody>
+      </p:sp>
+      <p:sp>
+        <p:nvSpPr>
+          <p:cNvPr id="5" name="Footer Placeholder 4">
             <a:extLst>
               <a:ext uri="{FF2B5EF4-FFF2-40B4-BE49-F238E27FC236}">
-                <a16:creationId xmlns:a16="http://schemas.microsoft.com/office/drawing/2014/main" id="{846BFD0B-CECF-4387-9876-66581D15C83B}"/>
+                <a16:creationId xmlns:a16="http://schemas.microsoft.com/office/drawing/2014/main" id="{11D8EB9E-0DF7-4C32-ABE1-ED5D7A6BFB2B}"/>
               </a:ext>
             </a:extLst>
           </p:cNvPr>
@@ -17210,7 +18537,7 @@
             <a:spLocks noGrp="1"/>
           </p:cNvSpPr>
           <p:nvPr>
-            <p:ph type="body" sz="half" idx="2"/>
+            <p:ph type="ftr" sz="quarter" idx="11"/>
           </p:nvPr>
         </p:nvSpPr>
         <p:spPr/>
@@ -17225,13 +18552,154 @@
     </p:spTree>
     <p:extLst>
       <p:ext uri="{BB962C8B-B14F-4D97-AF65-F5344CB8AC3E}">
-        <p14:creationId xmlns:p14="http://schemas.microsoft.com/office/powerpoint/2010/main" val="519306126"/>
+        <p14:creationId xmlns:p14="http://schemas.microsoft.com/office/powerpoint/2010/main" val="3992078730"/>
       </p:ext>
     </p:extLst>
   </p:cSld>
   <p:clrMapOvr>
     <a:masterClrMapping/>
   </p:clrMapOvr>
+  <p:timing>
+    <p:tnLst>
+      <p:par>
+        <p:cTn id="1" dur="indefinite" restart="never" nodeType="tmRoot">
+          <p:childTnLst>
+            <p:seq concurrent="1" nextAc="seek">
+              <p:cTn id="2" dur="indefinite" nodeType="mainSeq">
+                <p:childTnLst>
+                  <p:par>
+                    <p:cTn id="3" fill="hold">
+                      <p:stCondLst>
+                        <p:cond delay="indefinite"/>
+                      </p:stCondLst>
+                      <p:childTnLst>
+                        <p:par>
+                          <p:cTn id="4" fill="hold">
+                            <p:stCondLst>
+                              <p:cond delay="0"/>
+                            </p:stCondLst>
+                            <p:childTnLst>
+                              <p:par>
+                                <p:cTn id="5" presetID="1" presetClass="entr" presetSubtype="0" fill="hold" nodeType="clickEffect">
+                                  <p:stCondLst>
+                                    <p:cond delay="0"/>
+                                  </p:stCondLst>
+                                  <p:childTnLst>
+                                    <p:set>
+                                      <p:cBhvr>
+                                        <p:cTn id="6" dur="1" fill="hold">
+                                          <p:stCondLst>
+                                            <p:cond delay="0"/>
+                                          </p:stCondLst>
+                                        </p:cTn>
+                                        <p:tgtEl>
+                                          <p:spTgt spid="4">
+                                            <p:txEl>
+                                              <p:pRg st="0" end="0"/>
+                                            </p:txEl>
+                                          </p:spTgt>
+                                        </p:tgtEl>
+                                        <p:attrNameLst>
+                                          <p:attrName>style.visibility</p:attrName>
+                                        </p:attrNameLst>
+                                      </p:cBhvr>
+                                      <p:to>
+                                        <p:strVal val="visible"/>
+                                      </p:to>
+                                    </p:set>
+                                  </p:childTnLst>
+                                </p:cTn>
+                              </p:par>
+                              <p:par>
+                                <p:cTn id="7" presetID="1" presetClass="entr" presetSubtype="0" fill="hold" nodeType="withEffect">
+                                  <p:stCondLst>
+                                    <p:cond delay="0"/>
+                                  </p:stCondLst>
+                                  <p:childTnLst>
+                                    <p:set>
+                                      <p:cBhvr>
+                                        <p:cTn id="8" dur="1" fill="hold">
+                                          <p:stCondLst>
+                                            <p:cond delay="0"/>
+                                          </p:stCondLst>
+                                        </p:cTn>
+                                        <p:tgtEl>
+                                          <p:spTgt spid="4">
+                                            <p:txEl>
+                                              <p:pRg st="2" end="2"/>
+                                            </p:txEl>
+                                          </p:spTgt>
+                                        </p:tgtEl>
+                                        <p:attrNameLst>
+                                          <p:attrName>style.visibility</p:attrName>
+                                        </p:attrNameLst>
+                                      </p:cBhvr>
+                                      <p:to>
+                                        <p:strVal val="visible"/>
+                                      </p:to>
+                                    </p:set>
+                                  </p:childTnLst>
+                                </p:cTn>
+                              </p:par>
+                              <p:par>
+                                <p:cTn id="9" presetID="1" presetClass="entr" presetSubtype="0" fill="hold" nodeType="withEffect">
+                                  <p:stCondLst>
+                                    <p:cond delay="0"/>
+                                  </p:stCondLst>
+                                  <p:childTnLst>
+                                    <p:set>
+                                      <p:cBhvr>
+                                        <p:cTn id="10" dur="1" fill="hold">
+                                          <p:stCondLst>
+                                            <p:cond delay="0"/>
+                                          </p:stCondLst>
+                                        </p:cTn>
+                                        <p:tgtEl>
+                                          <p:spTgt spid="4">
+                                            <p:txEl>
+                                              <p:pRg st="3" end="3"/>
+                                            </p:txEl>
+                                          </p:spTgt>
+                                        </p:tgtEl>
+                                        <p:attrNameLst>
+                                          <p:attrName>style.visibility</p:attrName>
+                                        </p:attrNameLst>
+                                      </p:cBhvr>
+                                      <p:to>
+                                        <p:strVal val="visible"/>
+                                      </p:to>
+                                    </p:set>
+                                  </p:childTnLst>
+                                </p:cTn>
+                              </p:par>
+                            </p:childTnLst>
+                          </p:cTn>
+                        </p:par>
+                      </p:childTnLst>
+                    </p:cTn>
+                  </p:par>
+                </p:childTnLst>
+              </p:cTn>
+              <p:prevCondLst>
+                <p:cond evt="onPrev" delay="0">
+                  <p:tgtEl>
+                    <p:sldTgt/>
+                  </p:tgtEl>
+                </p:cond>
+              </p:prevCondLst>
+              <p:nextCondLst>
+                <p:cond evt="onNext" delay="0">
+                  <p:tgtEl>
+                    <p:sldTgt/>
+                  </p:tgtEl>
+                </p:cond>
+              </p:nextCondLst>
+            </p:seq>
+          </p:childTnLst>
+        </p:cTn>
+      </p:par>
+    </p:tnLst>
+  </p:timing>
 </p:sld>
 </file>
 
@@ -17257,7 +18725,7 @@
           <p:cNvPr id="2" name="Title 1">
             <a:extLst>
               <a:ext uri="{FF2B5EF4-FFF2-40B4-BE49-F238E27FC236}">
-                <a16:creationId xmlns:a16="http://schemas.microsoft.com/office/drawing/2014/main" id="{34BB8220-120C-4BB4-B03D-FBBB0FB21A1F}"/>
+                <a16:creationId xmlns:a16="http://schemas.microsoft.com/office/drawing/2014/main" id="{14E36CF7-F77C-4F00-A0AF-18AA61AF5248}"/>
               </a:ext>
             </a:extLst>
           </p:cNvPr>
@@ -17275,17 +18743,17 @@
           <a:p>
             <a:r>
               <a:rPr lang="en-CA" dirty="0"/>
-              <a:t>2.</a:t>
-            </a:r>
-          </a:p>
-        </p:txBody>
-      </p:sp>
-      <p:sp>
-        <p:nvSpPr>
-          <p:cNvPr id="8" name="Content Placeholder 7">
+              <a:t>How to BAs spend their time?</a:t>
+            </a:r>
+          </a:p>
+        </p:txBody>
+      </p:sp>
+      <p:sp>
+        <p:nvSpPr>
+          <p:cNvPr id="3" name="Content Placeholder 2">
             <a:extLst>
               <a:ext uri="{FF2B5EF4-FFF2-40B4-BE49-F238E27FC236}">
-                <a16:creationId xmlns:a16="http://schemas.microsoft.com/office/drawing/2014/main" id="{CB376C22-2CDA-471D-B8FD-B39BB61E9403}"/>
+                <a16:creationId xmlns:a16="http://schemas.microsoft.com/office/drawing/2014/main" id="{5BB2F4E8-E2E6-480B-8182-8AA7D04686CE}"/>
               </a:ext>
             </a:extLst>
           </p:cNvPr>
@@ -17293,7 +18761,7 @@
             <a:spLocks noGrp="1"/>
           </p:cNvSpPr>
           <p:nvPr>
-            <p:ph idx="1"/>
+            <p:ph sz="half" idx="1"/>
           </p:nvPr>
         </p:nvSpPr>
         <p:spPr/>
@@ -17303,64 +18771,284 @@
           <a:p>
             <a:r>
               <a:rPr lang="en-CA" dirty="0"/>
-              <a:t>The ‘Point of Implementation’ is the </a:t>
-            </a:r>
-            <a:r>
-              <a:rPr lang="en-CA" i="1" dirty="0"/>
-              <a:t>point in time</a:t>
-            </a:r>
+              <a:t>Business Analysis?</a:t>
+            </a:r>
+          </a:p>
+        </p:txBody>
+      </p:sp>
+      <p:sp>
+        <p:nvSpPr>
+          <p:cNvPr id="4" name="Content Placeholder 3">
+            <a:extLst>
+              <a:ext uri="{FF2B5EF4-FFF2-40B4-BE49-F238E27FC236}">
+                <a16:creationId xmlns:a16="http://schemas.microsoft.com/office/drawing/2014/main" id="{D7A39989-02E7-419D-8E99-5F832E054B44}"/>
+              </a:ext>
+            </a:extLst>
+          </p:cNvPr>
+          <p:cNvSpPr>
+            <a:spLocks noGrp="1"/>
+          </p:cNvSpPr>
+          <p:nvPr>
+            <p:ph sz="half" idx="2"/>
+          </p:nvPr>
+        </p:nvSpPr>
+        <p:spPr/>
+        <p:txBody>
+          <a:bodyPr/>
+          <a:lstStyle/>
+          <a:p>
             <a:r>
               <a:rPr lang="en-CA" dirty="0"/>
-              <a:t> that a new behaviour, feature, requirement, element is codified into the product.</a:t>
-            </a:r>
-          </a:p>
-        </p:txBody>
-      </p:sp>
-      <p:sp>
-        <p:nvSpPr>
-          <p:cNvPr id="4" name="Text Placeholder 3">
-            <a:extLst>
-              <a:ext uri="{FF2B5EF4-FFF2-40B4-BE49-F238E27FC236}">
-                <a16:creationId xmlns:a16="http://schemas.microsoft.com/office/drawing/2014/main" id="{846BFD0B-CECF-4387-9876-66581D15C83B}"/>
-              </a:ext>
-            </a:extLst>
-          </p:cNvPr>
-          <p:cNvSpPr>
-            <a:spLocks noGrp="1"/>
-          </p:cNvSpPr>
-          <p:nvPr>
-            <p:ph type="body" sz="half" idx="2"/>
-          </p:nvPr>
-        </p:nvSpPr>
-        <p:spPr/>
-        <p:txBody>
-          <a:bodyPr/>
-          <a:lstStyle/>
-          <a:p>
+              <a:t>No</a:t>
+            </a:r>
+          </a:p>
+          <a:p>
+            <a:endParaRPr lang="en-CA" dirty="0"/>
+          </a:p>
+          <a:p>
+            <a:pPr marL="0" indent="0">
+              <a:buNone/>
+            </a:pPr>
             <a:r>
               <a:rPr lang="en-CA" dirty="0"/>
-              <a:t>THE </a:t>
+              <a:t>   7 hours/day writing details for</a:t>
             </a:r>
             <a:br>
               <a:rPr lang="en-CA" dirty="0"/>
             </a:br>
             <a:r>
               <a:rPr lang="en-CA" dirty="0"/>
-              <a:t>POINT OF IMPLEMENTATION</a:t>
-            </a:r>
+              <a:t>   work happening 7 months</a:t>
+            </a:r>
+            <a:br>
+              <a:rPr lang="en-CA" dirty="0"/>
+            </a:br>
+            <a:r>
+              <a:rPr lang="en-CA" dirty="0"/>
+              <a:t>   from now</a:t>
+            </a:r>
+          </a:p>
+          <a:p>
+            <a:pPr marL="0" indent="0">
+              <a:buNone/>
+            </a:pPr>
+            <a:r>
+              <a:rPr lang="en-CA" dirty="0"/>
+              <a:t>+ 1 hour/day telling details </a:t>
+            </a:r>
+            <a:br>
+              <a:rPr lang="en-CA" dirty="0"/>
+            </a:br>
+            <a:r>
+              <a:rPr lang="en-CA" dirty="0"/>
+              <a:t>   about work happening this </a:t>
+            </a:r>
+            <a:br>
+              <a:rPr lang="en-CA" dirty="0"/>
+            </a:br>
+            <a:r>
+              <a:rPr lang="en-CA" dirty="0"/>
+              <a:t>   Sprint (despite having</a:t>
+            </a:r>
+            <a:br>
+              <a:rPr lang="en-CA" dirty="0"/>
+            </a:br>
+            <a:r>
+              <a:rPr lang="en-CA" dirty="0"/>
+              <a:t>   documented everything 7 </a:t>
+            </a:r>
+            <a:br>
+              <a:rPr lang="en-CA" dirty="0"/>
+            </a:br>
+            <a:r>
+              <a:rPr lang="en-CA" dirty="0"/>
+              <a:t>   months ago)</a:t>
+            </a:r>
+          </a:p>
+          <a:p>
+            <a:pPr marL="0" indent="0">
+              <a:buNone/>
+            </a:pPr>
+            <a:endParaRPr lang="en-CA" dirty="0"/>
+          </a:p>
+        </p:txBody>
+      </p:sp>
+      <p:sp>
+        <p:nvSpPr>
+          <p:cNvPr id="5" name="Footer Placeholder 4">
+            <a:extLst>
+              <a:ext uri="{FF2B5EF4-FFF2-40B4-BE49-F238E27FC236}">
+                <a16:creationId xmlns:a16="http://schemas.microsoft.com/office/drawing/2014/main" id="{11D8EB9E-0DF7-4C32-ABE1-ED5D7A6BFB2B}"/>
+              </a:ext>
+            </a:extLst>
+          </p:cNvPr>
+          <p:cNvSpPr>
+            <a:spLocks noGrp="1"/>
+          </p:cNvSpPr>
+          <p:nvPr>
+            <p:ph type="ftr" sz="quarter" idx="11"/>
+          </p:nvPr>
+        </p:nvSpPr>
+        <p:spPr/>
+        <p:txBody>
+          <a:bodyPr/>
+          <a:lstStyle/>
+          <a:p>
+            <a:endParaRPr lang="en-CA" dirty="0"/>
           </a:p>
         </p:txBody>
       </p:sp>
     </p:spTree>
     <p:extLst>
       <p:ext uri="{BB962C8B-B14F-4D97-AF65-F5344CB8AC3E}">
-        <p14:creationId xmlns:p14="http://schemas.microsoft.com/office/powerpoint/2010/main" val="321756643"/>
+        <p14:creationId xmlns:p14="http://schemas.microsoft.com/office/powerpoint/2010/main" val="4229466369"/>
       </p:ext>
     </p:extLst>
   </p:cSld>
   <p:clrMapOvr>
     <a:masterClrMapping/>
   </p:clrMapOvr>
+  <p:timing>
+    <p:tnLst>
+      <p:par>
+        <p:cTn id="1" dur="indefinite" restart="never" nodeType="tmRoot">
+          <p:childTnLst>
+            <p:seq concurrent="1" nextAc="seek">
+              <p:cTn id="2" dur="indefinite" nodeType="mainSeq">
+                <p:childTnLst>
+                  <p:par>
+                    <p:cTn id="3" fill="hold">
+                      <p:stCondLst>
+                        <p:cond delay="indefinite"/>
+                      </p:stCondLst>
+                      <p:childTnLst>
+                        <p:par>
+                          <p:cTn id="4" fill="hold">
+                            <p:stCondLst>
+                              <p:cond delay="0"/>
+                            </p:stCondLst>
+                            <p:childTnLst>
+                              <p:par>
+                                <p:cTn id="5" presetID="1" presetClass="entr" presetSubtype="0" fill="hold" nodeType="clickEffect">
+                                  <p:stCondLst>
+                                    <p:cond delay="0"/>
+                                  </p:stCondLst>
+                                  <p:childTnLst>
+                                    <p:set>
+                                      <p:cBhvr>
+                                        <p:cTn id="6" dur="1" fill="hold">
+                                          <p:stCondLst>
+                                            <p:cond delay="0"/>
+                                          </p:stCondLst>
+                                        </p:cTn>
+                                        <p:tgtEl>
+                                          <p:spTgt spid="4">
+                                            <p:txEl>
+                                              <p:pRg st="0" end="0"/>
+                                            </p:txEl>
+                                          </p:spTgt>
+                                        </p:tgtEl>
+                                        <p:attrNameLst>
+                                          <p:attrName>style.visibility</p:attrName>
+                                        </p:attrNameLst>
+                                      </p:cBhvr>
+                                      <p:to>
+                                        <p:strVal val="visible"/>
+                                      </p:to>
+                                    </p:set>
+                                  </p:childTnLst>
+                                </p:cTn>
+                              </p:par>
+                              <p:par>
+                                <p:cTn id="7" presetID="1" presetClass="entr" presetSubtype="0" fill="hold" nodeType="withEffect">
+                                  <p:stCondLst>
+                                    <p:cond delay="0"/>
+                                  </p:stCondLst>
+                                  <p:childTnLst>
+                                    <p:set>
+                                      <p:cBhvr>
+                                        <p:cTn id="8" dur="1" fill="hold">
+                                          <p:stCondLst>
+                                            <p:cond delay="0"/>
+                                          </p:stCondLst>
+                                        </p:cTn>
+                                        <p:tgtEl>
+                                          <p:spTgt spid="4">
+                                            <p:txEl>
+                                              <p:pRg st="2" end="2"/>
+                                            </p:txEl>
+                                          </p:spTgt>
+                                        </p:tgtEl>
+                                        <p:attrNameLst>
+                                          <p:attrName>style.visibility</p:attrName>
+                                        </p:attrNameLst>
+                                      </p:cBhvr>
+                                      <p:to>
+                                        <p:strVal val="visible"/>
+                                      </p:to>
+                                    </p:set>
+                                  </p:childTnLst>
+                                </p:cTn>
+                              </p:par>
+                              <p:par>
+                                <p:cTn id="9" presetID="1" presetClass="entr" presetSubtype="0" fill="hold" nodeType="withEffect">
+                                  <p:stCondLst>
+                                    <p:cond delay="0"/>
+                                  </p:stCondLst>
+                                  <p:childTnLst>
+                                    <p:set>
+                                      <p:cBhvr>
+                                        <p:cTn id="10" dur="1" fill="hold">
+                                          <p:stCondLst>
+                                            <p:cond delay="0"/>
+                                          </p:stCondLst>
+                                        </p:cTn>
+                                        <p:tgtEl>
+                                          <p:spTgt spid="4">
+                                            <p:txEl>
+                                              <p:pRg st="3" end="3"/>
+                                            </p:txEl>
+                                          </p:spTgt>
+                                        </p:tgtEl>
+                                        <p:attrNameLst>
+                                          <p:attrName>style.visibility</p:attrName>
+                                        </p:attrNameLst>
+                                      </p:cBhvr>
+                                      <p:to>
+                                        <p:strVal val="visible"/>
+                                      </p:to>
+                                    </p:set>
+                                  </p:childTnLst>
+                                </p:cTn>
+                              </p:par>
+                            </p:childTnLst>
+                          </p:cTn>
+                        </p:par>
+                      </p:childTnLst>
+                    </p:cTn>
+                  </p:par>
+                </p:childTnLst>
+              </p:cTn>
+              <p:prevCondLst>
+                <p:cond evt="onPrev" delay="0">
+                  <p:tgtEl>
+                    <p:sldTgt/>
+                  </p:tgtEl>
+                </p:cond>
+              </p:prevCondLst>
+              <p:nextCondLst>
+                <p:cond evt="onNext" delay="0">
+                  <p:tgtEl>
+                    <p:sldTgt/>
+                  </p:tgtEl>
+                </p:cond>
+              </p:nextCondLst>
+            </p:seq>
+          </p:childTnLst>
+        </p:cTn>
+      </p:par>
+    </p:tnLst>
+  </p:timing>
 </p:sld>
 </file>
 
@@ -17383,10 +19071,10 @@
       </p:grpSpPr>
       <p:sp>
         <p:nvSpPr>
-          <p:cNvPr id="13" name="Title 12">
+          <p:cNvPr id="24" name="Title 23">
             <a:extLst>
               <a:ext uri="{FF2B5EF4-FFF2-40B4-BE49-F238E27FC236}">
-                <a16:creationId xmlns:a16="http://schemas.microsoft.com/office/drawing/2014/main" id="{8B14BBC7-5D1F-437D-8F3B-5EA04786B0F3}"/>
+                <a16:creationId xmlns:a16="http://schemas.microsoft.com/office/drawing/2014/main" id="{63C7D3DA-FC4F-44EF-91F4-A90002A9B2CD}"/>
               </a:ext>
             </a:extLst>
           </p:cNvPr>
@@ -17404,17 +19092,17 @@
           <a:p>
             <a:r>
               <a:rPr lang="en-CA" dirty="0"/>
-              <a:t>IF IMPLEMENTING A NEW FEATURE</a:t>
-            </a:r>
-          </a:p>
-        </p:txBody>
-      </p:sp>
-      <p:sp>
-        <p:nvSpPr>
-          <p:cNvPr id="8" name="Content Placeholder 7">
+              <a:t>PURPOSE</a:t>
+            </a:r>
+          </a:p>
+        </p:txBody>
+      </p:sp>
+      <p:sp>
+        <p:nvSpPr>
+          <p:cNvPr id="3" name="Content Placeholder 2">
             <a:extLst>
               <a:ext uri="{FF2B5EF4-FFF2-40B4-BE49-F238E27FC236}">
-                <a16:creationId xmlns:a16="http://schemas.microsoft.com/office/drawing/2014/main" id="{CB376C22-2CDA-471D-B8FD-B39BB61E9403}"/>
+                <a16:creationId xmlns:a16="http://schemas.microsoft.com/office/drawing/2014/main" id="{B76CA06E-7666-4FD1-9D19-2EEB48DC8ADC}"/>
               </a:ext>
             </a:extLst>
           </p:cNvPr>
@@ -17430,25 +19118,40 @@
           <a:bodyPr/>
           <a:lstStyle/>
           <a:p>
+            <a:pPr lvl="0"/>
             <a:r>
               <a:rPr lang="en-CA" dirty="0"/>
-              <a:t>The Point of Implementation occurs when the source code is being altered to produce the new behaviour.</a:t>
-            </a:r>
-          </a:p>
-          <a:p>
+              <a:t>Reframe our understanding of documentation vis a vis complex/adaptive work.</a:t>
+            </a:r>
+          </a:p>
+          <a:p>
+            <a:pPr lvl="0"/>
             <a:r>
               <a:rPr lang="en-CA" dirty="0"/>
-              <a:t>The new feature is said to have been “implemented” when the Product Developer or user can execute the new feature.</a:t>
-            </a:r>
-          </a:p>
-        </p:txBody>
-      </p:sp>
-      <p:sp>
-        <p:nvSpPr>
-          <p:cNvPr id="4" name="Text Placeholder 3">
+              <a:t>Reframe our understanding of ‘implementation’ — when does it occur?</a:t>
+            </a:r>
+          </a:p>
+          <a:p>
+            <a:pPr lvl="0"/>
+            <a:r>
+              <a:rPr lang="en-CA" dirty="0"/>
+              <a:t>Appraise commonly-used documents with respect to customer-recognizable value.</a:t>
+            </a:r>
+          </a:p>
+          <a:p>
+            <a:r>
+              <a:rPr lang="en-CA" dirty="0"/>
+              <a:t>Simplification. Excellence.</a:t>
+            </a:r>
+          </a:p>
+        </p:txBody>
+      </p:sp>
+      <p:sp>
+        <p:nvSpPr>
+          <p:cNvPr id="12" name="Text Placeholder 11">
             <a:extLst>
               <a:ext uri="{FF2B5EF4-FFF2-40B4-BE49-F238E27FC236}">
-                <a16:creationId xmlns:a16="http://schemas.microsoft.com/office/drawing/2014/main" id="{846BFD0B-CECF-4387-9876-66581D15C83B}"/>
+                <a16:creationId xmlns:a16="http://schemas.microsoft.com/office/drawing/2014/main" id="{CF4A2DD5-7830-4672-AE41-EDEF6B3AFBB7}"/>
               </a:ext>
             </a:extLst>
           </p:cNvPr>
@@ -17459,24 +19162,19 @@
             <p:ph type="body" sz="half" idx="2"/>
           </p:nvPr>
         </p:nvSpPr>
-        <p:spPr>
-          <a:xfrm>
-            <a:off x="839788" y="2048347"/>
-            <a:ext cx="3932237" cy="3811588"/>
-          </a:xfrm>
-        </p:spPr>
+        <p:spPr/>
         <p:txBody>
           <a:bodyPr/>
           <a:lstStyle/>
           <a:p>
-            <a:endParaRPr lang="en-CA" dirty="0"/>
+            <a:endParaRPr lang="en-CA"/>
           </a:p>
         </p:txBody>
       </p:sp>
     </p:spTree>
     <p:extLst>
       <p:ext uri="{BB962C8B-B14F-4D97-AF65-F5344CB8AC3E}">
-        <p14:creationId xmlns:p14="http://schemas.microsoft.com/office/powerpoint/2010/main" val="3626356022"/>
+        <p14:creationId xmlns:p14="http://schemas.microsoft.com/office/powerpoint/2010/main" val="734326663"/>
       </p:ext>
     </p:extLst>
   </p:cSld>
@@ -17505,10 +19203,10 @@
       </p:grpSpPr>
       <p:sp>
         <p:nvSpPr>
-          <p:cNvPr id="13" name="Title 12">
+          <p:cNvPr id="2" name="Title 1">
             <a:extLst>
               <a:ext uri="{FF2B5EF4-FFF2-40B4-BE49-F238E27FC236}">
-                <a16:creationId xmlns:a16="http://schemas.microsoft.com/office/drawing/2014/main" id="{8B14BBC7-5D1F-437D-8F3B-5EA04786B0F3}"/>
+                <a16:creationId xmlns:a16="http://schemas.microsoft.com/office/drawing/2014/main" id="{874AB12E-79CA-406F-902F-DFB574AEEA85}"/>
               </a:ext>
             </a:extLst>
           </p:cNvPr>
@@ -17526,17 +19224,17 @@
           <a:p>
             <a:r>
               <a:rPr lang="en-CA" dirty="0"/>
-              <a:t>IF IMPLEMENTING A NEW UI ELEMENT</a:t>
-            </a:r>
-          </a:p>
-        </p:txBody>
-      </p:sp>
-      <p:sp>
-        <p:nvSpPr>
-          <p:cNvPr id="8" name="Content Placeholder 7">
+              <a:t>Develop Working Agreements Based on Principles</a:t>
+            </a:r>
+          </a:p>
+        </p:txBody>
+      </p:sp>
+      <p:sp>
+        <p:nvSpPr>
+          <p:cNvPr id="3" name="Text Placeholder 2">
             <a:extLst>
               <a:ext uri="{FF2B5EF4-FFF2-40B4-BE49-F238E27FC236}">
-                <a16:creationId xmlns:a16="http://schemas.microsoft.com/office/drawing/2014/main" id="{CB376C22-2CDA-471D-B8FD-B39BB61E9403}"/>
+                <a16:creationId xmlns:a16="http://schemas.microsoft.com/office/drawing/2014/main" id="{FF91B8F9-7E2C-44F8-9467-9A96741BDCFF}"/>
               </a:ext>
             </a:extLst>
           </p:cNvPr>
@@ -17544,7 +19242,7 @@
             <a:spLocks noGrp="1"/>
           </p:cNvSpPr>
           <p:nvPr>
-            <p:ph idx="1"/>
+            <p:ph type="body" idx="1"/>
           </p:nvPr>
         </p:nvSpPr>
         <p:spPr/>
@@ -17553,19 +19251,18 @@
           <a:lstStyle/>
           <a:p>
             <a:r>
-              <a:rPr lang="en-CA" sz="2400" dirty="0"/>
-              <a:t>The Point of Implementation occurs when the user interface is being altered to display the new design.</a:t>
-            </a:r>
-            <a:endParaRPr lang="en-CA" dirty="0"/>
-          </a:p>
-        </p:txBody>
-      </p:sp>
-      <p:sp>
-        <p:nvSpPr>
-          <p:cNvPr id="4" name="Text Placeholder 3">
+              <a:rPr lang="en-CA" dirty="0"/>
+              <a:t>And unified practices will follow</a:t>
+            </a:r>
+          </a:p>
+        </p:txBody>
+      </p:sp>
+      <p:sp>
+        <p:nvSpPr>
+          <p:cNvPr id="4" name="Footer Placeholder 3">
             <a:extLst>
               <a:ext uri="{FF2B5EF4-FFF2-40B4-BE49-F238E27FC236}">
-                <a16:creationId xmlns:a16="http://schemas.microsoft.com/office/drawing/2014/main" id="{846BFD0B-CECF-4387-9876-66581D15C83B}"/>
+                <a16:creationId xmlns:a16="http://schemas.microsoft.com/office/drawing/2014/main" id="{5630B2F1-73B0-4C92-B7BE-0729AB65C3A6}"/>
               </a:ext>
             </a:extLst>
           </p:cNvPr>
@@ -17573,15 +19270,10 @@
             <a:spLocks noGrp="1"/>
           </p:cNvSpPr>
           <p:nvPr>
-            <p:ph type="body" sz="half" idx="2"/>
-          </p:nvPr>
-        </p:nvSpPr>
-        <p:spPr>
-          <a:xfrm>
-            <a:off x="839788" y="2048347"/>
-            <a:ext cx="3932237" cy="3811588"/>
-          </a:xfrm>
-        </p:spPr>
+            <p:ph type="ftr" sz="quarter" idx="11"/>
+          </p:nvPr>
+        </p:nvSpPr>
+        <p:spPr/>
         <p:txBody>
           <a:bodyPr/>
           <a:lstStyle/>
@@ -17593,7 +19285,7 @@
     </p:spTree>
     <p:extLst>
       <p:ext uri="{BB962C8B-B14F-4D97-AF65-F5344CB8AC3E}">
-        <p14:creationId xmlns:p14="http://schemas.microsoft.com/office/powerpoint/2010/main" val="3668833270"/>
+        <p14:creationId xmlns:p14="http://schemas.microsoft.com/office/powerpoint/2010/main" val="2931990339"/>
       </p:ext>
     </p:extLst>
   </p:cSld>
